--- a/teaching/semantics/04_lambda.pptx
+++ b/teaching/semantics/04_lambda.pptx
@@ -276,7 +276,7 @@
           <a:p>
             <a:fld id="{7952453C-A5FB-4FDE-A708-76FC0F8C47D7}" type="datetimeFigureOut">
               <a:rPr lang="zh-CN" altLang="en-US" smtClean="0"/>
-              <a:t>2019/10/13</a:t>
+              <a:t>2023/9/19</a:t>
             </a:fld>
             <a:endParaRPr lang="zh-CN" altLang="en-US"/>
           </a:p>
@@ -1816,7 +1816,7 @@
           <a:p>
             <a:fld id="{B797416A-26F7-4D36-8ACC-1F8188085B70}" type="datetimeFigureOut">
               <a:rPr lang="zh-CN" altLang="en-US" smtClean="0"/>
-              <a:t>2019/10/13</a:t>
+              <a:t>2023/9/19</a:t>
             </a:fld>
             <a:endParaRPr lang="zh-CN" altLang="en-US"/>
           </a:p>
@@ -1986,7 +1986,7 @@
           <a:p>
             <a:fld id="{B797416A-26F7-4D36-8ACC-1F8188085B70}" type="datetimeFigureOut">
               <a:rPr lang="zh-CN" altLang="en-US" smtClean="0"/>
-              <a:t>2019/10/13</a:t>
+              <a:t>2023/9/19</a:t>
             </a:fld>
             <a:endParaRPr lang="zh-CN" altLang="en-US"/>
           </a:p>
@@ -2166,7 +2166,7 @@
           <a:p>
             <a:fld id="{B797416A-26F7-4D36-8ACC-1F8188085B70}" type="datetimeFigureOut">
               <a:rPr lang="zh-CN" altLang="en-US" smtClean="0"/>
-              <a:t>2019/10/13</a:t>
+              <a:t>2023/9/19</a:t>
             </a:fld>
             <a:endParaRPr lang="zh-CN" altLang="en-US"/>
           </a:p>
@@ -2336,7 +2336,7 @@
           <a:p>
             <a:fld id="{B797416A-26F7-4D36-8ACC-1F8188085B70}" type="datetimeFigureOut">
               <a:rPr lang="zh-CN" altLang="en-US" smtClean="0"/>
-              <a:t>2019/10/13</a:t>
+              <a:t>2023/9/19</a:t>
             </a:fld>
             <a:endParaRPr lang="zh-CN" altLang="en-US"/>
           </a:p>
@@ -2580,7 +2580,7 @@
           <a:p>
             <a:fld id="{B797416A-26F7-4D36-8ACC-1F8188085B70}" type="datetimeFigureOut">
               <a:rPr lang="zh-CN" altLang="en-US" smtClean="0"/>
-              <a:t>2019/10/13</a:t>
+              <a:t>2023/9/19</a:t>
             </a:fld>
             <a:endParaRPr lang="zh-CN" altLang="en-US"/>
           </a:p>
@@ -2812,7 +2812,7 @@
           <a:p>
             <a:fld id="{B797416A-26F7-4D36-8ACC-1F8188085B70}" type="datetimeFigureOut">
               <a:rPr lang="zh-CN" altLang="en-US" smtClean="0"/>
-              <a:t>2019/10/13</a:t>
+              <a:t>2023/9/19</a:t>
             </a:fld>
             <a:endParaRPr lang="zh-CN" altLang="en-US"/>
           </a:p>
@@ -3179,7 +3179,7 @@
           <a:p>
             <a:fld id="{B797416A-26F7-4D36-8ACC-1F8188085B70}" type="datetimeFigureOut">
               <a:rPr lang="zh-CN" altLang="en-US" smtClean="0"/>
-              <a:t>2019/10/13</a:t>
+              <a:t>2023/9/19</a:t>
             </a:fld>
             <a:endParaRPr lang="zh-CN" altLang="en-US"/>
           </a:p>
@@ -3297,7 +3297,7 @@
           <a:p>
             <a:fld id="{B797416A-26F7-4D36-8ACC-1F8188085B70}" type="datetimeFigureOut">
               <a:rPr lang="zh-CN" altLang="en-US" smtClean="0"/>
-              <a:t>2019/10/13</a:t>
+              <a:t>2023/9/19</a:t>
             </a:fld>
             <a:endParaRPr lang="zh-CN" altLang="en-US"/>
           </a:p>
@@ -3392,7 +3392,7 @@
           <a:p>
             <a:fld id="{B797416A-26F7-4D36-8ACC-1F8188085B70}" type="datetimeFigureOut">
               <a:rPr lang="zh-CN" altLang="en-US" smtClean="0"/>
-              <a:t>2019/10/13</a:t>
+              <a:t>2023/9/19</a:t>
             </a:fld>
             <a:endParaRPr lang="zh-CN" altLang="en-US"/>
           </a:p>
@@ -3669,7 +3669,7 @@
           <a:p>
             <a:fld id="{B797416A-26F7-4D36-8ACC-1F8188085B70}" type="datetimeFigureOut">
               <a:rPr lang="zh-CN" altLang="en-US" smtClean="0"/>
-              <a:t>2019/10/13</a:t>
+              <a:t>2023/9/19</a:t>
             </a:fld>
             <a:endParaRPr lang="zh-CN" altLang="en-US"/>
           </a:p>
@@ -3926,7 +3926,7 @@
           <a:p>
             <a:fld id="{B797416A-26F7-4D36-8ACC-1F8188085B70}" type="datetimeFigureOut">
               <a:rPr lang="zh-CN" altLang="en-US" smtClean="0"/>
-              <a:t>2019/10/13</a:t>
+              <a:t>2023/9/19</a:t>
             </a:fld>
             <a:endParaRPr lang="zh-CN" altLang="en-US"/>
           </a:p>
@@ -4139,7 +4139,7 @@
           <a:p>
             <a:fld id="{B797416A-26F7-4D36-8ACC-1F8188085B70}" type="datetimeFigureOut">
               <a:rPr lang="zh-CN" altLang="en-US" smtClean="0"/>
-              <a:t>2019/10/13</a:t>
+              <a:t>2023/9/19</a:t>
             </a:fld>
             <a:endParaRPr lang="zh-CN" altLang="en-US"/>
           </a:p>
@@ -7719,325 +7719,405 @@
           </a:p>
         </p:txBody>
       </p:sp>
-      <p:sp>
-        <p:nvSpPr>
-          <p:cNvPr id="3" name="内容占位符 2"/>
-          <p:cNvSpPr>
-            <a:spLocks noGrp="1"/>
-          </p:cNvSpPr>
-          <p:nvPr>
-            <p:ph idx="1"/>
-          </p:nvPr>
-        </p:nvSpPr>
-        <p:spPr>
-          <a:xfrm>
-            <a:off x="628650" y="1825624"/>
-            <a:ext cx="7886700" cy="4774467"/>
-          </a:xfrm>
-        </p:spPr>
-        <p:txBody>
-          <a:bodyPr>
-            <a:normAutofit/>
-          </a:bodyPr>
-          <a:lstStyle/>
-          <a:p>
-            <a:r>
-              <a:rPr lang="en-US" altLang="zh-CN" dirty="0"/>
-              <a:t>Recall  </a:t>
-            </a:r>
-            <a:r>
-              <a:rPr lang="en-US" altLang="zh-CN" dirty="0">
-                <a:solidFill>
-                  <a:srgbClr val="C00000"/>
-                </a:solidFill>
-                <a:sym typeface="Symbol" panose="05050102010706020507" pitchFamily="18" charset="2"/>
-              </a:rPr>
-              <a:t>M</a:t>
-            </a:r>
-            <a:r>
-              <a:rPr lang="en-US" altLang="zh-CN" dirty="0">
-                <a:sym typeface="Symbol" panose="05050102010706020507" pitchFamily="18" charset="2"/>
-              </a:rPr>
-              <a:t>, </a:t>
-            </a:r>
-            <a:r>
-              <a:rPr lang="en-US" altLang="zh-CN" dirty="0">
-                <a:solidFill>
-                  <a:srgbClr val="C00000"/>
-                </a:solidFill>
-                <a:sym typeface="Symbol" panose="05050102010706020507" pitchFamily="18" charset="2"/>
-              </a:rPr>
-              <a:t>N</a:t>
-            </a:r>
-            <a:r>
-              <a:rPr lang="en-US" altLang="zh-CN" dirty="0">
-                <a:sym typeface="Symbol" panose="05050102010706020507" pitchFamily="18" charset="2"/>
-              </a:rPr>
-              <a:t>  ::=  </a:t>
-            </a:r>
-            <a:r>
-              <a:rPr lang="en-US" altLang="zh-CN" dirty="0">
-                <a:solidFill>
-                  <a:srgbClr val="C00000"/>
-                </a:solidFill>
-                <a:sym typeface="Symbol" panose="05050102010706020507" pitchFamily="18" charset="2"/>
-              </a:rPr>
-              <a:t>x</a:t>
-            </a:r>
-            <a:r>
-              <a:rPr lang="en-US" altLang="zh-CN" dirty="0">
-                <a:sym typeface="Symbol" panose="05050102010706020507" pitchFamily="18" charset="2"/>
-              </a:rPr>
-              <a:t>  |  </a:t>
-            </a:r>
-            <a:r>
-              <a:rPr lang="en-US" altLang="zh-CN" dirty="0">
-                <a:solidFill>
-                  <a:srgbClr val="C00000"/>
-                </a:solidFill>
-                <a:sym typeface="Symbol" panose="05050102010706020507" pitchFamily="18" charset="2"/>
-              </a:rPr>
-              <a:t>x. M  </a:t>
-            </a:r>
-            <a:r>
-              <a:rPr lang="en-US" altLang="zh-CN" dirty="0">
-                <a:sym typeface="Symbol" panose="05050102010706020507" pitchFamily="18" charset="2"/>
-              </a:rPr>
-              <a:t>|  </a:t>
-            </a:r>
-            <a:r>
-              <a:rPr lang="en-US" altLang="zh-CN" dirty="0">
-                <a:solidFill>
-                  <a:srgbClr val="C00000"/>
-                </a:solidFill>
-                <a:sym typeface="Symbol" panose="05050102010706020507" pitchFamily="18" charset="2"/>
-              </a:rPr>
-              <a:t>M N</a:t>
-            </a:r>
-            <a:endParaRPr lang="en-US" altLang="zh-CN" dirty="0"/>
-          </a:p>
-          <a:p>
-            <a:r>
-              <a:rPr lang="en-US" altLang="zh-CN" dirty="0" err="1"/>
-              <a:t>fv</a:t>
-            </a:r>
-            <a:r>
-              <a:rPr lang="en-US" altLang="zh-CN" dirty="0"/>
-              <a:t>(M): the set of free variables in M</a:t>
-            </a:r>
-          </a:p>
-          <a:p>
-            <a:pPr marL="0" indent="0">
-              <a:buNone/>
-            </a:pPr>
-            <a:r>
-              <a:rPr lang="en-US" altLang="zh-CN" dirty="0"/>
-              <a:t>            </a:t>
-            </a:r>
-            <a:r>
-              <a:rPr lang="en-US" altLang="zh-CN" sz="2400" dirty="0" err="1"/>
-              <a:t>fv</a:t>
-            </a:r>
-            <a:r>
-              <a:rPr lang="en-US" altLang="zh-CN" sz="2400" dirty="0"/>
-              <a:t>(x)         </a:t>
-            </a:r>
-            <a:r>
-              <a:rPr lang="en-US" altLang="zh-CN" sz="2400" dirty="0">
-                <a:sym typeface="Symbol" panose="05050102010706020507" pitchFamily="18" charset="2"/>
-              </a:rPr>
-              <a:t></a:t>
-            </a:r>
-            <a:r>
-              <a:rPr lang="en-US" altLang="zh-CN" sz="2400" dirty="0"/>
-              <a:t>  {x}</a:t>
-            </a:r>
-          </a:p>
-          <a:p>
-            <a:pPr marL="0" indent="0">
-              <a:buNone/>
-            </a:pPr>
-            <a:r>
-              <a:rPr lang="en-US" altLang="zh-CN" sz="2400" dirty="0"/>
-              <a:t>              </a:t>
-            </a:r>
-            <a:r>
-              <a:rPr lang="en-US" altLang="zh-CN" sz="2400" dirty="0" err="1"/>
-              <a:t>fv</a:t>
-            </a:r>
-            <a:r>
-              <a:rPr lang="en-US" altLang="zh-CN" sz="2400" dirty="0"/>
-              <a:t>(</a:t>
-            </a:r>
-            <a:r>
-              <a:rPr lang="en-US" altLang="zh-CN" sz="2400" dirty="0">
-                <a:sym typeface="Symbol" panose="05050102010706020507" pitchFamily="18" charset="2"/>
-              </a:rPr>
-              <a:t></a:t>
-            </a:r>
-            <a:r>
-              <a:rPr lang="en-US" altLang="zh-CN" sz="2400" dirty="0" err="1">
-                <a:sym typeface="Symbol" panose="05050102010706020507" pitchFamily="18" charset="2"/>
-              </a:rPr>
-              <a:t>x.M</a:t>
-            </a:r>
-            <a:r>
-              <a:rPr lang="en-US" altLang="zh-CN" sz="2400" dirty="0">
-                <a:sym typeface="Symbol" panose="05050102010706020507" pitchFamily="18" charset="2"/>
-              </a:rPr>
-              <a:t>)    </a:t>
-            </a:r>
-            <a:r>
-              <a:rPr lang="en-US" altLang="zh-CN" sz="2400" dirty="0" err="1">
-                <a:sym typeface="Symbol" panose="05050102010706020507" pitchFamily="18" charset="2"/>
-              </a:rPr>
-              <a:t>fv</a:t>
-            </a:r>
-            <a:r>
-              <a:rPr lang="en-US" altLang="zh-CN" sz="2400" dirty="0">
-                <a:sym typeface="Symbol" panose="05050102010706020507" pitchFamily="18" charset="2"/>
-              </a:rPr>
-              <a:t>(M) \ {x}</a:t>
-            </a:r>
-          </a:p>
-          <a:p>
-            <a:pPr marL="0" indent="0">
-              <a:buNone/>
-            </a:pPr>
-            <a:r>
-              <a:rPr lang="en-US" altLang="zh-CN" sz="2400" dirty="0">
-                <a:sym typeface="Symbol" panose="05050102010706020507" pitchFamily="18" charset="2"/>
-              </a:rPr>
-              <a:t>              </a:t>
-            </a:r>
-            <a:r>
-              <a:rPr lang="en-US" altLang="zh-CN" sz="2400" dirty="0" err="1">
-                <a:sym typeface="Symbol" panose="05050102010706020507" pitchFamily="18" charset="2"/>
-              </a:rPr>
-              <a:t>fv</a:t>
-            </a:r>
-            <a:r>
-              <a:rPr lang="en-US" altLang="zh-CN" sz="2400" dirty="0">
-                <a:sym typeface="Symbol" panose="05050102010706020507" pitchFamily="18" charset="2"/>
-              </a:rPr>
-              <a:t>(M N)      </a:t>
-            </a:r>
-            <a:r>
-              <a:rPr lang="en-US" altLang="zh-CN" sz="2400" dirty="0" err="1">
-                <a:sym typeface="Symbol" panose="05050102010706020507" pitchFamily="18" charset="2"/>
-              </a:rPr>
-              <a:t>fv</a:t>
-            </a:r>
-            <a:r>
-              <a:rPr lang="en-US" altLang="zh-CN" sz="2400" dirty="0">
-                <a:sym typeface="Symbol" panose="05050102010706020507" pitchFamily="18" charset="2"/>
-              </a:rPr>
-              <a:t>(M)  </a:t>
-            </a:r>
-            <a:r>
-              <a:rPr lang="en-US" altLang="zh-CN" sz="2400" dirty="0" err="1">
-                <a:sym typeface="Symbol" panose="05050102010706020507" pitchFamily="18" charset="2"/>
-              </a:rPr>
-              <a:t>fv</a:t>
-            </a:r>
-            <a:r>
-              <a:rPr lang="en-US" altLang="zh-CN" sz="2400" dirty="0">
-                <a:sym typeface="Symbol" panose="05050102010706020507" pitchFamily="18" charset="2"/>
-              </a:rPr>
-              <a:t>(N)</a:t>
-            </a:r>
-          </a:p>
-          <a:p>
-            <a:pPr>
-              <a:spcBef>
-                <a:spcPts val="1800"/>
-              </a:spcBef>
-            </a:pPr>
-            <a:r>
-              <a:rPr lang="en-US" altLang="zh-CN" dirty="0">
-                <a:sym typeface="Symbol" panose="05050102010706020507" pitchFamily="18" charset="2"/>
-              </a:rPr>
-              <a:t>Example</a:t>
-            </a:r>
-          </a:p>
-          <a:p>
-            <a:pPr marL="457200" lvl="1" indent="0">
-              <a:spcBef>
-                <a:spcPts val="1800"/>
-              </a:spcBef>
-              <a:buNone/>
-            </a:pPr>
-            <a:r>
-              <a:rPr lang="en-US" altLang="zh-CN" dirty="0">
-                <a:sym typeface="Symbol" panose="05050102010706020507" pitchFamily="18" charset="2"/>
-              </a:rPr>
-              <a:t>       </a:t>
-            </a:r>
-            <a:r>
-              <a:rPr lang="en-US" altLang="zh-CN" dirty="0" err="1"/>
-              <a:t>fv</a:t>
-            </a:r>
-            <a:r>
-              <a:rPr lang="en-US" altLang="zh-CN" dirty="0"/>
-              <a:t>((</a:t>
-            </a:r>
-            <a:r>
-              <a:rPr lang="en-US" altLang="zh-CN" dirty="0">
-                <a:sym typeface="Symbol" panose="05050102010706020507" pitchFamily="18" charset="2"/>
-              </a:rPr>
-              <a:t>x. x) </a:t>
-            </a:r>
-            <a:r>
-              <a:rPr lang="en-US" altLang="zh-CN" dirty="0"/>
-              <a:t>x)  =  {x}</a:t>
-            </a:r>
-          </a:p>
-          <a:p>
-            <a:pPr marL="457200" lvl="1" indent="0">
-              <a:spcBef>
-                <a:spcPts val="1800"/>
-              </a:spcBef>
-              <a:buNone/>
-            </a:pPr>
-            <a:r>
-              <a:rPr lang="en-US" altLang="zh-CN" dirty="0"/>
-              <a:t>       </a:t>
-            </a:r>
-            <a:r>
-              <a:rPr lang="en-US" altLang="zh-CN" dirty="0" err="1"/>
-              <a:t>fv</a:t>
-            </a:r>
-            <a:r>
-              <a:rPr lang="en-US" altLang="zh-CN" dirty="0"/>
-              <a:t>((</a:t>
-            </a:r>
-            <a:r>
-              <a:rPr lang="en-US" altLang="zh-CN" dirty="0">
-                <a:sym typeface="Symbol" panose="05050102010706020507" pitchFamily="18" charset="2"/>
-              </a:rPr>
-              <a:t>x. x + y) </a:t>
-            </a:r>
-            <a:r>
-              <a:rPr lang="en-US" altLang="zh-CN" dirty="0"/>
-              <a:t>x)  =  {x, y}</a:t>
-            </a:r>
-            <a:endParaRPr lang="en-US" altLang="zh-CN" dirty="0">
-              <a:sym typeface="Symbol" panose="05050102010706020507" pitchFamily="18" charset="2"/>
-            </a:endParaRPr>
-          </a:p>
-          <a:p>
-            <a:pPr marL="457200" lvl="1" indent="0">
-              <a:spcBef>
-                <a:spcPts val="1800"/>
-              </a:spcBef>
-              <a:buNone/>
-            </a:pPr>
-            <a:endParaRPr lang="en-US" altLang="zh-CN" dirty="0">
-              <a:sym typeface="Symbol" panose="05050102010706020507" pitchFamily="18" charset="2"/>
-            </a:endParaRPr>
-          </a:p>
-        </p:txBody>
-      </p:sp>
+      <mc:AlternateContent xmlns:mc="http://schemas.openxmlformats.org/markup-compatibility/2006">
+        <mc:Choice xmlns:a14="http://schemas.microsoft.com/office/drawing/2010/main" Requires="a14">
+          <p:sp>
+            <p:nvSpPr>
+              <p:cNvPr id="3" name="内容占位符 2"/>
+              <p:cNvSpPr>
+                <a:spLocks noGrp="1"/>
+              </p:cNvSpPr>
+              <p:nvPr>
+                <p:ph idx="1"/>
+              </p:nvPr>
+            </p:nvSpPr>
+            <p:spPr>
+              <a:xfrm>
+                <a:off x="628650" y="1825624"/>
+                <a:ext cx="7886700" cy="4774467"/>
+              </a:xfrm>
+            </p:spPr>
+            <p:txBody>
+              <a:bodyPr>
+                <a:normAutofit/>
+              </a:bodyPr>
+              <a:lstStyle/>
+              <a:p>
+                <a:r>
+                  <a:rPr lang="en-US" altLang="zh-CN" dirty="0"/>
+                  <a:t>Recall  </a:t>
+                </a:r>
+                <a:r>
+                  <a:rPr lang="en-US" altLang="zh-CN" dirty="0">
+                    <a:solidFill>
+                      <a:srgbClr val="C00000"/>
+                    </a:solidFill>
+                    <a:sym typeface="Symbol" panose="05050102010706020507" pitchFamily="18" charset="2"/>
+                  </a:rPr>
+                  <a:t>M</a:t>
+                </a:r>
+                <a:r>
+                  <a:rPr lang="en-US" altLang="zh-CN" dirty="0">
+                    <a:sym typeface="Symbol" panose="05050102010706020507" pitchFamily="18" charset="2"/>
+                  </a:rPr>
+                  <a:t>, </a:t>
+                </a:r>
+                <a:r>
+                  <a:rPr lang="en-US" altLang="zh-CN" dirty="0">
+                    <a:solidFill>
+                      <a:srgbClr val="C00000"/>
+                    </a:solidFill>
+                    <a:sym typeface="Symbol" panose="05050102010706020507" pitchFamily="18" charset="2"/>
+                  </a:rPr>
+                  <a:t>N</a:t>
+                </a:r>
+                <a:r>
+                  <a:rPr lang="en-US" altLang="zh-CN" dirty="0">
+                    <a:sym typeface="Symbol" panose="05050102010706020507" pitchFamily="18" charset="2"/>
+                  </a:rPr>
+                  <a:t>  ::=  </a:t>
+                </a:r>
+                <a:r>
+                  <a:rPr lang="en-US" altLang="zh-CN" dirty="0">
+                    <a:solidFill>
+                      <a:srgbClr val="C00000"/>
+                    </a:solidFill>
+                    <a:sym typeface="Symbol" panose="05050102010706020507" pitchFamily="18" charset="2"/>
+                  </a:rPr>
+                  <a:t>x</a:t>
+                </a:r>
+                <a:r>
+                  <a:rPr lang="en-US" altLang="zh-CN" dirty="0">
+                    <a:sym typeface="Symbol" panose="05050102010706020507" pitchFamily="18" charset="2"/>
+                  </a:rPr>
+                  <a:t>  |  </a:t>
+                </a:r>
+                <a:r>
+                  <a:rPr lang="en-US" altLang="zh-CN" dirty="0">
+                    <a:solidFill>
+                      <a:srgbClr val="C00000"/>
+                    </a:solidFill>
+                    <a:sym typeface="Symbol" panose="05050102010706020507" pitchFamily="18" charset="2"/>
+                  </a:rPr>
+                  <a:t>x. M  </a:t>
+                </a:r>
+                <a:r>
+                  <a:rPr lang="en-US" altLang="zh-CN" dirty="0">
+                    <a:sym typeface="Symbol" panose="05050102010706020507" pitchFamily="18" charset="2"/>
+                  </a:rPr>
+                  <a:t>|  </a:t>
+                </a:r>
+                <a:r>
+                  <a:rPr lang="en-US" altLang="zh-CN" dirty="0">
+                    <a:solidFill>
+                      <a:srgbClr val="C00000"/>
+                    </a:solidFill>
+                    <a:sym typeface="Symbol" panose="05050102010706020507" pitchFamily="18" charset="2"/>
+                  </a:rPr>
+                  <a:t>M N</a:t>
+                </a:r>
+                <a:endParaRPr lang="en-US" altLang="zh-CN" dirty="0"/>
+              </a:p>
+              <a:p>
+                <a:r>
+                  <a:rPr lang="en-US" altLang="zh-CN" dirty="0" err="1"/>
+                  <a:t>fv</a:t>
+                </a:r>
+                <a:r>
+                  <a:rPr lang="en-US" altLang="zh-CN" dirty="0"/>
+                  <a:t>(M): the set of free variables in M</a:t>
+                </a:r>
+              </a:p>
+              <a:p>
+                <a:pPr marL="0" indent="0">
+                  <a:buNone/>
+                </a:pPr>
+                <a:r>
+                  <a:rPr lang="en-US" altLang="zh-CN" dirty="0"/>
+                  <a:t>            </a:t>
+                </a:r>
+                <a:r>
+                  <a:rPr lang="en-US" altLang="zh-CN" sz="2400" dirty="0" err="1"/>
+                  <a:t>fv</a:t>
+                </a:r>
+                <a:r>
+                  <a:rPr lang="en-US" altLang="zh-CN" sz="2400" dirty="0"/>
+                  <a:t>(x)        </a:t>
+                </a:r>
+                <a14:m>
+                  <m:oMath xmlns:m="http://schemas.openxmlformats.org/officeDocument/2006/math">
+                    <m:r>
+                      <a:rPr lang="en-US" altLang="zh-CN" sz="2400" i="1" smtClean="0">
+                        <a:latin typeface="Cambria Math" panose="02040503050406030204" pitchFamily="18" charset="0"/>
+                        <a:sym typeface="Symbol" panose="05050102010706020507" pitchFamily="18" charset="2"/>
+                      </a:rPr>
+                      <m:t>≝</m:t>
+                    </m:r>
+                  </m:oMath>
+                </a14:m>
+                <a:r>
+                  <a:rPr lang="en-US" altLang="zh-CN" sz="2400" dirty="0"/>
+                  <a:t>  {x}</a:t>
+                </a:r>
+              </a:p>
+              <a:p>
+                <a:pPr marL="0" indent="0">
+                  <a:buNone/>
+                </a:pPr>
+                <a:r>
+                  <a:rPr lang="en-US" altLang="zh-CN" sz="2400" dirty="0"/>
+                  <a:t>              </a:t>
+                </a:r>
+                <a:r>
+                  <a:rPr lang="en-US" altLang="zh-CN" sz="2400" dirty="0" err="1"/>
+                  <a:t>fv</a:t>
+                </a:r>
+                <a:r>
+                  <a:rPr lang="en-US" altLang="zh-CN" sz="2400" dirty="0"/>
+                  <a:t>(</a:t>
+                </a:r>
+                <a:r>
+                  <a:rPr lang="en-US" altLang="zh-CN" sz="2400" dirty="0">
+                    <a:sym typeface="Symbol" panose="05050102010706020507" pitchFamily="18" charset="2"/>
+                  </a:rPr>
+                  <a:t></a:t>
+                </a:r>
+                <a:r>
+                  <a:rPr lang="en-US" altLang="zh-CN" sz="2400" dirty="0" err="1">
+                    <a:sym typeface="Symbol" panose="05050102010706020507" pitchFamily="18" charset="2"/>
+                  </a:rPr>
+                  <a:t>x.M</a:t>
+                </a:r>
+                <a:r>
+                  <a:rPr lang="en-US" altLang="zh-CN" sz="2400" dirty="0">
+                    <a:sym typeface="Symbol" panose="05050102010706020507" pitchFamily="18" charset="2"/>
+                  </a:rPr>
+                  <a:t>) </a:t>
+                </a:r>
+                <a14:m>
+                  <m:oMath xmlns:m="http://schemas.openxmlformats.org/officeDocument/2006/math">
+                    <m:r>
+                      <a:rPr lang="en-US" altLang="zh-CN" sz="2400" i="1">
+                        <a:latin typeface="Cambria Math" panose="02040503050406030204" pitchFamily="18" charset="0"/>
+                        <a:sym typeface="Symbol" panose="05050102010706020507" pitchFamily="18" charset="2"/>
+                      </a:rPr>
+                      <m:t>≝</m:t>
+                    </m:r>
+                  </m:oMath>
+                </a14:m>
+                <a:r>
+                  <a:rPr lang="en-US" altLang="zh-CN" sz="2400" dirty="0">
+                    <a:sym typeface="Symbol" panose="05050102010706020507" pitchFamily="18" charset="2"/>
+                  </a:rPr>
+                  <a:t>  </a:t>
+                </a:r>
+                <a:r>
+                  <a:rPr lang="en-US" altLang="zh-CN" sz="2400" dirty="0" err="1">
+                    <a:sym typeface="Symbol" panose="05050102010706020507" pitchFamily="18" charset="2"/>
+                  </a:rPr>
+                  <a:t>fv</a:t>
+                </a:r>
+                <a:r>
+                  <a:rPr lang="en-US" altLang="zh-CN" sz="2400" dirty="0">
+                    <a:sym typeface="Symbol" panose="05050102010706020507" pitchFamily="18" charset="2"/>
+                  </a:rPr>
+                  <a:t>(M) \ {x}</a:t>
+                </a:r>
+              </a:p>
+              <a:p>
+                <a:pPr marL="0" indent="0">
+                  <a:buNone/>
+                </a:pPr>
+                <a:r>
+                  <a:rPr lang="en-US" altLang="zh-CN" sz="2400" dirty="0">
+                    <a:sym typeface="Symbol" panose="05050102010706020507" pitchFamily="18" charset="2"/>
+                  </a:rPr>
+                  <a:t>              </a:t>
+                </a:r>
+                <a:r>
+                  <a:rPr lang="en-US" altLang="zh-CN" sz="2400" dirty="0" err="1">
+                    <a:sym typeface="Symbol" panose="05050102010706020507" pitchFamily="18" charset="2"/>
+                  </a:rPr>
+                  <a:t>fv</a:t>
+                </a:r>
+                <a:r>
+                  <a:rPr lang="en-US" altLang="zh-CN" sz="2400" dirty="0">
+                    <a:sym typeface="Symbol" panose="05050102010706020507" pitchFamily="18" charset="2"/>
+                  </a:rPr>
+                  <a:t>(M N)   </a:t>
+                </a:r>
+                <a14:m>
+                  <m:oMath xmlns:m="http://schemas.openxmlformats.org/officeDocument/2006/math">
+                    <m:r>
+                      <a:rPr lang="en-US" altLang="zh-CN" sz="2400" i="1">
+                        <a:latin typeface="Cambria Math" panose="02040503050406030204" pitchFamily="18" charset="0"/>
+                        <a:sym typeface="Symbol" panose="05050102010706020507" pitchFamily="18" charset="2"/>
+                      </a:rPr>
+                      <m:t>≝</m:t>
+                    </m:r>
+                  </m:oMath>
+                </a14:m>
+                <a:r>
+                  <a:rPr lang="en-US" altLang="zh-CN" sz="2400" dirty="0">
+                    <a:sym typeface="Symbol" panose="05050102010706020507" pitchFamily="18" charset="2"/>
+                  </a:rPr>
+                  <a:t>  </a:t>
+                </a:r>
+                <a:r>
+                  <a:rPr lang="en-US" altLang="zh-CN" sz="2400" dirty="0" err="1">
+                    <a:sym typeface="Symbol" panose="05050102010706020507" pitchFamily="18" charset="2"/>
+                  </a:rPr>
+                  <a:t>fv</a:t>
+                </a:r>
+                <a:r>
+                  <a:rPr lang="en-US" altLang="zh-CN" sz="2400" dirty="0">
+                    <a:sym typeface="Symbol" panose="05050102010706020507" pitchFamily="18" charset="2"/>
+                  </a:rPr>
+                  <a:t>(M)  </a:t>
+                </a:r>
+                <a:r>
+                  <a:rPr lang="en-US" altLang="zh-CN" sz="2400" dirty="0" err="1">
+                    <a:sym typeface="Symbol" panose="05050102010706020507" pitchFamily="18" charset="2"/>
+                  </a:rPr>
+                  <a:t>fv</a:t>
+                </a:r>
+                <a:r>
+                  <a:rPr lang="en-US" altLang="zh-CN" sz="2400" dirty="0">
+                    <a:sym typeface="Symbol" panose="05050102010706020507" pitchFamily="18" charset="2"/>
+                  </a:rPr>
+                  <a:t>(N)</a:t>
+                </a:r>
+              </a:p>
+              <a:p>
+                <a:pPr>
+                  <a:spcBef>
+                    <a:spcPts val="1800"/>
+                  </a:spcBef>
+                </a:pPr>
+                <a:r>
+                  <a:rPr lang="en-US" altLang="zh-CN" dirty="0">
+                    <a:sym typeface="Symbol" panose="05050102010706020507" pitchFamily="18" charset="2"/>
+                  </a:rPr>
+                  <a:t>Example</a:t>
+                </a:r>
+              </a:p>
+              <a:p>
+                <a:pPr marL="457200" lvl="1" indent="0">
+                  <a:spcBef>
+                    <a:spcPts val="1800"/>
+                  </a:spcBef>
+                  <a:buNone/>
+                </a:pPr>
+                <a:r>
+                  <a:rPr lang="en-US" altLang="zh-CN" dirty="0">
+                    <a:sym typeface="Symbol" panose="05050102010706020507" pitchFamily="18" charset="2"/>
+                  </a:rPr>
+                  <a:t>       </a:t>
+                </a:r>
+                <a:r>
+                  <a:rPr lang="en-US" altLang="zh-CN" dirty="0" err="1"/>
+                  <a:t>fv</a:t>
+                </a:r>
+                <a:r>
+                  <a:rPr lang="en-US" altLang="zh-CN" dirty="0"/>
+                  <a:t>((</a:t>
+                </a:r>
+                <a:r>
+                  <a:rPr lang="en-US" altLang="zh-CN" dirty="0">
+                    <a:sym typeface="Symbol" panose="05050102010706020507" pitchFamily="18" charset="2"/>
+                  </a:rPr>
+                  <a:t>x. x) </a:t>
+                </a:r>
+                <a:r>
+                  <a:rPr lang="en-US" altLang="zh-CN" dirty="0"/>
+                  <a:t>x)  =  {x}</a:t>
+                </a:r>
+              </a:p>
+              <a:p>
+                <a:pPr marL="457200" lvl="1" indent="0">
+                  <a:spcBef>
+                    <a:spcPts val="1800"/>
+                  </a:spcBef>
+                  <a:buNone/>
+                </a:pPr>
+                <a:r>
+                  <a:rPr lang="en-US" altLang="zh-CN" dirty="0"/>
+                  <a:t>       </a:t>
+                </a:r>
+                <a:r>
+                  <a:rPr lang="en-US" altLang="zh-CN" dirty="0" err="1"/>
+                  <a:t>fv</a:t>
+                </a:r>
+                <a:r>
+                  <a:rPr lang="en-US" altLang="zh-CN" dirty="0"/>
+                  <a:t>((</a:t>
+                </a:r>
+                <a:r>
+                  <a:rPr lang="en-US" altLang="zh-CN" dirty="0">
+                    <a:sym typeface="Symbol" panose="05050102010706020507" pitchFamily="18" charset="2"/>
+                  </a:rPr>
+                  <a:t>x. x + y) </a:t>
+                </a:r>
+                <a:r>
+                  <a:rPr lang="en-US" altLang="zh-CN" dirty="0"/>
+                  <a:t>x)  =  {x, y}</a:t>
+                </a:r>
+                <a:endParaRPr lang="en-US" altLang="zh-CN" dirty="0">
+                  <a:sym typeface="Symbol" panose="05050102010706020507" pitchFamily="18" charset="2"/>
+                </a:endParaRPr>
+              </a:p>
+              <a:p>
+                <a:pPr marL="457200" lvl="1" indent="0">
+                  <a:spcBef>
+                    <a:spcPts val="1800"/>
+                  </a:spcBef>
+                  <a:buNone/>
+                </a:pPr>
+                <a:endParaRPr lang="en-US" altLang="zh-CN" dirty="0">
+                  <a:sym typeface="Symbol" panose="05050102010706020507" pitchFamily="18" charset="2"/>
+                </a:endParaRPr>
+              </a:p>
+            </p:txBody>
+          </p:sp>
+        </mc:Choice>
+        <mc:Fallback>
+          <p:sp>
+            <p:nvSpPr>
+              <p:cNvPr id="3" name="内容占位符 2"/>
+              <p:cNvSpPr>
+                <a:spLocks noGrp="1" noRot="1" noChangeAspect="1" noMove="1" noResize="1" noEditPoints="1" noAdjustHandles="1" noChangeArrowheads="1" noChangeShapeType="1" noTextEdit="1"/>
+              </p:cNvSpPr>
+              <p:nvPr>
+                <p:ph idx="1"/>
+              </p:nvPr>
+            </p:nvSpPr>
+            <p:spPr>
+              <a:xfrm>
+                <a:off x="628650" y="1825624"/>
+                <a:ext cx="7886700" cy="4774467"/>
+              </a:xfrm>
+              <a:blipFill>
+                <a:blip r:embed="rId2"/>
+                <a:stretch>
+                  <a:fillRect l="-1391" t="-2423"/>
+                </a:stretch>
+              </a:blipFill>
+            </p:spPr>
+            <p:txBody>
+              <a:bodyPr/>
+              <a:lstStyle/>
+              <a:p>
+                <a:r>
+                  <a:rPr lang="zh-CN" altLang="en-US">
+                    <a:noFill/>
+                  </a:rPr>
+                  <a:t> </a:t>
+                </a:r>
+              </a:p>
+            </p:txBody>
+          </p:sp>
+        </mc:Fallback>
+      </mc:AlternateContent>
       <p:sp>
         <p:nvSpPr>
           <p:cNvPr id="5" name="文本框 4"/>
@@ -8134,345 +8214,6 @@
   <p:clrMapOvr>
     <a:masterClrMapping/>
   </p:clrMapOvr>
-  <p:timing>
-    <p:tnLst>
-      <p:par>
-        <p:cTn id="1" dur="indefinite" restart="never" nodeType="tmRoot">
-          <p:childTnLst>
-            <p:seq concurrent="1" nextAc="seek">
-              <p:cTn id="2" dur="indefinite" nodeType="mainSeq">
-                <p:childTnLst>
-                  <p:par>
-                    <p:cTn id="3" fill="hold">
-                      <p:stCondLst>
-                        <p:cond delay="indefinite"/>
-                      </p:stCondLst>
-                      <p:childTnLst>
-                        <p:par>
-                          <p:cTn id="4" fill="hold">
-                            <p:stCondLst>
-                              <p:cond delay="0"/>
-                            </p:stCondLst>
-                            <p:childTnLst>
-                              <p:par>
-                                <p:cTn id="5" presetID="42" presetClass="entr" presetSubtype="0" fill="hold" nodeType="clickEffect">
-                                  <p:stCondLst>
-                                    <p:cond delay="0"/>
-                                  </p:stCondLst>
-                                  <p:childTnLst>
-                                    <p:set>
-                                      <p:cBhvr>
-                                        <p:cTn id="6" dur="1" fill="hold">
-                                          <p:stCondLst>
-                                            <p:cond delay="0"/>
-                                          </p:stCondLst>
-                                        </p:cTn>
-                                        <p:tgtEl>
-                                          <p:spTgt spid="3">
-                                            <p:txEl>
-                                              <p:pRg st="5" end="5"/>
-                                            </p:txEl>
-                                          </p:spTgt>
-                                        </p:tgtEl>
-                                        <p:attrNameLst>
-                                          <p:attrName>style.visibility</p:attrName>
-                                        </p:attrNameLst>
-                                      </p:cBhvr>
-                                      <p:to>
-                                        <p:strVal val="visible"/>
-                                      </p:to>
-                                    </p:set>
-                                    <p:animEffect transition="in" filter="fade">
-                                      <p:cBhvr>
-                                        <p:cTn id="7" dur="500"/>
-                                        <p:tgtEl>
-                                          <p:spTgt spid="3">
-                                            <p:txEl>
-                                              <p:pRg st="5" end="5"/>
-                                            </p:txEl>
-                                          </p:spTgt>
-                                        </p:tgtEl>
-                                      </p:cBhvr>
-                                    </p:animEffect>
-                                    <p:anim calcmode="lin" valueType="num">
-                                      <p:cBhvr>
-                                        <p:cTn id="8" dur="500" fill="hold"/>
-                                        <p:tgtEl>
-                                          <p:spTgt spid="3">
-                                            <p:txEl>
-                                              <p:pRg st="5" end="5"/>
-                                            </p:txEl>
-                                          </p:spTgt>
-                                        </p:tgtEl>
-                                        <p:attrNameLst>
-                                          <p:attrName>ppt_x</p:attrName>
-                                        </p:attrNameLst>
-                                      </p:cBhvr>
-                                      <p:tavLst>
-                                        <p:tav tm="0">
-                                          <p:val>
-                                            <p:strVal val="#ppt_x"/>
-                                          </p:val>
-                                        </p:tav>
-                                        <p:tav tm="100000">
-                                          <p:val>
-                                            <p:strVal val="#ppt_x"/>
-                                          </p:val>
-                                        </p:tav>
-                                      </p:tavLst>
-                                    </p:anim>
-                                    <p:anim calcmode="lin" valueType="num">
-                                      <p:cBhvr>
-                                        <p:cTn id="9" dur="500" fill="hold"/>
-                                        <p:tgtEl>
-                                          <p:spTgt spid="3">
-                                            <p:txEl>
-                                              <p:pRg st="5" end="5"/>
-                                            </p:txEl>
-                                          </p:spTgt>
-                                        </p:tgtEl>
-                                        <p:attrNameLst>
-                                          <p:attrName>ppt_y</p:attrName>
-                                        </p:attrNameLst>
-                                      </p:cBhvr>
-                                      <p:tavLst>
-                                        <p:tav tm="0">
-                                          <p:val>
-                                            <p:strVal val="#ppt_y+.1"/>
-                                          </p:val>
-                                        </p:tav>
-                                        <p:tav tm="100000">
-                                          <p:val>
-                                            <p:strVal val="#ppt_y"/>
-                                          </p:val>
-                                        </p:tav>
-                                      </p:tavLst>
-                                    </p:anim>
-                                  </p:childTnLst>
-                                </p:cTn>
-                              </p:par>
-                              <p:par>
-                                <p:cTn id="10" presetID="42" presetClass="entr" presetSubtype="0" fill="hold" nodeType="withEffect">
-                                  <p:stCondLst>
-                                    <p:cond delay="0"/>
-                                  </p:stCondLst>
-                                  <p:childTnLst>
-                                    <p:set>
-                                      <p:cBhvr>
-                                        <p:cTn id="11" dur="1" fill="hold">
-                                          <p:stCondLst>
-                                            <p:cond delay="0"/>
-                                          </p:stCondLst>
-                                        </p:cTn>
-                                        <p:tgtEl>
-                                          <p:spTgt spid="3">
-                                            <p:txEl>
-                                              <p:pRg st="6" end="6"/>
-                                            </p:txEl>
-                                          </p:spTgt>
-                                        </p:tgtEl>
-                                        <p:attrNameLst>
-                                          <p:attrName>style.visibility</p:attrName>
-                                        </p:attrNameLst>
-                                      </p:cBhvr>
-                                      <p:to>
-                                        <p:strVal val="visible"/>
-                                      </p:to>
-                                    </p:set>
-                                    <p:animEffect transition="in" filter="fade">
-                                      <p:cBhvr>
-                                        <p:cTn id="12" dur="500"/>
-                                        <p:tgtEl>
-                                          <p:spTgt spid="3">
-                                            <p:txEl>
-                                              <p:pRg st="6" end="6"/>
-                                            </p:txEl>
-                                          </p:spTgt>
-                                        </p:tgtEl>
-                                      </p:cBhvr>
-                                    </p:animEffect>
-                                    <p:anim calcmode="lin" valueType="num">
-                                      <p:cBhvr>
-                                        <p:cTn id="13" dur="500" fill="hold"/>
-                                        <p:tgtEl>
-                                          <p:spTgt spid="3">
-                                            <p:txEl>
-                                              <p:pRg st="6" end="6"/>
-                                            </p:txEl>
-                                          </p:spTgt>
-                                        </p:tgtEl>
-                                        <p:attrNameLst>
-                                          <p:attrName>ppt_x</p:attrName>
-                                        </p:attrNameLst>
-                                      </p:cBhvr>
-                                      <p:tavLst>
-                                        <p:tav tm="0">
-                                          <p:val>
-                                            <p:strVal val="#ppt_x"/>
-                                          </p:val>
-                                        </p:tav>
-                                        <p:tav tm="100000">
-                                          <p:val>
-                                            <p:strVal val="#ppt_x"/>
-                                          </p:val>
-                                        </p:tav>
-                                      </p:tavLst>
-                                    </p:anim>
-                                    <p:anim calcmode="lin" valueType="num">
-                                      <p:cBhvr>
-                                        <p:cTn id="14" dur="500" fill="hold"/>
-                                        <p:tgtEl>
-                                          <p:spTgt spid="3">
-                                            <p:txEl>
-                                              <p:pRg st="6" end="6"/>
-                                            </p:txEl>
-                                          </p:spTgt>
-                                        </p:tgtEl>
-                                        <p:attrNameLst>
-                                          <p:attrName>ppt_y</p:attrName>
-                                        </p:attrNameLst>
-                                      </p:cBhvr>
-                                      <p:tavLst>
-                                        <p:tav tm="0">
-                                          <p:val>
-                                            <p:strVal val="#ppt_y+.1"/>
-                                          </p:val>
-                                        </p:tav>
-                                        <p:tav tm="100000">
-                                          <p:val>
-                                            <p:strVal val="#ppt_y"/>
-                                          </p:val>
-                                        </p:tav>
-                                      </p:tavLst>
-                                    </p:anim>
-                                  </p:childTnLst>
-                                </p:cTn>
-                              </p:par>
-                              <p:par>
-                                <p:cTn id="15" presetID="42" presetClass="entr" presetSubtype="0" fill="hold" nodeType="withEffect">
-                                  <p:stCondLst>
-                                    <p:cond delay="0"/>
-                                  </p:stCondLst>
-                                  <p:childTnLst>
-                                    <p:set>
-                                      <p:cBhvr>
-                                        <p:cTn id="16" dur="1" fill="hold">
-                                          <p:stCondLst>
-                                            <p:cond delay="0"/>
-                                          </p:stCondLst>
-                                        </p:cTn>
-                                        <p:tgtEl>
-                                          <p:spTgt spid="3">
-                                            <p:txEl>
-                                              <p:pRg st="7" end="7"/>
-                                            </p:txEl>
-                                          </p:spTgt>
-                                        </p:tgtEl>
-                                        <p:attrNameLst>
-                                          <p:attrName>style.visibility</p:attrName>
-                                        </p:attrNameLst>
-                                      </p:cBhvr>
-                                      <p:to>
-                                        <p:strVal val="visible"/>
-                                      </p:to>
-                                    </p:set>
-                                    <p:animEffect transition="in" filter="fade">
-                                      <p:cBhvr>
-                                        <p:cTn id="17" dur="500"/>
-                                        <p:tgtEl>
-                                          <p:spTgt spid="3">
-                                            <p:txEl>
-                                              <p:pRg st="7" end="7"/>
-                                            </p:txEl>
-                                          </p:spTgt>
-                                        </p:tgtEl>
-                                      </p:cBhvr>
-                                    </p:animEffect>
-                                    <p:anim calcmode="lin" valueType="num">
-                                      <p:cBhvr>
-                                        <p:cTn id="18" dur="500" fill="hold"/>
-                                        <p:tgtEl>
-                                          <p:spTgt spid="3">
-                                            <p:txEl>
-                                              <p:pRg st="7" end="7"/>
-                                            </p:txEl>
-                                          </p:spTgt>
-                                        </p:tgtEl>
-                                        <p:attrNameLst>
-                                          <p:attrName>ppt_x</p:attrName>
-                                        </p:attrNameLst>
-                                      </p:cBhvr>
-                                      <p:tavLst>
-                                        <p:tav tm="0">
-                                          <p:val>
-                                            <p:strVal val="#ppt_x"/>
-                                          </p:val>
-                                        </p:tav>
-                                        <p:tav tm="100000">
-                                          <p:val>
-                                            <p:strVal val="#ppt_x"/>
-                                          </p:val>
-                                        </p:tav>
-                                      </p:tavLst>
-                                    </p:anim>
-                                    <p:anim calcmode="lin" valueType="num">
-                                      <p:cBhvr>
-                                        <p:cTn id="19" dur="500" fill="hold"/>
-                                        <p:tgtEl>
-                                          <p:spTgt spid="3">
-                                            <p:txEl>
-                                              <p:pRg st="7" end="7"/>
-                                            </p:txEl>
-                                          </p:spTgt>
-                                        </p:tgtEl>
-                                        <p:attrNameLst>
-                                          <p:attrName>ppt_y</p:attrName>
-                                        </p:attrNameLst>
-                                      </p:cBhvr>
-                                      <p:tavLst>
-                                        <p:tav tm="0">
-                                          <p:val>
-                                            <p:strVal val="#ppt_y+.1"/>
-                                          </p:val>
-                                        </p:tav>
-                                        <p:tav tm="100000">
-                                          <p:val>
-                                            <p:strVal val="#ppt_y"/>
-                                          </p:val>
-                                        </p:tav>
-                                      </p:tavLst>
-                                    </p:anim>
-                                  </p:childTnLst>
-                                </p:cTn>
-                              </p:par>
-                            </p:childTnLst>
-                          </p:cTn>
-                        </p:par>
-                      </p:childTnLst>
-                    </p:cTn>
-                  </p:par>
-                </p:childTnLst>
-              </p:cTn>
-              <p:prevCondLst>
-                <p:cond evt="onPrev" delay="0">
-                  <p:tgtEl>
-                    <p:sldTgt/>
-                  </p:tgtEl>
-                </p:cond>
-              </p:prevCondLst>
-              <p:nextCondLst>
-                <p:cond evt="onNext" delay="0">
-                  <p:tgtEl>
-                    <p:sldTgt/>
-                  </p:tgtEl>
-                </p:cond>
-              </p:nextCondLst>
-            </p:seq>
-          </p:childTnLst>
-        </p:cTn>
-      </p:par>
-    </p:tnLst>
-  </p:timing>
 </p:sld>
 </file>
 
@@ -9977,199 +9718,313 @@
           </a:p>
         </p:txBody>
       </p:sp>
-      <p:sp>
-        <p:nvSpPr>
-          <p:cNvPr id="3" name="内容占位符 2"/>
-          <p:cNvSpPr>
-            <a:spLocks noGrp="1"/>
-          </p:cNvSpPr>
-          <p:nvPr>
-            <p:ph idx="1"/>
-          </p:nvPr>
-        </p:nvSpPr>
-        <p:spPr>
-          <a:xfrm>
-            <a:off x="628650" y="1825625"/>
-            <a:ext cx="8070507" cy="4351338"/>
-          </a:xfrm>
-        </p:spPr>
-        <p:txBody>
-          <a:bodyPr/>
-          <a:lstStyle/>
-          <a:p>
-            <a:pPr marL="228600" lvl="1">
-              <a:spcBef>
-                <a:spcPts val="1000"/>
-              </a:spcBef>
-            </a:pPr>
-            <a:r>
-              <a:rPr lang="en-US" altLang="zh-CN" sz="2800" dirty="0">
-                <a:sym typeface="Symbol" panose="05050102010706020507" pitchFamily="18" charset="2"/>
-              </a:rPr>
-              <a:t>M[N/x]:  replace x by N in M</a:t>
-            </a:r>
-          </a:p>
-          <a:p>
-            <a:pPr marL="685800" lvl="2">
-              <a:spcBef>
-                <a:spcPts val="1000"/>
-              </a:spcBef>
-            </a:pPr>
-            <a:r>
-              <a:rPr lang="en-US" altLang="zh-CN" sz="2400" dirty="0">
-                <a:sym typeface="Symbol" panose="05050102010706020507" pitchFamily="18" charset="2"/>
-              </a:rPr>
-              <a:t>Defined by induction on terms</a:t>
-            </a:r>
-          </a:p>
-          <a:p>
-            <a:pPr marL="0" lvl="1" indent="0">
-              <a:spcBef>
-                <a:spcPts val="2400"/>
-              </a:spcBef>
-              <a:buNone/>
-            </a:pPr>
-            <a:r>
-              <a:rPr lang="en-US" altLang="zh-CN" dirty="0"/>
-              <a:t>x[N/x]  </a:t>
-            </a:r>
-            <a:r>
-              <a:rPr lang="en-US" altLang="zh-CN" dirty="0">
-                <a:sym typeface="Symbol" panose="05050102010706020507" pitchFamily="18" charset="2"/>
-              </a:rPr>
-              <a:t>  N</a:t>
-            </a:r>
-          </a:p>
-          <a:p>
-            <a:pPr marL="0" lvl="1" indent="0">
-              <a:spcBef>
-                <a:spcPts val="1200"/>
-              </a:spcBef>
-              <a:buNone/>
-            </a:pPr>
-            <a:r>
-              <a:rPr lang="en-US" altLang="zh-CN" dirty="0"/>
-              <a:t>y[N/x]  </a:t>
-            </a:r>
-            <a:r>
-              <a:rPr lang="en-US" altLang="zh-CN" dirty="0">
-                <a:sym typeface="Symbol" panose="05050102010706020507" pitchFamily="18" charset="2"/>
-              </a:rPr>
-              <a:t>  y</a:t>
-            </a:r>
-          </a:p>
-          <a:p>
-            <a:pPr marL="0" lvl="1" indent="0">
-              <a:spcBef>
-                <a:spcPts val="1200"/>
-              </a:spcBef>
-              <a:buNone/>
-            </a:pPr>
-            <a:r>
-              <a:rPr lang="en-US" altLang="zh-CN" dirty="0">
-                <a:sym typeface="Symbol" panose="05050102010706020507" pitchFamily="18" charset="2"/>
-              </a:rPr>
-              <a:t>(M P)[N/x]    (M[N/x]) (P[N/x])</a:t>
-            </a:r>
-          </a:p>
-          <a:p>
-            <a:pPr marL="0" lvl="1" indent="0">
-              <a:spcBef>
-                <a:spcPts val="1200"/>
-              </a:spcBef>
-              <a:buNone/>
-            </a:pPr>
-            <a:r>
-              <a:rPr lang="en-US" altLang="zh-CN" dirty="0">
-                <a:sym typeface="Symbol" panose="05050102010706020507" pitchFamily="18" charset="2"/>
-              </a:rPr>
-              <a:t>(</a:t>
-            </a:r>
-            <a:r>
-              <a:rPr lang="en-US" altLang="zh-CN" dirty="0" err="1">
-                <a:sym typeface="Symbol" panose="05050102010706020507" pitchFamily="18" charset="2"/>
-              </a:rPr>
-              <a:t>x.M</a:t>
-            </a:r>
-            <a:r>
-              <a:rPr lang="en-US" altLang="zh-CN" dirty="0">
-                <a:sym typeface="Symbol" panose="05050102010706020507" pitchFamily="18" charset="2"/>
-              </a:rPr>
-              <a:t>)[N/x]    </a:t>
-            </a:r>
-            <a:r>
-              <a:rPr lang="en-US" altLang="zh-CN" dirty="0" err="1">
-                <a:sym typeface="Symbol" panose="05050102010706020507" pitchFamily="18" charset="2"/>
-              </a:rPr>
-              <a:t>x.M</a:t>
-            </a:r>
-            <a:r>
-              <a:rPr lang="en-US" altLang="zh-CN" dirty="0">
-                <a:sym typeface="Symbol" panose="05050102010706020507" pitchFamily="18" charset="2"/>
-              </a:rPr>
-              <a:t>    </a:t>
-            </a:r>
-            <a:r>
-              <a:rPr lang="en-US" altLang="zh-CN" b="1" i="1" dirty="0">
-                <a:solidFill>
-                  <a:srgbClr val="FF0000"/>
-                </a:solidFill>
-                <a:sym typeface="Symbol" panose="05050102010706020507" pitchFamily="18" charset="2"/>
-              </a:rPr>
-              <a:t>(</a:t>
-            </a:r>
-            <a:r>
-              <a:rPr lang="en-US" altLang="zh-CN" b="1" i="1" dirty="0">
-                <a:solidFill>
-                  <a:srgbClr val="FF0000"/>
-                </a:solidFill>
-              </a:rPr>
-              <a:t>Only replace free variables!)</a:t>
-            </a:r>
-            <a:endParaRPr lang="en-US" altLang="zh-CN" b="1" i="1" dirty="0">
-              <a:solidFill>
-                <a:srgbClr val="FF0000"/>
-              </a:solidFill>
-              <a:sym typeface="Symbol" panose="05050102010706020507" pitchFamily="18" charset="2"/>
-            </a:endParaRPr>
-          </a:p>
-          <a:p>
-            <a:pPr marL="0" lvl="1" indent="0">
-              <a:spcBef>
-                <a:spcPts val="1200"/>
-              </a:spcBef>
-              <a:buNone/>
-            </a:pPr>
-            <a:r>
-              <a:rPr lang="en-US" altLang="zh-CN" dirty="0">
-                <a:sym typeface="Symbol" panose="05050102010706020507" pitchFamily="18" charset="2"/>
-              </a:rPr>
-              <a:t>(</a:t>
-            </a:r>
-            <a:r>
-              <a:rPr lang="en-US" altLang="zh-CN" dirty="0" err="1">
-                <a:sym typeface="Symbol" panose="05050102010706020507" pitchFamily="18" charset="2"/>
-              </a:rPr>
-              <a:t>y.M</a:t>
-            </a:r>
-            <a:r>
-              <a:rPr lang="en-US" altLang="zh-CN" dirty="0">
-                <a:sym typeface="Symbol" panose="05050102010706020507" pitchFamily="18" charset="2"/>
-              </a:rPr>
-              <a:t>)[N/x]    ?</a:t>
-            </a:r>
-          </a:p>
-          <a:p>
-            <a:pPr marL="0" lvl="1" indent="0">
-              <a:spcBef>
-                <a:spcPts val="1000"/>
-              </a:spcBef>
-              <a:buNone/>
-            </a:pPr>
-            <a:endParaRPr lang="zh-CN" altLang="en-US" dirty="0"/>
-          </a:p>
-        </p:txBody>
-      </p:sp>
+      <mc:AlternateContent xmlns:mc="http://schemas.openxmlformats.org/markup-compatibility/2006">
+        <mc:Choice xmlns:a14="http://schemas.microsoft.com/office/drawing/2010/main" Requires="a14">
+          <p:sp>
+            <p:nvSpPr>
+              <p:cNvPr id="3" name="内容占位符 2"/>
+              <p:cNvSpPr>
+                <a:spLocks noGrp="1"/>
+              </p:cNvSpPr>
+              <p:nvPr>
+                <p:ph idx="1"/>
+              </p:nvPr>
+            </p:nvSpPr>
+            <p:spPr>
+              <a:xfrm>
+                <a:off x="628650" y="1825625"/>
+                <a:ext cx="8070507" cy="4351338"/>
+              </a:xfrm>
+            </p:spPr>
+            <p:txBody>
+              <a:bodyPr/>
+              <a:lstStyle/>
+              <a:p>
+                <a:pPr marL="228600" lvl="1">
+                  <a:spcBef>
+                    <a:spcPts val="1000"/>
+                  </a:spcBef>
+                </a:pPr>
+                <a:r>
+                  <a:rPr lang="en-US" altLang="zh-CN" sz="2800" dirty="0">
+                    <a:sym typeface="Symbol" panose="05050102010706020507" pitchFamily="18" charset="2"/>
+                  </a:rPr>
+                  <a:t>M[N/x]:  replace x by N in M</a:t>
+                </a:r>
+              </a:p>
+              <a:p>
+                <a:pPr marL="685800" lvl="2">
+                  <a:spcBef>
+                    <a:spcPts val="1000"/>
+                  </a:spcBef>
+                </a:pPr>
+                <a:r>
+                  <a:rPr lang="en-US" altLang="zh-CN" sz="2400" dirty="0">
+                    <a:sym typeface="Symbol" panose="05050102010706020507" pitchFamily="18" charset="2"/>
+                  </a:rPr>
+                  <a:t>Defined by induction on terms</a:t>
+                </a:r>
+              </a:p>
+              <a:p>
+                <a:pPr marL="0" lvl="1" indent="0">
+                  <a:spcBef>
+                    <a:spcPts val="2400"/>
+                  </a:spcBef>
+                  <a:buNone/>
+                </a:pPr>
+                <a:r>
+                  <a:rPr lang="en-US" altLang="zh-CN" dirty="0"/>
+                  <a:t>x[N/x] </a:t>
+                </a:r>
+                <a14:m>
+                  <m:oMath xmlns:m="http://schemas.openxmlformats.org/officeDocument/2006/math">
+                    <m:r>
+                      <a:rPr lang="en-US" altLang="zh-CN" i="1">
+                        <a:latin typeface="Cambria Math" panose="02040503050406030204" pitchFamily="18" charset="0"/>
+                        <a:sym typeface="Symbol" panose="05050102010706020507" pitchFamily="18" charset="2"/>
+                      </a:rPr>
+                      <m:t>≝</m:t>
+                    </m:r>
+                  </m:oMath>
+                </a14:m>
+                <a:r>
+                  <a:rPr lang="en-US" altLang="zh-CN" dirty="0">
+                    <a:sym typeface="Symbol" panose="05050102010706020507" pitchFamily="18" charset="2"/>
+                  </a:rPr>
+                  <a:t>  N</a:t>
+                </a:r>
+              </a:p>
+              <a:p>
+                <a:pPr marL="0" lvl="1" indent="0">
+                  <a:spcBef>
+                    <a:spcPts val="1200"/>
+                  </a:spcBef>
+                  <a:buNone/>
+                </a:pPr>
+                <a:r>
+                  <a:rPr lang="en-US" altLang="zh-CN" dirty="0"/>
+                  <a:t>y[N/x] </a:t>
+                </a:r>
+                <a14:m>
+                  <m:oMath xmlns:m="http://schemas.openxmlformats.org/officeDocument/2006/math">
+                    <m:r>
+                      <a:rPr lang="en-US" altLang="zh-CN" i="1">
+                        <a:latin typeface="Cambria Math" panose="02040503050406030204" pitchFamily="18" charset="0"/>
+                        <a:sym typeface="Symbol" panose="05050102010706020507" pitchFamily="18" charset="2"/>
+                      </a:rPr>
+                      <m:t>≝</m:t>
+                    </m:r>
+                  </m:oMath>
+                </a14:m>
+                <a:r>
+                  <a:rPr lang="en-US" altLang="zh-CN" dirty="0">
+                    <a:sym typeface="Symbol" panose="05050102010706020507" pitchFamily="18" charset="2"/>
+                  </a:rPr>
+                  <a:t>  y</a:t>
+                </a:r>
+              </a:p>
+              <a:p>
+                <a:pPr marL="0" lvl="1" indent="0">
+                  <a:spcBef>
+                    <a:spcPts val="1200"/>
+                  </a:spcBef>
+                  <a:buNone/>
+                </a:pPr>
+                <a:r>
+                  <a:rPr lang="en-US" altLang="zh-CN" dirty="0">
+                    <a:sym typeface="Symbol" panose="05050102010706020507" pitchFamily="18" charset="2"/>
+                  </a:rPr>
+                  <a:t>(M P)[N/x] </a:t>
+                </a:r>
+                <a14:m>
+                  <m:oMath xmlns:m="http://schemas.openxmlformats.org/officeDocument/2006/math">
+                    <m:r>
+                      <a:rPr lang="en-US" altLang="zh-CN" i="1">
+                        <a:latin typeface="Cambria Math" panose="02040503050406030204" pitchFamily="18" charset="0"/>
+                        <a:sym typeface="Symbol" panose="05050102010706020507" pitchFamily="18" charset="2"/>
+                      </a:rPr>
+                      <m:t>≝</m:t>
+                    </m:r>
+                  </m:oMath>
+                </a14:m>
+                <a:r>
+                  <a:rPr lang="en-US" altLang="zh-CN" dirty="0">
+                    <a:sym typeface="Symbol" panose="05050102010706020507" pitchFamily="18" charset="2"/>
+                  </a:rPr>
+                  <a:t>  (M[N/x]) (P[N/x])</a:t>
+                </a:r>
+              </a:p>
+              <a:p>
+                <a:pPr marL="0" lvl="1" indent="0">
+                  <a:spcBef>
+                    <a:spcPts val="1200"/>
+                  </a:spcBef>
+                  <a:buNone/>
+                </a:pPr>
+                <a:r>
+                  <a:rPr lang="en-US" altLang="zh-CN" dirty="0">
+                    <a:sym typeface="Symbol" panose="05050102010706020507" pitchFamily="18" charset="2"/>
+                  </a:rPr>
+                  <a:t>(</a:t>
+                </a:r>
+                <a:r>
+                  <a:rPr lang="en-US" altLang="zh-CN" dirty="0" err="1">
+                    <a:sym typeface="Symbol" panose="05050102010706020507" pitchFamily="18" charset="2"/>
+                  </a:rPr>
+                  <a:t>x.M</a:t>
+                </a:r>
+                <a:r>
+                  <a:rPr lang="en-US" altLang="zh-CN" dirty="0">
+                    <a:sym typeface="Symbol" panose="05050102010706020507" pitchFamily="18" charset="2"/>
+                  </a:rPr>
+                  <a:t>)[N/x] </a:t>
+                </a:r>
+                <a14:m>
+                  <m:oMath xmlns:m="http://schemas.openxmlformats.org/officeDocument/2006/math">
+                    <m:r>
+                      <a:rPr lang="en-US" altLang="zh-CN" i="1">
+                        <a:latin typeface="Cambria Math" panose="02040503050406030204" pitchFamily="18" charset="0"/>
+                        <a:sym typeface="Symbol" panose="05050102010706020507" pitchFamily="18" charset="2"/>
+                      </a:rPr>
+                      <m:t>≝</m:t>
+                    </m:r>
+                  </m:oMath>
+                </a14:m>
+                <a:r>
+                  <a:rPr lang="en-US" altLang="zh-CN" dirty="0">
+                    <a:sym typeface="Symbol" panose="05050102010706020507" pitchFamily="18" charset="2"/>
+                  </a:rPr>
+                  <a:t>  </a:t>
+                </a:r>
+                <a:r>
+                  <a:rPr lang="en-US" altLang="zh-CN" dirty="0" err="1">
+                    <a:sym typeface="Symbol" panose="05050102010706020507" pitchFamily="18" charset="2"/>
+                  </a:rPr>
+                  <a:t>x.M</a:t>
+                </a:r>
+                <a:r>
+                  <a:rPr lang="en-US" altLang="zh-CN" dirty="0">
+                    <a:sym typeface="Symbol" panose="05050102010706020507" pitchFamily="18" charset="2"/>
+                  </a:rPr>
+                  <a:t>    </a:t>
+                </a:r>
+                <a:r>
+                  <a:rPr lang="en-US" altLang="zh-CN" b="1" i="1" dirty="0">
+                    <a:solidFill>
+                      <a:srgbClr val="FF0000"/>
+                    </a:solidFill>
+                    <a:sym typeface="Symbol" panose="05050102010706020507" pitchFamily="18" charset="2"/>
+                  </a:rPr>
+                  <a:t>(</a:t>
+                </a:r>
+                <a:r>
+                  <a:rPr lang="en-US" altLang="zh-CN" b="1" i="1" dirty="0">
+                    <a:solidFill>
+                      <a:srgbClr val="FF0000"/>
+                    </a:solidFill>
+                  </a:rPr>
+                  <a:t>Only replace free variables!)</a:t>
+                </a:r>
+                <a:endParaRPr lang="en-US" altLang="zh-CN" b="1" i="1" dirty="0">
+                  <a:solidFill>
+                    <a:srgbClr val="FF0000"/>
+                  </a:solidFill>
+                  <a:sym typeface="Symbol" panose="05050102010706020507" pitchFamily="18" charset="2"/>
+                </a:endParaRPr>
+              </a:p>
+              <a:p>
+                <a:pPr marL="0" lvl="1" indent="0">
+                  <a:spcBef>
+                    <a:spcPts val="1200"/>
+                  </a:spcBef>
+                  <a:buNone/>
+                </a:pPr>
+                <a:r>
+                  <a:rPr lang="en-US" altLang="zh-CN" dirty="0">
+                    <a:sym typeface="Symbol" panose="05050102010706020507" pitchFamily="18" charset="2"/>
+                  </a:rPr>
+                  <a:t>(</a:t>
+                </a:r>
+                <a:r>
+                  <a:rPr lang="en-US" altLang="zh-CN" dirty="0" err="1">
+                    <a:sym typeface="Symbol" panose="05050102010706020507" pitchFamily="18" charset="2"/>
+                  </a:rPr>
+                  <a:t>y.M</a:t>
+                </a:r>
+                <a:r>
+                  <a:rPr lang="en-US" altLang="zh-CN" dirty="0">
+                    <a:sym typeface="Symbol" panose="05050102010706020507" pitchFamily="18" charset="2"/>
+                  </a:rPr>
+                  <a:t>)[N/x] </a:t>
+                </a:r>
+                <a14:m>
+                  <m:oMath xmlns:m="http://schemas.openxmlformats.org/officeDocument/2006/math">
+                    <m:r>
+                      <a:rPr lang="en-US" altLang="zh-CN" i="1">
+                        <a:latin typeface="Cambria Math" panose="02040503050406030204" pitchFamily="18" charset="0"/>
+                        <a:sym typeface="Symbol" panose="05050102010706020507" pitchFamily="18" charset="2"/>
+                      </a:rPr>
+                      <m:t>≝</m:t>
+                    </m:r>
+                  </m:oMath>
+                </a14:m>
+                <a:r>
+                  <a:rPr lang="en-US" altLang="zh-CN" dirty="0">
+                    <a:sym typeface="Symbol" panose="05050102010706020507" pitchFamily="18" charset="2"/>
+                  </a:rPr>
+                  <a:t>  ?</a:t>
+                </a:r>
+              </a:p>
+              <a:p>
+                <a:pPr marL="0" lvl="1" indent="0">
+                  <a:spcBef>
+                    <a:spcPts val="1000"/>
+                  </a:spcBef>
+                  <a:buNone/>
+                </a:pPr>
+                <a:endParaRPr lang="zh-CN" altLang="en-US" dirty="0"/>
+              </a:p>
+            </p:txBody>
+          </p:sp>
+        </mc:Choice>
+        <mc:Fallback>
+          <p:sp>
+            <p:nvSpPr>
+              <p:cNvPr id="3" name="内容占位符 2"/>
+              <p:cNvSpPr>
+                <a:spLocks noGrp="1" noRot="1" noChangeAspect="1" noMove="1" noResize="1" noEditPoints="1" noAdjustHandles="1" noChangeArrowheads="1" noChangeShapeType="1" noTextEdit="1"/>
+              </p:cNvSpPr>
+              <p:nvPr>
+                <p:ph idx="1"/>
+              </p:nvPr>
+            </p:nvSpPr>
+            <p:spPr>
+              <a:xfrm>
+                <a:off x="628650" y="1825625"/>
+                <a:ext cx="8070507" cy="4351338"/>
+              </a:xfrm>
+              <a:blipFill>
+                <a:blip r:embed="rId2"/>
+                <a:stretch>
+                  <a:fillRect l="-1360" t="-2241"/>
+                </a:stretch>
+              </a:blipFill>
+            </p:spPr>
+            <p:txBody>
+              <a:bodyPr/>
+              <a:lstStyle/>
+              <a:p>
+                <a:r>
+                  <a:rPr lang="zh-CN" altLang="en-US">
+                    <a:noFill/>
+                  </a:rPr>
+                  <a:t> </a:t>
+                </a:r>
+              </a:p>
+            </p:txBody>
+          </p:sp>
+        </mc:Fallback>
+      </mc:AlternateContent>
       <p:sp>
         <p:nvSpPr>
           <p:cNvPr id="5" name="圆角矩形标注 4"/>
@@ -12455,222 +12310,353 @@
           </a:p>
         </p:txBody>
       </p:sp>
-      <p:sp>
-        <p:nvSpPr>
-          <p:cNvPr id="3" name="内容占位符 2"/>
-          <p:cNvSpPr>
-            <a:spLocks noGrp="1"/>
-          </p:cNvSpPr>
-          <p:nvPr>
-            <p:ph idx="1"/>
-          </p:nvPr>
-        </p:nvSpPr>
-        <p:spPr>
-          <a:xfrm>
-            <a:off x="628650" y="1825625"/>
-            <a:ext cx="8070507" cy="4351338"/>
-          </a:xfrm>
-        </p:spPr>
-        <p:txBody>
-          <a:bodyPr/>
-          <a:lstStyle/>
-          <a:p>
-            <a:pPr marL="228600" lvl="1">
-              <a:spcBef>
-                <a:spcPts val="1000"/>
-              </a:spcBef>
-            </a:pPr>
-            <a:r>
-              <a:rPr lang="en-US" altLang="zh-CN" sz="2800" dirty="0">
-                <a:sym typeface="Symbol" panose="05050102010706020507" pitchFamily="18" charset="2"/>
-              </a:rPr>
-              <a:t>M[N/x]:  replace x by N in M</a:t>
-            </a:r>
-            <a:endParaRPr lang="en-US" altLang="zh-CN" sz="2400" dirty="0">
-              <a:sym typeface="Symbol" panose="05050102010706020507" pitchFamily="18" charset="2"/>
-            </a:endParaRPr>
-          </a:p>
-          <a:p>
-            <a:pPr marL="0" lvl="1" indent="0">
-              <a:spcBef>
-                <a:spcPts val="2400"/>
-              </a:spcBef>
-              <a:buNone/>
-            </a:pPr>
-            <a:r>
-              <a:rPr lang="en-US" altLang="zh-CN" dirty="0"/>
-              <a:t>x[N/x]  </a:t>
-            </a:r>
-            <a:r>
-              <a:rPr lang="en-US" altLang="zh-CN" dirty="0">
-                <a:sym typeface="Symbol" panose="05050102010706020507" pitchFamily="18" charset="2"/>
-              </a:rPr>
-              <a:t>  N</a:t>
-            </a:r>
-          </a:p>
-          <a:p>
-            <a:pPr marL="0" lvl="1" indent="0">
-              <a:spcBef>
-                <a:spcPts val="1200"/>
-              </a:spcBef>
-              <a:buNone/>
-            </a:pPr>
-            <a:r>
-              <a:rPr lang="en-US" altLang="zh-CN" dirty="0"/>
-              <a:t>y[N/x]  </a:t>
-            </a:r>
-            <a:r>
-              <a:rPr lang="en-US" altLang="zh-CN" dirty="0">
-                <a:sym typeface="Symbol" panose="05050102010706020507" pitchFamily="18" charset="2"/>
-              </a:rPr>
-              <a:t>  y</a:t>
-            </a:r>
-          </a:p>
-          <a:p>
-            <a:pPr marL="0" lvl="1" indent="0">
-              <a:spcBef>
-                <a:spcPts val="1200"/>
-              </a:spcBef>
-              <a:buNone/>
-            </a:pPr>
-            <a:r>
-              <a:rPr lang="en-US" altLang="zh-CN" dirty="0">
-                <a:sym typeface="Symbol" panose="05050102010706020507" pitchFamily="18" charset="2"/>
-              </a:rPr>
-              <a:t>(M P)[N/x]    (M[N/x]) (P[N/x])</a:t>
-            </a:r>
-          </a:p>
-          <a:p>
-            <a:pPr marL="0" lvl="1" indent="0">
-              <a:spcBef>
-                <a:spcPts val="1200"/>
-              </a:spcBef>
-              <a:buNone/>
-            </a:pPr>
-            <a:r>
-              <a:rPr lang="en-US" altLang="zh-CN" dirty="0">
-                <a:sym typeface="Symbol" panose="05050102010706020507" pitchFamily="18" charset="2"/>
-              </a:rPr>
-              <a:t>(</a:t>
-            </a:r>
-            <a:r>
-              <a:rPr lang="en-US" altLang="zh-CN" dirty="0" err="1">
-                <a:sym typeface="Symbol" panose="05050102010706020507" pitchFamily="18" charset="2"/>
-              </a:rPr>
-              <a:t>x.M</a:t>
-            </a:r>
-            <a:r>
-              <a:rPr lang="en-US" altLang="zh-CN" dirty="0">
-                <a:sym typeface="Symbol" panose="05050102010706020507" pitchFamily="18" charset="2"/>
-              </a:rPr>
-              <a:t>)[N/x]    </a:t>
-            </a:r>
-            <a:r>
-              <a:rPr lang="en-US" altLang="zh-CN" dirty="0" err="1">
-                <a:sym typeface="Symbol" panose="05050102010706020507" pitchFamily="18" charset="2"/>
-              </a:rPr>
-              <a:t>x.M</a:t>
-            </a:r>
-            <a:endParaRPr lang="en-US" altLang="zh-CN" dirty="0">
-              <a:sym typeface="Symbol" panose="05050102010706020507" pitchFamily="18" charset="2"/>
-            </a:endParaRPr>
-          </a:p>
-          <a:p>
-            <a:pPr marL="0" lvl="1" indent="0">
-              <a:spcBef>
-                <a:spcPts val="1200"/>
-              </a:spcBef>
-              <a:buNone/>
-            </a:pPr>
-            <a:r>
-              <a:rPr lang="en-US" altLang="zh-CN" dirty="0">
-                <a:sym typeface="Symbol" panose="05050102010706020507" pitchFamily="18" charset="2"/>
-              </a:rPr>
-              <a:t>(</a:t>
-            </a:r>
-            <a:r>
-              <a:rPr lang="en-US" altLang="zh-CN" dirty="0" err="1">
-                <a:sym typeface="Symbol" panose="05050102010706020507" pitchFamily="18" charset="2"/>
-              </a:rPr>
-              <a:t>y.M</a:t>
-            </a:r>
-            <a:r>
-              <a:rPr lang="en-US" altLang="zh-CN" dirty="0">
-                <a:sym typeface="Symbol" panose="05050102010706020507" pitchFamily="18" charset="2"/>
-              </a:rPr>
-              <a:t>)[N/x]    y.(M[N/x]),    if y  </a:t>
-            </a:r>
-            <a:r>
-              <a:rPr lang="en-US" altLang="zh-CN" dirty="0" err="1">
-                <a:sym typeface="Symbol" panose="05050102010706020507" pitchFamily="18" charset="2"/>
-              </a:rPr>
-              <a:t>fv</a:t>
-            </a:r>
-            <a:r>
-              <a:rPr lang="en-US" altLang="zh-CN" dirty="0">
-                <a:sym typeface="Symbol" panose="05050102010706020507" pitchFamily="18" charset="2"/>
-              </a:rPr>
-              <a:t>(N)</a:t>
-            </a:r>
-          </a:p>
-          <a:p>
-            <a:pPr marL="0" lvl="1" indent="0">
-              <a:spcBef>
-                <a:spcPts val="1200"/>
-              </a:spcBef>
-              <a:buNone/>
-            </a:pPr>
-            <a:r>
-              <a:rPr lang="en-US" altLang="zh-CN" dirty="0">
-                <a:sym typeface="Symbol" panose="05050102010706020507" pitchFamily="18" charset="2"/>
-              </a:rPr>
-              <a:t>(</a:t>
-            </a:r>
-            <a:r>
-              <a:rPr lang="en-US" altLang="zh-CN" dirty="0" err="1">
-                <a:sym typeface="Symbol" panose="05050102010706020507" pitchFamily="18" charset="2"/>
-              </a:rPr>
-              <a:t>y.M</a:t>
-            </a:r>
-            <a:r>
-              <a:rPr lang="en-US" altLang="zh-CN" dirty="0">
-                <a:sym typeface="Symbol" panose="05050102010706020507" pitchFamily="18" charset="2"/>
-              </a:rPr>
-              <a:t>)[N/x]    z.(M[z/y][N/x]),    if y  </a:t>
-            </a:r>
-            <a:r>
-              <a:rPr lang="en-US" altLang="zh-CN" dirty="0" err="1">
-                <a:sym typeface="Symbol" panose="05050102010706020507" pitchFamily="18" charset="2"/>
-              </a:rPr>
-              <a:t>fv</a:t>
-            </a:r>
-            <a:r>
-              <a:rPr lang="en-US" altLang="zh-CN" dirty="0">
-                <a:sym typeface="Symbol" panose="05050102010706020507" pitchFamily="18" charset="2"/>
-              </a:rPr>
-              <a:t>(N) and </a:t>
-            </a:r>
-            <a:r>
-              <a:rPr lang="en-US" altLang="zh-CN" dirty="0">
-                <a:solidFill>
-                  <a:srgbClr val="FF0000"/>
-                </a:solidFill>
-                <a:sym typeface="Symbol" panose="05050102010706020507" pitchFamily="18" charset="2"/>
-              </a:rPr>
-              <a:t>z fresh</a:t>
-            </a:r>
-          </a:p>
-          <a:p>
-            <a:pPr marL="0" lvl="1" indent="0">
-              <a:spcBef>
-                <a:spcPts val="1000"/>
-              </a:spcBef>
-              <a:buNone/>
-            </a:pPr>
-            <a:endParaRPr lang="zh-CN" altLang="en-US" dirty="0"/>
-          </a:p>
-        </p:txBody>
-      </p:sp>
+      <mc:AlternateContent xmlns:mc="http://schemas.openxmlformats.org/markup-compatibility/2006">
+        <mc:Choice xmlns:a14="http://schemas.microsoft.com/office/drawing/2010/main" Requires="a14">
+          <p:sp>
+            <p:nvSpPr>
+              <p:cNvPr id="3" name="内容占位符 2"/>
+              <p:cNvSpPr>
+                <a:spLocks noGrp="1"/>
+              </p:cNvSpPr>
+              <p:nvPr>
+                <p:ph idx="1"/>
+              </p:nvPr>
+            </p:nvSpPr>
+            <p:spPr>
+              <a:xfrm>
+                <a:off x="628650" y="1825625"/>
+                <a:ext cx="8070507" cy="4351338"/>
+              </a:xfrm>
+            </p:spPr>
+            <p:txBody>
+              <a:bodyPr/>
+              <a:lstStyle/>
+              <a:p>
+                <a:pPr marL="228600" lvl="1">
+                  <a:spcBef>
+                    <a:spcPts val="1000"/>
+                  </a:spcBef>
+                </a:pPr>
+                <a:r>
+                  <a:rPr lang="en-US" altLang="zh-CN" sz="2800" dirty="0">
+                    <a:sym typeface="Symbol" panose="05050102010706020507" pitchFamily="18" charset="2"/>
+                  </a:rPr>
+                  <a:t>M[N/x]:  replace x by N in M</a:t>
+                </a:r>
+                <a:endParaRPr lang="en-US" altLang="zh-CN" sz="2400" dirty="0">
+                  <a:sym typeface="Symbol" panose="05050102010706020507" pitchFamily="18" charset="2"/>
+                </a:endParaRPr>
+              </a:p>
+              <a:p>
+                <a:pPr marL="0" lvl="1" indent="0">
+                  <a:spcBef>
+                    <a:spcPts val="2400"/>
+                  </a:spcBef>
+                  <a:buNone/>
+                </a:pPr>
+                <a:r>
+                  <a:rPr lang="en-US" altLang="zh-CN" dirty="0"/>
+                  <a:t>x[N/x] </a:t>
+                </a:r>
+                <a14:m>
+                  <m:oMath xmlns:m="http://schemas.openxmlformats.org/officeDocument/2006/math">
+                    <m:r>
+                      <a:rPr lang="en-US" altLang="zh-CN" i="1">
+                        <a:latin typeface="Cambria Math" panose="02040503050406030204" pitchFamily="18" charset="0"/>
+                        <a:sym typeface="Symbol" panose="05050102010706020507" pitchFamily="18" charset="2"/>
+                      </a:rPr>
+                      <m:t>≝</m:t>
+                    </m:r>
+                  </m:oMath>
+                </a14:m>
+                <a:r>
+                  <a:rPr lang="en-US" altLang="zh-CN" dirty="0">
+                    <a:sym typeface="Symbol" panose="05050102010706020507" pitchFamily="18" charset="2"/>
+                  </a:rPr>
+                  <a:t>  N</a:t>
+                </a:r>
+              </a:p>
+              <a:p>
+                <a:pPr marL="0" lvl="1" indent="0">
+                  <a:spcBef>
+                    <a:spcPts val="1200"/>
+                  </a:spcBef>
+                  <a:buNone/>
+                </a:pPr>
+                <a:r>
+                  <a:rPr lang="en-US" altLang="zh-CN" dirty="0"/>
+                  <a:t>y[N/x] </a:t>
+                </a:r>
+                <a14:m>
+                  <m:oMath xmlns:m="http://schemas.openxmlformats.org/officeDocument/2006/math">
+                    <m:r>
+                      <a:rPr lang="en-US" altLang="zh-CN" i="1">
+                        <a:latin typeface="Cambria Math" panose="02040503050406030204" pitchFamily="18" charset="0"/>
+                        <a:sym typeface="Symbol" panose="05050102010706020507" pitchFamily="18" charset="2"/>
+                      </a:rPr>
+                      <m:t>≝</m:t>
+                    </m:r>
+                  </m:oMath>
+                </a14:m>
+                <a:r>
+                  <a:rPr lang="en-US" altLang="zh-CN" dirty="0">
+                    <a:sym typeface="Symbol" panose="05050102010706020507" pitchFamily="18" charset="2"/>
+                  </a:rPr>
+                  <a:t>  y</a:t>
+                </a:r>
+              </a:p>
+              <a:p>
+                <a:pPr marL="0" lvl="1" indent="0">
+                  <a:spcBef>
+                    <a:spcPts val="1200"/>
+                  </a:spcBef>
+                  <a:buNone/>
+                </a:pPr>
+                <a:r>
+                  <a:rPr lang="en-US" altLang="zh-CN" dirty="0">
+                    <a:sym typeface="Symbol" panose="05050102010706020507" pitchFamily="18" charset="2"/>
+                  </a:rPr>
+                  <a:t>(M P)[N/x] </a:t>
+                </a:r>
+                <a14:m>
+                  <m:oMath xmlns:m="http://schemas.openxmlformats.org/officeDocument/2006/math">
+                    <m:r>
+                      <a:rPr lang="en-US" altLang="zh-CN" i="1">
+                        <a:latin typeface="Cambria Math" panose="02040503050406030204" pitchFamily="18" charset="0"/>
+                        <a:sym typeface="Symbol" panose="05050102010706020507" pitchFamily="18" charset="2"/>
+                      </a:rPr>
+                      <m:t>≝</m:t>
+                    </m:r>
+                  </m:oMath>
+                </a14:m>
+                <a:r>
+                  <a:rPr lang="en-US" altLang="zh-CN" dirty="0">
+                    <a:sym typeface="Symbol" panose="05050102010706020507" pitchFamily="18" charset="2"/>
+                  </a:rPr>
+                  <a:t>  (M[N/x]) (P[N/x])</a:t>
+                </a:r>
+              </a:p>
+              <a:p>
+                <a:pPr marL="0" lvl="1" indent="0">
+                  <a:spcBef>
+                    <a:spcPts val="1200"/>
+                  </a:spcBef>
+                  <a:buNone/>
+                </a:pPr>
+                <a:r>
+                  <a:rPr lang="en-US" altLang="zh-CN" dirty="0">
+                    <a:sym typeface="Symbol" panose="05050102010706020507" pitchFamily="18" charset="2"/>
+                  </a:rPr>
+                  <a:t>(</a:t>
+                </a:r>
+                <a:r>
+                  <a:rPr lang="en-US" altLang="zh-CN" dirty="0" err="1">
+                    <a:sym typeface="Symbol" panose="05050102010706020507" pitchFamily="18" charset="2"/>
+                  </a:rPr>
+                  <a:t>x.M</a:t>
+                </a:r>
+                <a:r>
+                  <a:rPr lang="en-US" altLang="zh-CN" dirty="0">
+                    <a:sym typeface="Symbol" panose="05050102010706020507" pitchFamily="18" charset="2"/>
+                  </a:rPr>
+                  <a:t>)[N/x] </a:t>
+                </a:r>
+                <a14:m>
+                  <m:oMath xmlns:m="http://schemas.openxmlformats.org/officeDocument/2006/math">
+                    <m:r>
+                      <a:rPr lang="en-US" altLang="zh-CN" i="1">
+                        <a:latin typeface="Cambria Math" panose="02040503050406030204" pitchFamily="18" charset="0"/>
+                        <a:sym typeface="Symbol" panose="05050102010706020507" pitchFamily="18" charset="2"/>
+                      </a:rPr>
+                      <m:t>≝</m:t>
+                    </m:r>
+                  </m:oMath>
+                </a14:m>
+                <a:r>
+                  <a:rPr lang="en-US" altLang="zh-CN" dirty="0">
+                    <a:sym typeface="Symbol" panose="05050102010706020507" pitchFamily="18" charset="2"/>
+                  </a:rPr>
+                  <a:t>  </a:t>
+                </a:r>
+                <a:r>
+                  <a:rPr lang="en-US" altLang="zh-CN" dirty="0" err="1">
+                    <a:sym typeface="Symbol" panose="05050102010706020507" pitchFamily="18" charset="2"/>
+                  </a:rPr>
+                  <a:t>x.M</a:t>
+                </a:r>
+                <a:endParaRPr lang="en-US" altLang="zh-CN" dirty="0">
+                  <a:sym typeface="Symbol" panose="05050102010706020507" pitchFamily="18" charset="2"/>
+                </a:endParaRPr>
+              </a:p>
+              <a:p>
+                <a:pPr marL="0" lvl="1" indent="0">
+                  <a:spcBef>
+                    <a:spcPts val="1200"/>
+                  </a:spcBef>
+                  <a:buNone/>
+                </a:pPr>
+                <a:r>
+                  <a:rPr lang="en-US" altLang="zh-CN" dirty="0">
+                    <a:sym typeface="Symbol" panose="05050102010706020507" pitchFamily="18" charset="2"/>
+                  </a:rPr>
+                  <a:t>(</a:t>
+                </a:r>
+                <a:r>
+                  <a:rPr lang="en-US" altLang="zh-CN" dirty="0" err="1">
+                    <a:sym typeface="Symbol" panose="05050102010706020507" pitchFamily="18" charset="2"/>
+                  </a:rPr>
+                  <a:t>y.M</a:t>
+                </a:r>
+                <a:r>
+                  <a:rPr lang="en-US" altLang="zh-CN" dirty="0">
+                    <a:sym typeface="Symbol" panose="05050102010706020507" pitchFamily="18" charset="2"/>
+                  </a:rPr>
+                  <a:t>)[N/x] </a:t>
+                </a:r>
+                <a14:m>
+                  <m:oMath xmlns:m="http://schemas.openxmlformats.org/officeDocument/2006/math">
+                    <m:r>
+                      <a:rPr lang="en-US" altLang="zh-CN" i="1">
+                        <a:latin typeface="Cambria Math" panose="02040503050406030204" pitchFamily="18" charset="0"/>
+                        <a:sym typeface="Symbol" panose="05050102010706020507" pitchFamily="18" charset="2"/>
+                      </a:rPr>
+                      <m:t>≝</m:t>
+                    </m:r>
+                  </m:oMath>
+                </a14:m>
+                <a:r>
+                  <a:rPr lang="en-US" altLang="zh-CN" dirty="0">
+                    <a:sym typeface="Symbol" panose="05050102010706020507" pitchFamily="18" charset="2"/>
+                  </a:rPr>
+                  <a:t>  y.(M[N/x]),    if y  </a:t>
+                </a:r>
+                <a:r>
+                  <a:rPr lang="en-US" altLang="zh-CN" dirty="0" err="1">
+                    <a:sym typeface="Symbol" panose="05050102010706020507" pitchFamily="18" charset="2"/>
+                  </a:rPr>
+                  <a:t>fv</a:t>
+                </a:r>
+                <a:r>
+                  <a:rPr lang="en-US" altLang="zh-CN" dirty="0">
+                    <a:sym typeface="Symbol" panose="05050102010706020507" pitchFamily="18" charset="2"/>
+                  </a:rPr>
+                  <a:t>(N)</a:t>
+                </a:r>
+              </a:p>
+              <a:p>
+                <a:pPr marL="0" lvl="1" indent="0">
+                  <a:spcBef>
+                    <a:spcPts val="1200"/>
+                  </a:spcBef>
+                  <a:buNone/>
+                </a:pPr>
+                <a:r>
+                  <a:rPr lang="en-US" altLang="zh-CN" dirty="0">
+                    <a:sym typeface="Symbol" panose="05050102010706020507" pitchFamily="18" charset="2"/>
+                  </a:rPr>
+                  <a:t>(</a:t>
+                </a:r>
+                <a:r>
+                  <a:rPr lang="en-US" altLang="zh-CN" dirty="0" err="1">
+                    <a:sym typeface="Symbol" panose="05050102010706020507" pitchFamily="18" charset="2"/>
+                  </a:rPr>
+                  <a:t>y.M</a:t>
+                </a:r>
+                <a:r>
+                  <a:rPr lang="en-US" altLang="zh-CN" dirty="0">
+                    <a:sym typeface="Symbol" panose="05050102010706020507" pitchFamily="18" charset="2"/>
+                  </a:rPr>
+                  <a:t>)[N/x] </a:t>
+                </a:r>
+                <a14:m>
+                  <m:oMath xmlns:m="http://schemas.openxmlformats.org/officeDocument/2006/math">
+                    <m:r>
+                      <a:rPr lang="en-US" altLang="zh-CN" i="1">
+                        <a:latin typeface="Cambria Math" panose="02040503050406030204" pitchFamily="18" charset="0"/>
+                        <a:sym typeface="Symbol" panose="05050102010706020507" pitchFamily="18" charset="2"/>
+                      </a:rPr>
+                      <m:t>≝</m:t>
+                    </m:r>
+                  </m:oMath>
+                </a14:m>
+                <a:r>
+                  <a:rPr lang="en-US" altLang="zh-CN" dirty="0">
+                    <a:sym typeface="Symbol" panose="05050102010706020507" pitchFamily="18" charset="2"/>
+                  </a:rPr>
+                  <a:t>  z.(M[z/y][N/x]),    if y  </a:t>
+                </a:r>
+                <a:r>
+                  <a:rPr lang="en-US" altLang="zh-CN" dirty="0" err="1">
+                    <a:sym typeface="Symbol" panose="05050102010706020507" pitchFamily="18" charset="2"/>
+                  </a:rPr>
+                  <a:t>fv</a:t>
+                </a:r>
+                <a:r>
+                  <a:rPr lang="en-US" altLang="zh-CN" dirty="0">
+                    <a:sym typeface="Symbol" panose="05050102010706020507" pitchFamily="18" charset="2"/>
+                  </a:rPr>
+                  <a:t>(N) and </a:t>
+                </a:r>
+                <a:r>
+                  <a:rPr lang="en-US" altLang="zh-CN" dirty="0">
+                    <a:solidFill>
+                      <a:srgbClr val="FF0000"/>
+                    </a:solidFill>
+                    <a:sym typeface="Symbol" panose="05050102010706020507" pitchFamily="18" charset="2"/>
+                  </a:rPr>
+                  <a:t>z fresh</a:t>
+                </a:r>
+              </a:p>
+              <a:p>
+                <a:pPr marL="0" lvl="1" indent="0">
+                  <a:spcBef>
+                    <a:spcPts val="1000"/>
+                  </a:spcBef>
+                  <a:buNone/>
+                </a:pPr>
+                <a:endParaRPr lang="zh-CN" altLang="en-US" dirty="0"/>
+              </a:p>
+            </p:txBody>
+          </p:sp>
+        </mc:Choice>
+        <mc:Fallback>
+          <p:sp>
+            <p:nvSpPr>
+              <p:cNvPr id="3" name="内容占位符 2"/>
+              <p:cNvSpPr>
+                <a:spLocks noGrp="1" noRot="1" noChangeAspect="1" noMove="1" noResize="1" noEditPoints="1" noAdjustHandles="1" noChangeArrowheads="1" noChangeShapeType="1" noTextEdit="1"/>
+              </p:cNvSpPr>
+              <p:nvPr>
+                <p:ph idx="1"/>
+              </p:nvPr>
+            </p:nvSpPr>
+            <p:spPr>
+              <a:xfrm>
+                <a:off x="628650" y="1825625"/>
+                <a:ext cx="8070507" cy="4351338"/>
+              </a:xfrm>
+              <a:blipFill>
+                <a:blip r:embed="rId2"/>
+                <a:stretch>
+                  <a:fillRect l="-1360" t="-2241"/>
+                </a:stretch>
+              </a:blipFill>
+            </p:spPr>
+            <p:txBody>
+              <a:bodyPr/>
+              <a:lstStyle/>
+              <a:p>
+                <a:r>
+                  <a:rPr lang="zh-CN" altLang="en-US">
+                    <a:noFill/>
+                  </a:rPr>
+                  <a:t> </a:t>
+                </a:r>
+              </a:p>
+            </p:txBody>
+          </p:sp>
+        </mc:Fallback>
+      </mc:AlternateContent>
       <p:sp>
         <p:nvSpPr>
           <p:cNvPr id="6" name="文本框 5"/>
@@ -19381,7 +19367,12 @@
             <p:ph idx="1"/>
           </p:nvPr>
         </p:nvSpPr>
-        <p:spPr/>
+        <p:spPr>
+          <a:xfrm>
+            <a:off x="628650" y="1825625"/>
+            <a:ext cx="7886700" cy="4763182"/>
+          </a:xfrm>
+        </p:spPr>
         <p:txBody>
           <a:bodyPr>
             <a:normAutofit/>
@@ -19550,7 +19541,42 @@
               <a:rPr lang="en-US" altLang="zh-CN" dirty="0">
                 <a:sym typeface="Symbol" panose="05050102010706020507" pitchFamily="18" charset="2"/>
               </a:rPr>
-              <a:t>If </a:t>
+              <a:t>For all M, M</a:t>
+            </a:r>
+            <a:r>
+              <a:rPr lang="en-US" altLang="zh-CN" baseline="-25000" dirty="0">
+                <a:sym typeface="Symbol" panose="05050102010706020507" pitchFamily="18" charset="2"/>
+              </a:rPr>
+              <a:t>1 </a:t>
+            </a:r>
+            <a:r>
+              <a:rPr lang="en-US" altLang="zh-CN" dirty="0">
+                <a:sym typeface="Symbol" panose="05050102010706020507" pitchFamily="18" charset="2"/>
+              </a:rPr>
+              <a:t>and M</a:t>
+            </a:r>
+            <a:r>
+              <a:rPr lang="en-US" altLang="zh-CN" baseline="-25000" dirty="0">
+                <a:sym typeface="Symbol" panose="05050102010706020507" pitchFamily="18" charset="2"/>
+              </a:rPr>
+              <a:t>2</a:t>
+            </a:r>
+            <a:r>
+              <a:rPr lang="en-US" altLang="zh-CN" dirty="0">
+                <a:sym typeface="Symbol" panose="05050102010706020507" pitchFamily="18" charset="2"/>
+              </a:rPr>
+              <a:t>,</a:t>
+            </a:r>
+          </a:p>
+          <a:p>
+            <a:pPr marL="0" indent="0">
+              <a:buNone/>
+            </a:pPr>
+            <a:r>
+              <a:rPr lang="en-US" altLang="zh-CN" dirty="0">
+                <a:sym typeface="Symbol" panose="05050102010706020507" pitchFamily="18" charset="2"/>
+              </a:rPr>
+              <a:t>if </a:t>
             </a:r>
             <a:r>
               <a:rPr lang="en-US" altLang="zh-CN" dirty="0"/>
@@ -21087,7 +21113,11 @@
                                           </p:stCondLst>
                                         </p:cTn>
                                         <p:tgtEl>
-                                          <p:spTgt spid="43"/>
+                                          <p:spTgt spid="5">
+                                            <p:txEl>
+                                              <p:pRg st="9" end="9"/>
+                                            </p:txEl>
+                                          </p:spTgt>
                                         </p:tgtEl>
                                         <p:attrNameLst>
                                           <p:attrName>style.visibility</p:attrName>
@@ -21101,13 +21131,106 @@
                                       <p:cBhvr>
                                         <p:cTn id="63" dur="500"/>
                                         <p:tgtEl>
+                                          <p:spTgt spid="5">
+                                            <p:txEl>
+                                              <p:pRg st="9" end="9"/>
+                                            </p:txEl>
+                                          </p:spTgt>
+                                        </p:tgtEl>
+                                      </p:cBhvr>
+                                    </p:animEffect>
+                                    <p:anim calcmode="lin" valueType="num">
+                                      <p:cBhvr>
+                                        <p:cTn id="64" dur="500" fill="hold"/>
+                                        <p:tgtEl>
+                                          <p:spTgt spid="5">
+                                            <p:txEl>
+                                              <p:pRg st="9" end="9"/>
+                                            </p:txEl>
+                                          </p:spTgt>
+                                        </p:tgtEl>
+                                        <p:attrNameLst>
+                                          <p:attrName>ppt_x</p:attrName>
+                                        </p:attrNameLst>
+                                      </p:cBhvr>
+                                      <p:tavLst>
+                                        <p:tav tm="0">
+                                          <p:val>
+                                            <p:strVal val="#ppt_x"/>
+                                          </p:val>
+                                        </p:tav>
+                                        <p:tav tm="100000">
+                                          <p:val>
+                                            <p:strVal val="#ppt_x"/>
+                                          </p:val>
+                                        </p:tav>
+                                      </p:tavLst>
+                                    </p:anim>
+                                    <p:anim calcmode="lin" valueType="num">
+                                      <p:cBhvr>
+                                        <p:cTn id="65" dur="500" fill="hold"/>
+                                        <p:tgtEl>
+                                          <p:spTgt spid="5">
+                                            <p:txEl>
+                                              <p:pRg st="9" end="9"/>
+                                            </p:txEl>
+                                          </p:spTgt>
+                                        </p:tgtEl>
+                                        <p:attrNameLst>
+                                          <p:attrName>ppt_y</p:attrName>
+                                        </p:attrNameLst>
+                                      </p:cBhvr>
+                                      <p:tavLst>
+                                        <p:tav tm="0">
+                                          <p:val>
+                                            <p:strVal val="#ppt_y+.1"/>
+                                          </p:val>
+                                        </p:tav>
+                                        <p:tav tm="100000">
+                                          <p:val>
+                                            <p:strVal val="#ppt_y"/>
+                                          </p:val>
+                                        </p:tav>
+                                      </p:tavLst>
+                                    </p:anim>
+                                  </p:childTnLst>
+                                </p:cTn>
+                              </p:par>
+                              <p:par>
+                                <p:cTn id="66" presetID="42" presetClass="entr" presetSubtype="0" fill="hold" nodeType="withEffect">
+                                  <p:stCondLst>
+                                    <p:cond delay="0"/>
+                                  </p:stCondLst>
+                                  <p:childTnLst>
+                                    <p:set>
+                                      <p:cBhvr>
+                                        <p:cTn id="67" dur="1" fill="hold">
+                                          <p:stCondLst>
+                                            <p:cond delay="0"/>
+                                          </p:stCondLst>
+                                        </p:cTn>
+                                        <p:tgtEl>
+                                          <p:spTgt spid="43"/>
+                                        </p:tgtEl>
+                                        <p:attrNameLst>
+                                          <p:attrName>style.visibility</p:attrName>
+                                        </p:attrNameLst>
+                                      </p:cBhvr>
+                                      <p:to>
+                                        <p:strVal val="visible"/>
+                                      </p:to>
+                                    </p:set>
+                                    <p:animEffect transition="in" filter="fade">
+                                      <p:cBhvr>
+                                        <p:cTn id="68" dur="500"/>
+                                        <p:tgtEl>
                                           <p:spTgt spid="43"/>
                                         </p:tgtEl>
                                       </p:cBhvr>
                                     </p:animEffect>
                                     <p:anim calcmode="lin" valueType="num">
                                       <p:cBhvr>
-                                        <p:cTn id="64" dur="500" fill="hold"/>
+                                        <p:cTn id="69" dur="500" fill="hold"/>
                                         <p:tgtEl>
                                           <p:spTgt spid="43"/>
                                         </p:tgtEl>
@@ -21130,7 +21253,7 @@
                                     </p:anim>
                                     <p:anim calcmode="lin" valueType="num">
                                       <p:cBhvr>
-                                        <p:cTn id="65" dur="500" fill="hold"/>
+                                        <p:cTn id="70" dur="500" fill="hold"/>
                                         <p:tgtEl>
                                           <p:spTgt spid="43"/>
                                         </p:tgtEl>
@@ -31459,61 +31582,126 @@
           </a:p>
         </p:txBody>
       </p:sp>
-      <p:sp>
-        <p:nvSpPr>
-          <p:cNvPr id="3" name="内容占位符 2"/>
-          <p:cNvSpPr>
-            <a:spLocks noGrp="1"/>
-          </p:cNvSpPr>
-          <p:nvPr>
-            <p:ph idx="1"/>
-          </p:nvPr>
-        </p:nvSpPr>
-        <p:spPr/>
-        <p:txBody>
-          <a:bodyPr/>
-          <a:lstStyle/>
-          <a:p>
-            <a:r>
-              <a:rPr lang="en-US" altLang="zh-CN" dirty="0"/>
-              <a:t>Encoding Boolean values and operators</a:t>
-            </a:r>
-          </a:p>
-          <a:p>
-            <a:pPr lvl="1">
-              <a:spcBef>
-                <a:spcPts val="1200"/>
-              </a:spcBef>
-            </a:pPr>
-            <a:r>
-              <a:rPr lang="en-US" altLang="zh-CN" dirty="0"/>
-              <a:t>True  </a:t>
-            </a:r>
-            <a:r>
-              <a:rPr lang="en-US" altLang="zh-CN" dirty="0">
-                <a:sym typeface="Symbol" panose="05050102010706020507" pitchFamily="18" charset="2"/>
-              </a:rPr>
-              <a:t>  x. y. x</a:t>
-            </a:r>
-          </a:p>
-          <a:p>
-            <a:pPr lvl="1">
-              <a:spcBef>
-                <a:spcPts val="1200"/>
-              </a:spcBef>
-            </a:pPr>
-            <a:r>
-              <a:rPr lang="en-US" altLang="zh-CN" dirty="0">
-                <a:sym typeface="Symbol" panose="05050102010706020507" pitchFamily="18" charset="2"/>
-              </a:rPr>
-              <a:t>False    x. y. y</a:t>
-            </a:r>
-          </a:p>
-          <a:p>
-            <a:endParaRPr lang="zh-CN" altLang="en-US" dirty="0"/>
-          </a:p>
-        </p:txBody>
-      </p:sp>
+      <mc:AlternateContent xmlns:mc="http://schemas.openxmlformats.org/markup-compatibility/2006">
+        <mc:Choice xmlns:a14="http://schemas.microsoft.com/office/drawing/2010/main" Requires="a14">
+          <p:sp>
+            <p:nvSpPr>
+              <p:cNvPr id="3" name="内容占位符 2"/>
+              <p:cNvSpPr>
+                <a:spLocks noGrp="1"/>
+              </p:cNvSpPr>
+              <p:nvPr>
+                <p:ph idx="1"/>
+              </p:nvPr>
+            </p:nvSpPr>
+            <p:spPr/>
+            <p:txBody>
+              <a:bodyPr/>
+              <a:lstStyle/>
+              <a:p>
+                <a:r>
+                  <a:rPr lang="en-US" altLang="zh-CN" dirty="0"/>
+                  <a:t>Encoding Boolean values and operators</a:t>
+                </a:r>
+              </a:p>
+              <a:p>
+                <a:pPr lvl="1">
+                  <a:spcBef>
+                    <a:spcPts val="1200"/>
+                  </a:spcBef>
+                </a:pPr>
+                <a:r>
+                  <a:rPr lang="en-US" altLang="zh-CN" dirty="0"/>
+                  <a:t>True </a:t>
+                </a:r>
+                <a14:m>
+                  <m:oMath xmlns:m="http://schemas.openxmlformats.org/officeDocument/2006/math">
+                    <m:r>
+                      <a:rPr lang="en-US" altLang="zh-CN" i="1">
+                        <a:latin typeface="Cambria Math" panose="02040503050406030204" pitchFamily="18" charset="0"/>
+                        <a:sym typeface="Symbol" panose="05050102010706020507" pitchFamily="18" charset="2"/>
+                      </a:rPr>
+                      <m:t>≝</m:t>
+                    </m:r>
+                  </m:oMath>
+                </a14:m>
+                <a:r>
+                  <a:rPr lang="en-US" altLang="zh-CN" dirty="0">
+                    <a:sym typeface="Symbol" panose="05050102010706020507" pitchFamily="18" charset="2"/>
+                  </a:rPr>
+                  <a:t>  x. y. x</a:t>
+                </a:r>
+              </a:p>
+              <a:p>
+                <a:pPr lvl="1">
+                  <a:spcBef>
+                    <a:spcPts val="1200"/>
+                  </a:spcBef>
+                </a:pPr>
+                <a:r>
+                  <a:rPr lang="en-US" altLang="zh-CN" dirty="0">
+                    <a:sym typeface="Symbol" panose="05050102010706020507" pitchFamily="18" charset="2"/>
+                  </a:rPr>
+                  <a:t>False </a:t>
+                </a:r>
+                <a14:m>
+                  <m:oMath xmlns:m="http://schemas.openxmlformats.org/officeDocument/2006/math">
+                    <m:r>
+                      <a:rPr lang="en-US" altLang="zh-CN" i="1">
+                        <a:latin typeface="Cambria Math" panose="02040503050406030204" pitchFamily="18" charset="0"/>
+                        <a:sym typeface="Symbol" panose="05050102010706020507" pitchFamily="18" charset="2"/>
+                      </a:rPr>
+                      <m:t>≝</m:t>
+                    </m:r>
+                  </m:oMath>
+                </a14:m>
+                <a:r>
+                  <a:rPr lang="en-US" altLang="zh-CN" dirty="0">
+                    <a:sym typeface="Symbol" panose="05050102010706020507" pitchFamily="18" charset="2"/>
+                  </a:rPr>
+                  <a:t>  x. y. y</a:t>
+                </a:r>
+              </a:p>
+              <a:p>
+                <a:endParaRPr lang="zh-CN" altLang="en-US" dirty="0"/>
+              </a:p>
+            </p:txBody>
+          </p:sp>
+        </mc:Choice>
+        <mc:Fallback>
+          <p:sp>
+            <p:nvSpPr>
+              <p:cNvPr id="3" name="内容占位符 2"/>
+              <p:cNvSpPr>
+                <a:spLocks noGrp="1" noRot="1" noChangeAspect="1" noMove="1" noResize="1" noEditPoints="1" noAdjustHandles="1" noChangeArrowheads="1" noChangeShapeType="1" noTextEdit="1"/>
+              </p:cNvSpPr>
+              <p:nvPr>
+                <p:ph idx="1"/>
+              </p:nvPr>
+            </p:nvSpPr>
+            <p:spPr>
+              <a:blipFill>
+                <a:blip r:embed="rId3"/>
+                <a:stretch>
+                  <a:fillRect l="-1391" t="-2241"/>
+                </a:stretch>
+              </a:blipFill>
+            </p:spPr>
+            <p:txBody>
+              <a:bodyPr/>
+              <a:lstStyle/>
+              <a:p>
+                <a:r>
+                  <a:rPr lang="zh-CN" altLang="en-US">
+                    <a:noFill/>
+                  </a:rPr>
+                  <a:t> </a:t>
+                </a:r>
+              </a:p>
+            </p:txBody>
+          </p:sp>
+        </mc:Fallback>
+      </mc:AlternateContent>
     </p:spTree>
     <p:extLst>
       <p:ext uri="{BB962C8B-B14F-4D97-AF65-F5344CB8AC3E}">
@@ -31577,84 +31765,163 @@
           </a:p>
         </p:txBody>
       </p:sp>
-      <p:sp>
-        <p:nvSpPr>
-          <p:cNvPr id="3" name="内容占位符 2"/>
-          <p:cNvSpPr>
-            <a:spLocks noGrp="1"/>
-          </p:cNvSpPr>
-          <p:nvPr>
-            <p:ph idx="1"/>
-          </p:nvPr>
-        </p:nvSpPr>
-        <p:spPr/>
-        <p:txBody>
-          <a:bodyPr/>
-          <a:lstStyle/>
-          <a:p>
-            <a:r>
-              <a:rPr lang="en-US" altLang="zh-CN" dirty="0"/>
-              <a:t>Encoding Boolean values and operators</a:t>
-            </a:r>
-          </a:p>
-          <a:p>
-            <a:pPr lvl="1">
-              <a:spcBef>
-                <a:spcPts val="1200"/>
-              </a:spcBef>
-            </a:pPr>
-            <a:r>
-              <a:rPr lang="en-US" altLang="zh-CN" dirty="0"/>
-              <a:t>True  </a:t>
-            </a:r>
-            <a:r>
-              <a:rPr lang="en-US" altLang="zh-CN" dirty="0">
-                <a:sym typeface="Symbol" panose="05050102010706020507" pitchFamily="18" charset="2"/>
-              </a:rPr>
-              <a:t>  x. y. x</a:t>
-            </a:r>
-          </a:p>
-          <a:p>
-            <a:pPr lvl="1">
-              <a:spcBef>
-                <a:spcPts val="1200"/>
-              </a:spcBef>
-            </a:pPr>
-            <a:r>
-              <a:rPr lang="en-US" altLang="zh-CN" dirty="0">
-                <a:sym typeface="Symbol" panose="05050102010706020507" pitchFamily="18" charset="2"/>
-              </a:rPr>
-              <a:t>False    x. y. y</a:t>
-            </a:r>
-          </a:p>
-          <a:p>
-            <a:pPr lvl="1">
-              <a:spcBef>
-                <a:spcPts val="1200"/>
-              </a:spcBef>
-            </a:pPr>
-            <a:r>
-              <a:rPr lang="en-US" altLang="zh-CN" dirty="0">
-                <a:sym typeface="Symbol" panose="05050102010706020507" pitchFamily="18" charset="2"/>
-              </a:rPr>
-              <a:t>not  </a:t>
-            </a:r>
-          </a:p>
-          <a:p>
-            <a:pPr lvl="1">
-              <a:spcBef>
-                <a:spcPts val="1200"/>
-              </a:spcBef>
-            </a:pPr>
-            <a:endParaRPr lang="en-US" altLang="zh-CN" dirty="0">
-              <a:sym typeface="Symbol" panose="05050102010706020507" pitchFamily="18" charset="2"/>
-            </a:endParaRPr>
-          </a:p>
-          <a:p>
-            <a:endParaRPr lang="zh-CN" altLang="en-US" dirty="0"/>
-          </a:p>
-        </p:txBody>
-      </p:sp>
+      <mc:AlternateContent xmlns:mc="http://schemas.openxmlformats.org/markup-compatibility/2006">
+        <mc:Choice xmlns:a14="http://schemas.microsoft.com/office/drawing/2010/main" Requires="a14">
+          <p:sp>
+            <p:nvSpPr>
+              <p:cNvPr id="3" name="内容占位符 2"/>
+              <p:cNvSpPr>
+                <a:spLocks noGrp="1"/>
+              </p:cNvSpPr>
+              <p:nvPr>
+                <p:ph idx="1"/>
+              </p:nvPr>
+            </p:nvSpPr>
+            <p:spPr/>
+            <p:txBody>
+              <a:bodyPr/>
+              <a:lstStyle/>
+              <a:p>
+                <a:r>
+                  <a:rPr lang="en-US" altLang="zh-CN" dirty="0"/>
+                  <a:t>Encoding Boolean values and operators</a:t>
+                </a:r>
+              </a:p>
+              <a:p>
+                <a:pPr lvl="1">
+                  <a:spcBef>
+                    <a:spcPts val="1200"/>
+                  </a:spcBef>
+                </a:pPr>
+                <a:r>
+                  <a:rPr lang="en-US" altLang="zh-CN" dirty="0"/>
+                  <a:t>True </a:t>
+                </a:r>
+                <a14:m>
+                  <m:oMath xmlns:m="http://schemas.openxmlformats.org/officeDocument/2006/math">
+                    <m:r>
+                      <a:rPr lang="en-US" altLang="zh-CN" i="1">
+                        <a:latin typeface="Cambria Math" panose="02040503050406030204" pitchFamily="18" charset="0"/>
+                        <a:sym typeface="Symbol" panose="05050102010706020507" pitchFamily="18" charset="2"/>
+                      </a:rPr>
+                      <m:t>≝</m:t>
+                    </m:r>
+                  </m:oMath>
+                </a14:m>
+                <a:r>
+                  <a:rPr lang="en-US" altLang="zh-CN" dirty="0">
+                    <a:sym typeface="Symbol" panose="05050102010706020507" pitchFamily="18" charset="2"/>
+                  </a:rPr>
+                  <a:t>  x. y. x</a:t>
+                </a:r>
+              </a:p>
+              <a:p>
+                <a:pPr lvl="1">
+                  <a:spcBef>
+                    <a:spcPts val="1200"/>
+                  </a:spcBef>
+                </a:pPr>
+                <a:r>
+                  <a:rPr lang="en-US" altLang="zh-CN" dirty="0">
+                    <a:sym typeface="Symbol" panose="05050102010706020507" pitchFamily="18" charset="2"/>
+                  </a:rPr>
+                  <a:t>False </a:t>
+                </a:r>
+                <a14:m>
+                  <m:oMath xmlns:m="http://schemas.openxmlformats.org/officeDocument/2006/math">
+                    <m:r>
+                      <a:rPr lang="en-US" altLang="zh-CN" i="1">
+                        <a:latin typeface="Cambria Math" panose="02040503050406030204" pitchFamily="18" charset="0"/>
+                        <a:sym typeface="Symbol" panose="05050102010706020507" pitchFamily="18" charset="2"/>
+                      </a:rPr>
+                      <m:t>≝</m:t>
+                    </m:r>
+                  </m:oMath>
+                </a14:m>
+                <a:r>
+                  <a:rPr lang="en-US" altLang="zh-CN" dirty="0">
+                    <a:sym typeface="Symbol" panose="05050102010706020507" pitchFamily="18" charset="2"/>
+                  </a:rPr>
+                  <a:t>  x. y. y</a:t>
+                </a:r>
+              </a:p>
+              <a:p>
+                <a:pPr lvl="1">
+                  <a:spcBef>
+                    <a:spcPts val="1200"/>
+                  </a:spcBef>
+                </a:pPr>
+                <a:r>
+                  <a:rPr lang="en-US" altLang="zh-CN" dirty="0">
+                    <a:sym typeface="Symbol" panose="05050102010706020507" pitchFamily="18" charset="2"/>
+                  </a:rPr>
+                  <a:t>not </a:t>
+                </a:r>
+                <a14:m>
+                  <m:oMath xmlns:m="http://schemas.openxmlformats.org/officeDocument/2006/math">
+                    <m:r>
+                      <a:rPr lang="en-US" altLang="zh-CN" i="1">
+                        <a:latin typeface="Cambria Math" panose="02040503050406030204" pitchFamily="18" charset="0"/>
+                        <a:sym typeface="Symbol" panose="05050102010706020507" pitchFamily="18" charset="2"/>
+                      </a:rPr>
+                      <m:t>≝</m:t>
+                    </m:r>
+                  </m:oMath>
+                </a14:m>
+                <a:endParaRPr lang="en-US" altLang="zh-CN" dirty="0">
+                  <a:sym typeface="Symbol" panose="05050102010706020507" pitchFamily="18" charset="2"/>
+                </a:endParaRPr>
+              </a:p>
+              <a:p>
+                <a:pPr lvl="1">
+                  <a:spcBef>
+                    <a:spcPts val="1200"/>
+                  </a:spcBef>
+                </a:pPr>
+                <a:endParaRPr lang="en-US" altLang="zh-CN" dirty="0">
+                  <a:sym typeface="Symbol" panose="05050102010706020507" pitchFamily="18" charset="2"/>
+                </a:endParaRPr>
+              </a:p>
+              <a:p>
+                <a:endParaRPr lang="zh-CN" altLang="en-US" dirty="0"/>
+              </a:p>
+            </p:txBody>
+          </p:sp>
+        </mc:Choice>
+        <mc:Fallback>
+          <p:sp>
+            <p:nvSpPr>
+              <p:cNvPr id="3" name="内容占位符 2"/>
+              <p:cNvSpPr>
+                <a:spLocks noGrp="1" noRot="1" noChangeAspect="1" noMove="1" noResize="1" noEditPoints="1" noAdjustHandles="1" noChangeArrowheads="1" noChangeShapeType="1" noTextEdit="1"/>
+              </p:cNvSpPr>
+              <p:nvPr>
+                <p:ph idx="1"/>
+              </p:nvPr>
+            </p:nvSpPr>
+            <p:spPr>
+              <a:blipFill>
+                <a:blip r:embed="rId3"/>
+                <a:stretch>
+                  <a:fillRect l="-1391" t="-2241"/>
+                </a:stretch>
+              </a:blipFill>
+            </p:spPr>
+            <p:txBody>
+              <a:bodyPr/>
+              <a:lstStyle/>
+              <a:p>
+                <a:r>
+                  <a:rPr lang="zh-CN" altLang="en-US">
+                    <a:noFill/>
+                  </a:rPr>
+                  <a:t> </a:t>
+                </a:r>
+              </a:p>
+            </p:txBody>
+          </p:sp>
+        </mc:Fallback>
+      </mc:AlternateContent>
     </p:spTree>
     <p:extLst>
       <p:ext uri="{BB962C8B-B14F-4D97-AF65-F5344CB8AC3E}">
@@ -31718,84 +31985,166 @@
           </a:p>
         </p:txBody>
       </p:sp>
-      <p:sp>
-        <p:nvSpPr>
-          <p:cNvPr id="3" name="内容占位符 2"/>
-          <p:cNvSpPr>
-            <a:spLocks noGrp="1"/>
-          </p:cNvSpPr>
-          <p:nvPr>
-            <p:ph idx="1"/>
-          </p:nvPr>
-        </p:nvSpPr>
-        <p:spPr/>
-        <p:txBody>
-          <a:bodyPr/>
-          <a:lstStyle/>
-          <a:p>
-            <a:r>
-              <a:rPr lang="en-US" altLang="zh-CN" dirty="0"/>
-              <a:t>Encoding Boolean values and operators</a:t>
-            </a:r>
-          </a:p>
-          <a:p>
-            <a:pPr lvl="1">
-              <a:spcBef>
-                <a:spcPts val="1200"/>
-              </a:spcBef>
-            </a:pPr>
-            <a:r>
-              <a:rPr lang="en-US" altLang="zh-CN" dirty="0"/>
-              <a:t>True  </a:t>
-            </a:r>
-            <a:r>
-              <a:rPr lang="en-US" altLang="zh-CN" dirty="0">
-                <a:sym typeface="Symbol" panose="05050102010706020507" pitchFamily="18" charset="2"/>
-              </a:rPr>
-              <a:t>  x. y. x</a:t>
-            </a:r>
-          </a:p>
-          <a:p>
-            <a:pPr lvl="1">
-              <a:spcBef>
-                <a:spcPts val="1200"/>
-              </a:spcBef>
-            </a:pPr>
-            <a:r>
-              <a:rPr lang="en-US" altLang="zh-CN" dirty="0">
-                <a:sym typeface="Symbol" panose="05050102010706020507" pitchFamily="18" charset="2"/>
-              </a:rPr>
-              <a:t>False    x. y. y</a:t>
-            </a:r>
-          </a:p>
-          <a:p>
-            <a:pPr lvl="1">
-              <a:spcBef>
-                <a:spcPts val="1200"/>
-              </a:spcBef>
-            </a:pPr>
-            <a:r>
-              <a:rPr lang="en-US" altLang="zh-CN" dirty="0">
-                <a:sym typeface="Symbol" panose="05050102010706020507" pitchFamily="18" charset="2"/>
-              </a:rPr>
-              <a:t>not    b. b False True</a:t>
-            </a:r>
-          </a:p>
-          <a:p>
-            <a:pPr lvl="1">
-              <a:spcBef>
-                <a:spcPts val="1200"/>
-              </a:spcBef>
-            </a:pPr>
-            <a:endParaRPr lang="en-US" altLang="zh-CN" dirty="0">
-              <a:sym typeface="Symbol" panose="05050102010706020507" pitchFamily="18" charset="2"/>
-            </a:endParaRPr>
-          </a:p>
-          <a:p>
-            <a:endParaRPr lang="zh-CN" altLang="en-US" dirty="0"/>
-          </a:p>
-        </p:txBody>
-      </p:sp>
+      <mc:AlternateContent xmlns:mc="http://schemas.openxmlformats.org/markup-compatibility/2006">
+        <mc:Choice xmlns:a14="http://schemas.microsoft.com/office/drawing/2010/main" Requires="a14">
+          <p:sp>
+            <p:nvSpPr>
+              <p:cNvPr id="3" name="内容占位符 2"/>
+              <p:cNvSpPr>
+                <a:spLocks noGrp="1"/>
+              </p:cNvSpPr>
+              <p:nvPr>
+                <p:ph idx="1"/>
+              </p:nvPr>
+            </p:nvSpPr>
+            <p:spPr/>
+            <p:txBody>
+              <a:bodyPr/>
+              <a:lstStyle/>
+              <a:p>
+                <a:r>
+                  <a:rPr lang="en-US" altLang="zh-CN" dirty="0"/>
+                  <a:t>Encoding Boolean values and operators</a:t>
+                </a:r>
+              </a:p>
+              <a:p>
+                <a:pPr lvl="1">
+                  <a:spcBef>
+                    <a:spcPts val="1200"/>
+                  </a:spcBef>
+                </a:pPr>
+                <a:r>
+                  <a:rPr lang="en-US" altLang="zh-CN" dirty="0"/>
+                  <a:t>True </a:t>
+                </a:r>
+                <a14:m>
+                  <m:oMath xmlns:m="http://schemas.openxmlformats.org/officeDocument/2006/math">
+                    <m:r>
+                      <a:rPr lang="en-US" altLang="zh-CN" i="1">
+                        <a:latin typeface="Cambria Math" panose="02040503050406030204" pitchFamily="18" charset="0"/>
+                        <a:sym typeface="Symbol" panose="05050102010706020507" pitchFamily="18" charset="2"/>
+                      </a:rPr>
+                      <m:t>≝</m:t>
+                    </m:r>
+                  </m:oMath>
+                </a14:m>
+                <a:r>
+                  <a:rPr lang="en-US" altLang="zh-CN" dirty="0">
+                    <a:sym typeface="Symbol" panose="05050102010706020507" pitchFamily="18" charset="2"/>
+                  </a:rPr>
+                  <a:t>  x. y. x</a:t>
+                </a:r>
+              </a:p>
+              <a:p>
+                <a:pPr lvl="1">
+                  <a:spcBef>
+                    <a:spcPts val="1200"/>
+                  </a:spcBef>
+                </a:pPr>
+                <a:r>
+                  <a:rPr lang="en-US" altLang="zh-CN" dirty="0">
+                    <a:sym typeface="Symbol" panose="05050102010706020507" pitchFamily="18" charset="2"/>
+                  </a:rPr>
+                  <a:t>False </a:t>
+                </a:r>
+                <a14:m>
+                  <m:oMath xmlns:m="http://schemas.openxmlformats.org/officeDocument/2006/math">
+                    <m:r>
+                      <a:rPr lang="en-US" altLang="zh-CN" i="1">
+                        <a:latin typeface="Cambria Math" panose="02040503050406030204" pitchFamily="18" charset="0"/>
+                        <a:sym typeface="Symbol" panose="05050102010706020507" pitchFamily="18" charset="2"/>
+                      </a:rPr>
+                      <m:t>≝</m:t>
+                    </m:r>
+                  </m:oMath>
+                </a14:m>
+                <a:r>
+                  <a:rPr lang="en-US" altLang="zh-CN" dirty="0">
+                    <a:sym typeface="Symbol" panose="05050102010706020507" pitchFamily="18" charset="2"/>
+                  </a:rPr>
+                  <a:t>  x. y. y</a:t>
+                </a:r>
+              </a:p>
+              <a:p>
+                <a:pPr lvl="1">
+                  <a:spcBef>
+                    <a:spcPts val="1200"/>
+                  </a:spcBef>
+                </a:pPr>
+                <a:r>
+                  <a:rPr lang="en-US" altLang="zh-CN" dirty="0">
+                    <a:sym typeface="Symbol" panose="05050102010706020507" pitchFamily="18" charset="2"/>
+                  </a:rPr>
+                  <a:t>not </a:t>
+                </a:r>
+                <a14:m>
+                  <m:oMath xmlns:m="http://schemas.openxmlformats.org/officeDocument/2006/math">
+                    <m:r>
+                      <a:rPr lang="en-US" altLang="zh-CN" i="1">
+                        <a:latin typeface="Cambria Math" panose="02040503050406030204" pitchFamily="18" charset="0"/>
+                        <a:sym typeface="Symbol" panose="05050102010706020507" pitchFamily="18" charset="2"/>
+                      </a:rPr>
+                      <m:t>≝</m:t>
+                    </m:r>
+                  </m:oMath>
+                </a14:m>
+                <a:r>
+                  <a:rPr lang="en-US" altLang="zh-CN" dirty="0">
+                    <a:sym typeface="Symbol" panose="05050102010706020507" pitchFamily="18" charset="2"/>
+                  </a:rPr>
+                  <a:t>  b. b False True</a:t>
+                </a:r>
+              </a:p>
+              <a:p>
+                <a:pPr lvl="1">
+                  <a:spcBef>
+                    <a:spcPts val="1200"/>
+                  </a:spcBef>
+                </a:pPr>
+                <a:endParaRPr lang="en-US" altLang="zh-CN" dirty="0">
+                  <a:sym typeface="Symbol" panose="05050102010706020507" pitchFamily="18" charset="2"/>
+                </a:endParaRPr>
+              </a:p>
+              <a:p>
+                <a:endParaRPr lang="zh-CN" altLang="en-US" dirty="0"/>
+              </a:p>
+            </p:txBody>
+          </p:sp>
+        </mc:Choice>
+        <mc:Fallback>
+          <p:sp>
+            <p:nvSpPr>
+              <p:cNvPr id="3" name="内容占位符 2"/>
+              <p:cNvSpPr>
+                <a:spLocks noGrp="1" noRot="1" noChangeAspect="1" noMove="1" noResize="1" noEditPoints="1" noAdjustHandles="1" noChangeArrowheads="1" noChangeShapeType="1" noTextEdit="1"/>
+              </p:cNvSpPr>
+              <p:nvPr>
+                <p:ph idx="1"/>
+              </p:nvPr>
+            </p:nvSpPr>
+            <p:spPr>
+              <a:blipFill>
+                <a:blip r:embed="rId3"/>
+                <a:stretch>
+                  <a:fillRect l="-1391" t="-2241"/>
+                </a:stretch>
+              </a:blipFill>
+            </p:spPr>
+            <p:txBody>
+              <a:bodyPr/>
+              <a:lstStyle/>
+              <a:p>
+                <a:r>
+                  <a:rPr lang="zh-CN" altLang="en-US">
+                    <a:noFill/>
+                  </a:rPr>
+                  <a:t> </a:t>
+                </a:r>
+              </a:p>
+            </p:txBody>
+          </p:sp>
+        </mc:Fallback>
+      </mc:AlternateContent>
       <p:sp>
         <p:nvSpPr>
           <p:cNvPr id="6" name="圆角矩形标注 5"/>
@@ -32097,97 +32446,193 @@
           </a:p>
         </p:txBody>
       </p:sp>
-      <p:sp>
-        <p:nvSpPr>
-          <p:cNvPr id="3" name="内容占位符 2"/>
-          <p:cNvSpPr>
-            <a:spLocks noGrp="1"/>
-          </p:cNvSpPr>
-          <p:nvPr>
-            <p:ph idx="1"/>
-          </p:nvPr>
-        </p:nvSpPr>
-        <p:spPr/>
-        <p:txBody>
-          <a:bodyPr/>
-          <a:lstStyle/>
-          <a:p>
-            <a:r>
-              <a:rPr lang="en-US" altLang="zh-CN" dirty="0"/>
-              <a:t>Encoding Boolean values and operators</a:t>
-            </a:r>
-          </a:p>
-          <a:p>
-            <a:pPr lvl="1">
-              <a:spcBef>
-                <a:spcPts val="1200"/>
-              </a:spcBef>
-            </a:pPr>
-            <a:r>
-              <a:rPr lang="en-US" altLang="zh-CN" dirty="0"/>
-              <a:t>True  </a:t>
-            </a:r>
-            <a:r>
-              <a:rPr lang="en-US" altLang="zh-CN" dirty="0">
-                <a:sym typeface="Symbol" panose="05050102010706020507" pitchFamily="18" charset="2"/>
-              </a:rPr>
-              <a:t>  x. y. x</a:t>
-            </a:r>
-          </a:p>
-          <a:p>
-            <a:pPr lvl="1">
-              <a:spcBef>
-                <a:spcPts val="1200"/>
-              </a:spcBef>
-            </a:pPr>
-            <a:r>
-              <a:rPr lang="en-US" altLang="zh-CN" dirty="0">
-                <a:sym typeface="Symbol" panose="05050102010706020507" pitchFamily="18" charset="2"/>
-              </a:rPr>
-              <a:t>False    x. y. y</a:t>
-            </a:r>
-          </a:p>
-          <a:p>
-            <a:pPr lvl="1">
-              <a:spcBef>
-                <a:spcPts val="1200"/>
-              </a:spcBef>
-            </a:pPr>
-            <a:r>
-              <a:rPr lang="en-US" altLang="zh-CN" dirty="0">
-                <a:sym typeface="Symbol" panose="05050102010706020507" pitchFamily="18" charset="2"/>
-              </a:rPr>
-              <a:t>not    b. b False True</a:t>
-            </a:r>
-          </a:p>
-          <a:p>
-            <a:pPr lvl="1">
-              <a:spcBef>
-                <a:spcPts val="1200"/>
-              </a:spcBef>
-            </a:pPr>
-            <a:r>
-              <a:rPr lang="en-US" altLang="zh-CN" dirty="0">
-                <a:sym typeface="Symbol" panose="05050102010706020507" pitchFamily="18" charset="2"/>
-              </a:rPr>
-              <a:t>and  </a:t>
-            </a:r>
-          </a:p>
-          <a:p>
-            <a:pPr lvl="1">
-              <a:spcBef>
-                <a:spcPts val="1200"/>
-              </a:spcBef>
-            </a:pPr>
-            <a:endParaRPr lang="en-US" altLang="zh-CN" dirty="0">
-              <a:sym typeface="Symbol" panose="05050102010706020507" pitchFamily="18" charset="2"/>
-            </a:endParaRPr>
-          </a:p>
-          <a:p>
-            <a:endParaRPr lang="zh-CN" altLang="en-US" dirty="0"/>
-          </a:p>
-        </p:txBody>
-      </p:sp>
+      <mc:AlternateContent xmlns:mc="http://schemas.openxmlformats.org/markup-compatibility/2006">
+        <mc:Choice xmlns:a14="http://schemas.microsoft.com/office/drawing/2010/main" Requires="a14">
+          <p:sp>
+            <p:nvSpPr>
+              <p:cNvPr id="3" name="内容占位符 2"/>
+              <p:cNvSpPr>
+                <a:spLocks noGrp="1"/>
+              </p:cNvSpPr>
+              <p:nvPr>
+                <p:ph idx="1"/>
+              </p:nvPr>
+            </p:nvSpPr>
+            <p:spPr/>
+            <p:txBody>
+              <a:bodyPr/>
+              <a:lstStyle/>
+              <a:p>
+                <a:r>
+                  <a:rPr lang="en-US" altLang="zh-CN" dirty="0"/>
+                  <a:t>Encoding Boolean values and operators</a:t>
+                </a:r>
+              </a:p>
+              <a:p>
+                <a:pPr lvl="1">
+                  <a:spcBef>
+                    <a:spcPts val="1200"/>
+                  </a:spcBef>
+                </a:pPr>
+                <a:r>
+                  <a:rPr lang="en-US" altLang="zh-CN" dirty="0"/>
+                  <a:t>True </a:t>
+                </a:r>
+                <a14:m>
+                  <m:oMath xmlns:m="http://schemas.openxmlformats.org/officeDocument/2006/math">
+                    <m:r>
+                      <a:rPr lang="en-US" altLang="zh-CN" i="1">
+                        <a:latin typeface="Cambria Math" panose="02040503050406030204" pitchFamily="18" charset="0"/>
+                        <a:sym typeface="Symbol" panose="05050102010706020507" pitchFamily="18" charset="2"/>
+                      </a:rPr>
+                      <m:t>≝</m:t>
+                    </m:r>
+                  </m:oMath>
+                </a14:m>
+                <a:r>
+                  <a:rPr lang="en-US" altLang="zh-CN" dirty="0">
+                    <a:sym typeface="Symbol" panose="05050102010706020507" pitchFamily="18" charset="2"/>
+                  </a:rPr>
+                  <a:t>  x. y. x</a:t>
+                </a:r>
+              </a:p>
+              <a:p>
+                <a:pPr lvl="1">
+                  <a:spcBef>
+                    <a:spcPts val="1200"/>
+                  </a:spcBef>
+                </a:pPr>
+                <a:r>
+                  <a:rPr lang="en-US" altLang="zh-CN" dirty="0">
+                    <a:sym typeface="Symbol" panose="05050102010706020507" pitchFamily="18" charset="2"/>
+                  </a:rPr>
+                  <a:t>False </a:t>
+                </a:r>
+                <a14:m>
+                  <m:oMath xmlns:m="http://schemas.openxmlformats.org/officeDocument/2006/math">
+                    <m:r>
+                      <a:rPr lang="en-US" altLang="zh-CN" i="1">
+                        <a:latin typeface="Cambria Math" panose="02040503050406030204" pitchFamily="18" charset="0"/>
+                        <a:sym typeface="Symbol" panose="05050102010706020507" pitchFamily="18" charset="2"/>
+                      </a:rPr>
+                      <m:t>≝</m:t>
+                    </m:r>
+                  </m:oMath>
+                </a14:m>
+                <a:r>
+                  <a:rPr lang="en-US" altLang="zh-CN" dirty="0">
+                    <a:sym typeface="Symbol" panose="05050102010706020507" pitchFamily="18" charset="2"/>
+                  </a:rPr>
+                  <a:t>  x. y. y</a:t>
+                </a:r>
+              </a:p>
+              <a:p>
+                <a:pPr lvl="1">
+                  <a:spcBef>
+                    <a:spcPts val="1200"/>
+                  </a:spcBef>
+                </a:pPr>
+                <a:r>
+                  <a:rPr lang="en-US" altLang="zh-CN" dirty="0">
+                    <a:sym typeface="Symbol" panose="05050102010706020507" pitchFamily="18" charset="2"/>
+                  </a:rPr>
+                  <a:t>not </a:t>
+                </a:r>
+                <a14:m>
+                  <m:oMath xmlns:m="http://schemas.openxmlformats.org/officeDocument/2006/math">
+                    <m:r>
+                      <a:rPr lang="en-US" altLang="zh-CN" i="1">
+                        <a:latin typeface="Cambria Math" panose="02040503050406030204" pitchFamily="18" charset="0"/>
+                        <a:sym typeface="Symbol" panose="05050102010706020507" pitchFamily="18" charset="2"/>
+                      </a:rPr>
+                      <m:t>≝</m:t>
+                    </m:r>
+                  </m:oMath>
+                </a14:m>
+                <a:r>
+                  <a:rPr lang="en-US" altLang="zh-CN" dirty="0">
+                    <a:sym typeface="Symbol" panose="05050102010706020507" pitchFamily="18" charset="2"/>
+                  </a:rPr>
+                  <a:t>  b. b False True</a:t>
+                </a:r>
+              </a:p>
+              <a:p>
+                <a:pPr lvl="1">
+                  <a:spcBef>
+                    <a:spcPts val="1200"/>
+                  </a:spcBef>
+                </a:pPr>
+                <a:r>
+                  <a:rPr lang="en-US" altLang="zh-CN" dirty="0">
+                    <a:sym typeface="Symbol" panose="05050102010706020507" pitchFamily="18" charset="2"/>
+                  </a:rPr>
+                  <a:t>and </a:t>
+                </a:r>
+                <a14:m>
+                  <m:oMath xmlns:m="http://schemas.openxmlformats.org/officeDocument/2006/math">
+                    <m:r>
+                      <a:rPr lang="en-US" altLang="zh-CN" i="1">
+                        <a:latin typeface="Cambria Math" panose="02040503050406030204" pitchFamily="18" charset="0"/>
+                        <a:sym typeface="Symbol" panose="05050102010706020507" pitchFamily="18" charset="2"/>
+                      </a:rPr>
+                      <m:t>≝</m:t>
+                    </m:r>
+                  </m:oMath>
+                </a14:m>
+                <a:endParaRPr lang="en-US" altLang="zh-CN" dirty="0">
+                  <a:sym typeface="Symbol" panose="05050102010706020507" pitchFamily="18" charset="2"/>
+                </a:endParaRPr>
+              </a:p>
+              <a:p>
+                <a:pPr lvl="1">
+                  <a:spcBef>
+                    <a:spcPts val="1200"/>
+                  </a:spcBef>
+                </a:pPr>
+                <a:endParaRPr lang="en-US" altLang="zh-CN" dirty="0">
+                  <a:sym typeface="Symbol" panose="05050102010706020507" pitchFamily="18" charset="2"/>
+                </a:endParaRPr>
+              </a:p>
+              <a:p>
+                <a:endParaRPr lang="zh-CN" altLang="en-US" dirty="0"/>
+              </a:p>
+            </p:txBody>
+          </p:sp>
+        </mc:Choice>
+        <mc:Fallback>
+          <p:sp>
+            <p:nvSpPr>
+              <p:cNvPr id="3" name="内容占位符 2"/>
+              <p:cNvSpPr>
+                <a:spLocks noGrp="1" noRot="1" noChangeAspect="1" noMove="1" noResize="1" noEditPoints="1" noAdjustHandles="1" noChangeArrowheads="1" noChangeShapeType="1" noTextEdit="1"/>
+              </p:cNvSpPr>
+              <p:nvPr>
+                <p:ph idx="1"/>
+              </p:nvPr>
+            </p:nvSpPr>
+            <p:spPr>
+              <a:blipFill>
+                <a:blip r:embed="rId2"/>
+                <a:stretch>
+                  <a:fillRect l="-1391" t="-2241"/>
+                </a:stretch>
+              </a:blipFill>
+            </p:spPr>
+            <p:txBody>
+              <a:bodyPr/>
+              <a:lstStyle/>
+              <a:p>
+                <a:r>
+                  <a:rPr lang="zh-CN" altLang="en-US">
+                    <a:noFill/>
+                  </a:rPr>
+                  <a:t> </a:t>
+                </a:r>
+              </a:p>
+            </p:txBody>
+          </p:sp>
+        </mc:Fallback>
+      </mc:AlternateContent>
     </p:spTree>
     <p:extLst>
       <p:ext uri="{BB962C8B-B14F-4D97-AF65-F5344CB8AC3E}">
@@ -32251,97 +32696,196 @@
           </a:p>
         </p:txBody>
       </p:sp>
-      <p:sp>
-        <p:nvSpPr>
-          <p:cNvPr id="3" name="内容占位符 2"/>
-          <p:cNvSpPr>
-            <a:spLocks noGrp="1"/>
-          </p:cNvSpPr>
-          <p:nvPr>
-            <p:ph idx="1"/>
-          </p:nvPr>
-        </p:nvSpPr>
-        <p:spPr/>
-        <p:txBody>
-          <a:bodyPr/>
-          <a:lstStyle/>
-          <a:p>
-            <a:r>
-              <a:rPr lang="en-US" altLang="zh-CN" dirty="0"/>
-              <a:t>Encoding Boolean values and operators</a:t>
-            </a:r>
-          </a:p>
-          <a:p>
-            <a:pPr lvl="1">
-              <a:spcBef>
-                <a:spcPts val="1200"/>
-              </a:spcBef>
-            </a:pPr>
-            <a:r>
-              <a:rPr lang="en-US" altLang="zh-CN" dirty="0"/>
-              <a:t>True  </a:t>
-            </a:r>
-            <a:r>
-              <a:rPr lang="en-US" altLang="zh-CN" dirty="0">
-                <a:sym typeface="Symbol" panose="05050102010706020507" pitchFamily="18" charset="2"/>
-              </a:rPr>
-              <a:t>  x. y. x</a:t>
-            </a:r>
-          </a:p>
-          <a:p>
-            <a:pPr lvl="1">
-              <a:spcBef>
-                <a:spcPts val="1200"/>
-              </a:spcBef>
-            </a:pPr>
-            <a:r>
-              <a:rPr lang="en-US" altLang="zh-CN" dirty="0">
-                <a:sym typeface="Symbol" panose="05050102010706020507" pitchFamily="18" charset="2"/>
-              </a:rPr>
-              <a:t>False    x. y. y</a:t>
-            </a:r>
-          </a:p>
-          <a:p>
-            <a:pPr lvl="1">
-              <a:spcBef>
-                <a:spcPts val="1200"/>
-              </a:spcBef>
-            </a:pPr>
-            <a:r>
-              <a:rPr lang="en-US" altLang="zh-CN" dirty="0">
-                <a:sym typeface="Symbol" panose="05050102010706020507" pitchFamily="18" charset="2"/>
-              </a:rPr>
-              <a:t>not    b. b False True</a:t>
-            </a:r>
-          </a:p>
-          <a:p>
-            <a:pPr lvl="1">
-              <a:spcBef>
-                <a:spcPts val="1200"/>
-              </a:spcBef>
-            </a:pPr>
-            <a:r>
-              <a:rPr lang="en-US" altLang="zh-CN" dirty="0">
-                <a:sym typeface="Symbol" panose="05050102010706020507" pitchFamily="18" charset="2"/>
-              </a:rPr>
-              <a:t>and    b. b’. b b’ False</a:t>
-            </a:r>
-          </a:p>
-          <a:p>
-            <a:pPr lvl="1">
-              <a:spcBef>
-                <a:spcPts val="1200"/>
-              </a:spcBef>
-            </a:pPr>
-            <a:endParaRPr lang="en-US" altLang="zh-CN" dirty="0">
-              <a:sym typeface="Symbol" panose="05050102010706020507" pitchFamily="18" charset="2"/>
-            </a:endParaRPr>
-          </a:p>
-          <a:p>
-            <a:endParaRPr lang="zh-CN" altLang="en-US" dirty="0"/>
-          </a:p>
-        </p:txBody>
-      </p:sp>
+      <mc:AlternateContent xmlns:mc="http://schemas.openxmlformats.org/markup-compatibility/2006">
+        <mc:Choice xmlns:a14="http://schemas.microsoft.com/office/drawing/2010/main" Requires="a14">
+          <p:sp>
+            <p:nvSpPr>
+              <p:cNvPr id="3" name="内容占位符 2"/>
+              <p:cNvSpPr>
+                <a:spLocks noGrp="1"/>
+              </p:cNvSpPr>
+              <p:nvPr>
+                <p:ph idx="1"/>
+              </p:nvPr>
+            </p:nvSpPr>
+            <p:spPr/>
+            <p:txBody>
+              <a:bodyPr/>
+              <a:lstStyle/>
+              <a:p>
+                <a:r>
+                  <a:rPr lang="en-US" altLang="zh-CN" dirty="0"/>
+                  <a:t>Encoding Boolean values and operators</a:t>
+                </a:r>
+              </a:p>
+              <a:p>
+                <a:pPr lvl="1">
+                  <a:spcBef>
+                    <a:spcPts val="1200"/>
+                  </a:spcBef>
+                </a:pPr>
+                <a:r>
+                  <a:rPr lang="en-US" altLang="zh-CN" dirty="0"/>
+                  <a:t>True </a:t>
+                </a:r>
+                <a14:m>
+                  <m:oMath xmlns:m="http://schemas.openxmlformats.org/officeDocument/2006/math">
+                    <m:r>
+                      <a:rPr lang="en-US" altLang="zh-CN" i="1">
+                        <a:latin typeface="Cambria Math" panose="02040503050406030204" pitchFamily="18" charset="0"/>
+                        <a:sym typeface="Symbol" panose="05050102010706020507" pitchFamily="18" charset="2"/>
+                      </a:rPr>
+                      <m:t>≝</m:t>
+                    </m:r>
+                  </m:oMath>
+                </a14:m>
+                <a:r>
+                  <a:rPr lang="en-US" altLang="zh-CN" dirty="0">
+                    <a:sym typeface="Symbol" panose="05050102010706020507" pitchFamily="18" charset="2"/>
+                  </a:rPr>
+                  <a:t>  x. y. x</a:t>
+                </a:r>
+              </a:p>
+              <a:p>
+                <a:pPr lvl="1">
+                  <a:spcBef>
+                    <a:spcPts val="1200"/>
+                  </a:spcBef>
+                </a:pPr>
+                <a:r>
+                  <a:rPr lang="en-US" altLang="zh-CN" dirty="0">
+                    <a:sym typeface="Symbol" panose="05050102010706020507" pitchFamily="18" charset="2"/>
+                  </a:rPr>
+                  <a:t>False </a:t>
+                </a:r>
+                <a14:m>
+                  <m:oMath xmlns:m="http://schemas.openxmlformats.org/officeDocument/2006/math">
+                    <m:r>
+                      <a:rPr lang="en-US" altLang="zh-CN" i="1">
+                        <a:latin typeface="Cambria Math" panose="02040503050406030204" pitchFamily="18" charset="0"/>
+                        <a:sym typeface="Symbol" panose="05050102010706020507" pitchFamily="18" charset="2"/>
+                      </a:rPr>
+                      <m:t>≝</m:t>
+                    </m:r>
+                  </m:oMath>
+                </a14:m>
+                <a:r>
+                  <a:rPr lang="en-US" altLang="zh-CN" dirty="0">
+                    <a:sym typeface="Symbol" panose="05050102010706020507" pitchFamily="18" charset="2"/>
+                  </a:rPr>
+                  <a:t>  x. y. y</a:t>
+                </a:r>
+              </a:p>
+              <a:p>
+                <a:pPr lvl="1">
+                  <a:spcBef>
+                    <a:spcPts val="1200"/>
+                  </a:spcBef>
+                </a:pPr>
+                <a:r>
+                  <a:rPr lang="en-US" altLang="zh-CN" dirty="0">
+                    <a:sym typeface="Symbol" panose="05050102010706020507" pitchFamily="18" charset="2"/>
+                  </a:rPr>
+                  <a:t>not </a:t>
+                </a:r>
+                <a14:m>
+                  <m:oMath xmlns:m="http://schemas.openxmlformats.org/officeDocument/2006/math">
+                    <m:r>
+                      <a:rPr lang="en-US" altLang="zh-CN" i="1">
+                        <a:latin typeface="Cambria Math" panose="02040503050406030204" pitchFamily="18" charset="0"/>
+                        <a:sym typeface="Symbol" panose="05050102010706020507" pitchFamily="18" charset="2"/>
+                      </a:rPr>
+                      <m:t>≝</m:t>
+                    </m:r>
+                  </m:oMath>
+                </a14:m>
+                <a:r>
+                  <a:rPr lang="en-US" altLang="zh-CN" dirty="0">
+                    <a:sym typeface="Symbol" panose="05050102010706020507" pitchFamily="18" charset="2"/>
+                  </a:rPr>
+                  <a:t>  b. b False True</a:t>
+                </a:r>
+              </a:p>
+              <a:p>
+                <a:pPr lvl="1">
+                  <a:spcBef>
+                    <a:spcPts val="1200"/>
+                  </a:spcBef>
+                </a:pPr>
+                <a:r>
+                  <a:rPr lang="en-US" altLang="zh-CN" dirty="0">
+                    <a:sym typeface="Symbol" panose="05050102010706020507" pitchFamily="18" charset="2"/>
+                  </a:rPr>
+                  <a:t>and </a:t>
+                </a:r>
+                <a14:m>
+                  <m:oMath xmlns:m="http://schemas.openxmlformats.org/officeDocument/2006/math">
+                    <m:r>
+                      <a:rPr lang="en-US" altLang="zh-CN" i="1">
+                        <a:latin typeface="Cambria Math" panose="02040503050406030204" pitchFamily="18" charset="0"/>
+                        <a:sym typeface="Symbol" panose="05050102010706020507" pitchFamily="18" charset="2"/>
+                      </a:rPr>
+                      <m:t>≝</m:t>
+                    </m:r>
+                  </m:oMath>
+                </a14:m>
+                <a:r>
+                  <a:rPr lang="en-US" altLang="zh-CN" dirty="0">
+                    <a:sym typeface="Symbol" panose="05050102010706020507" pitchFamily="18" charset="2"/>
+                  </a:rPr>
+                  <a:t>  b. b’. b b’ False</a:t>
+                </a:r>
+              </a:p>
+              <a:p>
+                <a:pPr lvl="1">
+                  <a:spcBef>
+                    <a:spcPts val="1200"/>
+                  </a:spcBef>
+                </a:pPr>
+                <a:endParaRPr lang="en-US" altLang="zh-CN" dirty="0">
+                  <a:sym typeface="Symbol" panose="05050102010706020507" pitchFamily="18" charset="2"/>
+                </a:endParaRPr>
+              </a:p>
+              <a:p>
+                <a:endParaRPr lang="zh-CN" altLang="en-US" dirty="0"/>
+              </a:p>
+            </p:txBody>
+          </p:sp>
+        </mc:Choice>
+        <mc:Fallback>
+          <p:sp>
+            <p:nvSpPr>
+              <p:cNvPr id="3" name="内容占位符 2"/>
+              <p:cNvSpPr>
+                <a:spLocks noGrp="1" noRot="1" noChangeAspect="1" noMove="1" noResize="1" noEditPoints="1" noAdjustHandles="1" noChangeArrowheads="1" noChangeShapeType="1" noTextEdit="1"/>
+              </p:cNvSpPr>
+              <p:nvPr>
+                <p:ph idx="1"/>
+              </p:nvPr>
+            </p:nvSpPr>
+            <p:spPr>
+              <a:blipFill>
+                <a:blip r:embed="rId2"/>
+                <a:stretch>
+                  <a:fillRect l="-1391" t="-2241"/>
+                </a:stretch>
+              </a:blipFill>
+            </p:spPr>
+            <p:txBody>
+              <a:bodyPr/>
+              <a:lstStyle/>
+              <a:p>
+                <a:r>
+                  <a:rPr lang="zh-CN" altLang="en-US">
+                    <a:noFill/>
+                  </a:rPr>
+                  <a:t> </a:t>
+                </a:r>
+              </a:p>
+            </p:txBody>
+          </p:sp>
+        </mc:Fallback>
+      </mc:AlternateContent>
       <p:sp>
         <p:nvSpPr>
           <p:cNvPr id="4" name="圆角矩形标注 3"/>
@@ -32625,112 +33169,225 @@
           </a:p>
         </p:txBody>
       </p:sp>
-      <p:sp>
-        <p:nvSpPr>
-          <p:cNvPr id="3" name="内容占位符 2"/>
-          <p:cNvSpPr>
-            <a:spLocks noGrp="1"/>
-          </p:cNvSpPr>
-          <p:nvPr>
-            <p:ph idx="1"/>
-          </p:nvPr>
-        </p:nvSpPr>
-        <p:spPr/>
-        <p:txBody>
-          <a:bodyPr/>
-          <a:lstStyle/>
-          <a:p>
-            <a:r>
-              <a:rPr lang="en-US" altLang="zh-CN" dirty="0"/>
-              <a:t>Encoding Boolean values and operators</a:t>
-            </a:r>
-          </a:p>
-          <a:p>
-            <a:pPr lvl="1">
-              <a:spcBef>
-                <a:spcPts val="1200"/>
-              </a:spcBef>
-            </a:pPr>
-            <a:r>
-              <a:rPr lang="en-US" altLang="zh-CN" dirty="0"/>
-              <a:t>True  </a:t>
-            </a:r>
-            <a:r>
-              <a:rPr lang="en-US" altLang="zh-CN" dirty="0">
-                <a:sym typeface="Symbol" panose="05050102010706020507" pitchFamily="18" charset="2"/>
-              </a:rPr>
-              <a:t>  x. y. x</a:t>
-            </a:r>
-          </a:p>
-          <a:p>
-            <a:pPr lvl="1">
-              <a:spcBef>
-                <a:spcPts val="1200"/>
-              </a:spcBef>
-            </a:pPr>
-            <a:r>
-              <a:rPr lang="en-US" altLang="zh-CN" dirty="0">
-                <a:sym typeface="Symbol" panose="05050102010706020507" pitchFamily="18" charset="2"/>
-              </a:rPr>
-              <a:t>False    x. y. y</a:t>
-            </a:r>
-          </a:p>
-          <a:p>
-            <a:pPr lvl="1">
-              <a:spcBef>
-                <a:spcPts val="1200"/>
-              </a:spcBef>
-            </a:pPr>
-            <a:r>
-              <a:rPr lang="en-US" altLang="zh-CN" dirty="0">
-                <a:sym typeface="Symbol" panose="05050102010706020507" pitchFamily="18" charset="2"/>
-              </a:rPr>
-              <a:t>not    b. b False True</a:t>
-            </a:r>
-          </a:p>
-          <a:p>
-            <a:pPr lvl="1">
-              <a:spcBef>
-                <a:spcPts val="1200"/>
-              </a:spcBef>
-            </a:pPr>
-            <a:r>
-              <a:rPr lang="en-US" altLang="zh-CN" dirty="0">
-                <a:sym typeface="Symbol" panose="05050102010706020507" pitchFamily="18" charset="2"/>
-              </a:rPr>
-              <a:t>and    b. b’. b </a:t>
-            </a:r>
-            <a:r>
-              <a:rPr lang="en-US" altLang="zh-CN" dirty="0" err="1">
-                <a:sym typeface="Symbol" panose="05050102010706020507" pitchFamily="18" charset="2"/>
-              </a:rPr>
-              <a:t>b</a:t>
-            </a:r>
-            <a:r>
-              <a:rPr lang="en-US" altLang="zh-CN" dirty="0">
-                <a:sym typeface="Symbol" panose="05050102010706020507" pitchFamily="18" charset="2"/>
-              </a:rPr>
-              <a:t>’ False</a:t>
-            </a:r>
-          </a:p>
-          <a:p>
-            <a:pPr lvl="1">
-              <a:spcBef>
-                <a:spcPts val="1200"/>
-              </a:spcBef>
-            </a:pPr>
-            <a:r>
-              <a:rPr lang="en-US" altLang="zh-CN" dirty="0">
-                <a:sym typeface="Symbol" panose="05050102010706020507" pitchFamily="18" charset="2"/>
-              </a:rPr>
-              <a:t>or  </a:t>
-            </a:r>
-          </a:p>
-          <a:p>
-            <a:endParaRPr lang="zh-CN" altLang="en-US" dirty="0"/>
-          </a:p>
-        </p:txBody>
-      </p:sp>
+      <mc:AlternateContent xmlns:mc="http://schemas.openxmlformats.org/markup-compatibility/2006">
+        <mc:Choice xmlns:a14="http://schemas.microsoft.com/office/drawing/2010/main" Requires="a14">
+          <p:sp>
+            <p:nvSpPr>
+              <p:cNvPr id="3" name="内容占位符 2"/>
+              <p:cNvSpPr>
+                <a:spLocks noGrp="1"/>
+              </p:cNvSpPr>
+              <p:nvPr>
+                <p:ph idx="1"/>
+              </p:nvPr>
+            </p:nvSpPr>
+            <p:spPr/>
+            <p:txBody>
+              <a:bodyPr/>
+              <a:lstStyle/>
+              <a:p>
+                <a:r>
+                  <a:rPr lang="en-US" altLang="zh-CN" dirty="0"/>
+                  <a:t>Encoding Boolean values and operators</a:t>
+                </a:r>
+              </a:p>
+              <a:p>
+                <a:pPr lvl="1">
+                  <a:spcBef>
+                    <a:spcPts val="1200"/>
+                  </a:spcBef>
+                </a:pPr>
+                <a:r>
+                  <a:rPr lang="en-US" altLang="zh-CN" dirty="0"/>
+                  <a:t>True </a:t>
+                </a:r>
+                <a14:m>
+                  <m:oMath xmlns:m="http://schemas.openxmlformats.org/officeDocument/2006/math">
+                    <m:r>
+                      <a:rPr lang="en-US" altLang="zh-CN" i="1">
+                        <a:latin typeface="Cambria Math" panose="02040503050406030204" pitchFamily="18" charset="0"/>
+                        <a:sym typeface="Symbol" panose="05050102010706020507" pitchFamily="18" charset="2"/>
+                      </a:rPr>
+                      <m:t>≝</m:t>
+                    </m:r>
+                  </m:oMath>
+                </a14:m>
+                <a:r>
+                  <a:rPr lang="en-US" altLang="zh-CN" dirty="0">
+                    <a:sym typeface="Symbol" panose="05050102010706020507" pitchFamily="18" charset="2"/>
+                  </a:rPr>
+                  <a:t>  x. y. x</a:t>
+                </a:r>
+              </a:p>
+              <a:p>
+                <a:pPr lvl="1">
+                  <a:spcBef>
+                    <a:spcPts val="1200"/>
+                  </a:spcBef>
+                </a:pPr>
+                <a:r>
+                  <a:rPr lang="en-US" altLang="zh-CN" dirty="0">
+                    <a:sym typeface="Symbol" panose="05050102010706020507" pitchFamily="18" charset="2"/>
+                  </a:rPr>
+                  <a:t>False </a:t>
+                </a:r>
+                <a14:m>
+                  <m:oMath xmlns:m="http://schemas.openxmlformats.org/officeDocument/2006/math">
+                    <m:r>
+                      <a:rPr lang="en-US" altLang="zh-CN" i="1">
+                        <a:latin typeface="Cambria Math" panose="02040503050406030204" pitchFamily="18" charset="0"/>
+                        <a:sym typeface="Symbol" panose="05050102010706020507" pitchFamily="18" charset="2"/>
+                      </a:rPr>
+                      <m:t>≝</m:t>
+                    </m:r>
+                  </m:oMath>
+                </a14:m>
+                <a:r>
+                  <a:rPr lang="en-US" altLang="zh-CN" dirty="0">
+                    <a:sym typeface="Symbol" panose="05050102010706020507" pitchFamily="18" charset="2"/>
+                  </a:rPr>
+                  <a:t>  x. y. y</a:t>
+                </a:r>
+              </a:p>
+              <a:p>
+                <a:pPr lvl="1">
+                  <a:spcBef>
+                    <a:spcPts val="1200"/>
+                  </a:spcBef>
+                </a:pPr>
+                <a:r>
+                  <a:rPr lang="en-US" altLang="zh-CN" dirty="0">
+                    <a:sym typeface="Symbol" panose="05050102010706020507" pitchFamily="18" charset="2"/>
+                  </a:rPr>
+                  <a:t>not </a:t>
+                </a:r>
+                <a14:m>
+                  <m:oMath xmlns:m="http://schemas.openxmlformats.org/officeDocument/2006/math">
+                    <m:r>
+                      <a:rPr lang="en-US" altLang="zh-CN" i="1">
+                        <a:latin typeface="Cambria Math" panose="02040503050406030204" pitchFamily="18" charset="0"/>
+                        <a:sym typeface="Symbol" panose="05050102010706020507" pitchFamily="18" charset="2"/>
+                      </a:rPr>
+                      <m:t>≝</m:t>
+                    </m:r>
+                  </m:oMath>
+                </a14:m>
+                <a:r>
+                  <a:rPr lang="en-US" altLang="zh-CN" dirty="0">
+                    <a:sym typeface="Symbol" panose="05050102010706020507" pitchFamily="18" charset="2"/>
+                  </a:rPr>
+                  <a:t>  b. b False True</a:t>
+                </a:r>
+              </a:p>
+              <a:p>
+                <a:pPr lvl="1">
+                  <a:spcBef>
+                    <a:spcPts val="1200"/>
+                  </a:spcBef>
+                </a:pPr>
+                <a:r>
+                  <a:rPr lang="en-US" altLang="zh-CN" dirty="0">
+                    <a:sym typeface="Symbol" panose="05050102010706020507" pitchFamily="18" charset="2"/>
+                  </a:rPr>
+                  <a:t>and </a:t>
+                </a:r>
+                <a14:m>
+                  <m:oMath xmlns:m="http://schemas.openxmlformats.org/officeDocument/2006/math">
+                    <m:r>
+                      <a:rPr lang="en-US" altLang="zh-CN" i="1">
+                        <a:latin typeface="Cambria Math" panose="02040503050406030204" pitchFamily="18" charset="0"/>
+                        <a:sym typeface="Symbol" panose="05050102010706020507" pitchFamily="18" charset="2"/>
+                      </a:rPr>
+                      <m:t>≝</m:t>
+                    </m:r>
+                  </m:oMath>
+                </a14:m>
+                <a:r>
+                  <a:rPr lang="en-US" altLang="zh-CN" dirty="0">
+                    <a:sym typeface="Symbol" panose="05050102010706020507" pitchFamily="18" charset="2"/>
+                  </a:rPr>
+                  <a:t>  b. b’. b </a:t>
+                </a:r>
+                <a:r>
+                  <a:rPr lang="en-US" altLang="zh-CN" dirty="0" err="1">
+                    <a:sym typeface="Symbol" panose="05050102010706020507" pitchFamily="18" charset="2"/>
+                  </a:rPr>
+                  <a:t>b</a:t>
+                </a:r>
+                <a:r>
+                  <a:rPr lang="en-US" altLang="zh-CN" dirty="0">
+                    <a:sym typeface="Symbol" panose="05050102010706020507" pitchFamily="18" charset="2"/>
+                  </a:rPr>
+                  <a:t>’ False</a:t>
+                </a:r>
+              </a:p>
+              <a:p>
+                <a:pPr lvl="1">
+                  <a:spcBef>
+                    <a:spcPts val="1200"/>
+                  </a:spcBef>
+                </a:pPr>
+                <a:r>
+                  <a:rPr lang="en-US" altLang="zh-CN" dirty="0">
+                    <a:sym typeface="Symbol" panose="05050102010706020507" pitchFamily="18" charset="2"/>
+                  </a:rPr>
+                  <a:t>or </a:t>
+                </a:r>
+                <a14:m>
+                  <m:oMath xmlns:m="http://schemas.openxmlformats.org/officeDocument/2006/math">
+                    <m:r>
+                      <a:rPr lang="en-US" altLang="zh-CN" i="1">
+                        <a:latin typeface="Cambria Math" panose="02040503050406030204" pitchFamily="18" charset="0"/>
+                        <a:sym typeface="Symbol" panose="05050102010706020507" pitchFamily="18" charset="2"/>
+                      </a:rPr>
+                      <m:t>≝</m:t>
+                    </m:r>
+                  </m:oMath>
+                </a14:m>
+                <a:endParaRPr lang="en-US" altLang="zh-CN" dirty="0">
+                  <a:sym typeface="Symbol" panose="05050102010706020507" pitchFamily="18" charset="2"/>
+                </a:endParaRPr>
+              </a:p>
+              <a:p>
+                <a:endParaRPr lang="zh-CN" altLang="en-US" dirty="0"/>
+              </a:p>
+            </p:txBody>
+          </p:sp>
+        </mc:Choice>
+        <mc:Fallback>
+          <p:sp>
+            <p:nvSpPr>
+              <p:cNvPr id="3" name="内容占位符 2"/>
+              <p:cNvSpPr>
+                <a:spLocks noGrp="1" noRot="1" noChangeAspect="1" noMove="1" noResize="1" noEditPoints="1" noAdjustHandles="1" noChangeArrowheads="1" noChangeShapeType="1" noTextEdit="1"/>
+              </p:cNvSpPr>
+              <p:nvPr>
+                <p:ph idx="1"/>
+              </p:nvPr>
+            </p:nvSpPr>
+            <p:spPr>
+              <a:blipFill>
+                <a:blip r:embed="rId2"/>
+                <a:stretch>
+                  <a:fillRect l="-1391" t="-2241"/>
+                </a:stretch>
+              </a:blipFill>
+            </p:spPr>
+            <p:txBody>
+              <a:bodyPr/>
+              <a:lstStyle/>
+              <a:p>
+                <a:r>
+                  <a:rPr lang="zh-CN" altLang="en-US">
+                    <a:noFill/>
+                  </a:rPr>
+                  <a:t> </a:t>
+                </a:r>
+              </a:p>
+            </p:txBody>
+          </p:sp>
+        </mc:Fallback>
+      </mc:AlternateContent>
     </p:spTree>
     <p:extLst>
       <p:ext uri="{BB962C8B-B14F-4D97-AF65-F5344CB8AC3E}">
@@ -32794,122 +33451,238 @@
           </a:p>
         </p:txBody>
       </p:sp>
-      <p:sp>
-        <p:nvSpPr>
-          <p:cNvPr id="3" name="内容占位符 2"/>
-          <p:cNvSpPr>
-            <a:spLocks noGrp="1"/>
-          </p:cNvSpPr>
-          <p:nvPr>
-            <p:ph idx="1"/>
-          </p:nvPr>
-        </p:nvSpPr>
-        <p:spPr/>
-        <p:txBody>
-          <a:bodyPr/>
-          <a:lstStyle/>
-          <a:p>
-            <a:r>
-              <a:rPr lang="en-US" altLang="zh-CN" dirty="0"/>
-              <a:t>Encoding Boolean values and operators</a:t>
-            </a:r>
-          </a:p>
-          <a:p>
-            <a:pPr lvl="1">
-              <a:spcBef>
-                <a:spcPts val="1200"/>
-              </a:spcBef>
-            </a:pPr>
-            <a:r>
-              <a:rPr lang="en-US" altLang="zh-CN" dirty="0"/>
-              <a:t>True  </a:t>
-            </a:r>
-            <a:r>
-              <a:rPr lang="en-US" altLang="zh-CN" dirty="0">
-                <a:sym typeface="Symbol" panose="05050102010706020507" pitchFamily="18" charset="2"/>
-              </a:rPr>
-              <a:t>  x. y. x</a:t>
-            </a:r>
-          </a:p>
-          <a:p>
-            <a:pPr lvl="1">
-              <a:spcBef>
-                <a:spcPts val="1200"/>
-              </a:spcBef>
-            </a:pPr>
-            <a:r>
-              <a:rPr lang="en-US" altLang="zh-CN" dirty="0">
-                <a:sym typeface="Symbol" panose="05050102010706020507" pitchFamily="18" charset="2"/>
-              </a:rPr>
-              <a:t>False    x. y. y</a:t>
-            </a:r>
-          </a:p>
-          <a:p>
-            <a:pPr lvl="1">
-              <a:spcBef>
-                <a:spcPts val="1200"/>
-              </a:spcBef>
-            </a:pPr>
-            <a:r>
-              <a:rPr lang="en-US" altLang="zh-CN" dirty="0">
-                <a:sym typeface="Symbol" panose="05050102010706020507" pitchFamily="18" charset="2"/>
-              </a:rPr>
-              <a:t>not    b. b False True</a:t>
-            </a:r>
-          </a:p>
-          <a:p>
-            <a:pPr lvl="1">
-              <a:spcBef>
-                <a:spcPts val="1200"/>
-              </a:spcBef>
-            </a:pPr>
-            <a:r>
-              <a:rPr lang="en-US" altLang="zh-CN" dirty="0">
-                <a:sym typeface="Symbol" panose="05050102010706020507" pitchFamily="18" charset="2"/>
-              </a:rPr>
-              <a:t>and    b. b’. b </a:t>
-            </a:r>
-            <a:r>
-              <a:rPr lang="en-US" altLang="zh-CN" dirty="0" err="1">
-                <a:sym typeface="Symbol" panose="05050102010706020507" pitchFamily="18" charset="2"/>
-              </a:rPr>
-              <a:t>b</a:t>
-            </a:r>
-            <a:r>
-              <a:rPr lang="en-US" altLang="zh-CN" dirty="0">
-                <a:sym typeface="Symbol" panose="05050102010706020507" pitchFamily="18" charset="2"/>
-              </a:rPr>
-              <a:t>’ False</a:t>
-            </a:r>
-          </a:p>
-          <a:p>
-            <a:pPr lvl="1">
-              <a:spcBef>
-                <a:spcPts val="1200"/>
-              </a:spcBef>
-            </a:pPr>
-            <a:r>
-              <a:rPr lang="en-US" altLang="zh-CN" dirty="0">
-                <a:sym typeface="Symbol" panose="05050102010706020507" pitchFamily="18" charset="2"/>
-              </a:rPr>
-              <a:t>or    b. b’. b True b’</a:t>
-            </a:r>
-          </a:p>
-          <a:p>
-            <a:pPr lvl="1">
-              <a:spcBef>
-                <a:spcPts val="1200"/>
-              </a:spcBef>
-            </a:pPr>
-            <a:endParaRPr lang="en-US" altLang="zh-CN" dirty="0">
-              <a:sym typeface="Symbol" panose="05050102010706020507" pitchFamily="18" charset="2"/>
-            </a:endParaRPr>
-          </a:p>
-          <a:p>
-            <a:endParaRPr lang="zh-CN" altLang="en-US" dirty="0"/>
-          </a:p>
-        </p:txBody>
-      </p:sp>
+      <mc:AlternateContent xmlns:mc="http://schemas.openxmlformats.org/markup-compatibility/2006">
+        <mc:Choice xmlns:a14="http://schemas.microsoft.com/office/drawing/2010/main" Requires="a14">
+          <p:sp>
+            <p:nvSpPr>
+              <p:cNvPr id="3" name="内容占位符 2"/>
+              <p:cNvSpPr>
+                <a:spLocks noGrp="1"/>
+              </p:cNvSpPr>
+              <p:nvPr>
+                <p:ph idx="1"/>
+              </p:nvPr>
+            </p:nvSpPr>
+            <p:spPr/>
+            <p:txBody>
+              <a:bodyPr/>
+              <a:lstStyle/>
+              <a:p>
+                <a:r>
+                  <a:rPr lang="en-US" altLang="zh-CN" dirty="0"/>
+                  <a:t>Encoding Boolean values and operators</a:t>
+                </a:r>
+              </a:p>
+              <a:p>
+                <a:pPr lvl="1">
+                  <a:spcBef>
+                    <a:spcPts val="1200"/>
+                  </a:spcBef>
+                </a:pPr>
+                <a:r>
+                  <a:rPr lang="en-US" altLang="zh-CN" dirty="0"/>
+                  <a:t>True </a:t>
+                </a:r>
+                <a14:m>
+                  <m:oMath xmlns:m="http://schemas.openxmlformats.org/officeDocument/2006/math">
+                    <m:r>
+                      <a:rPr lang="en-US" altLang="zh-CN" i="1">
+                        <a:latin typeface="Cambria Math" panose="02040503050406030204" pitchFamily="18" charset="0"/>
+                        <a:sym typeface="Symbol" panose="05050102010706020507" pitchFamily="18" charset="2"/>
+                      </a:rPr>
+                      <m:t>≝</m:t>
+                    </m:r>
+                  </m:oMath>
+                </a14:m>
+                <a:r>
+                  <a:rPr lang="en-US" altLang="zh-CN" dirty="0">
+                    <a:sym typeface="Symbol" panose="05050102010706020507" pitchFamily="18" charset="2"/>
+                  </a:rPr>
+                  <a:t>  x. y. x</a:t>
+                </a:r>
+              </a:p>
+              <a:p>
+                <a:pPr lvl="1">
+                  <a:spcBef>
+                    <a:spcPts val="1200"/>
+                  </a:spcBef>
+                </a:pPr>
+                <a:r>
+                  <a:rPr lang="en-US" altLang="zh-CN" dirty="0">
+                    <a:sym typeface="Symbol" panose="05050102010706020507" pitchFamily="18" charset="2"/>
+                  </a:rPr>
+                  <a:t>False </a:t>
+                </a:r>
+                <a14:m>
+                  <m:oMath xmlns:m="http://schemas.openxmlformats.org/officeDocument/2006/math">
+                    <m:r>
+                      <a:rPr lang="en-US" altLang="zh-CN" i="1">
+                        <a:latin typeface="Cambria Math" panose="02040503050406030204" pitchFamily="18" charset="0"/>
+                        <a:sym typeface="Symbol" panose="05050102010706020507" pitchFamily="18" charset="2"/>
+                      </a:rPr>
+                      <m:t>≝</m:t>
+                    </m:r>
+                  </m:oMath>
+                </a14:m>
+                <a:r>
+                  <a:rPr lang="en-US" altLang="zh-CN" dirty="0">
+                    <a:sym typeface="Symbol" panose="05050102010706020507" pitchFamily="18" charset="2"/>
+                  </a:rPr>
+                  <a:t>  x. y. y</a:t>
+                </a:r>
+              </a:p>
+              <a:p>
+                <a:pPr lvl="1">
+                  <a:spcBef>
+                    <a:spcPts val="1200"/>
+                  </a:spcBef>
+                </a:pPr>
+                <a:r>
+                  <a:rPr lang="en-US" altLang="zh-CN" dirty="0">
+                    <a:sym typeface="Symbol" panose="05050102010706020507" pitchFamily="18" charset="2"/>
+                  </a:rPr>
+                  <a:t>not </a:t>
+                </a:r>
+                <a14:m>
+                  <m:oMath xmlns:m="http://schemas.openxmlformats.org/officeDocument/2006/math">
+                    <m:r>
+                      <a:rPr lang="en-US" altLang="zh-CN" i="1">
+                        <a:latin typeface="Cambria Math" panose="02040503050406030204" pitchFamily="18" charset="0"/>
+                        <a:sym typeface="Symbol" panose="05050102010706020507" pitchFamily="18" charset="2"/>
+                      </a:rPr>
+                      <m:t>≝</m:t>
+                    </m:r>
+                  </m:oMath>
+                </a14:m>
+                <a:r>
+                  <a:rPr lang="en-US" altLang="zh-CN" dirty="0">
+                    <a:sym typeface="Symbol" panose="05050102010706020507" pitchFamily="18" charset="2"/>
+                  </a:rPr>
+                  <a:t>  b. b False True</a:t>
+                </a:r>
+              </a:p>
+              <a:p>
+                <a:pPr lvl="1">
+                  <a:spcBef>
+                    <a:spcPts val="1200"/>
+                  </a:spcBef>
+                </a:pPr>
+                <a:r>
+                  <a:rPr lang="en-US" altLang="zh-CN" dirty="0">
+                    <a:sym typeface="Symbol" panose="05050102010706020507" pitchFamily="18" charset="2"/>
+                  </a:rPr>
+                  <a:t>and </a:t>
+                </a:r>
+                <a14:m>
+                  <m:oMath xmlns:m="http://schemas.openxmlformats.org/officeDocument/2006/math">
+                    <m:r>
+                      <a:rPr lang="en-US" altLang="zh-CN" i="1">
+                        <a:latin typeface="Cambria Math" panose="02040503050406030204" pitchFamily="18" charset="0"/>
+                        <a:sym typeface="Symbol" panose="05050102010706020507" pitchFamily="18" charset="2"/>
+                      </a:rPr>
+                      <m:t>≝</m:t>
+                    </m:r>
+                  </m:oMath>
+                </a14:m>
+                <a:r>
+                  <a:rPr lang="en-US" altLang="zh-CN" dirty="0">
+                    <a:sym typeface="Symbol" panose="05050102010706020507" pitchFamily="18" charset="2"/>
+                  </a:rPr>
+                  <a:t>  b. b’. b </a:t>
+                </a:r>
+                <a:r>
+                  <a:rPr lang="en-US" altLang="zh-CN" dirty="0" err="1">
+                    <a:sym typeface="Symbol" panose="05050102010706020507" pitchFamily="18" charset="2"/>
+                  </a:rPr>
+                  <a:t>b</a:t>
+                </a:r>
+                <a:r>
+                  <a:rPr lang="en-US" altLang="zh-CN" dirty="0">
+                    <a:sym typeface="Symbol" panose="05050102010706020507" pitchFamily="18" charset="2"/>
+                  </a:rPr>
+                  <a:t>’ False</a:t>
+                </a:r>
+              </a:p>
+              <a:p>
+                <a:pPr lvl="1">
+                  <a:spcBef>
+                    <a:spcPts val="1200"/>
+                  </a:spcBef>
+                </a:pPr>
+                <a:r>
+                  <a:rPr lang="en-US" altLang="zh-CN" dirty="0">
+                    <a:sym typeface="Symbol" panose="05050102010706020507" pitchFamily="18" charset="2"/>
+                  </a:rPr>
+                  <a:t>or </a:t>
+                </a:r>
+                <a14:m>
+                  <m:oMath xmlns:m="http://schemas.openxmlformats.org/officeDocument/2006/math">
+                    <m:r>
+                      <a:rPr lang="en-US" altLang="zh-CN" i="1">
+                        <a:latin typeface="Cambria Math" panose="02040503050406030204" pitchFamily="18" charset="0"/>
+                        <a:sym typeface="Symbol" panose="05050102010706020507" pitchFamily="18" charset="2"/>
+                      </a:rPr>
+                      <m:t>≝</m:t>
+                    </m:r>
+                  </m:oMath>
+                </a14:m>
+                <a:r>
+                  <a:rPr lang="en-US" altLang="zh-CN" dirty="0">
+                    <a:sym typeface="Symbol" panose="05050102010706020507" pitchFamily="18" charset="2"/>
+                  </a:rPr>
+                  <a:t>  b. b’. b True b’</a:t>
+                </a:r>
+              </a:p>
+              <a:p>
+                <a:pPr lvl="1">
+                  <a:spcBef>
+                    <a:spcPts val="1200"/>
+                  </a:spcBef>
+                </a:pPr>
+                <a:endParaRPr lang="en-US" altLang="zh-CN" dirty="0">
+                  <a:sym typeface="Symbol" panose="05050102010706020507" pitchFamily="18" charset="2"/>
+                </a:endParaRPr>
+              </a:p>
+              <a:p>
+                <a:endParaRPr lang="zh-CN" altLang="en-US" dirty="0"/>
+              </a:p>
+            </p:txBody>
+          </p:sp>
+        </mc:Choice>
+        <mc:Fallback>
+          <p:sp>
+            <p:nvSpPr>
+              <p:cNvPr id="3" name="内容占位符 2"/>
+              <p:cNvSpPr>
+                <a:spLocks noGrp="1" noRot="1" noChangeAspect="1" noMove="1" noResize="1" noEditPoints="1" noAdjustHandles="1" noChangeArrowheads="1" noChangeShapeType="1" noTextEdit="1"/>
+              </p:cNvSpPr>
+              <p:nvPr>
+                <p:ph idx="1"/>
+              </p:nvPr>
+            </p:nvSpPr>
+            <p:spPr>
+              <a:blipFill>
+                <a:blip r:embed="rId2"/>
+                <a:stretch>
+                  <a:fillRect l="-1391" t="-2241"/>
+                </a:stretch>
+              </a:blipFill>
+            </p:spPr>
+            <p:txBody>
+              <a:bodyPr/>
+              <a:lstStyle/>
+              <a:p>
+                <a:r>
+                  <a:rPr lang="zh-CN" altLang="en-US">
+                    <a:noFill/>
+                  </a:rPr>
+                  <a:t> </a:t>
+                </a:r>
+              </a:p>
+            </p:txBody>
+          </p:sp>
+        </mc:Fallback>
+      </mc:AlternateContent>
       <p:sp>
         <p:nvSpPr>
           <p:cNvPr id="5" name="圆角矩形标注 4"/>
@@ -33543,123 +34316,250 @@
           </a:p>
         </p:txBody>
       </p:sp>
-      <p:sp>
-        <p:nvSpPr>
-          <p:cNvPr id="3" name="内容占位符 2"/>
-          <p:cNvSpPr>
-            <a:spLocks noGrp="1"/>
-          </p:cNvSpPr>
-          <p:nvPr>
-            <p:ph idx="1"/>
-          </p:nvPr>
-        </p:nvSpPr>
-        <p:spPr/>
-        <p:txBody>
-          <a:bodyPr/>
-          <a:lstStyle/>
-          <a:p>
-            <a:r>
-              <a:rPr lang="en-US" altLang="zh-CN" dirty="0"/>
-              <a:t>Encoding Boolean values and operators</a:t>
-            </a:r>
-          </a:p>
-          <a:p>
-            <a:pPr lvl="1">
-              <a:spcBef>
-                <a:spcPts val="1200"/>
-              </a:spcBef>
-            </a:pPr>
-            <a:r>
-              <a:rPr lang="en-US" altLang="zh-CN" dirty="0"/>
-              <a:t>True  </a:t>
-            </a:r>
-            <a:r>
-              <a:rPr lang="en-US" altLang="zh-CN" dirty="0">
-                <a:sym typeface="Symbol" panose="05050102010706020507" pitchFamily="18" charset="2"/>
-              </a:rPr>
-              <a:t>  x. y. x</a:t>
-            </a:r>
-          </a:p>
-          <a:p>
-            <a:pPr lvl="1">
-              <a:spcBef>
-                <a:spcPts val="1200"/>
-              </a:spcBef>
-            </a:pPr>
-            <a:r>
-              <a:rPr lang="en-US" altLang="zh-CN" dirty="0">
-                <a:sym typeface="Symbol" panose="05050102010706020507" pitchFamily="18" charset="2"/>
-              </a:rPr>
-              <a:t>False    x. y. y</a:t>
-            </a:r>
-          </a:p>
-          <a:p>
-            <a:pPr lvl="1">
-              <a:spcBef>
-                <a:spcPts val="1200"/>
-              </a:spcBef>
-            </a:pPr>
-            <a:r>
-              <a:rPr lang="en-US" altLang="zh-CN" dirty="0">
-                <a:sym typeface="Symbol" panose="05050102010706020507" pitchFamily="18" charset="2"/>
-              </a:rPr>
-              <a:t>not    b. b False True</a:t>
-            </a:r>
-          </a:p>
-          <a:p>
-            <a:pPr lvl="1">
-              <a:spcBef>
-                <a:spcPts val="1200"/>
-              </a:spcBef>
-            </a:pPr>
-            <a:r>
-              <a:rPr lang="en-US" altLang="zh-CN" dirty="0">
-                <a:sym typeface="Symbol" panose="05050102010706020507" pitchFamily="18" charset="2"/>
-              </a:rPr>
-              <a:t>and    b. b’. b </a:t>
-            </a:r>
-            <a:r>
-              <a:rPr lang="en-US" altLang="zh-CN" dirty="0" err="1">
-                <a:sym typeface="Symbol" panose="05050102010706020507" pitchFamily="18" charset="2"/>
-              </a:rPr>
-              <a:t>b</a:t>
-            </a:r>
-            <a:r>
-              <a:rPr lang="en-US" altLang="zh-CN" dirty="0">
-                <a:sym typeface="Symbol" panose="05050102010706020507" pitchFamily="18" charset="2"/>
-              </a:rPr>
-              <a:t>’ False</a:t>
-            </a:r>
-          </a:p>
-          <a:p>
-            <a:pPr lvl="1">
-              <a:spcBef>
-                <a:spcPts val="1200"/>
-              </a:spcBef>
-            </a:pPr>
-            <a:r>
-              <a:rPr lang="en-US" altLang="zh-CN" dirty="0">
-                <a:sym typeface="Symbol" panose="05050102010706020507" pitchFamily="18" charset="2"/>
-              </a:rPr>
-              <a:t>or    b. b’. b True b’</a:t>
-            </a:r>
-          </a:p>
-          <a:p>
-            <a:pPr lvl="1">
-              <a:spcBef>
-                <a:spcPts val="1200"/>
-              </a:spcBef>
-            </a:pPr>
-            <a:r>
-              <a:rPr lang="en-US" altLang="zh-CN" dirty="0">
-                <a:sym typeface="Symbol" panose="05050102010706020507" pitchFamily="18" charset="2"/>
-              </a:rPr>
-              <a:t>if b then M else N  </a:t>
-            </a:r>
-            <a:endParaRPr lang="zh-CN" altLang="en-US" dirty="0"/>
-          </a:p>
-        </p:txBody>
-      </p:sp>
+      <mc:AlternateContent xmlns:mc="http://schemas.openxmlformats.org/markup-compatibility/2006">
+        <mc:Choice xmlns:a14="http://schemas.microsoft.com/office/drawing/2010/main" Requires="a14">
+          <p:sp>
+            <p:nvSpPr>
+              <p:cNvPr id="3" name="内容占位符 2"/>
+              <p:cNvSpPr>
+                <a:spLocks noGrp="1"/>
+              </p:cNvSpPr>
+              <p:nvPr>
+                <p:ph idx="1"/>
+              </p:nvPr>
+            </p:nvSpPr>
+            <p:spPr/>
+            <p:txBody>
+              <a:bodyPr/>
+              <a:lstStyle/>
+              <a:p>
+                <a:r>
+                  <a:rPr lang="en-US" altLang="zh-CN" dirty="0"/>
+                  <a:t>Encoding Boolean values and operators</a:t>
+                </a:r>
+              </a:p>
+              <a:p>
+                <a:pPr lvl="1">
+                  <a:spcBef>
+                    <a:spcPts val="1200"/>
+                  </a:spcBef>
+                </a:pPr>
+                <a:r>
+                  <a:rPr lang="en-US" altLang="zh-CN" dirty="0"/>
+                  <a:t>True </a:t>
+                </a:r>
+                <a14:m>
+                  <m:oMath xmlns:m="http://schemas.openxmlformats.org/officeDocument/2006/math">
+                    <m:r>
+                      <a:rPr lang="en-US" altLang="zh-CN" i="1">
+                        <a:latin typeface="Cambria Math" panose="02040503050406030204" pitchFamily="18" charset="0"/>
+                        <a:sym typeface="Symbol" panose="05050102010706020507" pitchFamily="18" charset="2"/>
+                      </a:rPr>
+                      <m:t>≝</m:t>
+                    </m:r>
+                  </m:oMath>
+                </a14:m>
+                <a:r>
+                  <a:rPr lang="en-US" altLang="zh-CN" dirty="0">
+                    <a:sym typeface="Symbol" panose="05050102010706020507" pitchFamily="18" charset="2"/>
+                  </a:rPr>
+                  <a:t>  x. y. x</a:t>
+                </a:r>
+              </a:p>
+              <a:p>
+                <a:pPr lvl="1">
+                  <a:spcBef>
+                    <a:spcPts val="1200"/>
+                  </a:spcBef>
+                </a:pPr>
+                <a:r>
+                  <a:rPr lang="en-US" altLang="zh-CN" dirty="0">
+                    <a:sym typeface="Symbol" panose="05050102010706020507" pitchFamily="18" charset="2"/>
+                  </a:rPr>
+                  <a:t>False </a:t>
+                </a:r>
+                <a14:m>
+                  <m:oMath xmlns:m="http://schemas.openxmlformats.org/officeDocument/2006/math">
+                    <m:r>
+                      <a:rPr lang="en-US" altLang="zh-CN" i="1">
+                        <a:latin typeface="Cambria Math" panose="02040503050406030204" pitchFamily="18" charset="0"/>
+                        <a:sym typeface="Symbol" panose="05050102010706020507" pitchFamily="18" charset="2"/>
+                      </a:rPr>
+                      <m:t>≝</m:t>
+                    </m:r>
+                  </m:oMath>
+                </a14:m>
+                <a:r>
+                  <a:rPr lang="en-US" altLang="zh-CN" dirty="0">
+                    <a:sym typeface="Symbol" panose="05050102010706020507" pitchFamily="18" charset="2"/>
+                  </a:rPr>
+                  <a:t>  x. y. y</a:t>
+                </a:r>
+              </a:p>
+              <a:p>
+                <a:pPr lvl="1">
+                  <a:spcBef>
+                    <a:spcPts val="1200"/>
+                  </a:spcBef>
+                </a:pPr>
+                <a:r>
+                  <a:rPr lang="en-US" altLang="zh-CN" dirty="0">
+                    <a:sym typeface="Symbol" panose="05050102010706020507" pitchFamily="18" charset="2"/>
+                  </a:rPr>
+                  <a:t>not </a:t>
+                </a:r>
+                <a14:m>
+                  <m:oMath xmlns:m="http://schemas.openxmlformats.org/officeDocument/2006/math">
+                    <m:r>
+                      <a:rPr lang="en-US" altLang="zh-CN" i="1">
+                        <a:latin typeface="Cambria Math" panose="02040503050406030204" pitchFamily="18" charset="0"/>
+                        <a:sym typeface="Symbol" panose="05050102010706020507" pitchFamily="18" charset="2"/>
+                      </a:rPr>
+                      <m:t>≝</m:t>
+                    </m:r>
+                  </m:oMath>
+                </a14:m>
+                <a:r>
+                  <a:rPr lang="en-US" altLang="zh-CN" dirty="0">
+                    <a:sym typeface="Symbol" panose="05050102010706020507" pitchFamily="18" charset="2"/>
+                  </a:rPr>
+                  <a:t>  b. b False True</a:t>
+                </a:r>
+              </a:p>
+              <a:p>
+                <a:pPr lvl="1">
+                  <a:spcBef>
+                    <a:spcPts val="1200"/>
+                  </a:spcBef>
+                </a:pPr>
+                <a:r>
+                  <a:rPr lang="en-US" altLang="zh-CN" dirty="0">
+                    <a:sym typeface="Symbol" panose="05050102010706020507" pitchFamily="18" charset="2"/>
+                  </a:rPr>
+                  <a:t>and </a:t>
+                </a:r>
+                <a14:m>
+                  <m:oMath xmlns:m="http://schemas.openxmlformats.org/officeDocument/2006/math">
+                    <m:r>
+                      <a:rPr lang="en-US" altLang="zh-CN" i="1">
+                        <a:latin typeface="Cambria Math" panose="02040503050406030204" pitchFamily="18" charset="0"/>
+                        <a:sym typeface="Symbol" panose="05050102010706020507" pitchFamily="18" charset="2"/>
+                      </a:rPr>
+                      <m:t>≝</m:t>
+                    </m:r>
+                  </m:oMath>
+                </a14:m>
+                <a:r>
+                  <a:rPr lang="en-US" altLang="zh-CN" dirty="0">
+                    <a:sym typeface="Symbol" panose="05050102010706020507" pitchFamily="18" charset="2"/>
+                  </a:rPr>
+                  <a:t>  b. b’. b </a:t>
+                </a:r>
+                <a:r>
+                  <a:rPr lang="en-US" altLang="zh-CN" dirty="0" err="1">
+                    <a:sym typeface="Symbol" panose="05050102010706020507" pitchFamily="18" charset="2"/>
+                  </a:rPr>
+                  <a:t>b</a:t>
+                </a:r>
+                <a:r>
+                  <a:rPr lang="en-US" altLang="zh-CN" dirty="0">
+                    <a:sym typeface="Symbol" panose="05050102010706020507" pitchFamily="18" charset="2"/>
+                  </a:rPr>
+                  <a:t>’ False</a:t>
+                </a:r>
+              </a:p>
+              <a:p>
+                <a:pPr lvl="1">
+                  <a:spcBef>
+                    <a:spcPts val="1200"/>
+                  </a:spcBef>
+                </a:pPr>
+                <a:r>
+                  <a:rPr lang="en-US" altLang="zh-CN" dirty="0">
+                    <a:sym typeface="Symbol" panose="05050102010706020507" pitchFamily="18" charset="2"/>
+                  </a:rPr>
+                  <a:t>or </a:t>
+                </a:r>
+                <a14:m>
+                  <m:oMath xmlns:m="http://schemas.openxmlformats.org/officeDocument/2006/math">
+                    <m:r>
+                      <a:rPr lang="en-US" altLang="zh-CN" i="1">
+                        <a:latin typeface="Cambria Math" panose="02040503050406030204" pitchFamily="18" charset="0"/>
+                        <a:sym typeface="Symbol" panose="05050102010706020507" pitchFamily="18" charset="2"/>
+                      </a:rPr>
+                      <m:t>≝</m:t>
+                    </m:r>
+                  </m:oMath>
+                </a14:m>
+                <a:r>
+                  <a:rPr lang="en-US" altLang="zh-CN" dirty="0">
+                    <a:sym typeface="Symbol" panose="05050102010706020507" pitchFamily="18" charset="2"/>
+                  </a:rPr>
+                  <a:t>  b. b’. b True b’</a:t>
+                </a:r>
+              </a:p>
+              <a:p>
+                <a:pPr lvl="1">
+                  <a:spcBef>
+                    <a:spcPts val="1200"/>
+                  </a:spcBef>
+                </a:pPr>
+                <a:r>
+                  <a:rPr lang="en-US" altLang="zh-CN" dirty="0">
+                    <a:sym typeface="Symbol" panose="05050102010706020507" pitchFamily="18" charset="2"/>
+                  </a:rPr>
+                  <a:t>if b then M else N </a:t>
+                </a:r>
+                <a14:m>
+                  <m:oMath xmlns:m="http://schemas.openxmlformats.org/officeDocument/2006/math">
+                    <m:r>
+                      <a:rPr lang="en-US" altLang="zh-CN" i="1">
+                        <a:latin typeface="Cambria Math" panose="02040503050406030204" pitchFamily="18" charset="0"/>
+                        <a:sym typeface="Symbol" panose="05050102010706020507" pitchFamily="18" charset="2"/>
+                      </a:rPr>
+                      <m:t>≝</m:t>
+                    </m:r>
+                  </m:oMath>
+                </a14:m>
+                <a:endParaRPr lang="zh-CN" altLang="en-US" dirty="0"/>
+              </a:p>
+            </p:txBody>
+          </p:sp>
+        </mc:Choice>
+        <mc:Fallback>
+          <p:sp>
+            <p:nvSpPr>
+              <p:cNvPr id="3" name="内容占位符 2"/>
+              <p:cNvSpPr>
+                <a:spLocks noGrp="1" noRot="1" noChangeAspect="1" noMove="1" noResize="1" noEditPoints="1" noAdjustHandles="1" noChangeArrowheads="1" noChangeShapeType="1" noTextEdit="1"/>
+              </p:cNvSpPr>
+              <p:nvPr>
+                <p:ph idx="1"/>
+              </p:nvPr>
+            </p:nvSpPr>
+            <p:spPr>
+              <a:blipFill>
+                <a:blip r:embed="rId2"/>
+                <a:stretch>
+                  <a:fillRect l="-1391" t="-2241"/>
+                </a:stretch>
+              </a:blipFill>
+            </p:spPr>
+            <p:txBody>
+              <a:bodyPr/>
+              <a:lstStyle/>
+              <a:p>
+                <a:r>
+                  <a:rPr lang="zh-CN" altLang="en-US">
+                    <a:noFill/>
+                  </a:rPr>
+                  <a:t> </a:t>
+                </a:r>
+              </a:p>
+            </p:txBody>
+          </p:sp>
+        </mc:Fallback>
+      </mc:AlternateContent>
     </p:spTree>
     <p:extLst>
       <p:ext uri="{BB962C8B-B14F-4D97-AF65-F5344CB8AC3E}">
@@ -33723,125 +34623,258 @@
           </a:p>
         </p:txBody>
       </p:sp>
-      <p:sp>
-        <p:nvSpPr>
-          <p:cNvPr id="3" name="内容占位符 2"/>
-          <p:cNvSpPr>
-            <a:spLocks noGrp="1"/>
-          </p:cNvSpPr>
-          <p:nvPr>
-            <p:ph idx="1"/>
-          </p:nvPr>
-        </p:nvSpPr>
-        <p:spPr/>
-        <p:txBody>
-          <a:bodyPr/>
-          <a:lstStyle/>
-          <a:p>
-            <a:r>
-              <a:rPr lang="en-US" altLang="zh-CN" dirty="0"/>
-              <a:t>Encoding Boolean values and operators</a:t>
-            </a:r>
-          </a:p>
-          <a:p>
-            <a:pPr lvl="1">
-              <a:spcBef>
-                <a:spcPts val="1200"/>
-              </a:spcBef>
-            </a:pPr>
-            <a:r>
-              <a:rPr lang="en-US" altLang="zh-CN" dirty="0"/>
-              <a:t>True  </a:t>
-            </a:r>
-            <a:r>
-              <a:rPr lang="en-US" altLang="zh-CN" dirty="0">
-                <a:sym typeface="Symbol" panose="05050102010706020507" pitchFamily="18" charset="2"/>
-              </a:rPr>
-              <a:t>  x. y. x</a:t>
-            </a:r>
-          </a:p>
-          <a:p>
-            <a:pPr lvl="1">
-              <a:spcBef>
-                <a:spcPts val="1200"/>
-              </a:spcBef>
-            </a:pPr>
-            <a:r>
-              <a:rPr lang="en-US" altLang="zh-CN" dirty="0">
-                <a:sym typeface="Symbol" panose="05050102010706020507" pitchFamily="18" charset="2"/>
-              </a:rPr>
-              <a:t>False    x. y. y</a:t>
-            </a:r>
-          </a:p>
-          <a:p>
-            <a:pPr lvl="1">
-              <a:spcBef>
-                <a:spcPts val="1200"/>
-              </a:spcBef>
-            </a:pPr>
-            <a:r>
-              <a:rPr lang="en-US" altLang="zh-CN" dirty="0">
-                <a:sym typeface="Symbol" panose="05050102010706020507" pitchFamily="18" charset="2"/>
-              </a:rPr>
-              <a:t>not    b. b False True</a:t>
-            </a:r>
-          </a:p>
-          <a:p>
-            <a:pPr lvl="1">
-              <a:spcBef>
-                <a:spcPts val="1200"/>
-              </a:spcBef>
-            </a:pPr>
-            <a:r>
-              <a:rPr lang="en-US" altLang="zh-CN" dirty="0">
-                <a:sym typeface="Symbol" panose="05050102010706020507" pitchFamily="18" charset="2"/>
-              </a:rPr>
-              <a:t>and    b. b’. b </a:t>
-            </a:r>
-            <a:r>
-              <a:rPr lang="en-US" altLang="zh-CN" dirty="0" err="1">
-                <a:sym typeface="Symbol" panose="05050102010706020507" pitchFamily="18" charset="2"/>
-              </a:rPr>
-              <a:t>b</a:t>
-            </a:r>
-            <a:r>
-              <a:rPr lang="en-US" altLang="zh-CN" dirty="0">
-                <a:sym typeface="Symbol" panose="05050102010706020507" pitchFamily="18" charset="2"/>
-              </a:rPr>
-              <a:t>’ False</a:t>
-            </a:r>
-          </a:p>
-          <a:p>
-            <a:pPr lvl="1">
-              <a:spcBef>
-                <a:spcPts val="1200"/>
-              </a:spcBef>
-            </a:pPr>
-            <a:r>
-              <a:rPr lang="en-US" altLang="zh-CN" dirty="0">
-                <a:sym typeface="Symbol" panose="05050102010706020507" pitchFamily="18" charset="2"/>
-              </a:rPr>
-              <a:t>or    b. b’. b True b’</a:t>
-            </a:r>
-          </a:p>
-          <a:p>
-            <a:pPr lvl="1">
-              <a:spcBef>
-                <a:spcPts val="1200"/>
-              </a:spcBef>
-            </a:pPr>
-            <a:r>
-              <a:rPr lang="en-US" altLang="zh-CN" dirty="0">
-                <a:sym typeface="Symbol" panose="05050102010706020507" pitchFamily="18" charset="2"/>
-              </a:rPr>
-              <a:t>if b then M else N    b M N</a:t>
-            </a:r>
-          </a:p>
-          <a:p>
-            <a:endParaRPr lang="zh-CN" altLang="en-US" dirty="0"/>
-          </a:p>
-        </p:txBody>
-      </p:sp>
+      <mc:AlternateContent xmlns:mc="http://schemas.openxmlformats.org/markup-compatibility/2006">
+        <mc:Choice xmlns:a14="http://schemas.microsoft.com/office/drawing/2010/main" Requires="a14">
+          <p:sp>
+            <p:nvSpPr>
+              <p:cNvPr id="3" name="内容占位符 2"/>
+              <p:cNvSpPr>
+                <a:spLocks noGrp="1"/>
+              </p:cNvSpPr>
+              <p:nvPr>
+                <p:ph idx="1"/>
+              </p:nvPr>
+            </p:nvSpPr>
+            <p:spPr/>
+            <p:txBody>
+              <a:bodyPr/>
+              <a:lstStyle/>
+              <a:p>
+                <a:r>
+                  <a:rPr lang="en-US" altLang="zh-CN" dirty="0"/>
+                  <a:t>Encoding Boolean values and operators</a:t>
+                </a:r>
+              </a:p>
+              <a:p>
+                <a:pPr lvl="1">
+                  <a:spcBef>
+                    <a:spcPts val="1200"/>
+                  </a:spcBef>
+                </a:pPr>
+                <a:r>
+                  <a:rPr lang="en-US" altLang="zh-CN" dirty="0"/>
+                  <a:t>True </a:t>
+                </a:r>
+                <a14:m>
+                  <m:oMath xmlns:m="http://schemas.openxmlformats.org/officeDocument/2006/math">
+                    <m:r>
+                      <a:rPr lang="en-US" altLang="zh-CN" i="1">
+                        <a:latin typeface="Cambria Math" panose="02040503050406030204" pitchFamily="18" charset="0"/>
+                        <a:sym typeface="Symbol" panose="05050102010706020507" pitchFamily="18" charset="2"/>
+                      </a:rPr>
+                      <m:t>≝</m:t>
+                    </m:r>
+                  </m:oMath>
+                </a14:m>
+                <a:r>
+                  <a:rPr lang="en-US" altLang="zh-CN" dirty="0">
+                    <a:sym typeface="Symbol" panose="05050102010706020507" pitchFamily="18" charset="2"/>
+                  </a:rPr>
+                  <a:t>  x. y. x</a:t>
+                </a:r>
+              </a:p>
+              <a:p>
+                <a:pPr lvl="1">
+                  <a:spcBef>
+                    <a:spcPts val="1200"/>
+                  </a:spcBef>
+                </a:pPr>
+                <a:r>
+                  <a:rPr lang="en-US" altLang="zh-CN" dirty="0">
+                    <a:sym typeface="Symbol" panose="05050102010706020507" pitchFamily="18" charset="2"/>
+                  </a:rPr>
+                  <a:t>False </a:t>
+                </a:r>
+                <a14:m>
+                  <m:oMath xmlns:m="http://schemas.openxmlformats.org/officeDocument/2006/math">
+                    <m:r>
+                      <a:rPr lang="en-US" altLang="zh-CN" i="1">
+                        <a:latin typeface="Cambria Math" panose="02040503050406030204" pitchFamily="18" charset="0"/>
+                        <a:sym typeface="Symbol" panose="05050102010706020507" pitchFamily="18" charset="2"/>
+                      </a:rPr>
+                      <m:t>≝</m:t>
+                    </m:r>
+                  </m:oMath>
+                </a14:m>
+                <a:r>
+                  <a:rPr lang="en-US" altLang="zh-CN" dirty="0">
+                    <a:sym typeface="Symbol" panose="05050102010706020507" pitchFamily="18" charset="2"/>
+                  </a:rPr>
+                  <a:t>  x. y. y</a:t>
+                </a:r>
+              </a:p>
+              <a:p>
+                <a:pPr lvl="1">
+                  <a:spcBef>
+                    <a:spcPts val="1200"/>
+                  </a:spcBef>
+                </a:pPr>
+                <a:r>
+                  <a:rPr lang="en-US" altLang="zh-CN" dirty="0">
+                    <a:sym typeface="Symbol" panose="05050102010706020507" pitchFamily="18" charset="2"/>
+                  </a:rPr>
+                  <a:t>not </a:t>
+                </a:r>
+                <a14:m>
+                  <m:oMath xmlns:m="http://schemas.openxmlformats.org/officeDocument/2006/math">
+                    <m:r>
+                      <a:rPr lang="en-US" altLang="zh-CN" i="1">
+                        <a:latin typeface="Cambria Math" panose="02040503050406030204" pitchFamily="18" charset="0"/>
+                        <a:sym typeface="Symbol" panose="05050102010706020507" pitchFamily="18" charset="2"/>
+                      </a:rPr>
+                      <m:t>≝</m:t>
+                    </m:r>
+                  </m:oMath>
+                </a14:m>
+                <a:r>
+                  <a:rPr lang="en-US" altLang="zh-CN" dirty="0">
+                    <a:sym typeface="Symbol" panose="05050102010706020507" pitchFamily="18" charset="2"/>
+                  </a:rPr>
+                  <a:t>  b. b False True</a:t>
+                </a:r>
+              </a:p>
+              <a:p>
+                <a:pPr lvl="1">
+                  <a:spcBef>
+                    <a:spcPts val="1200"/>
+                  </a:spcBef>
+                </a:pPr>
+                <a:r>
+                  <a:rPr lang="en-US" altLang="zh-CN" dirty="0">
+                    <a:sym typeface="Symbol" panose="05050102010706020507" pitchFamily="18" charset="2"/>
+                  </a:rPr>
+                  <a:t>and </a:t>
+                </a:r>
+                <a14:m>
+                  <m:oMath xmlns:m="http://schemas.openxmlformats.org/officeDocument/2006/math">
+                    <m:r>
+                      <a:rPr lang="en-US" altLang="zh-CN" i="1">
+                        <a:latin typeface="Cambria Math" panose="02040503050406030204" pitchFamily="18" charset="0"/>
+                        <a:sym typeface="Symbol" panose="05050102010706020507" pitchFamily="18" charset="2"/>
+                      </a:rPr>
+                      <m:t>≝</m:t>
+                    </m:r>
+                  </m:oMath>
+                </a14:m>
+                <a:r>
+                  <a:rPr lang="en-US" altLang="zh-CN" dirty="0">
+                    <a:sym typeface="Symbol" panose="05050102010706020507" pitchFamily="18" charset="2"/>
+                  </a:rPr>
+                  <a:t>  b. b’. b </a:t>
+                </a:r>
+                <a:r>
+                  <a:rPr lang="en-US" altLang="zh-CN" dirty="0" err="1">
+                    <a:sym typeface="Symbol" panose="05050102010706020507" pitchFamily="18" charset="2"/>
+                  </a:rPr>
+                  <a:t>b</a:t>
+                </a:r>
+                <a:r>
+                  <a:rPr lang="en-US" altLang="zh-CN" dirty="0">
+                    <a:sym typeface="Symbol" panose="05050102010706020507" pitchFamily="18" charset="2"/>
+                  </a:rPr>
+                  <a:t>’ False</a:t>
+                </a:r>
+              </a:p>
+              <a:p>
+                <a:pPr lvl="1">
+                  <a:spcBef>
+                    <a:spcPts val="1200"/>
+                  </a:spcBef>
+                </a:pPr>
+                <a:r>
+                  <a:rPr lang="en-US" altLang="zh-CN" dirty="0">
+                    <a:sym typeface="Symbol" panose="05050102010706020507" pitchFamily="18" charset="2"/>
+                  </a:rPr>
+                  <a:t>or </a:t>
+                </a:r>
+                <a14:m>
+                  <m:oMath xmlns:m="http://schemas.openxmlformats.org/officeDocument/2006/math">
+                    <m:r>
+                      <a:rPr lang="en-US" altLang="zh-CN" i="1">
+                        <a:latin typeface="Cambria Math" panose="02040503050406030204" pitchFamily="18" charset="0"/>
+                        <a:sym typeface="Symbol" panose="05050102010706020507" pitchFamily="18" charset="2"/>
+                      </a:rPr>
+                      <m:t>≝</m:t>
+                    </m:r>
+                  </m:oMath>
+                </a14:m>
+                <a:r>
+                  <a:rPr lang="en-US" altLang="zh-CN" dirty="0">
+                    <a:sym typeface="Symbol" panose="05050102010706020507" pitchFamily="18" charset="2"/>
+                  </a:rPr>
+                  <a:t>  b. b’. b True b’</a:t>
+                </a:r>
+              </a:p>
+              <a:p>
+                <a:pPr lvl="1">
+                  <a:spcBef>
+                    <a:spcPts val="1200"/>
+                  </a:spcBef>
+                </a:pPr>
+                <a:r>
+                  <a:rPr lang="en-US" altLang="zh-CN" dirty="0">
+                    <a:sym typeface="Symbol" panose="05050102010706020507" pitchFamily="18" charset="2"/>
+                  </a:rPr>
+                  <a:t>if b then M else N </a:t>
+                </a:r>
+                <a14:m>
+                  <m:oMath xmlns:m="http://schemas.openxmlformats.org/officeDocument/2006/math">
+                    <m:r>
+                      <a:rPr lang="en-US" altLang="zh-CN" i="1">
+                        <a:latin typeface="Cambria Math" panose="02040503050406030204" pitchFamily="18" charset="0"/>
+                        <a:sym typeface="Symbol" panose="05050102010706020507" pitchFamily="18" charset="2"/>
+                      </a:rPr>
+                      <m:t>≝</m:t>
+                    </m:r>
+                  </m:oMath>
+                </a14:m>
+                <a:r>
+                  <a:rPr lang="en-US" altLang="zh-CN" dirty="0">
+                    <a:sym typeface="Symbol" panose="05050102010706020507" pitchFamily="18" charset="2"/>
+                  </a:rPr>
+                  <a:t>  b M N</a:t>
+                </a:r>
+              </a:p>
+              <a:p>
+                <a:endParaRPr lang="zh-CN" altLang="en-US" dirty="0"/>
+              </a:p>
+            </p:txBody>
+          </p:sp>
+        </mc:Choice>
+        <mc:Fallback>
+          <p:sp>
+            <p:nvSpPr>
+              <p:cNvPr id="3" name="内容占位符 2"/>
+              <p:cNvSpPr>
+                <a:spLocks noGrp="1" noRot="1" noChangeAspect="1" noMove="1" noResize="1" noEditPoints="1" noAdjustHandles="1" noChangeArrowheads="1" noChangeShapeType="1" noTextEdit="1"/>
+              </p:cNvSpPr>
+              <p:nvPr>
+                <p:ph idx="1"/>
+              </p:nvPr>
+            </p:nvSpPr>
+            <p:spPr>
+              <a:blipFill>
+                <a:blip r:embed="rId2"/>
+                <a:stretch>
+                  <a:fillRect l="-1391" t="-2241"/>
+                </a:stretch>
+              </a:blipFill>
+            </p:spPr>
+            <p:txBody>
+              <a:bodyPr/>
+              <a:lstStyle/>
+              <a:p>
+                <a:r>
+                  <a:rPr lang="zh-CN" altLang="en-US">
+                    <a:noFill/>
+                  </a:rPr>
+                  <a:t> </a:t>
+                </a:r>
+              </a:p>
+            </p:txBody>
+          </p:sp>
+        </mc:Fallback>
+      </mc:AlternateContent>
     </p:spTree>
     <p:extLst>
       <p:ext uri="{BB962C8B-B14F-4D97-AF65-F5344CB8AC3E}">
@@ -33905,136 +34938,286 @@
           </a:p>
         </p:txBody>
       </p:sp>
-      <p:sp>
-        <p:nvSpPr>
-          <p:cNvPr id="3" name="内容占位符 2"/>
-          <p:cNvSpPr>
-            <a:spLocks noGrp="1"/>
-          </p:cNvSpPr>
-          <p:nvPr>
-            <p:ph idx="1"/>
-          </p:nvPr>
-        </p:nvSpPr>
-        <p:spPr/>
-        <p:txBody>
-          <a:bodyPr/>
-          <a:lstStyle/>
-          <a:p>
-            <a:r>
-              <a:rPr lang="en-US" altLang="zh-CN" dirty="0"/>
-              <a:t>Encoding Boolean values and operators</a:t>
-            </a:r>
-          </a:p>
-          <a:p>
-            <a:pPr lvl="1">
-              <a:spcBef>
-                <a:spcPts val="1200"/>
-              </a:spcBef>
-            </a:pPr>
-            <a:r>
-              <a:rPr lang="en-US" altLang="zh-CN" dirty="0"/>
-              <a:t>True  </a:t>
-            </a:r>
-            <a:r>
-              <a:rPr lang="en-US" altLang="zh-CN" dirty="0">
-                <a:sym typeface="Symbol" panose="05050102010706020507" pitchFamily="18" charset="2"/>
-              </a:rPr>
-              <a:t>  x. y. x</a:t>
-            </a:r>
-          </a:p>
-          <a:p>
-            <a:pPr lvl="1">
-              <a:spcBef>
-                <a:spcPts val="1200"/>
-              </a:spcBef>
-            </a:pPr>
-            <a:r>
-              <a:rPr lang="en-US" altLang="zh-CN" dirty="0">
-                <a:sym typeface="Symbol" panose="05050102010706020507" pitchFamily="18" charset="2"/>
-              </a:rPr>
-              <a:t>False    x. y. y</a:t>
-            </a:r>
-          </a:p>
-          <a:p>
-            <a:pPr lvl="1">
-              <a:spcBef>
-                <a:spcPts val="1200"/>
-              </a:spcBef>
-            </a:pPr>
-            <a:r>
-              <a:rPr lang="en-US" altLang="zh-CN" dirty="0">
-                <a:sym typeface="Symbol" panose="05050102010706020507" pitchFamily="18" charset="2"/>
-              </a:rPr>
-              <a:t>not    b. b False True</a:t>
-            </a:r>
-          </a:p>
-          <a:p>
-            <a:pPr lvl="1">
-              <a:spcBef>
-                <a:spcPts val="1200"/>
-              </a:spcBef>
-            </a:pPr>
-            <a:r>
-              <a:rPr lang="en-US" altLang="zh-CN" dirty="0">
-                <a:sym typeface="Symbol" panose="05050102010706020507" pitchFamily="18" charset="2"/>
-              </a:rPr>
-              <a:t>and    b. b’. b </a:t>
-            </a:r>
-            <a:r>
-              <a:rPr lang="en-US" altLang="zh-CN" dirty="0" err="1">
-                <a:sym typeface="Symbol" panose="05050102010706020507" pitchFamily="18" charset="2"/>
-              </a:rPr>
-              <a:t>b</a:t>
-            </a:r>
-            <a:r>
-              <a:rPr lang="en-US" altLang="zh-CN" dirty="0">
-                <a:sym typeface="Symbol" panose="05050102010706020507" pitchFamily="18" charset="2"/>
-              </a:rPr>
-              <a:t>’ False</a:t>
-            </a:r>
-          </a:p>
-          <a:p>
-            <a:pPr lvl="1">
-              <a:spcBef>
-                <a:spcPts val="1200"/>
-              </a:spcBef>
-            </a:pPr>
-            <a:r>
-              <a:rPr lang="en-US" altLang="zh-CN" dirty="0">
-                <a:sym typeface="Symbol" panose="05050102010706020507" pitchFamily="18" charset="2"/>
-              </a:rPr>
-              <a:t>or    b. b’. b True b’</a:t>
-            </a:r>
-          </a:p>
-          <a:p>
-            <a:pPr lvl="1">
-              <a:spcBef>
-                <a:spcPts val="1200"/>
-              </a:spcBef>
-            </a:pPr>
-            <a:r>
-              <a:rPr lang="en-US" altLang="zh-CN" dirty="0">
-                <a:sym typeface="Symbol" panose="05050102010706020507" pitchFamily="18" charset="2"/>
-              </a:rPr>
-              <a:t>if b then M else N    b M N </a:t>
-            </a:r>
-          </a:p>
-          <a:p>
-            <a:pPr lvl="1">
-              <a:spcBef>
-                <a:spcPts val="1200"/>
-              </a:spcBef>
-            </a:pPr>
-            <a:r>
-              <a:rPr lang="en-US" altLang="zh-CN" dirty="0">
-                <a:sym typeface="Symbol" panose="05050102010706020507" pitchFamily="18" charset="2"/>
-              </a:rPr>
-              <a:t>not’    b. x. y. b y x</a:t>
-            </a:r>
-            <a:endParaRPr lang="zh-CN" altLang="en-US" dirty="0"/>
-          </a:p>
-        </p:txBody>
-      </p:sp>
+      <mc:AlternateContent xmlns:mc="http://schemas.openxmlformats.org/markup-compatibility/2006">
+        <mc:Choice xmlns:a14="http://schemas.microsoft.com/office/drawing/2010/main" Requires="a14">
+          <p:sp>
+            <p:nvSpPr>
+              <p:cNvPr id="3" name="内容占位符 2"/>
+              <p:cNvSpPr>
+                <a:spLocks noGrp="1"/>
+              </p:cNvSpPr>
+              <p:nvPr>
+                <p:ph idx="1"/>
+              </p:nvPr>
+            </p:nvSpPr>
+            <p:spPr/>
+            <p:txBody>
+              <a:bodyPr/>
+              <a:lstStyle/>
+              <a:p>
+                <a:r>
+                  <a:rPr lang="en-US" altLang="zh-CN" dirty="0"/>
+                  <a:t>Encoding Boolean values and operators</a:t>
+                </a:r>
+              </a:p>
+              <a:p>
+                <a:pPr lvl="1">
+                  <a:spcBef>
+                    <a:spcPts val="1200"/>
+                  </a:spcBef>
+                </a:pPr>
+                <a:r>
+                  <a:rPr lang="en-US" altLang="zh-CN" dirty="0"/>
+                  <a:t>True </a:t>
+                </a:r>
+                <a14:m>
+                  <m:oMath xmlns:m="http://schemas.openxmlformats.org/officeDocument/2006/math">
+                    <m:r>
+                      <a:rPr lang="en-US" altLang="zh-CN" i="1">
+                        <a:latin typeface="Cambria Math" panose="02040503050406030204" pitchFamily="18" charset="0"/>
+                        <a:sym typeface="Symbol" panose="05050102010706020507" pitchFamily="18" charset="2"/>
+                      </a:rPr>
+                      <m:t>≝</m:t>
+                    </m:r>
+                  </m:oMath>
+                </a14:m>
+                <a:r>
+                  <a:rPr lang="en-US" altLang="zh-CN" dirty="0">
+                    <a:sym typeface="Symbol" panose="05050102010706020507" pitchFamily="18" charset="2"/>
+                  </a:rPr>
+                  <a:t>  x. y. x</a:t>
+                </a:r>
+              </a:p>
+              <a:p>
+                <a:pPr lvl="1">
+                  <a:spcBef>
+                    <a:spcPts val="1200"/>
+                  </a:spcBef>
+                </a:pPr>
+                <a:r>
+                  <a:rPr lang="en-US" altLang="zh-CN" dirty="0">
+                    <a:sym typeface="Symbol" panose="05050102010706020507" pitchFamily="18" charset="2"/>
+                  </a:rPr>
+                  <a:t>False </a:t>
+                </a:r>
+                <a14:m>
+                  <m:oMath xmlns:m="http://schemas.openxmlformats.org/officeDocument/2006/math">
+                    <m:r>
+                      <a:rPr lang="en-US" altLang="zh-CN" i="1">
+                        <a:latin typeface="Cambria Math" panose="02040503050406030204" pitchFamily="18" charset="0"/>
+                        <a:sym typeface="Symbol" panose="05050102010706020507" pitchFamily="18" charset="2"/>
+                      </a:rPr>
+                      <m:t>≝</m:t>
+                    </m:r>
+                  </m:oMath>
+                </a14:m>
+                <a:r>
+                  <a:rPr lang="en-US" altLang="zh-CN" dirty="0">
+                    <a:sym typeface="Symbol" panose="05050102010706020507" pitchFamily="18" charset="2"/>
+                  </a:rPr>
+                  <a:t>  x. y. y</a:t>
+                </a:r>
+              </a:p>
+              <a:p>
+                <a:pPr lvl="1">
+                  <a:spcBef>
+                    <a:spcPts val="1200"/>
+                  </a:spcBef>
+                </a:pPr>
+                <a:r>
+                  <a:rPr lang="en-US" altLang="zh-CN" dirty="0">
+                    <a:sym typeface="Symbol" panose="05050102010706020507" pitchFamily="18" charset="2"/>
+                  </a:rPr>
+                  <a:t>not </a:t>
+                </a:r>
+                <a14:m>
+                  <m:oMath xmlns:m="http://schemas.openxmlformats.org/officeDocument/2006/math">
+                    <m:r>
+                      <a:rPr lang="en-US" altLang="zh-CN" i="1">
+                        <a:latin typeface="Cambria Math" panose="02040503050406030204" pitchFamily="18" charset="0"/>
+                        <a:sym typeface="Symbol" panose="05050102010706020507" pitchFamily="18" charset="2"/>
+                      </a:rPr>
+                      <m:t>≝</m:t>
+                    </m:r>
+                  </m:oMath>
+                </a14:m>
+                <a:r>
+                  <a:rPr lang="en-US" altLang="zh-CN" dirty="0">
+                    <a:sym typeface="Symbol" panose="05050102010706020507" pitchFamily="18" charset="2"/>
+                  </a:rPr>
+                  <a:t>  b. b False True</a:t>
+                </a:r>
+              </a:p>
+              <a:p>
+                <a:pPr lvl="1">
+                  <a:spcBef>
+                    <a:spcPts val="1200"/>
+                  </a:spcBef>
+                </a:pPr>
+                <a:r>
+                  <a:rPr lang="en-US" altLang="zh-CN" dirty="0">
+                    <a:sym typeface="Symbol" panose="05050102010706020507" pitchFamily="18" charset="2"/>
+                  </a:rPr>
+                  <a:t>and </a:t>
+                </a:r>
+                <a14:m>
+                  <m:oMath xmlns:m="http://schemas.openxmlformats.org/officeDocument/2006/math">
+                    <m:r>
+                      <a:rPr lang="en-US" altLang="zh-CN" i="1">
+                        <a:latin typeface="Cambria Math" panose="02040503050406030204" pitchFamily="18" charset="0"/>
+                        <a:sym typeface="Symbol" panose="05050102010706020507" pitchFamily="18" charset="2"/>
+                      </a:rPr>
+                      <m:t>≝</m:t>
+                    </m:r>
+                  </m:oMath>
+                </a14:m>
+                <a:r>
+                  <a:rPr lang="en-US" altLang="zh-CN" dirty="0">
+                    <a:sym typeface="Symbol" panose="05050102010706020507" pitchFamily="18" charset="2"/>
+                  </a:rPr>
+                  <a:t>  b. b’. b </a:t>
+                </a:r>
+                <a:r>
+                  <a:rPr lang="en-US" altLang="zh-CN" dirty="0" err="1">
+                    <a:sym typeface="Symbol" panose="05050102010706020507" pitchFamily="18" charset="2"/>
+                  </a:rPr>
+                  <a:t>b</a:t>
+                </a:r>
+                <a:r>
+                  <a:rPr lang="en-US" altLang="zh-CN" dirty="0">
+                    <a:sym typeface="Symbol" panose="05050102010706020507" pitchFamily="18" charset="2"/>
+                  </a:rPr>
+                  <a:t>’ False</a:t>
+                </a:r>
+              </a:p>
+              <a:p>
+                <a:pPr lvl="1">
+                  <a:spcBef>
+                    <a:spcPts val="1200"/>
+                  </a:spcBef>
+                </a:pPr>
+                <a:r>
+                  <a:rPr lang="en-US" altLang="zh-CN" dirty="0">
+                    <a:sym typeface="Symbol" panose="05050102010706020507" pitchFamily="18" charset="2"/>
+                  </a:rPr>
+                  <a:t>or </a:t>
+                </a:r>
+                <a14:m>
+                  <m:oMath xmlns:m="http://schemas.openxmlformats.org/officeDocument/2006/math">
+                    <m:r>
+                      <a:rPr lang="en-US" altLang="zh-CN" i="1">
+                        <a:latin typeface="Cambria Math" panose="02040503050406030204" pitchFamily="18" charset="0"/>
+                        <a:sym typeface="Symbol" panose="05050102010706020507" pitchFamily="18" charset="2"/>
+                      </a:rPr>
+                      <m:t>≝</m:t>
+                    </m:r>
+                  </m:oMath>
+                </a14:m>
+                <a:r>
+                  <a:rPr lang="en-US" altLang="zh-CN" dirty="0">
+                    <a:sym typeface="Symbol" panose="05050102010706020507" pitchFamily="18" charset="2"/>
+                  </a:rPr>
+                  <a:t>  b. b’. b True b’</a:t>
+                </a:r>
+              </a:p>
+              <a:p>
+                <a:pPr lvl="1">
+                  <a:spcBef>
+                    <a:spcPts val="1200"/>
+                  </a:spcBef>
+                </a:pPr>
+                <a:r>
+                  <a:rPr lang="en-US" altLang="zh-CN" dirty="0">
+                    <a:sym typeface="Symbol" panose="05050102010706020507" pitchFamily="18" charset="2"/>
+                  </a:rPr>
+                  <a:t>if b then M else N </a:t>
+                </a:r>
+                <a14:m>
+                  <m:oMath xmlns:m="http://schemas.openxmlformats.org/officeDocument/2006/math">
+                    <m:r>
+                      <a:rPr lang="en-US" altLang="zh-CN" i="1">
+                        <a:latin typeface="Cambria Math" panose="02040503050406030204" pitchFamily="18" charset="0"/>
+                        <a:sym typeface="Symbol" panose="05050102010706020507" pitchFamily="18" charset="2"/>
+                      </a:rPr>
+                      <m:t>≝</m:t>
+                    </m:r>
+                  </m:oMath>
+                </a14:m>
+                <a:r>
+                  <a:rPr lang="en-US" altLang="zh-CN" dirty="0">
+                    <a:sym typeface="Symbol" panose="05050102010706020507" pitchFamily="18" charset="2"/>
+                  </a:rPr>
+                  <a:t>  b M N </a:t>
+                </a:r>
+              </a:p>
+              <a:p>
+                <a:pPr lvl="1">
+                  <a:spcBef>
+                    <a:spcPts val="1200"/>
+                  </a:spcBef>
+                </a:pPr>
+                <a:r>
+                  <a:rPr lang="en-US" altLang="zh-CN" dirty="0">
+                    <a:sym typeface="Symbol" panose="05050102010706020507" pitchFamily="18" charset="2"/>
+                  </a:rPr>
+                  <a:t>not’ </a:t>
+                </a:r>
+                <a14:m>
+                  <m:oMath xmlns:m="http://schemas.openxmlformats.org/officeDocument/2006/math">
+                    <m:r>
+                      <a:rPr lang="en-US" altLang="zh-CN" i="1">
+                        <a:latin typeface="Cambria Math" panose="02040503050406030204" pitchFamily="18" charset="0"/>
+                        <a:sym typeface="Symbol" panose="05050102010706020507" pitchFamily="18" charset="2"/>
+                      </a:rPr>
+                      <m:t>≝</m:t>
+                    </m:r>
+                  </m:oMath>
+                </a14:m>
+                <a:r>
+                  <a:rPr lang="en-US" altLang="zh-CN" dirty="0">
+                    <a:sym typeface="Symbol" panose="05050102010706020507" pitchFamily="18" charset="2"/>
+                  </a:rPr>
+                  <a:t>  b. x. y. b y x</a:t>
+                </a:r>
+                <a:endParaRPr lang="zh-CN" altLang="en-US" dirty="0"/>
+              </a:p>
+            </p:txBody>
+          </p:sp>
+        </mc:Choice>
+        <mc:Fallback>
+          <p:sp>
+            <p:nvSpPr>
+              <p:cNvPr id="3" name="内容占位符 2"/>
+              <p:cNvSpPr>
+                <a:spLocks noGrp="1" noRot="1" noChangeAspect="1" noMove="1" noResize="1" noEditPoints="1" noAdjustHandles="1" noChangeArrowheads="1" noChangeShapeType="1" noTextEdit="1"/>
+              </p:cNvSpPr>
+              <p:nvPr>
+                <p:ph idx="1"/>
+              </p:nvPr>
+            </p:nvSpPr>
+            <p:spPr>
+              <a:blipFill>
+                <a:blip r:embed="rId2"/>
+                <a:stretch>
+                  <a:fillRect l="-1391" t="-2241"/>
+                </a:stretch>
+              </a:blipFill>
+            </p:spPr>
+            <p:txBody>
+              <a:bodyPr/>
+              <a:lstStyle/>
+              <a:p>
+                <a:r>
+                  <a:rPr lang="zh-CN" altLang="en-US">
+                    <a:noFill/>
+                  </a:rPr>
+                  <a:t> </a:t>
+                </a:r>
+              </a:p>
+            </p:txBody>
+          </p:sp>
+        </mc:Fallback>
+      </mc:AlternateContent>
       <p:sp>
         <p:nvSpPr>
           <p:cNvPr id="6" name="圆角矩形标注 5"/>
@@ -34304,136 +35487,235 @@
           </a:p>
         </p:txBody>
       </p:sp>
-      <p:sp>
-        <p:nvSpPr>
-          <p:cNvPr id="3" name="内容占位符 2"/>
-          <p:cNvSpPr>
-            <a:spLocks noGrp="1"/>
-          </p:cNvSpPr>
-          <p:nvPr>
-            <p:ph idx="1"/>
-          </p:nvPr>
-        </p:nvSpPr>
-        <p:spPr/>
-        <p:txBody>
-          <a:bodyPr/>
-          <a:lstStyle/>
-          <a:p>
-            <a:r>
-              <a:rPr lang="en-US" altLang="zh-CN" dirty="0"/>
-              <a:t>Church numerals </a:t>
-            </a:r>
-          </a:p>
-          <a:p>
-            <a:pPr lvl="1">
-              <a:spcBef>
-                <a:spcPts val="1200"/>
-              </a:spcBef>
-            </a:pPr>
-            <a:r>
-              <a:rPr lang="en-US" altLang="zh-CN" u="sng" dirty="0"/>
-              <a:t>0</a:t>
-            </a:r>
-            <a:r>
-              <a:rPr lang="en-US" altLang="zh-CN" dirty="0"/>
-              <a:t>  </a:t>
-            </a:r>
-            <a:r>
-              <a:rPr lang="en-US" altLang="zh-CN" dirty="0">
-                <a:sym typeface="Symbol" panose="05050102010706020507" pitchFamily="18" charset="2"/>
-              </a:rPr>
-              <a:t>  f. x. x   </a:t>
-            </a:r>
-            <a:endParaRPr lang="en-US" altLang="zh-CN" i="1" dirty="0">
-              <a:solidFill>
-                <a:srgbClr val="FF0000"/>
-              </a:solidFill>
-              <a:sym typeface="Symbol" panose="05050102010706020507" pitchFamily="18" charset="2"/>
-            </a:endParaRPr>
-          </a:p>
-          <a:p>
-            <a:pPr lvl="1">
-              <a:spcBef>
-                <a:spcPts val="1200"/>
-              </a:spcBef>
-            </a:pPr>
-            <a:r>
-              <a:rPr lang="en-US" altLang="zh-CN" u="sng" dirty="0">
-                <a:sym typeface="Symbol" panose="05050102010706020507" pitchFamily="18" charset="2"/>
-              </a:rPr>
-              <a:t>1</a:t>
-            </a:r>
-            <a:r>
-              <a:rPr lang="en-US" altLang="zh-CN" dirty="0">
-                <a:sym typeface="Symbol" panose="05050102010706020507" pitchFamily="18" charset="2"/>
-              </a:rPr>
-              <a:t>    f. x. f x</a:t>
-            </a:r>
-          </a:p>
-          <a:p>
-            <a:pPr lvl="1">
-              <a:spcBef>
-                <a:spcPts val="1200"/>
-              </a:spcBef>
-            </a:pPr>
-            <a:r>
-              <a:rPr lang="en-US" altLang="zh-CN" u="sng" dirty="0">
-                <a:sym typeface="Symbol" panose="05050102010706020507" pitchFamily="18" charset="2"/>
-              </a:rPr>
-              <a:t>2</a:t>
-            </a:r>
-            <a:r>
-              <a:rPr lang="en-US" altLang="zh-CN" dirty="0">
-                <a:sym typeface="Symbol" panose="05050102010706020507" pitchFamily="18" charset="2"/>
-              </a:rPr>
-              <a:t>    f. x. f (f x)</a:t>
-            </a:r>
-          </a:p>
-          <a:p>
-            <a:pPr lvl="1">
-              <a:spcBef>
-                <a:spcPts val="1200"/>
-              </a:spcBef>
-            </a:pPr>
-            <a:r>
-              <a:rPr lang="en-US" altLang="zh-CN" u="sng" dirty="0">
-                <a:sym typeface="Symbol" panose="05050102010706020507" pitchFamily="18" charset="2"/>
-              </a:rPr>
-              <a:t>n</a:t>
-            </a:r>
-            <a:r>
-              <a:rPr lang="en-US" altLang="zh-CN" dirty="0">
-                <a:sym typeface="Symbol" panose="05050102010706020507" pitchFamily="18" charset="2"/>
-              </a:rPr>
-              <a:t>    f. x. </a:t>
-            </a:r>
-            <a:r>
-              <a:rPr lang="en-US" altLang="zh-CN" dirty="0" err="1">
-                <a:sym typeface="Symbol" panose="05050102010706020507" pitchFamily="18" charset="2"/>
-              </a:rPr>
-              <a:t>f</a:t>
-            </a:r>
-            <a:r>
-              <a:rPr lang="en-US" altLang="zh-CN" baseline="30000" dirty="0" err="1">
-                <a:sym typeface="Symbol" panose="05050102010706020507" pitchFamily="18" charset="2"/>
-              </a:rPr>
-              <a:t>n</a:t>
-            </a:r>
-            <a:r>
-              <a:rPr lang="en-US" altLang="zh-CN" baseline="30000" dirty="0">
-                <a:sym typeface="Symbol" panose="05050102010706020507" pitchFamily="18" charset="2"/>
-              </a:rPr>
-              <a:t> </a:t>
-            </a:r>
-            <a:r>
-              <a:rPr lang="en-US" altLang="zh-CN" dirty="0">
-                <a:sym typeface="Symbol" panose="05050102010706020507" pitchFamily="18" charset="2"/>
-              </a:rPr>
-              <a:t>x</a:t>
-            </a:r>
-          </a:p>
-        </p:txBody>
-      </p:sp>
+      <mc:AlternateContent xmlns:mc="http://schemas.openxmlformats.org/markup-compatibility/2006">
+        <mc:Choice xmlns:a14="http://schemas.microsoft.com/office/drawing/2010/main" Requires="a14">
+          <p:sp>
+            <p:nvSpPr>
+              <p:cNvPr id="3" name="内容占位符 2"/>
+              <p:cNvSpPr>
+                <a:spLocks noGrp="1"/>
+              </p:cNvSpPr>
+              <p:nvPr>
+                <p:ph idx="1"/>
+              </p:nvPr>
+            </p:nvSpPr>
+            <p:spPr/>
+            <p:txBody>
+              <a:bodyPr/>
+              <a:lstStyle/>
+              <a:p>
+                <a:r>
+                  <a:rPr lang="en-US" altLang="zh-CN" dirty="0"/>
+                  <a:t>Church numerals </a:t>
+                </a:r>
+              </a:p>
+              <a:p>
+                <a:pPr lvl="1">
+                  <a:spcBef>
+                    <a:spcPts val="1200"/>
+                  </a:spcBef>
+                </a:pPr>
+                <a:r>
+                  <a:rPr lang="en-US" altLang="zh-CN" u="sng" dirty="0"/>
+                  <a:t>0</a:t>
+                </a:r>
+                <a:r>
+                  <a:rPr lang="en-US" altLang="zh-CN" dirty="0"/>
+                  <a:t> </a:t>
+                </a:r>
+                <a14:m>
+                  <m:oMath xmlns:m="http://schemas.openxmlformats.org/officeDocument/2006/math">
+                    <m:r>
+                      <a:rPr lang="en-US" altLang="zh-CN" i="1">
+                        <a:latin typeface="Cambria Math" panose="02040503050406030204" pitchFamily="18" charset="0"/>
+                        <a:sym typeface="Symbol" panose="05050102010706020507" pitchFamily="18" charset="2"/>
+                      </a:rPr>
+                      <m:t>≝</m:t>
+                    </m:r>
+                  </m:oMath>
+                </a14:m>
+                <a:r>
+                  <a:rPr lang="en-US" altLang="zh-CN" dirty="0">
+                    <a:sym typeface="Symbol" panose="05050102010706020507" pitchFamily="18" charset="2"/>
+                  </a:rPr>
+                  <a:t>  f. x. x   </a:t>
+                </a:r>
+                <a:endParaRPr lang="en-US" altLang="zh-CN" i="1" dirty="0">
+                  <a:solidFill>
+                    <a:srgbClr val="FF0000"/>
+                  </a:solidFill>
+                  <a:sym typeface="Symbol" panose="05050102010706020507" pitchFamily="18" charset="2"/>
+                </a:endParaRPr>
+              </a:p>
+              <a:p>
+                <a:pPr lvl="1">
+                  <a:spcBef>
+                    <a:spcPts val="1200"/>
+                  </a:spcBef>
+                </a:pPr>
+                <a:r>
+                  <a:rPr lang="en-US" altLang="zh-CN" u="sng" dirty="0">
+                    <a:sym typeface="Symbol" panose="05050102010706020507" pitchFamily="18" charset="2"/>
+                  </a:rPr>
+                  <a:t>1</a:t>
+                </a:r>
+                <a:r>
+                  <a:rPr lang="en-US" altLang="zh-CN" dirty="0">
+                    <a:sym typeface="Symbol" panose="05050102010706020507" pitchFamily="18" charset="2"/>
+                  </a:rPr>
+                  <a:t> </a:t>
+                </a:r>
+                <a14:m>
+                  <m:oMath xmlns:m="http://schemas.openxmlformats.org/officeDocument/2006/math">
+                    <m:r>
+                      <a:rPr lang="en-US" altLang="zh-CN" i="1">
+                        <a:latin typeface="Cambria Math" panose="02040503050406030204" pitchFamily="18" charset="0"/>
+                        <a:sym typeface="Symbol" panose="05050102010706020507" pitchFamily="18" charset="2"/>
+                      </a:rPr>
+                      <m:t>≝</m:t>
+                    </m:r>
+                  </m:oMath>
+                </a14:m>
+                <a:r>
+                  <a:rPr lang="en-US" altLang="zh-CN" dirty="0">
+                    <a:sym typeface="Symbol" panose="05050102010706020507" pitchFamily="18" charset="2"/>
+                  </a:rPr>
+                  <a:t>  f. x. f x</a:t>
+                </a:r>
+              </a:p>
+              <a:p>
+                <a:pPr lvl="1">
+                  <a:spcBef>
+                    <a:spcPts val="1200"/>
+                  </a:spcBef>
+                </a:pPr>
+                <a:r>
+                  <a:rPr lang="en-US" altLang="zh-CN" u="sng" dirty="0">
+                    <a:sym typeface="Symbol" panose="05050102010706020507" pitchFamily="18" charset="2"/>
+                  </a:rPr>
+                  <a:t>2</a:t>
+                </a:r>
+                <a:r>
+                  <a:rPr lang="en-US" altLang="zh-CN" dirty="0">
+                    <a:sym typeface="Symbol" panose="05050102010706020507" pitchFamily="18" charset="2"/>
+                  </a:rPr>
+                  <a:t> </a:t>
+                </a:r>
+                <a14:m>
+                  <m:oMath xmlns:m="http://schemas.openxmlformats.org/officeDocument/2006/math">
+                    <m:r>
+                      <a:rPr lang="en-US" altLang="zh-CN" i="1">
+                        <a:latin typeface="Cambria Math" panose="02040503050406030204" pitchFamily="18" charset="0"/>
+                        <a:sym typeface="Symbol" panose="05050102010706020507" pitchFamily="18" charset="2"/>
+                      </a:rPr>
+                      <m:t>≝</m:t>
+                    </m:r>
+                  </m:oMath>
+                </a14:m>
+                <a:r>
+                  <a:rPr lang="en-US" altLang="zh-CN" dirty="0">
+                    <a:sym typeface="Symbol" panose="05050102010706020507" pitchFamily="18" charset="2"/>
+                  </a:rPr>
+                  <a:t>  f. x. f (f x)</a:t>
+                </a:r>
+              </a:p>
+              <a:p>
+                <a:pPr lvl="1">
+                  <a:spcBef>
+                    <a:spcPts val="1200"/>
+                  </a:spcBef>
+                </a:pPr>
+                <a:r>
+                  <a:rPr lang="en-US" altLang="zh-CN" u="sng" dirty="0">
+                    <a:sym typeface="Symbol" panose="05050102010706020507" pitchFamily="18" charset="2"/>
+                  </a:rPr>
+                  <a:t>n</a:t>
+                </a:r>
+                <a:r>
+                  <a:rPr lang="en-US" altLang="zh-CN" dirty="0">
+                    <a:sym typeface="Symbol" panose="05050102010706020507" pitchFamily="18" charset="2"/>
+                  </a:rPr>
+                  <a:t> </a:t>
+                </a:r>
+                <a14:m>
+                  <m:oMath xmlns:m="http://schemas.openxmlformats.org/officeDocument/2006/math">
+                    <m:r>
+                      <a:rPr lang="en-US" altLang="zh-CN" i="1">
+                        <a:latin typeface="Cambria Math" panose="02040503050406030204" pitchFamily="18" charset="0"/>
+                        <a:sym typeface="Symbol" panose="05050102010706020507" pitchFamily="18" charset="2"/>
+                      </a:rPr>
+                      <m:t>≝</m:t>
+                    </m:r>
+                  </m:oMath>
+                </a14:m>
+                <a:r>
+                  <a:rPr lang="en-US" altLang="zh-CN" dirty="0">
+                    <a:sym typeface="Symbol" panose="05050102010706020507" pitchFamily="18" charset="2"/>
+                  </a:rPr>
+                  <a:t>  f. x. </a:t>
+                </a:r>
+                <a:r>
+                  <a:rPr lang="en-US" altLang="zh-CN" dirty="0" err="1">
+                    <a:sym typeface="Symbol" panose="05050102010706020507" pitchFamily="18" charset="2"/>
+                  </a:rPr>
+                  <a:t>f</a:t>
+                </a:r>
+                <a:r>
+                  <a:rPr lang="en-US" altLang="zh-CN" baseline="30000" dirty="0" err="1">
+                    <a:sym typeface="Symbol" panose="05050102010706020507" pitchFamily="18" charset="2"/>
+                  </a:rPr>
+                  <a:t>n</a:t>
+                </a:r>
+                <a:r>
+                  <a:rPr lang="en-US" altLang="zh-CN" baseline="30000" dirty="0">
+                    <a:sym typeface="Symbol" panose="05050102010706020507" pitchFamily="18" charset="2"/>
+                  </a:rPr>
+                  <a:t> </a:t>
+                </a:r>
+                <a:r>
+                  <a:rPr lang="en-US" altLang="zh-CN" dirty="0">
+                    <a:sym typeface="Symbol" panose="05050102010706020507" pitchFamily="18" charset="2"/>
+                  </a:rPr>
+                  <a:t>x</a:t>
+                </a:r>
+              </a:p>
+            </p:txBody>
+          </p:sp>
+        </mc:Choice>
+        <mc:Fallback>
+          <p:sp>
+            <p:nvSpPr>
+              <p:cNvPr id="3" name="内容占位符 2"/>
+              <p:cNvSpPr>
+                <a:spLocks noGrp="1" noRot="1" noChangeAspect="1" noMove="1" noResize="1" noEditPoints="1" noAdjustHandles="1" noChangeArrowheads="1" noChangeShapeType="1" noTextEdit="1"/>
+              </p:cNvSpPr>
+              <p:nvPr>
+                <p:ph idx="1"/>
+              </p:nvPr>
+            </p:nvSpPr>
+            <p:spPr>
+              <a:blipFill>
+                <a:blip r:embed="rId2"/>
+                <a:stretch>
+                  <a:fillRect l="-1391" t="-2241"/>
+                </a:stretch>
+              </a:blipFill>
+            </p:spPr>
+            <p:txBody>
+              <a:bodyPr/>
+              <a:lstStyle/>
+              <a:p>
+                <a:r>
+                  <a:rPr lang="zh-CN" altLang="en-US">
+                    <a:noFill/>
+                  </a:rPr>
+                  <a:t> </a:t>
+                </a:r>
+              </a:p>
+            </p:txBody>
+          </p:sp>
+        </mc:Fallback>
+      </mc:AlternateContent>
     </p:spTree>
     <p:extLst>
       <p:ext uri="{BB962C8B-B14F-4D97-AF65-F5344CB8AC3E}">
@@ -34497,156 +35779,266 @@
           </a:p>
         </p:txBody>
       </p:sp>
-      <p:sp>
-        <p:nvSpPr>
-          <p:cNvPr id="3" name="内容占位符 2"/>
-          <p:cNvSpPr>
-            <a:spLocks noGrp="1"/>
-          </p:cNvSpPr>
-          <p:nvPr>
-            <p:ph idx="1"/>
-          </p:nvPr>
-        </p:nvSpPr>
-        <p:spPr/>
-        <p:txBody>
-          <a:bodyPr/>
-          <a:lstStyle/>
-          <a:p>
-            <a:r>
-              <a:rPr lang="en-US" altLang="zh-CN" dirty="0"/>
-              <a:t>Church numerals </a:t>
-            </a:r>
-          </a:p>
-          <a:p>
-            <a:pPr lvl="1">
-              <a:spcBef>
-                <a:spcPts val="1200"/>
-              </a:spcBef>
-            </a:pPr>
-            <a:r>
-              <a:rPr lang="en-US" altLang="zh-CN" u="sng" dirty="0"/>
-              <a:t>0</a:t>
-            </a:r>
-            <a:r>
-              <a:rPr lang="en-US" altLang="zh-CN" dirty="0"/>
-              <a:t>  </a:t>
-            </a:r>
-            <a:r>
-              <a:rPr lang="en-US" altLang="zh-CN" dirty="0">
-                <a:sym typeface="Symbol" panose="05050102010706020507" pitchFamily="18" charset="2"/>
-              </a:rPr>
-              <a:t>  f. x. x</a:t>
-            </a:r>
-            <a:endParaRPr lang="en-US" altLang="zh-CN" i="1" dirty="0">
-              <a:solidFill>
-                <a:srgbClr val="FF0000"/>
-              </a:solidFill>
-              <a:sym typeface="Symbol" panose="05050102010706020507" pitchFamily="18" charset="2"/>
-            </a:endParaRPr>
-          </a:p>
-          <a:p>
-            <a:pPr lvl="1">
-              <a:spcBef>
-                <a:spcPts val="1200"/>
-              </a:spcBef>
-            </a:pPr>
-            <a:r>
-              <a:rPr lang="en-US" altLang="zh-CN" u="sng" dirty="0">
-                <a:sym typeface="Symbol" panose="05050102010706020507" pitchFamily="18" charset="2"/>
-              </a:rPr>
-              <a:t>1</a:t>
-            </a:r>
-            <a:r>
-              <a:rPr lang="en-US" altLang="zh-CN" dirty="0">
-                <a:sym typeface="Symbol" panose="05050102010706020507" pitchFamily="18" charset="2"/>
-              </a:rPr>
-              <a:t>    f. x. f x</a:t>
-            </a:r>
-          </a:p>
-          <a:p>
-            <a:pPr lvl="1">
-              <a:spcBef>
-                <a:spcPts val="1200"/>
-              </a:spcBef>
-            </a:pPr>
-            <a:r>
-              <a:rPr lang="en-US" altLang="zh-CN" u="sng" dirty="0">
-                <a:sym typeface="Symbol" panose="05050102010706020507" pitchFamily="18" charset="2"/>
-              </a:rPr>
-              <a:t>2</a:t>
-            </a:r>
-            <a:r>
-              <a:rPr lang="en-US" altLang="zh-CN" dirty="0">
-                <a:sym typeface="Symbol" panose="05050102010706020507" pitchFamily="18" charset="2"/>
-              </a:rPr>
-              <a:t>    f. x. f (f x)</a:t>
-            </a:r>
-          </a:p>
-          <a:p>
-            <a:pPr lvl="1">
-              <a:spcBef>
-                <a:spcPts val="1200"/>
-              </a:spcBef>
-            </a:pPr>
-            <a:r>
-              <a:rPr lang="en-US" altLang="zh-CN" u="sng" dirty="0">
-                <a:sym typeface="Symbol" panose="05050102010706020507" pitchFamily="18" charset="2"/>
-              </a:rPr>
-              <a:t>n</a:t>
-            </a:r>
-            <a:r>
-              <a:rPr lang="en-US" altLang="zh-CN" dirty="0">
-                <a:sym typeface="Symbol" panose="05050102010706020507" pitchFamily="18" charset="2"/>
-              </a:rPr>
-              <a:t>    f. x. </a:t>
-            </a:r>
-            <a:r>
-              <a:rPr lang="en-US" altLang="zh-CN" dirty="0" err="1">
-                <a:sym typeface="Symbol" panose="05050102010706020507" pitchFamily="18" charset="2"/>
-              </a:rPr>
-              <a:t>f</a:t>
-            </a:r>
-            <a:r>
-              <a:rPr lang="en-US" altLang="zh-CN" baseline="30000" dirty="0" err="1">
-                <a:sym typeface="Symbol" panose="05050102010706020507" pitchFamily="18" charset="2"/>
-              </a:rPr>
-              <a:t>n</a:t>
-            </a:r>
-            <a:r>
-              <a:rPr lang="en-US" altLang="zh-CN" baseline="30000" dirty="0">
-                <a:sym typeface="Symbol" panose="05050102010706020507" pitchFamily="18" charset="2"/>
-              </a:rPr>
-              <a:t> </a:t>
-            </a:r>
-            <a:r>
-              <a:rPr lang="en-US" altLang="zh-CN" dirty="0">
-                <a:sym typeface="Symbol" panose="05050102010706020507" pitchFamily="18" charset="2"/>
-              </a:rPr>
-              <a:t>x</a:t>
-            </a:r>
-          </a:p>
-          <a:p>
-            <a:pPr lvl="1">
-              <a:spcBef>
-                <a:spcPts val="1200"/>
-              </a:spcBef>
-            </a:pPr>
-            <a:r>
-              <a:rPr lang="en-US" altLang="zh-CN" dirty="0" err="1">
-                <a:sym typeface="Symbol" panose="05050102010706020507" pitchFamily="18" charset="2"/>
-              </a:rPr>
-              <a:t>succ</a:t>
-            </a:r>
-            <a:r>
-              <a:rPr lang="en-US" altLang="zh-CN" dirty="0">
-                <a:sym typeface="Symbol" panose="05050102010706020507" pitchFamily="18" charset="2"/>
-              </a:rPr>
-              <a:t>  </a:t>
-            </a:r>
-            <a:endParaRPr lang="zh-CN" altLang="en-US" dirty="0"/>
-          </a:p>
-        </p:txBody>
-      </p:sp>
+      <mc:AlternateContent xmlns:mc="http://schemas.openxmlformats.org/markup-compatibility/2006">
+        <mc:Choice xmlns:a14="http://schemas.microsoft.com/office/drawing/2010/main" Requires="a14">
+          <p:sp>
+            <p:nvSpPr>
+              <p:cNvPr id="3" name="内容占位符 2"/>
+              <p:cNvSpPr>
+                <a:spLocks noGrp="1"/>
+              </p:cNvSpPr>
+              <p:nvPr>
+                <p:ph idx="1"/>
+              </p:nvPr>
+            </p:nvSpPr>
+            <p:spPr/>
+            <p:txBody>
+              <a:bodyPr/>
+              <a:lstStyle/>
+              <a:p>
+                <a:r>
+                  <a:rPr lang="en-US" altLang="zh-CN" dirty="0"/>
+                  <a:t>Church numerals </a:t>
+                </a:r>
+              </a:p>
+              <a:p>
+                <a:pPr lvl="1">
+                  <a:spcBef>
+                    <a:spcPts val="1200"/>
+                  </a:spcBef>
+                </a:pPr>
+                <a:r>
+                  <a:rPr lang="en-US" altLang="zh-CN" u="sng" dirty="0"/>
+                  <a:t>0</a:t>
+                </a:r>
+                <a:r>
+                  <a:rPr lang="en-US" altLang="zh-CN" dirty="0"/>
+                  <a:t> </a:t>
+                </a:r>
+                <a14:m>
+                  <m:oMath xmlns:m="http://schemas.openxmlformats.org/officeDocument/2006/math">
+                    <m:r>
+                      <a:rPr lang="en-US" altLang="zh-CN" i="1">
+                        <a:latin typeface="Cambria Math" panose="02040503050406030204" pitchFamily="18" charset="0"/>
+                        <a:sym typeface="Symbol" panose="05050102010706020507" pitchFamily="18" charset="2"/>
+                      </a:rPr>
+                      <m:t>≝</m:t>
+                    </m:r>
+                  </m:oMath>
+                </a14:m>
+                <a:r>
+                  <a:rPr lang="en-US" altLang="zh-CN" dirty="0">
+                    <a:sym typeface="Symbol" panose="05050102010706020507" pitchFamily="18" charset="2"/>
+                  </a:rPr>
+                  <a:t>  f. x. x</a:t>
+                </a:r>
+                <a:endParaRPr lang="en-US" altLang="zh-CN" i="1" dirty="0">
+                  <a:solidFill>
+                    <a:srgbClr val="FF0000"/>
+                  </a:solidFill>
+                  <a:sym typeface="Symbol" panose="05050102010706020507" pitchFamily="18" charset="2"/>
+                </a:endParaRPr>
+              </a:p>
+              <a:p>
+                <a:pPr lvl="1">
+                  <a:spcBef>
+                    <a:spcPts val="1200"/>
+                  </a:spcBef>
+                </a:pPr>
+                <a:r>
+                  <a:rPr lang="en-US" altLang="zh-CN" u="sng" dirty="0">
+                    <a:sym typeface="Symbol" panose="05050102010706020507" pitchFamily="18" charset="2"/>
+                  </a:rPr>
+                  <a:t>1</a:t>
+                </a:r>
+                <a:r>
+                  <a:rPr lang="en-US" altLang="zh-CN" dirty="0">
+                    <a:sym typeface="Symbol" panose="05050102010706020507" pitchFamily="18" charset="2"/>
+                  </a:rPr>
+                  <a:t> </a:t>
+                </a:r>
+                <a14:m>
+                  <m:oMath xmlns:m="http://schemas.openxmlformats.org/officeDocument/2006/math">
+                    <m:r>
+                      <a:rPr lang="en-US" altLang="zh-CN" i="1">
+                        <a:latin typeface="Cambria Math" panose="02040503050406030204" pitchFamily="18" charset="0"/>
+                        <a:sym typeface="Symbol" panose="05050102010706020507" pitchFamily="18" charset="2"/>
+                      </a:rPr>
+                      <m:t>≝</m:t>
+                    </m:r>
+                  </m:oMath>
+                </a14:m>
+                <a:r>
+                  <a:rPr lang="en-US" altLang="zh-CN" dirty="0">
+                    <a:sym typeface="Symbol" panose="05050102010706020507" pitchFamily="18" charset="2"/>
+                  </a:rPr>
+                  <a:t>  f. x. f x</a:t>
+                </a:r>
+              </a:p>
+              <a:p>
+                <a:pPr lvl="1">
+                  <a:spcBef>
+                    <a:spcPts val="1200"/>
+                  </a:spcBef>
+                </a:pPr>
+                <a:r>
+                  <a:rPr lang="en-US" altLang="zh-CN" u="sng" dirty="0">
+                    <a:sym typeface="Symbol" panose="05050102010706020507" pitchFamily="18" charset="2"/>
+                  </a:rPr>
+                  <a:t>2</a:t>
+                </a:r>
+                <a:r>
+                  <a:rPr lang="en-US" altLang="zh-CN" dirty="0">
+                    <a:sym typeface="Symbol" panose="05050102010706020507" pitchFamily="18" charset="2"/>
+                  </a:rPr>
+                  <a:t> </a:t>
+                </a:r>
+                <a14:m>
+                  <m:oMath xmlns:m="http://schemas.openxmlformats.org/officeDocument/2006/math">
+                    <m:r>
+                      <a:rPr lang="en-US" altLang="zh-CN" i="1">
+                        <a:latin typeface="Cambria Math" panose="02040503050406030204" pitchFamily="18" charset="0"/>
+                        <a:sym typeface="Symbol" panose="05050102010706020507" pitchFamily="18" charset="2"/>
+                      </a:rPr>
+                      <m:t>≝</m:t>
+                    </m:r>
+                  </m:oMath>
+                </a14:m>
+                <a:r>
+                  <a:rPr lang="en-US" altLang="zh-CN" dirty="0">
+                    <a:sym typeface="Symbol" panose="05050102010706020507" pitchFamily="18" charset="2"/>
+                  </a:rPr>
+                  <a:t>  f. x. f (f x)</a:t>
+                </a:r>
+              </a:p>
+              <a:p>
+                <a:pPr lvl="1">
+                  <a:spcBef>
+                    <a:spcPts val="1200"/>
+                  </a:spcBef>
+                </a:pPr>
+                <a:r>
+                  <a:rPr lang="en-US" altLang="zh-CN" u="sng" dirty="0">
+                    <a:sym typeface="Symbol" panose="05050102010706020507" pitchFamily="18" charset="2"/>
+                  </a:rPr>
+                  <a:t>n</a:t>
+                </a:r>
+                <a:r>
+                  <a:rPr lang="en-US" altLang="zh-CN" dirty="0">
+                    <a:sym typeface="Symbol" panose="05050102010706020507" pitchFamily="18" charset="2"/>
+                  </a:rPr>
+                  <a:t> </a:t>
+                </a:r>
+                <a14:m>
+                  <m:oMath xmlns:m="http://schemas.openxmlformats.org/officeDocument/2006/math">
+                    <m:r>
+                      <a:rPr lang="en-US" altLang="zh-CN" i="1">
+                        <a:latin typeface="Cambria Math" panose="02040503050406030204" pitchFamily="18" charset="0"/>
+                        <a:sym typeface="Symbol" panose="05050102010706020507" pitchFamily="18" charset="2"/>
+                      </a:rPr>
+                      <m:t>≝</m:t>
+                    </m:r>
+                  </m:oMath>
+                </a14:m>
+                <a:r>
+                  <a:rPr lang="en-US" altLang="zh-CN" dirty="0">
+                    <a:sym typeface="Symbol" panose="05050102010706020507" pitchFamily="18" charset="2"/>
+                  </a:rPr>
+                  <a:t>  f. x. </a:t>
+                </a:r>
+                <a:r>
+                  <a:rPr lang="en-US" altLang="zh-CN" dirty="0" err="1">
+                    <a:sym typeface="Symbol" panose="05050102010706020507" pitchFamily="18" charset="2"/>
+                  </a:rPr>
+                  <a:t>f</a:t>
+                </a:r>
+                <a:r>
+                  <a:rPr lang="en-US" altLang="zh-CN" baseline="30000" dirty="0" err="1">
+                    <a:sym typeface="Symbol" panose="05050102010706020507" pitchFamily="18" charset="2"/>
+                  </a:rPr>
+                  <a:t>n</a:t>
+                </a:r>
+                <a:r>
+                  <a:rPr lang="en-US" altLang="zh-CN" baseline="30000" dirty="0">
+                    <a:sym typeface="Symbol" panose="05050102010706020507" pitchFamily="18" charset="2"/>
+                  </a:rPr>
+                  <a:t> </a:t>
+                </a:r>
+                <a:r>
+                  <a:rPr lang="en-US" altLang="zh-CN" dirty="0">
+                    <a:sym typeface="Symbol" panose="05050102010706020507" pitchFamily="18" charset="2"/>
+                  </a:rPr>
+                  <a:t>x</a:t>
+                </a:r>
+              </a:p>
+              <a:p>
+                <a:pPr lvl="1">
+                  <a:spcBef>
+                    <a:spcPts val="1200"/>
+                  </a:spcBef>
+                </a:pPr>
+                <a:r>
+                  <a:rPr lang="en-US" altLang="zh-CN" dirty="0" err="1">
+                    <a:sym typeface="Symbol" panose="05050102010706020507" pitchFamily="18" charset="2"/>
+                  </a:rPr>
+                  <a:t>succ</a:t>
+                </a:r>
+                <a:r>
+                  <a:rPr lang="en-US" altLang="zh-CN" dirty="0">
+                    <a:sym typeface="Symbol" panose="05050102010706020507" pitchFamily="18" charset="2"/>
+                  </a:rPr>
+                  <a:t> </a:t>
+                </a:r>
+                <a14:m>
+                  <m:oMath xmlns:m="http://schemas.openxmlformats.org/officeDocument/2006/math">
+                    <m:r>
+                      <a:rPr lang="en-US" altLang="zh-CN" i="1">
+                        <a:latin typeface="Cambria Math" panose="02040503050406030204" pitchFamily="18" charset="0"/>
+                        <a:sym typeface="Symbol" panose="05050102010706020507" pitchFamily="18" charset="2"/>
+                      </a:rPr>
+                      <m:t>≝</m:t>
+                    </m:r>
+                  </m:oMath>
+                </a14:m>
+                <a:endParaRPr lang="zh-CN" altLang="en-US" dirty="0"/>
+              </a:p>
+            </p:txBody>
+          </p:sp>
+        </mc:Choice>
+        <mc:Fallback>
+          <p:sp>
+            <p:nvSpPr>
+              <p:cNvPr id="3" name="内容占位符 2"/>
+              <p:cNvSpPr>
+                <a:spLocks noGrp="1" noRot="1" noChangeAspect="1" noMove="1" noResize="1" noEditPoints="1" noAdjustHandles="1" noChangeArrowheads="1" noChangeShapeType="1" noTextEdit="1"/>
+              </p:cNvSpPr>
+              <p:nvPr>
+                <p:ph idx="1"/>
+              </p:nvPr>
+            </p:nvSpPr>
+            <p:spPr>
+              <a:blipFill>
+                <a:blip r:embed="rId2"/>
+                <a:stretch>
+                  <a:fillRect l="-1391" t="-2241"/>
+                </a:stretch>
+              </a:blipFill>
+            </p:spPr>
+            <p:txBody>
+              <a:bodyPr/>
+              <a:lstStyle/>
+              <a:p>
+                <a:r>
+                  <a:rPr lang="zh-CN" altLang="en-US">
+                    <a:noFill/>
+                  </a:rPr>
+                  <a:t> </a:t>
+                </a:r>
+              </a:p>
+            </p:txBody>
+          </p:sp>
+        </mc:Fallback>
+      </mc:AlternateContent>
     </p:spTree>
     <p:extLst>
       <p:ext uri="{BB962C8B-B14F-4D97-AF65-F5344CB8AC3E}">
@@ -34710,156 +36102,272 @@
           </a:p>
         </p:txBody>
       </p:sp>
-      <p:sp>
-        <p:nvSpPr>
-          <p:cNvPr id="3" name="内容占位符 2"/>
-          <p:cNvSpPr>
-            <a:spLocks noGrp="1"/>
-          </p:cNvSpPr>
-          <p:nvPr>
-            <p:ph idx="1"/>
-          </p:nvPr>
-        </p:nvSpPr>
-        <p:spPr/>
-        <p:txBody>
-          <a:bodyPr/>
-          <a:lstStyle/>
-          <a:p>
-            <a:r>
-              <a:rPr lang="en-US" altLang="zh-CN" dirty="0"/>
-              <a:t>Church numerals </a:t>
-            </a:r>
-          </a:p>
-          <a:p>
-            <a:pPr lvl="1">
-              <a:spcBef>
-                <a:spcPts val="1200"/>
-              </a:spcBef>
-            </a:pPr>
-            <a:r>
-              <a:rPr lang="en-US" altLang="zh-CN" u="sng" dirty="0"/>
-              <a:t>0</a:t>
-            </a:r>
-            <a:r>
-              <a:rPr lang="en-US" altLang="zh-CN" dirty="0"/>
-              <a:t>  </a:t>
-            </a:r>
-            <a:r>
-              <a:rPr lang="en-US" altLang="zh-CN" dirty="0">
-                <a:sym typeface="Symbol" panose="05050102010706020507" pitchFamily="18" charset="2"/>
-              </a:rPr>
-              <a:t>  f. x. x</a:t>
-            </a:r>
-            <a:endParaRPr lang="en-US" altLang="zh-CN" i="1" dirty="0">
-              <a:solidFill>
-                <a:srgbClr val="FF0000"/>
-              </a:solidFill>
-              <a:sym typeface="Symbol" panose="05050102010706020507" pitchFamily="18" charset="2"/>
-            </a:endParaRPr>
-          </a:p>
-          <a:p>
-            <a:pPr lvl="1">
-              <a:spcBef>
-                <a:spcPts val="1200"/>
-              </a:spcBef>
-            </a:pPr>
-            <a:r>
-              <a:rPr lang="en-US" altLang="zh-CN" u="sng" dirty="0">
-                <a:sym typeface="Symbol" panose="05050102010706020507" pitchFamily="18" charset="2"/>
-              </a:rPr>
-              <a:t>1</a:t>
-            </a:r>
-            <a:r>
-              <a:rPr lang="en-US" altLang="zh-CN" dirty="0">
-                <a:sym typeface="Symbol" panose="05050102010706020507" pitchFamily="18" charset="2"/>
-              </a:rPr>
-              <a:t>    f. x. f x</a:t>
-            </a:r>
-          </a:p>
-          <a:p>
-            <a:pPr lvl="1">
-              <a:spcBef>
-                <a:spcPts val="1200"/>
-              </a:spcBef>
-            </a:pPr>
-            <a:r>
-              <a:rPr lang="en-US" altLang="zh-CN" u="sng" dirty="0">
-                <a:sym typeface="Symbol" panose="05050102010706020507" pitchFamily="18" charset="2"/>
-              </a:rPr>
-              <a:t>2</a:t>
-            </a:r>
-            <a:r>
-              <a:rPr lang="en-US" altLang="zh-CN" dirty="0">
-                <a:sym typeface="Symbol" panose="05050102010706020507" pitchFamily="18" charset="2"/>
-              </a:rPr>
-              <a:t>    f. x. f (f x)</a:t>
-            </a:r>
-          </a:p>
-          <a:p>
-            <a:pPr lvl="1">
-              <a:spcBef>
-                <a:spcPts val="1200"/>
-              </a:spcBef>
-            </a:pPr>
-            <a:r>
-              <a:rPr lang="en-US" altLang="zh-CN" u="sng" dirty="0">
-                <a:sym typeface="Symbol" panose="05050102010706020507" pitchFamily="18" charset="2"/>
-              </a:rPr>
-              <a:t>n</a:t>
-            </a:r>
-            <a:r>
-              <a:rPr lang="en-US" altLang="zh-CN" dirty="0">
-                <a:sym typeface="Symbol" panose="05050102010706020507" pitchFamily="18" charset="2"/>
-              </a:rPr>
-              <a:t>    f. x. </a:t>
-            </a:r>
-            <a:r>
-              <a:rPr lang="en-US" altLang="zh-CN" dirty="0" err="1">
-                <a:sym typeface="Symbol" panose="05050102010706020507" pitchFamily="18" charset="2"/>
-              </a:rPr>
-              <a:t>f</a:t>
-            </a:r>
-            <a:r>
-              <a:rPr lang="en-US" altLang="zh-CN" baseline="30000" dirty="0" err="1">
-                <a:sym typeface="Symbol" panose="05050102010706020507" pitchFamily="18" charset="2"/>
-              </a:rPr>
-              <a:t>n</a:t>
-            </a:r>
-            <a:r>
-              <a:rPr lang="en-US" altLang="zh-CN" baseline="30000" dirty="0">
-                <a:sym typeface="Symbol" panose="05050102010706020507" pitchFamily="18" charset="2"/>
-              </a:rPr>
-              <a:t> </a:t>
-            </a:r>
-            <a:r>
-              <a:rPr lang="en-US" altLang="zh-CN" dirty="0">
-                <a:sym typeface="Symbol" panose="05050102010706020507" pitchFamily="18" charset="2"/>
-              </a:rPr>
-              <a:t>x</a:t>
-            </a:r>
-          </a:p>
-          <a:p>
-            <a:pPr lvl="1">
-              <a:spcBef>
-                <a:spcPts val="1200"/>
-              </a:spcBef>
-            </a:pPr>
-            <a:r>
-              <a:rPr lang="en-US" altLang="zh-CN" dirty="0" err="1">
-                <a:sym typeface="Symbol" panose="05050102010706020507" pitchFamily="18" charset="2"/>
-              </a:rPr>
-              <a:t>succ</a:t>
-            </a:r>
-            <a:r>
-              <a:rPr lang="en-US" altLang="zh-CN" dirty="0">
-                <a:sym typeface="Symbol" panose="05050102010706020507" pitchFamily="18" charset="2"/>
-              </a:rPr>
-              <a:t>    n. f. x. f (n f x) </a:t>
-            </a:r>
-            <a:endParaRPr lang="zh-CN" altLang="en-US" dirty="0"/>
-          </a:p>
-        </p:txBody>
-      </p:sp>
+      <mc:AlternateContent xmlns:mc="http://schemas.openxmlformats.org/markup-compatibility/2006">
+        <mc:Choice xmlns:a14="http://schemas.microsoft.com/office/drawing/2010/main" Requires="a14">
+          <p:sp>
+            <p:nvSpPr>
+              <p:cNvPr id="3" name="内容占位符 2"/>
+              <p:cNvSpPr>
+                <a:spLocks noGrp="1"/>
+              </p:cNvSpPr>
+              <p:nvPr>
+                <p:ph idx="1"/>
+              </p:nvPr>
+            </p:nvSpPr>
+            <p:spPr/>
+            <p:txBody>
+              <a:bodyPr/>
+              <a:lstStyle/>
+              <a:p>
+                <a:r>
+                  <a:rPr lang="en-US" altLang="zh-CN" dirty="0"/>
+                  <a:t>Church numerals </a:t>
+                </a:r>
+              </a:p>
+              <a:p>
+                <a:pPr lvl="1">
+                  <a:spcBef>
+                    <a:spcPts val="1200"/>
+                  </a:spcBef>
+                </a:pPr>
+                <a:r>
+                  <a:rPr lang="en-US" altLang="zh-CN" u="sng" dirty="0"/>
+                  <a:t>0</a:t>
+                </a:r>
+                <a:r>
+                  <a:rPr lang="en-US" altLang="zh-CN" dirty="0"/>
+                  <a:t> </a:t>
+                </a:r>
+                <a14:m>
+                  <m:oMath xmlns:m="http://schemas.openxmlformats.org/officeDocument/2006/math">
+                    <m:r>
+                      <a:rPr lang="en-US" altLang="zh-CN" i="1">
+                        <a:latin typeface="Cambria Math" panose="02040503050406030204" pitchFamily="18" charset="0"/>
+                        <a:sym typeface="Symbol" panose="05050102010706020507" pitchFamily="18" charset="2"/>
+                      </a:rPr>
+                      <m:t>≝</m:t>
+                    </m:r>
+                  </m:oMath>
+                </a14:m>
+                <a:r>
+                  <a:rPr lang="en-US" altLang="zh-CN" dirty="0">
+                    <a:sym typeface="Symbol" panose="05050102010706020507" pitchFamily="18" charset="2"/>
+                  </a:rPr>
+                  <a:t>  f. x. x</a:t>
+                </a:r>
+                <a:endParaRPr lang="en-US" altLang="zh-CN" i="1" dirty="0">
+                  <a:solidFill>
+                    <a:srgbClr val="FF0000"/>
+                  </a:solidFill>
+                  <a:sym typeface="Symbol" panose="05050102010706020507" pitchFamily="18" charset="2"/>
+                </a:endParaRPr>
+              </a:p>
+              <a:p>
+                <a:pPr lvl="1">
+                  <a:spcBef>
+                    <a:spcPts val="1200"/>
+                  </a:spcBef>
+                </a:pPr>
+                <a:r>
+                  <a:rPr lang="en-US" altLang="zh-CN" u="sng" dirty="0">
+                    <a:sym typeface="Symbol" panose="05050102010706020507" pitchFamily="18" charset="2"/>
+                  </a:rPr>
+                  <a:t>1</a:t>
+                </a:r>
+                <a:r>
+                  <a:rPr lang="en-US" altLang="zh-CN" dirty="0">
+                    <a:sym typeface="Symbol" panose="05050102010706020507" pitchFamily="18" charset="2"/>
+                  </a:rPr>
+                  <a:t> </a:t>
+                </a:r>
+                <a14:m>
+                  <m:oMath xmlns:m="http://schemas.openxmlformats.org/officeDocument/2006/math">
+                    <m:r>
+                      <a:rPr lang="en-US" altLang="zh-CN" i="1">
+                        <a:latin typeface="Cambria Math" panose="02040503050406030204" pitchFamily="18" charset="0"/>
+                        <a:sym typeface="Symbol" panose="05050102010706020507" pitchFamily="18" charset="2"/>
+                      </a:rPr>
+                      <m:t>≝</m:t>
+                    </m:r>
+                  </m:oMath>
+                </a14:m>
+                <a:r>
+                  <a:rPr lang="en-US" altLang="zh-CN" dirty="0">
+                    <a:sym typeface="Symbol" panose="05050102010706020507" pitchFamily="18" charset="2"/>
+                  </a:rPr>
+                  <a:t>  f. x. f x</a:t>
+                </a:r>
+              </a:p>
+              <a:p>
+                <a:pPr lvl="1">
+                  <a:spcBef>
+                    <a:spcPts val="1200"/>
+                  </a:spcBef>
+                </a:pPr>
+                <a:r>
+                  <a:rPr lang="en-US" altLang="zh-CN" u="sng" dirty="0">
+                    <a:sym typeface="Symbol" panose="05050102010706020507" pitchFamily="18" charset="2"/>
+                  </a:rPr>
+                  <a:t>2</a:t>
+                </a:r>
+                <a:r>
+                  <a:rPr lang="en-US" altLang="zh-CN" dirty="0">
+                    <a:sym typeface="Symbol" panose="05050102010706020507" pitchFamily="18" charset="2"/>
+                  </a:rPr>
+                  <a:t> </a:t>
+                </a:r>
+                <a14:m>
+                  <m:oMath xmlns:m="http://schemas.openxmlformats.org/officeDocument/2006/math">
+                    <m:r>
+                      <a:rPr lang="en-US" altLang="zh-CN" i="1">
+                        <a:latin typeface="Cambria Math" panose="02040503050406030204" pitchFamily="18" charset="0"/>
+                        <a:sym typeface="Symbol" panose="05050102010706020507" pitchFamily="18" charset="2"/>
+                      </a:rPr>
+                      <m:t>≝</m:t>
+                    </m:r>
+                  </m:oMath>
+                </a14:m>
+                <a:r>
+                  <a:rPr lang="en-US" altLang="zh-CN" dirty="0">
+                    <a:sym typeface="Symbol" panose="05050102010706020507" pitchFamily="18" charset="2"/>
+                  </a:rPr>
+                  <a:t>  f. x. f (f x)</a:t>
+                </a:r>
+              </a:p>
+              <a:p>
+                <a:pPr lvl="1">
+                  <a:spcBef>
+                    <a:spcPts val="1200"/>
+                  </a:spcBef>
+                </a:pPr>
+                <a:r>
+                  <a:rPr lang="en-US" altLang="zh-CN" u="sng" dirty="0">
+                    <a:sym typeface="Symbol" panose="05050102010706020507" pitchFamily="18" charset="2"/>
+                  </a:rPr>
+                  <a:t>n</a:t>
+                </a:r>
+                <a:r>
+                  <a:rPr lang="en-US" altLang="zh-CN" dirty="0">
+                    <a:sym typeface="Symbol" panose="05050102010706020507" pitchFamily="18" charset="2"/>
+                  </a:rPr>
+                  <a:t> </a:t>
+                </a:r>
+                <a14:m>
+                  <m:oMath xmlns:m="http://schemas.openxmlformats.org/officeDocument/2006/math">
+                    <m:r>
+                      <a:rPr lang="en-US" altLang="zh-CN" i="1">
+                        <a:latin typeface="Cambria Math" panose="02040503050406030204" pitchFamily="18" charset="0"/>
+                        <a:sym typeface="Symbol" panose="05050102010706020507" pitchFamily="18" charset="2"/>
+                      </a:rPr>
+                      <m:t>≝</m:t>
+                    </m:r>
+                  </m:oMath>
+                </a14:m>
+                <a:r>
+                  <a:rPr lang="en-US" altLang="zh-CN" dirty="0">
+                    <a:sym typeface="Symbol" panose="05050102010706020507" pitchFamily="18" charset="2"/>
+                  </a:rPr>
+                  <a:t>  f. x. </a:t>
+                </a:r>
+                <a:r>
+                  <a:rPr lang="en-US" altLang="zh-CN" dirty="0" err="1">
+                    <a:sym typeface="Symbol" panose="05050102010706020507" pitchFamily="18" charset="2"/>
+                  </a:rPr>
+                  <a:t>f</a:t>
+                </a:r>
+                <a:r>
+                  <a:rPr lang="en-US" altLang="zh-CN" baseline="30000" dirty="0" err="1">
+                    <a:sym typeface="Symbol" panose="05050102010706020507" pitchFamily="18" charset="2"/>
+                  </a:rPr>
+                  <a:t>n</a:t>
+                </a:r>
+                <a:r>
+                  <a:rPr lang="en-US" altLang="zh-CN" baseline="30000" dirty="0">
+                    <a:sym typeface="Symbol" panose="05050102010706020507" pitchFamily="18" charset="2"/>
+                  </a:rPr>
+                  <a:t> </a:t>
+                </a:r>
+                <a:r>
+                  <a:rPr lang="en-US" altLang="zh-CN" dirty="0">
+                    <a:sym typeface="Symbol" panose="05050102010706020507" pitchFamily="18" charset="2"/>
+                  </a:rPr>
+                  <a:t>x</a:t>
+                </a:r>
+              </a:p>
+              <a:p>
+                <a:pPr lvl="1">
+                  <a:spcBef>
+                    <a:spcPts val="1200"/>
+                  </a:spcBef>
+                </a:pPr>
+                <a:r>
+                  <a:rPr lang="en-US" altLang="zh-CN" dirty="0" err="1">
+                    <a:sym typeface="Symbol" panose="05050102010706020507" pitchFamily="18" charset="2"/>
+                  </a:rPr>
+                  <a:t>succ</a:t>
+                </a:r>
+                <a:r>
+                  <a:rPr lang="en-US" altLang="zh-CN" dirty="0">
+                    <a:sym typeface="Symbol" panose="05050102010706020507" pitchFamily="18" charset="2"/>
+                  </a:rPr>
+                  <a:t> </a:t>
+                </a:r>
+                <a14:m>
+                  <m:oMath xmlns:m="http://schemas.openxmlformats.org/officeDocument/2006/math">
+                    <m:r>
+                      <a:rPr lang="en-US" altLang="zh-CN" i="1">
+                        <a:latin typeface="Cambria Math" panose="02040503050406030204" pitchFamily="18" charset="0"/>
+                        <a:sym typeface="Symbol" panose="05050102010706020507" pitchFamily="18" charset="2"/>
+                      </a:rPr>
+                      <m:t>≝</m:t>
+                    </m:r>
+                  </m:oMath>
+                </a14:m>
+                <a:r>
+                  <a:rPr lang="en-US" altLang="zh-CN" dirty="0">
+                    <a:sym typeface="Symbol" panose="05050102010706020507" pitchFamily="18" charset="2"/>
+                  </a:rPr>
+                  <a:t>  n. f. x. f (n f x) </a:t>
+                </a:r>
+                <a:endParaRPr lang="zh-CN" altLang="en-US" dirty="0"/>
+              </a:p>
+            </p:txBody>
+          </p:sp>
+        </mc:Choice>
+        <mc:Fallback>
+          <p:sp>
+            <p:nvSpPr>
+              <p:cNvPr id="3" name="内容占位符 2"/>
+              <p:cNvSpPr>
+                <a:spLocks noGrp="1" noRot="1" noChangeAspect="1" noMove="1" noResize="1" noEditPoints="1" noAdjustHandles="1" noChangeArrowheads="1" noChangeShapeType="1" noTextEdit="1"/>
+              </p:cNvSpPr>
+              <p:nvPr>
+                <p:ph idx="1"/>
+              </p:nvPr>
+            </p:nvSpPr>
+            <p:spPr>
+              <a:blipFill>
+                <a:blip r:embed="rId2"/>
+                <a:stretch>
+                  <a:fillRect l="-1391" t="-2241"/>
+                </a:stretch>
+              </a:blipFill>
+            </p:spPr>
+            <p:txBody>
+              <a:bodyPr/>
+              <a:lstStyle/>
+              <a:p>
+                <a:r>
+                  <a:rPr lang="zh-CN" altLang="en-US">
+                    <a:noFill/>
+                  </a:rPr>
+                  <a:t> </a:t>
+                </a:r>
+              </a:p>
+            </p:txBody>
+          </p:sp>
+        </mc:Fallback>
+      </mc:AlternateContent>
       <p:sp>
         <p:nvSpPr>
           <p:cNvPr id="4" name="圆角矩形标注 3"/>
@@ -35270,175 +36778,308 @@
           </a:p>
         </p:txBody>
       </p:sp>
-      <p:sp>
-        <p:nvSpPr>
-          <p:cNvPr id="3" name="内容占位符 2"/>
-          <p:cNvSpPr>
-            <a:spLocks noGrp="1"/>
-          </p:cNvSpPr>
-          <p:nvPr>
-            <p:ph idx="1"/>
-          </p:nvPr>
-        </p:nvSpPr>
-        <p:spPr/>
-        <p:txBody>
-          <a:bodyPr/>
-          <a:lstStyle/>
-          <a:p>
-            <a:r>
-              <a:rPr lang="en-US" altLang="zh-CN" dirty="0"/>
-              <a:t>Church numerals </a:t>
-            </a:r>
-          </a:p>
-          <a:p>
-            <a:pPr lvl="1">
-              <a:spcBef>
-                <a:spcPts val="1200"/>
-              </a:spcBef>
-            </a:pPr>
-            <a:r>
-              <a:rPr lang="en-US" altLang="zh-CN" u="sng" dirty="0"/>
-              <a:t>0</a:t>
-            </a:r>
-            <a:r>
-              <a:rPr lang="en-US" altLang="zh-CN" dirty="0"/>
-              <a:t>  </a:t>
-            </a:r>
-            <a:r>
-              <a:rPr lang="en-US" altLang="zh-CN" dirty="0">
-                <a:sym typeface="Symbol" panose="05050102010706020507" pitchFamily="18" charset="2"/>
-              </a:rPr>
-              <a:t>  f. x. x</a:t>
-            </a:r>
-            <a:endParaRPr lang="en-US" altLang="zh-CN" i="1" dirty="0">
-              <a:solidFill>
-                <a:srgbClr val="FF0000"/>
-              </a:solidFill>
-              <a:sym typeface="Symbol" panose="05050102010706020507" pitchFamily="18" charset="2"/>
-            </a:endParaRPr>
-          </a:p>
-          <a:p>
-            <a:pPr lvl="1">
-              <a:spcBef>
-                <a:spcPts val="1200"/>
-              </a:spcBef>
-            </a:pPr>
-            <a:r>
-              <a:rPr lang="en-US" altLang="zh-CN" u="sng" dirty="0">
-                <a:sym typeface="Symbol" panose="05050102010706020507" pitchFamily="18" charset="2"/>
-              </a:rPr>
-              <a:t>1</a:t>
-            </a:r>
-            <a:r>
-              <a:rPr lang="en-US" altLang="zh-CN" dirty="0">
-                <a:sym typeface="Symbol" panose="05050102010706020507" pitchFamily="18" charset="2"/>
-              </a:rPr>
-              <a:t>    f. x. f x</a:t>
-            </a:r>
-          </a:p>
-          <a:p>
-            <a:pPr lvl="1">
-              <a:spcBef>
-                <a:spcPts val="1200"/>
-              </a:spcBef>
-            </a:pPr>
-            <a:r>
-              <a:rPr lang="en-US" altLang="zh-CN" u="sng" dirty="0">
-                <a:sym typeface="Symbol" panose="05050102010706020507" pitchFamily="18" charset="2"/>
-              </a:rPr>
-              <a:t>2</a:t>
-            </a:r>
-            <a:r>
-              <a:rPr lang="en-US" altLang="zh-CN" dirty="0">
-                <a:sym typeface="Symbol" panose="05050102010706020507" pitchFamily="18" charset="2"/>
-              </a:rPr>
-              <a:t>    f. x. f (f x)</a:t>
-            </a:r>
-          </a:p>
-          <a:p>
-            <a:pPr lvl="1">
-              <a:spcBef>
-                <a:spcPts val="1200"/>
-              </a:spcBef>
-            </a:pPr>
-            <a:r>
-              <a:rPr lang="en-US" altLang="zh-CN" u="sng" dirty="0">
-                <a:sym typeface="Symbol" panose="05050102010706020507" pitchFamily="18" charset="2"/>
-              </a:rPr>
-              <a:t>n</a:t>
-            </a:r>
-            <a:r>
-              <a:rPr lang="en-US" altLang="zh-CN" dirty="0">
-                <a:sym typeface="Symbol" panose="05050102010706020507" pitchFamily="18" charset="2"/>
-              </a:rPr>
-              <a:t>    f. x. </a:t>
-            </a:r>
-            <a:r>
-              <a:rPr lang="en-US" altLang="zh-CN" dirty="0" err="1">
-                <a:sym typeface="Symbol" panose="05050102010706020507" pitchFamily="18" charset="2"/>
-              </a:rPr>
-              <a:t>f</a:t>
-            </a:r>
-            <a:r>
-              <a:rPr lang="en-US" altLang="zh-CN" baseline="30000" dirty="0" err="1">
-                <a:sym typeface="Symbol" panose="05050102010706020507" pitchFamily="18" charset="2"/>
-              </a:rPr>
-              <a:t>n</a:t>
-            </a:r>
-            <a:r>
-              <a:rPr lang="en-US" altLang="zh-CN" baseline="30000" dirty="0">
-                <a:sym typeface="Symbol" panose="05050102010706020507" pitchFamily="18" charset="2"/>
-              </a:rPr>
-              <a:t> </a:t>
-            </a:r>
-            <a:r>
-              <a:rPr lang="en-US" altLang="zh-CN" dirty="0">
-                <a:sym typeface="Symbol" panose="05050102010706020507" pitchFamily="18" charset="2"/>
-              </a:rPr>
-              <a:t>x</a:t>
-            </a:r>
-          </a:p>
-          <a:p>
-            <a:pPr lvl="1">
-              <a:spcBef>
-                <a:spcPts val="1200"/>
-              </a:spcBef>
-            </a:pPr>
-            <a:r>
-              <a:rPr lang="en-US" altLang="zh-CN" dirty="0" err="1">
-                <a:sym typeface="Symbol" panose="05050102010706020507" pitchFamily="18" charset="2"/>
-              </a:rPr>
-              <a:t>succ</a:t>
-            </a:r>
-            <a:r>
-              <a:rPr lang="en-US" altLang="zh-CN" dirty="0">
-                <a:sym typeface="Symbol" panose="05050102010706020507" pitchFamily="18" charset="2"/>
-              </a:rPr>
-              <a:t>    n. f. x. f (n f x) </a:t>
-            </a:r>
-          </a:p>
-          <a:p>
-            <a:pPr lvl="1">
-              <a:spcBef>
-                <a:spcPts val="1200"/>
-              </a:spcBef>
-            </a:pPr>
-            <a:r>
-              <a:rPr lang="en-US" altLang="zh-CN" dirty="0" err="1">
-                <a:sym typeface="Symbol" panose="05050102010706020507" pitchFamily="18" charset="2"/>
-              </a:rPr>
-              <a:t>succ</a:t>
-            </a:r>
-            <a:r>
-              <a:rPr lang="en-US" altLang="zh-CN" dirty="0">
-                <a:sym typeface="Symbol" panose="05050102010706020507" pitchFamily="18" charset="2"/>
-              </a:rPr>
-              <a:t>’   n. f. x. n f (f x)</a:t>
-            </a:r>
-            <a:endParaRPr lang="zh-CN" altLang="en-US" dirty="0"/>
-          </a:p>
-        </p:txBody>
-      </p:sp>
+      <mc:AlternateContent xmlns:mc="http://schemas.openxmlformats.org/markup-compatibility/2006">
+        <mc:Choice xmlns:a14="http://schemas.microsoft.com/office/drawing/2010/main" Requires="a14">
+          <p:sp>
+            <p:nvSpPr>
+              <p:cNvPr id="3" name="内容占位符 2"/>
+              <p:cNvSpPr>
+                <a:spLocks noGrp="1"/>
+              </p:cNvSpPr>
+              <p:nvPr>
+                <p:ph idx="1"/>
+              </p:nvPr>
+            </p:nvSpPr>
+            <p:spPr/>
+            <p:txBody>
+              <a:bodyPr/>
+              <a:lstStyle/>
+              <a:p>
+                <a:r>
+                  <a:rPr lang="en-US" altLang="zh-CN" dirty="0"/>
+                  <a:t>Church numerals </a:t>
+                </a:r>
+              </a:p>
+              <a:p>
+                <a:pPr lvl="1">
+                  <a:spcBef>
+                    <a:spcPts val="1200"/>
+                  </a:spcBef>
+                </a:pPr>
+                <a:r>
+                  <a:rPr lang="en-US" altLang="zh-CN" u="sng" dirty="0"/>
+                  <a:t>0</a:t>
+                </a:r>
+                <a:r>
+                  <a:rPr lang="en-US" altLang="zh-CN" dirty="0"/>
+                  <a:t> </a:t>
+                </a:r>
+                <a14:m>
+                  <m:oMath xmlns:m="http://schemas.openxmlformats.org/officeDocument/2006/math">
+                    <m:r>
+                      <a:rPr lang="en-US" altLang="zh-CN" i="1">
+                        <a:latin typeface="Cambria Math" panose="02040503050406030204" pitchFamily="18" charset="0"/>
+                        <a:sym typeface="Symbol" panose="05050102010706020507" pitchFamily="18" charset="2"/>
+                      </a:rPr>
+                      <m:t>≝</m:t>
+                    </m:r>
+                  </m:oMath>
+                </a14:m>
+                <a:r>
+                  <a:rPr lang="en-US" altLang="zh-CN" dirty="0">
+                    <a:sym typeface="Symbol" panose="05050102010706020507" pitchFamily="18" charset="2"/>
+                  </a:rPr>
+                  <a:t>  f. x. x</a:t>
+                </a:r>
+                <a:endParaRPr lang="en-US" altLang="zh-CN" i="1" dirty="0">
+                  <a:solidFill>
+                    <a:srgbClr val="FF0000"/>
+                  </a:solidFill>
+                  <a:sym typeface="Symbol" panose="05050102010706020507" pitchFamily="18" charset="2"/>
+                </a:endParaRPr>
+              </a:p>
+              <a:p>
+                <a:pPr lvl="1">
+                  <a:spcBef>
+                    <a:spcPts val="1200"/>
+                  </a:spcBef>
+                </a:pPr>
+                <a:r>
+                  <a:rPr lang="en-US" altLang="zh-CN" u="sng" dirty="0">
+                    <a:sym typeface="Symbol" panose="05050102010706020507" pitchFamily="18" charset="2"/>
+                  </a:rPr>
+                  <a:t>1</a:t>
+                </a:r>
+                <a:r>
+                  <a:rPr lang="en-US" altLang="zh-CN" dirty="0">
+                    <a:sym typeface="Symbol" panose="05050102010706020507" pitchFamily="18" charset="2"/>
+                  </a:rPr>
+                  <a:t> </a:t>
+                </a:r>
+                <a14:m>
+                  <m:oMath xmlns:m="http://schemas.openxmlformats.org/officeDocument/2006/math">
+                    <m:r>
+                      <a:rPr lang="en-US" altLang="zh-CN" i="1">
+                        <a:latin typeface="Cambria Math" panose="02040503050406030204" pitchFamily="18" charset="0"/>
+                        <a:sym typeface="Symbol" panose="05050102010706020507" pitchFamily="18" charset="2"/>
+                      </a:rPr>
+                      <m:t>≝</m:t>
+                    </m:r>
+                  </m:oMath>
+                </a14:m>
+                <a:r>
+                  <a:rPr lang="en-US" altLang="zh-CN" dirty="0">
+                    <a:sym typeface="Symbol" panose="05050102010706020507" pitchFamily="18" charset="2"/>
+                  </a:rPr>
+                  <a:t>  f. x. f x</a:t>
+                </a:r>
+              </a:p>
+              <a:p>
+                <a:pPr lvl="1">
+                  <a:spcBef>
+                    <a:spcPts val="1200"/>
+                  </a:spcBef>
+                </a:pPr>
+                <a:r>
+                  <a:rPr lang="en-US" altLang="zh-CN" u="sng" dirty="0">
+                    <a:sym typeface="Symbol" panose="05050102010706020507" pitchFamily="18" charset="2"/>
+                  </a:rPr>
+                  <a:t>2</a:t>
+                </a:r>
+                <a:r>
+                  <a:rPr lang="en-US" altLang="zh-CN" dirty="0">
+                    <a:sym typeface="Symbol" panose="05050102010706020507" pitchFamily="18" charset="2"/>
+                  </a:rPr>
+                  <a:t> </a:t>
+                </a:r>
+                <a14:m>
+                  <m:oMath xmlns:m="http://schemas.openxmlformats.org/officeDocument/2006/math">
+                    <m:r>
+                      <a:rPr lang="en-US" altLang="zh-CN" i="1">
+                        <a:latin typeface="Cambria Math" panose="02040503050406030204" pitchFamily="18" charset="0"/>
+                        <a:sym typeface="Symbol" panose="05050102010706020507" pitchFamily="18" charset="2"/>
+                      </a:rPr>
+                      <m:t>≝</m:t>
+                    </m:r>
+                  </m:oMath>
+                </a14:m>
+                <a:r>
+                  <a:rPr lang="en-US" altLang="zh-CN" dirty="0">
+                    <a:sym typeface="Symbol" panose="05050102010706020507" pitchFamily="18" charset="2"/>
+                  </a:rPr>
+                  <a:t>  f. x. f (f x)</a:t>
+                </a:r>
+              </a:p>
+              <a:p>
+                <a:pPr lvl="1">
+                  <a:spcBef>
+                    <a:spcPts val="1200"/>
+                  </a:spcBef>
+                </a:pPr>
+                <a:r>
+                  <a:rPr lang="en-US" altLang="zh-CN" u="sng" dirty="0">
+                    <a:sym typeface="Symbol" panose="05050102010706020507" pitchFamily="18" charset="2"/>
+                  </a:rPr>
+                  <a:t>n</a:t>
+                </a:r>
+                <a:r>
+                  <a:rPr lang="en-US" altLang="zh-CN" dirty="0">
+                    <a:sym typeface="Symbol" panose="05050102010706020507" pitchFamily="18" charset="2"/>
+                  </a:rPr>
+                  <a:t> </a:t>
+                </a:r>
+                <a14:m>
+                  <m:oMath xmlns:m="http://schemas.openxmlformats.org/officeDocument/2006/math">
+                    <m:r>
+                      <a:rPr lang="en-US" altLang="zh-CN" i="1">
+                        <a:latin typeface="Cambria Math" panose="02040503050406030204" pitchFamily="18" charset="0"/>
+                        <a:sym typeface="Symbol" panose="05050102010706020507" pitchFamily="18" charset="2"/>
+                      </a:rPr>
+                      <m:t>≝</m:t>
+                    </m:r>
+                  </m:oMath>
+                </a14:m>
+                <a:r>
+                  <a:rPr lang="en-US" altLang="zh-CN" dirty="0">
+                    <a:sym typeface="Symbol" panose="05050102010706020507" pitchFamily="18" charset="2"/>
+                  </a:rPr>
+                  <a:t>  f. x. </a:t>
+                </a:r>
+                <a:r>
+                  <a:rPr lang="en-US" altLang="zh-CN" dirty="0" err="1">
+                    <a:sym typeface="Symbol" panose="05050102010706020507" pitchFamily="18" charset="2"/>
+                  </a:rPr>
+                  <a:t>f</a:t>
+                </a:r>
+                <a:r>
+                  <a:rPr lang="en-US" altLang="zh-CN" baseline="30000" dirty="0" err="1">
+                    <a:sym typeface="Symbol" panose="05050102010706020507" pitchFamily="18" charset="2"/>
+                  </a:rPr>
+                  <a:t>n</a:t>
+                </a:r>
+                <a:r>
+                  <a:rPr lang="en-US" altLang="zh-CN" baseline="30000" dirty="0">
+                    <a:sym typeface="Symbol" panose="05050102010706020507" pitchFamily="18" charset="2"/>
+                  </a:rPr>
+                  <a:t> </a:t>
+                </a:r>
+                <a:r>
+                  <a:rPr lang="en-US" altLang="zh-CN" dirty="0">
+                    <a:sym typeface="Symbol" panose="05050102010706020507" pitchFamily="18" charset="2"/>
+                  </a:rPr>
+                  <a:t>x</a:t>
+                </a:r>
+              </a:p>
+              <a:p>
+                <a:pPr lvl="1">
+                  <a:spcBef>
+                    <a:spcPts val="1200"/>
+                  </a:spcBef>
+                </a:pPr>
+                <a:r>
+                  <a:rPr lang="en-US" altLang="zh-CN" dirty="0" err="1">
+                    <a:sym typeface="Symbol" panose="05050102010706020507" pitchFamily="18" charset="2"/>
+                  </a:rPr>
+                  <a:t>succ</a:t>
+                </a:r>
+                <a:r>
+                  <a:rPr lang="en-US" altLang="zh-CN" dirty="0">
+                    <a:sym typeface="Symbol" panose="05050102010706020507" pitchFamily="18" charset="2"/>
+                  </a:rPr>
+                  <a:t> </a:t>
+                </a:r>
+                <a14:m>
+                  <m:oMath xmlns:m="http://schemas.openxmlformats.org/officeDocument/2006/math">
+                    <m:r>
+                      <a:rPr lang="en-US" altLang="zh-CN" i="1">
+                        <a:latin typeface="Cambria Math" panose="02040503050406030204" pitchFamily="18" charset="0"/>
+                        <a:sym typeface="Symbol" panose="05050102010706020507" pitchFamily="18" charset="2"/>
+                      </a:rPr>
+                      <m:t>≝</m:t>
+                    </m:r>
+                  </m:oMath>
+                </a14:m>
+                <a:r>
+                  <a:rPr lang="en-US" altLang="zh-CN" dirty="0">
+                    <a:sym typeface="Symbol" panose="05050102010706020507" pitchFamily="18" charset="2"/>
+                  </a:rPr>
+                  <a:t>  n. f. x. f (n f x) </a:t>
+                </a:r>
+              </a:p>
+              <a:p>
+                <a:pPr lvl="1">
+                  <a:spcBef>
+                    <a:spcPts val="1200"/>
+                  </a:spcBef>
+                </a:pPr>
+                <a:r>
+                  <a:rPr lang="en-US" altLang="zh-CN" dirty="0" err="1">
+                    <a:sym typeface="Symbol" panose="05050102010706020507" pitchFamily="18" charset="2"/>
+                  </a:rPr>
+                  <a:t>succ</a:t>
+                </a:r>
+                <a:r>
+                  <a:rPr lang="en-US" altLang="zh-CN" dirty="0">
+                    <a:sym typeface="Symbol" panose="05050102010706020507" pitchFamily="18" charset="2"/>
+                  </a:rPr>
+                  <a:t>’ </a:t>
+                </a:r>
+                <a14:m>
+                  <m:oMath xmlns:m="http://schemas.openxmlformats.org/officeDocument/2006/math">
+                    <m:r>
+                      <a:rPr lang="en-US" altLang="zh-CN" i="1">
+                        <a:latin typeface="Cambria Math" panose="02040503050406030204" pitchFamily="18" charset="0"/>
+                        <a:sym typeface="Symbol" panose="05050102010706020507" pitchFamily="18" charset="2"/>
+                      </a:rPr>
+                      <m:t>≝</m:t>
+                    </m:r>
+                  </m:oMath>
+                </a14:m>
+                <a:r>
+                  <a:rPr lang="en-US" altLang="zh-CN" dirty="0">
+                    <a:sym typeface="Symbol" panose="05050102010706020507" pitchFamily="18" charset="2"/>
+                  </a:rPr>
+                  <a:t>  n. f. x. n f (f x)</a:t>
+                </a:r>
+                <a:endParaRPr lang="zh-CN" altLang="en-US" dirty="0"/>
+              </a:p>
+            </p:txBody>
+          </p:sp>
+        </mc:Choice>
+        <mc:Fallback>
+          <p:sp>
+            <p:nvSpPr>
+              <p:cNvPr id="3" name="内容占位符 2"/>
+              <p:cNvSpPr>
+                <a:spLocks noGrp="1" noRot="1" noChangeAspect="1" noMove="1" noResize="1" noEditPoints="1" noAdjustHandles="1" noChangeArrowheads="1" noChangeShapeType="1" noTextEdit="1"/>
+              </p:cNvSpPr>
+              <p:nvPr>
+                <p:ph idx="1"/>
+              </p:nvPr>
+            </p:nvSpPr>
+            <p:spPr>
+              <a:blipFill>
+                <a:blip r:embed="rId2"/>
+                <a:stretch>
+                  <a:fillRect l="-1391" t="-2241"/>
+                </a:stretch>
+              </a:blipFill>
+            </p:spPr>
+            <p:txBody>
+              <a:bodyPr/>
+              <a:lstStyle/>
+              <a:p>
+                <a:r>
+                  <a:rPr lang="zh-CN" altLang="en-US">
+                    <a:noFill/>
+                  </a:rPr>
+                  <a:t> </a:t>
+                </a:r>
+              </a:p>
+            </p:txBody>
+          </p:sp>
+        </mc:Fallback>
+      </mc:AlternateContent>
       <p:sp>
         <p:nvSpPr>
           <p:cNvPr id="5" name="圆角矩形标注 4"/>
@@ -35605,180 +37246,311 @@
           </a:p>
         </p:txBody>
       </p:sp>
-      <p:sp>
-        <p:nvSpPr>
-          <p:cNvPr id="3" name="内容占位符 2"/>
-          <p:cNvSpPr>
-            <a:spLocks noGrp="1"/>
-          </p:cNvSpPr>
-          <p:nvPr>
-            <p:ph idx="1"/>
-          </p:nvPr>
-        </p:nvSpPr>
-        <p:spPr>
-          <a:xfrm>
-            <a:off x="628650" y="1825624"/>
-            <a:ext cx="7886700" cy="4351338"/>
-          </a:xfrm>
-        </p:spPr>
-        <p:txBody>
-          <a:bodyPr/>
-          <a:lstStyle/>
-          <a:p>
-            <a:r>
-              <a:rPr lang="en-US" altLang="zh-CN" dirty="0"/>
-              <a:t>Church numerals </a:t>
-            </a:r>
-          </a:p>
-          <a:p>
-            <a:pPr lvl="1">
-              <a:spcBef>
-                <a:spcPts val="1200"/>
-              </a:spcBef>
-            </a:pPr>
-            <a:r>
-              <a:rPr lang="en-US" altLang="zh-CN" u="sng" dirty="0"/>
-              <a:t>0</a:t>
-            </a:r>
-            <a:r>
-              <a:rPr lang="en-US" altLang="zh-CN" dirty="0"/>
-              <a:t>  </a:t>
-            </a:r>
-            <a:r>
-              <a:rPr lang="en-US" altLang="zh-CN" dirty="0">
-                <a:sym typeface="Symbol" panose="05050102010706020507" pitchFamily="18" charset="2"/>
-              </a:rPr>
-              <a:t>  f. x. x</a:t>
-            </a:r>
-            <a:endParaRPr lang="en-US" altLang="zh-CN" i="1" dirty="0">
-              <a:solidFill>
-                <a:srgbClr val="FF0000"/>
-              </a:solidFill>
-              <a:sym typeface="Symbol" panose="05050102010706020507" pitchFamily="18" charset="2"/>
-            </a:endParaRPr>
-          </a:p>
-          <a:p>
-            <a:pPr lvl="1">
-              <a:spcBef>
-                <a:spcPts val="1200"/>
-              </a:spcBef>
-            </a:pPr>
-            <a:r>
-              <a:rPr lang="en-US" altLang="zh-CN" u="sng" dirty="0">
-                <a:sym typeface="Symbol" panose="05050102010706020507" pitchFamily="18" charset="2"/>
-              </a:rPr>
-              <a:t>1</a:t>
-            </a:r>
-            <a:r>
-              <a:rPr lang="en-US" altLang="zh-CN" dirty="0">
-                <a:sym typeface="Symbol" panose="05050102010706020507" pitchFamily="18" charset="2"/>
-              </a:rPr>
-              <a:t>    f. x. f x</a:t>
-            </a:r>
-          </a:p>
-          <a:p>
-            <a:pPr lvl="1">
-              <a:spcBef>
-                <a:spcPts val="1200"/>
-              </a:spcBef>
-            </a:pPr>
-            <a:r>
-              <a:rPr lang="en-US" altLang="zh-CN" u="sng" dirty="0">
-                <a:sym typeface="Symbol" panose="05050102010706020507" pitchFamily="18" charset="2"/>
-              </a:rPr>
-              <a:t>2</a:t>
-            </a:r>
-            <a:r>
-              <a:rPr lang="en-US" altLang="zh-CN" dirty="0">
-                <a:sym typeface="Symbol" panose="05050102010706020507" pitchFamily="18" charset="2"/>
-              </a:rPr>
-              <a:t>    f. x. f (f x)</a:t>
-            </a:r>
-          </a:p>
-          <a:p>
-            <a:pPr lvl="1">
-              <a:spcBef>
-                <a:spcPts val="1200"/>
-              </a:spcBef>
-            </a:pPr>
-            <a:r>
-              <a:rPr lang="en-US" altLang="zh-CN" u="sng" dirty="0">
-                <a:sym typeface="Symbol" panose="05050102010706020507" pitchFamily="18" charset="2"/>
-              </a:rPr>
-              <a:t>n</a:t>
-            </a:r>
-            <a:r>
-              <a:rPr lang="en-US" altLang="zh-CN" dirty="0">
-                <a:sym typeface="Symbol" panose="05050102010706020507" pitchFamily="18" charset="2"/>
-              </a:rPr>
-              <a:t>    f. x. </a:t>
-            </a:r>
-            <a:r>
-              <a:rPr lang="en-US" altLang="zh-CN" dirty="0" err="1">
-                <a:sym typeface="Symbol" panose="05050102010706020507" pitchFamily="18" charset="2"/>
-              </a:rPr>
-              <a:t>f</a:t>
-            </a:r>
-            <a:r>
-              <a:rPr lang="en-US" altLang="zh-CN" baseline="30000" dirty="0" err="1">
-                <a:sym typeface="Symbol" panose="05050102010706020507" pitchFamily="18" charset="2"/>
-              </a:rPr>
-              <a:t>n</a:t>
-            </a:r>
-            <a:r>
-              <a:rPr lang="en-US" altLang="zh-CN" baseline="30000" dirty="0">
-                <a:sym typeface="Symbol" panose="05050102010706020507" pitchFamily="18" charset="2"/>
-              </a:rPr>
-              <a:t> </a:t>
-            </a:r>
-            <a:r>
-              <a:rPr lang="en-US" altLang="zh-CN" dirty="0">
-                <a:sym typeface="Symbol" panose="05050102010706020507" pitchFamily="18" charset="2"/>
-              </a:rPr>
-              <a:t>x</a:t>
-            </a:r>
-          </a:p>
-          <a:p>
-            <a:pPr lvl="1">
-              <a:spcBef>
-                <a:spcPts val="1200"/>
-              </a:spcBef>
-            </a:pPr>
-            <a:r>
-              <a:rPr lang="en-US" altLang="zh-CN" dirty="0" err="1">
-                <a:sym typeface="Symbol" panose="05050102010706020507" pitchFamily="18" charset="2"/>
-              </a:rPr>
-              <a:t>succ</a:t>
-            </a:r>
-            <a:r>
-              <a:rPr lang="en-US" altLang="zh-CN" dirty="0">
-                <a:sym typeface="Symbol" panose="05050102010706020507" pitchFamily="18" charset="2"/>
-              </a:rPr>
-              <a:t>    n. f. x. f (n f x) </a:t>
-            </a:r>
-          </a:p>
-          <a:p>
-            <a:pPr lvl="1">
-              <a:spcBef>
-                <a:spcPts val="1200"/>
-              </a:spcBef>
-            </a:pPr>
-            <a:r>
-              <a:rPr lang="en-US" altLang="zh-CN" dirty="0" err="1">
-                <a:sym typeface="Symbol" panose="05050102010706020507" pitchFamily="18" charset="2"/>
-              </a:rPr>
-              <a:t>iszero</a:t>
-            </a:r>
-            <a:r>
-              <a:rPr lang="en-US" altLang="zh-CN" dirty="0">
-                <a:sym typeface="Symbol" panose="05050102010706020507" pitchFamily="18" charset="2"/>
-              </a:rPr>
-              <a:t> </a:t>
-            </a:r>
-            <a:endParaRPr lang="zh-CN" altLang="en-US" dirty="0"/>
-          </a:p>
-        </p:txBody>
-      </p:sp>
+      <mc:AlternateContent xmlns:mc="http://schemas.openxmlformats.org/markup-compatibility/2006">
+        <mc:Choice xmlns:a14="http://schemas.microsoft.com/office/drawing/2010/main" Requires="a14">
+          <p:sp>
+            <p:nvSpPr>
+              <p:cNvPr id="3" name="内容占位符 2"/>
+              <p:cNvSpPr>
+                <a:spLocks noGrp="1"/>
+              </p:cNvSpPr>
+              <p:nvPr>
+                <p:ph idx="1"/>
+              </p:nvPr>
+            </p:nvSpPr>
+            <p:spPr>
+              <a:xfrm>
+                <a:off x="628650" y="1825624"/>
+                <a:ext cx="7886700" cy="4351338"/>
+              </a:xfrm>
+            </p:spPr>
+            <p:txBody>
+              <a:bodyPr/>
+              <a:lstStyle/>
+              <a:p>
+                <a:r>
+                  <a:rPr lang="en-US" altLang="zh-CN" dirty="0"/>
+                  <a:t>Church numerals </a:t>
+                </a:r>
+              </a:p>
+              <a:p>
+                <a:pPr lvl="1">
+                  <a:spcBef>
+                    <a:spcPts val="1200"/>
+                  </a:spcBef>
+                </a:pPr>
+                <a:r>
+                  <a:rPr lang="en-US" altLang="zh-CN" u="sng" dirty="0"/>
+                  <a:t>0</a:t>
+                </a:r>
+                <a:r>
+                  <a:rPr lang="en-US" altLang="zh-CN" dirty="0"/>
+                  <a:t> </a:t>
+                </a:r>
+                <a14:m>
+                  <m:oMath xmlns:m="http://schemas.openxmlformats.org/officeDocument/2006/math">
+                    <m:r>
+                      <a:rPr lang="en-US" altLang="zh-CN" i="1">
+                        <a:latin typeface="Cambria Math" panose="02040503050406030204" pitchFamily="18" charset="0"/>
+                        <a:sym typeface="Symbol" panose="05050102010706020507" pitchFamily="18" charset="2"/>
+                      </a:rPr>
+                      <m:t>≝</m:t>
+                    </m:r>
+                  </m:oMath>
+                </a14:m>
+                <a:r>
+                  <a:rPr lang="en-US" altLang="zh-CN" dirty="0">
+                    <a:sym typeface="Symbol" panose="05050102010706020507" pitchFamily="18" charset="2"/>
+                  </a:rPr>
+                  <a:t>  f. x. x</a:t>
+                </a:r>
+                <a:endParaRPr lang="en-US" altLang="zh-CN" i="1" dirty="0">
+                  <a:solidFill>
+                    <a:srgbClr val="FF0000"/>
+                  </a:solidFill>
+                  <a:sym typeface="Symbol" panose="05050102010706020507" pitchFamily="18" charset="2"/>
+                </a:endParaRPr>
+              </a:p>
+              <a:p>
+                <a:pPr lvl="1">
+                  <a:spcBef>
+                    <a:spcPts val="1200"/>
+                  </a:spcBef>
+                </a:pPr>
+                <a:r>
+                  <a:rPr lang="en-US" altLang="zh-CN" u="sng" dirty="0">
+                    <a:sym typeface="Symbol" panose="05050102010706020507" pitchFamily="18" charset="2"/>
+                  </a:rPr>
+                  <a:t>1</a:t>
+                </a:r>
+                <a:r>
+                  <a:rPr lang="en-US" altLang="zh-CN" dirty="0">
+                    <a:sym typeface="Symbol" panose="05050102010706020507" pitchFamily="18" charset="2"/>
+                  </a:rPr>
+                  <a:t> </a:t>
+                </a:r>
+                <a14:m>
+                  <m:oMath xmlns:m="http://schemas.openxmlformats.org/officeDocument/2006/math">
+                    <m:r>
+                      <a:rPr lang="en-US" altLang="zh-CN" i="1">
+                        <a:latin typeface="Cambria Math" panose="02040503050406030204" pitchFamily="18" charset="0"/>
+                        <a:sym typeface="Symbol" panose="05050102010706020507" pitchFamily="18" charset="2"/>
+                      </a:rPr>
+                      <m:t>≝</m:t>
+                    </m:r>
+                  </m:oMath>
+                </a14:m>
+                <a:r>
+                  <a:rPr lang="en-US" altLang="zh-CN" dirty="0">
+                    <a:sym typeface="Symbol" panose="05050102010706020507" pitchFamily="18" charset="2"/>
+                  </a:rPr>
+                  <a:t>  f. x. f x</a:t>
+                </a:r>
+              </a:p>
+              <a:p>
+                <a:pPr lvl="1">
+                  <a:spcBef>
+                    <a:spcPts val="1200"/>
+                  </a:spcBef>
+                </a:pPr>
+                <a:r>
+                  <a:rPr lang="en-US" altLang="zh-CN" u="sng" dirty="0">
+                    <a:sym typeface="Symbol" panose="05050102010706020507" pitchFamily="18" charset="2"/>
+                  </a:rPr>
+                  <a:t>2</a:t>
+                </a:r>
+                <a:r>
+                  <a:rPr lang="en-US" altLang="zh-CN" dirty="0">
+                    <a:sym typeface="Symbol" panose="05050102010706020507" pitchFamily="18" charset="2"/>
+                  </a:rPr>
+                  <a:t> </a:t>
+                </a:r>
+                <a14:m>
+                  <m:oMath xmlns:m="http://schemas.openxmlformats.org/officeDocument/2006/math">
+                    <m:r>
+                      <a:rPr lang="en-US" altLang="zh-CN" i="1">
+                        <a:latin typeface="Cambria Math" panose="02040503050406030204" pitchFamily="18" charset="0"/>
+                        <a:sym typeface="Symbol" panose="05050102010706020507" pitchFamily="18" charset="2"/>
+                      </a:rPr>
+                      <m:t>≝</m:t>
+                    </m:r>
+                  </m:oMath>
+                </a14:m>
+                <a:r>
+                  <a:rPr lang="en-US" altLang="zh-CN" dirty="0">
+                    <a:sym typeface="Symbol" panose="05050102010706020507" pitchFamily="18" charset="2"/>
+                  </a:rPr>
+                  <a:t>  f. x. f (f x)</a:t>
+                </a:r>
+              </a:p>
+              <a:p>
+                <a:pPr lvl="1">
+                  <a:spcBef>
+                    <a:spcPts val="1200"/>
+                  </a:spcBef>
+                </a:pPr>
+                <a:r>
+                  <a:rPr lang="en-US" altLang="zh-CN" u="sng" dirty="0">
+                    <a:sym typeface="Symbol" panose="05050102010706020507" pitchFamily="18" charset="2"/>
+                  </a:rPr>
+                  <a:t>n</a:t>
+                </a:r>
+                <a:r>
+                  <a:rPr lang="en-US" altLang="zh-CN" dirty="0">
+                    <a:sym typeface="Symbol" panose="05050102010706020507" pitchFamily="18" charset="2"/>
+                  </a:rPr>
+                  <a:t> </a:t>
+                </a:r>
+                <a14:m>
+                  <m:oMath xmlns:m="http://schemas.openxmlformats.org/officeDocument/2006/math">
+                    <m:r>
+                      <a:rPr lang="en-US" altLang="zh-CN" i="1">
+                        <a:latin typeface="Cambria Math" panose="02040503050406030204" pitchFamily="18" charset="0"/>
+                        <a:sym typeface="Symbol" panose="05050102010706020507" pitchFamily="18" charset="2"/>
+                      </a:rPr>
+                      <m:t>≝</m:t>
+                    </m:r>
+                  </m:oMath>
+                </a14:m>
+                <a:r>
+                  <a:rPr lang="en-US" altLang="zh-CN" dirty="0">
+                    <a:sym typeface="Symbol" panose="05050102010706020507" pitchFamily="18" charset="2"/>
+                  </a:rPr>
+                  <a:t>  f. x. </a:t>
+                </a:r>
+                <a:r>
+                  <a:rPr lang="en-US" altLang="zh-CN" dirty="0" err="1">
+                    <a:sym typeface="Symbol" panose="05050102010706020507" pitchFamily="18" charset="2"/>
+                  </a:rPr>
+                  <a:t>f</a:t>
+                </a:r>
+                <a:r>
+                  <a:rPr lang="en-US" altLang="zh-CN" baseline="30000" dirty="0" err="1">
+                    <a:sym typeface="Symbol" panose="05050102010706020507" pitchFamily="18" charset="2"/>
+                  </a:rPr>
+                  <a:t>n</a:t>
+                </a:r>
+                <a:r>
+                  <a:rPr lang="en-US" altLang="zh-CN" baseline="30000" dirty="0">
+                    <a:sym typeface="Symbol" panose="05050102010706020507" pitchFamily="18" charset="2"/>
+                  </a:rPr>
+                  <a:t> </a:t>
+                </a:r>
+                <a:r>
+                  <a:rPr lang="en-US" altLang="zh-CN" dirty="0">
+                    <a:sym typeface="Symbol" panose="05050102010706020507" pitchFamily="18" charset="2"/>
+                  </a:rPr>
+                  <a:t>x</a:t>
+                </a:r>
+              </a:p>
+              <a:p>
+                <a:pPr lvl="1">
+                  <a:spcBef>
+                    <a:spcPts val="1200"/>
+                  </a:spcBef>
+                </a:pPr>
+                <a:r>
+                  <a:rPr lang="en-US" altLang="zh-CN" dirty="0" err="1">
+                    <a:sym typeface="Symbol" panose="05050102010706020507" pitchFamily="18" charset="2"/>
+                  </a:rPr>
+                  <a:t>succ</a:t>
+                </a:r>
+                <a:r>
+                  <a:rPr lang="en-US" altLang="zh-CN" dirty="0">
+                    <a:sym typeface="Symbol" panose="05050102010706020507" pitchFamily="18" charset="2"/>
+                  </a:rPr>
+                  <a:t> </a:t>
+                </a:r>
+                <a14:m>
+                  <m:oMath xmlns:m="http://schemas.openxmlformats.org/officeDocument/2006/math">
+                    <m:r>
+                      <a:rPr lang="en-US" altLang="zh-CN" i="1">
+                        <a:latin typeface="Cambria Math" panose="02040503050406030204" pitchFamily="18" charset="0"/>
+                        <a:sym typeface="Symbol" panose="05050102010706020507" pitchFamily="18" charset="2"/>
+                      </a:rPr>
+                      <m:t>≝</m:t>
+                    </m:r>
+                  </m:oMath>
+                </a14:m>
+                <a:r>
+                  <a:rPr lang="en-US" altLang="zh-CN" dirty="0">
+                    <a:sym typeface="Symbol" panose="05050102010706020507" pitchFamily="18" charset="2"/>
+                  </a:rPr>
+                  <a:t>  n. f. x. f (n f x) </a:t>
+                </a:r>
+              </a:p>
+              <a:p>
+                <a:pPr lvl="1">
+                  <a:spcBef>
+                    <a:spcPts val="1200"/>
+                  </a:spcBef>
+                </a:pPr>
+                <a:r>
+                  <a:rPr lang="en-US" altLang="zh-CN" dirty="0" err="1">
+                    <a:sym typeface="Symbol" panose="05050102010706020507" pitchFamily="18" charset="2"/>
+                  </a:rPr>
+                  <a:t>iszero</a:t>
+                </a:r>
+                <a:r>
+                  <a:rPr lang="en-US" altLang="zh-CN" dirty="0">
+                    <a:sym typeface="Symbol" panose="05050102010706020507" pitchFamily="18" charset="2"/>
+                  </a:rPr>
+                  <a:t> </a:t>
+                </a:r>
+                <a14:m>
+                  <m:oMath xmlns:m="http://schemas.openxmlformats.org/officeDocument/2006/math">
+                    <m:r>
+                      <a:rPr lang="en-US" altLang="zh-CN" i="1">
+                        <a:latin typeface="Cambria Math" panose="02040503050406030204" pitchFamily="18" charset="0"/>
+                        <a:sym typeface="Symbol" panose="05050102010706020507" pitchFamily="18" charset="2"/>
+                      </a:rPr>
+                      <m:t>≝</m:t>
+                    </m:r>
+                  </m:oMath>
+                </a14:m>
+                <a:endParaRPr lang="zh-CN" altLang="en-US" dirty="0"/>
+              </a:p>
+            </p:txBody>
+          </p:sp>
+        </mc:Choice>
+        <mc:Fallback>
+          <p:sp>
+            <p:nvSpPr>
+              <p:cNvPr id="3" name="内容占位符 2"/>
+              <p:cNvSpPr>
+                <a:spLocks noGrp="1" noRot="1" noChangeAspect="1" noMove="1" noResize="1" noEditPoints="1" noAdjustHandles="1" noChangeArrowheads="1" noChangeShapeType="1" noTextEdit="1"/>
+              </p:cNvSpPr>
+              <p:nvPr>
+                <p:ph idx="1"/>
+              </p:nvPr>
+            </p:nvSpPr>
+            <p:spPr>
+              <a:xfrm>
+                <a:off x="628650" y="1825624"/>
+                <a:ext cx="7886700" cy="4351338"/>
+              </a:xfrm>
+              <a:blipFill>
+                <a:blip r:embed="rId2"/>
+                <a:stretch>
+                  <a:fillRect l="-1391" t="-2241"/>
+                </a:stretch>
+              </a:blipFill>
+            </p:spPr>
+            <p:txBody>
+              <a:bodyPr/>
+              <a:lstStyle/>
+              <a:p>
+                <a:r>
+                  <a:rPr lang="zh-CN" altLang="en-US">
+                    <a:noFill/>
+                  </a:rPr>
+                  <a:t> </a:t>
+                </a:r>
+              </a:p>
+            </p:txBody>
+          </p:sp>
+        </mc:Fallback>
+      </mc:AlternateContent>
     </p:spTree>
     <p:extLst>
       <p:ext uri="{BB962C8B-B14F-4D97-AF65-F5344CB8AC3E}">
@@ -35842,187 +37614,324 @@
           </a:p>
         </p:txBody>
       </p:sp>
-      <p:sp>
-        <p:nvSpPr>
-          <p:cNvPr id="3" name="内容占位符 2"/>
-          <p:cNvSpPr>
-            <a:spLocks noGrp="1"/>
-          </p:cNvSpPr>
-          <p:nvPr>
-            <p:ph idx="1"/>
-          </p:nvPr>
-        </p:nvSpPr>
-        <p:spPr>
-          <a:xfrm>
-            <a:off x="628650" y="1825624"/>
-            <a:ext cx="7886700" cy="4351338"/>
-          </a:xfrm>
-        </p:spPr>
-        <p:txBody>
-          <a:bodyPr/>
-          <a:lstStyle/>
-          <a:p>
-            <a:r>
-              <a:rPr lang="en-US" altLang="zh-CN" dirty="0"/>
-              <a:t>Church numerals </a:t>
-            </a:r>
-          </a:p>
-          <a:p>
-            <a:pPr lvl="1">
-              <a:spcBef>
-                <a:spcPts val="1200"/>
-              </a:spcBef>
-            </a:pPr>
-            <a:r>
-              <a:rPr lang="en-US" altLang="zh-CN" u="sng" dirty="0"/>
-              <a:t>0</a:t>
-            </a:r>
-            <a:r>
-              <a:rPr lang="en-US" altLang="zh-CN" dirty="0"/>
-              <a:t>  </a:t>
-            </a:r>
-            <a:r>
-              <a:rPr lang="en-US" altLang="zh-CN" dirty="0">
-                <a:sym typeface="Symbol" panose="05050102010706020507" pitchFamily="18" charset="2"/>
-              </a:rPr>
-              <a:t>  f. x. x</a:t>
-            </a:r>
-            <a:endParaRPr lang="en-US" altLang="zh-CN" i="1" dirty="0">
-              <a:solidFill>
-                <a:srgbClr val="FF0000"/>
-              </a:solidFill>
-              <a:sym typeface="Symbol" panose="05050102010706020507" pitchFamily="18" charset="2"/>
-            </a:endParaRPr>
-          </a:p>
-          <a:p>
-            <a:pPr lvl="1">
-              <a:spcBef>
-                <a:spcPts val="1200"/>
-              </a:spcBef>
-            </a:pPr>
-            <a:r>
-              <a:rPr lang="en-US" altLang="zh-CN" u="sng" dirty="0">
-                <a:sym typeface="Symbol" panose="05050102010706020507" pitchFamily="18" charset="2"/>
-              </a:rPr>
-              <a:t>1</a:t>
-            </a:r>
-            <a:r>
-              <a:rPr lang="en-US" altLang="zh-CN" dirty="0">
-                <a:sym typeface="Symbol" panose="05050102010706020507" pitchFamily="18" charset="2"/>
-              </a:rPr>
-              <a:t>    f. x. f x</a:t>
-            </a:r>
-          </a:p>
-          <a:p>
-            <a:pPr lvl="1">
-              <a:spcBef>
-                <a:spcPts val="1200"/>
-              </a:spcBef>
-            </a:pPr>
-            <a:r>
-              <a:rPr lang="en-US" altLang="zh-CN" u="sng" dirty="0">
-                <a:sym typeface="Symbol" panose="05050102010706020507" pitchFamily="18" charset="2"/>
-              </a:rPr>
-              <a:t>2</a:t>
-            </a:r>
-            <a:r>
-              <a:rPr lang="en-US" altLang="zh-CN" dirty="0">
-                <a:sym typeface="Symbol" panose="05050102010706020507" pitchFamily="18" charset="2"/>
-              </a:rPr>
-              <a:t>    f. x. f (f x)</a:t>
-            </a:r>
-          </a:p>
-          <a:p>
-            <a:pPr lvl="1">
-              <a:spcBef>
-                <a:spcPts val="1200"/>
-              </a:spcBef>
-            </a:pPr>
-            <a:r>
-              <a:rPr lang="en-US" altLang="zh-CN" u="sng" dirty="0">
-                <a:sym typeface="Symbol" panose="05050102010706020507" pitchFamily="18" charset="2"/>
-              </a:rPr>
-              <a:t>n</a:t>
-            </a:r>
-            <a:r>
-              <a:rPr lang="en-US" altLang="zh-CN" dirty="0">
-                <a:sym typeface="Symbol" panose="05050102010706020507" pitchFamily="18" charset="2"/>
-              </a:rPr>
-              <a:t>    f. x. </a:t>
-            </a:r>
-            <a:r>
-              <a:rPr lang="en-US" altLang="zh-CN" dirty="0" err="1">
-                <a:sym typeface="Symbol" panose="05050102010706020507" pitchFamily="18" charset="2"/>
-              </a:rPr>
-              <a:t>f</a:t>
-            </a:r>
-            <a:r>
-              <a:rPr lang="en-US" altLang="zh-CN" baseline="30000" dirty="0" err="1">
-                <a:sym typeface="Symbol" panose="05050102010706020507" pitchFamily="18" charset="2"/>
-              </a:rPr>
-              <a:t>n</a:t>
-            </a:r>
-            <a:r>
-              <a:rPr lang="en-US" altLang="zh-CN" baseline="30000" dirty="0">
-                <a:sym typeface="Symbol" panose="05050102010706020507" pitchFamily="18" charset="2"/>
-              </a:rPr>
-              <a:t> </a:t>
-            </a:r>
-            <a:r>
-              <a:rPr lang="en-US" altLang="zh-CN" dirty="0">
-                <a:sym typeface="Symbol" panose="05050102010706020507" pitchFamily="18" charset="2"/>
-              </a:rPr>
-              <a:t>x</a:t>
-            </a:r>
-          </a:p>
-          <a:p>
-            <a:pPr lvl="1">
-              <a:spcBef>
-                <a:spcPts val="1200"/>
-              </a:spcBef>
-            </a:pPr>
-            <a:r>
-              <a:rPr lang="en-US" altLang="zh-CN" dirty="0" err="1">
-                <a:sym typeface="Symbol" panose="05050102010706020507" pitchFamily="18" charset="2"/>
-              </a:rPr>
-              <a:t>succ</a:t>
-            </a:r>
-            <a:r>
-              <a:rPr lang="en-US" altLang="zh-CN" dirty="0">
-                <a:sym typeface="Symbol" panose="05050102010706020507" pitchFamily="18" charset="2"/>
-              </a:rPr>
-              <a:t>    n. f. x. f (n f x) </a:t>
-            </a:r>
-          </a:p>
-          <a:p>
-            <a:pPr lvl="1">
-              <a:spcBef>
-                <a:spcPts val="1200"/>
-              </a:spcBef>
-            </a:pPr>
-            <a:r>
-              <a:rPr lang="en-US" altLang="zh-CN" dirty="0" err="1">
-                <a:sym typeface="Symbol" panose="05050102010706020507" pitchFamily="18" charset="2"/>
-              </a:rPr>
-              <a:t>iszero</a:t>
-            </a:r>
-            <a:r>
-              <a:rPr lang="en-US" altLang="zh-CN" dirty="0">
-                <a:sym typeface="Symbol" panose="05050102010706020507" pitchFamily="18" charset="2"/>
-              </a:rPr>
-              <a:t>   n. x. y. n (z. y) x</a:t>
-            </a:r>
-          </a:p>
-          <a:p>
-            <a:pPr lvl="1">
-              <a:spcBef>
-                <a:spcPts val="1200"/>
-              </a:spcBef>
-            </a:pPr>
-            <a:endParaRPr lang="zh-CN" altLang="en-US" dirty="0"/>
-          </a:p>
-        </p:txBody>
-      </p:sp>
+      <mc:AlternateContent xmlns:mc="http://schemas.openxmlformats.org/markup-compatibility/2006">
+        <mc:Choice xmlns:a14="http://schemas.microsoft.com/office/drawing/2010/main" Requires="a14">
+          <p:sp>
+            <p:nvSpPr>
+              <p:cNvPr id="3" name="内容占位符 2"/>
+              <p:cNvSpPr>
+                <a:spLocks noGrp="1"/>
+              </p:cNvSpPr>
+              <p:nvPr>
+                <p:ph idx="1"/>
+              </p:nvPr>
+            </p:nvSpPr>
+            <p:spPr>
+              <a:xfrm>
+                <a:off x="628650" y="1825624"/>
+                <a:ext cx="7886700" cy="4351338"/>
+              </a:xfrm>
+            </p:spPr>
+            <p:txBody>
+              <a:bodyPr/>
+              <a:lstStyle/>
+              <a:p>
+                <a:r>
+                  <a:rPr lang="en-US" altLang="zh-CN" dirty="0"/>
+                  <a:t>Church numerals </a:t>
+                </a:r>
+              </a:p>
+              <a:p>
+                <a:pPr lvl="1">
+                  <a:spcBef>
+                    <a:spcPts val="1200"/>
+                  </a:spcBef>
+                </a:pPr>
+                <a:r>
+                  <a:rPr lang="en-US" altLang="zh-CN" u="sng" dirty="0"/>
+                  <a:t>0</a:t>
+                </a:r>
+                <a:r>
+                  <a:rPr lang="en-US" altLang="zh-CN" dirty="0"/>
+                  <a:t> </a:t>
+                </a:r>
+                <a14:m>
+                  <m:oMath xmlns:m="http://schemas.openxmlformats.org/officeDocument/2006/math">
+                    <m:r>
+                      <a:rPr lang="en-US" altLang="zh-CN" i="1">
+                        <a:latin typeface="Cambria Math" panose="02040503050406030204" pitchFamily="18" charset="0"/>
+                        <a:sym typeface="Symbol" panose="05050102010706020507" pitchFamily="18" charset="2"/>
+                      </a:rPr>
+                      <m:t>≝</m:t>
+                    </m:r>
+                  </m:oMath>
+                </a14:m>
+                <a:r>
+                  <a:rPr lang="en-US" altLang="zh-CN" dirty="0">
+                    <a:sym typeface="Symbol" panose="05050102010706020507" pitchFamily="18" charset="2"/>
+                  </a:rPr>
+                  <a:t>  f. x. x</a:t>
+                </a:r>
+                <a:endParaRPr lang="en-US" altLang="zh-CN" i="1" dirty="0">
+                  <a:solidFill>
+                    <a:srgbClr val="FF0000"/>
+                  </a:solidFill>
+                  <a:sym typeface="Symbol" panose="05050102010706020507" pitchFamily="18" charset="2"/>
+                </a:endParaRPr>
+              </a:p>
+              <a:p>
+                <a:pPr lvl="1">
+                  <a:spcBef>
+                    <a:spcPts val="1200"/>
+                  </a:spcBef>
+                </a:pPr>
+                <a:r>
+                  <a:rPr lang="en-US" altLang="zh-CN" u="sng" dirty="0">
+                    <a:sym typeface="Symbol" panose="05050102010706020507" pitchFamily="18" charset="2"/>
+                  </a:rPr>
+                  <a:t>1</a:t>
+                </a:r>
+                <a:r>
+                  <a:rPr lang="en-US" altLang="zh-CN" dirty="0">
+                    <a:sym typeface="Symbol" panose="05050102010706020507" pitchFamily="18" charset="2"/>
+                  </a:rPr>
+                  <a:t> </a:t>
+                </a:r>
+                <a14:m>
+                  <m:oMath xmlns:m="http://schemas.openxmlformats.org/officeDocument/2006/math">
+                    <m:r>
+                      <a:rPr lang="en-US" altLang="zh-CN" i="1">
+                        <a:latin typeface="Cambria Math" panose="02040503050406030204" pitchFamily="18" charset="0"/>
+                        <a:sym typeface="Symbol" panose="05050102010706020507" pitchFamily="18" charset="2"/>
+                      </a:rPr>
+                      <m:t>≝</m:t>
+                    </m:r>
+                  </m:oMath>
+                </a14:m>
+                <a:r>
+                  <a:rPr lang="en-US" altLang="zh-CN" dirty="0">
+                    <a:sym typeface="Symbol" panose="05050102010706020507" pitchFamily="18" charset="2"/>
+                  </a:rPr>
+                  <a:t>  f. x. f x</a:t>
+                </a:r>
+              </a:p>
+              <a:p>
+                <a:pPr lvl="1">
+                  <a:spcBef>
+                    <a:spcPts val="1200"/>
+                  </a:spcBef>
+                </a:pPr>
+                <a:r>
+                  <a:rPr lang="en-US" altLang="zh-CN" u="sng" dirty="0">
+                    <a:sym typeface="Symbol" panose="05050102010706020507" pitchFamily="18" charset="2"/>
+                  </a:rPr>
+                  <a:t>2</a:t>
+                </a:r>
+                <a:r>
+                  <a:rPr lang="en-US" altLang="zh-CN" dirty="0">
+                    <a:sym typeface="Symbol" panose="05050102010706020507" pitchFamily="18" charset="2"/>
+                  </a:rPr>
+                  <a:t> </a:t>
+                </a:r>
+                <a14:m>
+                  <m:oMath xmlns:m="http://schemas.openxmlformats.org/officeDocument/2006/math">
+                    <m:r>
+                      <a:rPr lang="en-US" altLang="zh-CN" i="1">
+                        <a:latin typeface="Cambria Math" panose="02040503050406030204" pitchFamily="18" charset="0"/>
+                        <a:sym typeface="Symbol" panose="05050102010706020507" pitchFamily="18" charset="2"/>
+                      </a:rPr>
+                      <m:t>≝</m:t>
+                    </m:r>
+                  </m:oMath>
+                </a14:m>
+                <a:r>
+                  <a:rPr lang="en-US" altLang="zh-CN" dirty="0">
+                    <a:sym typeface="Symbol" panose="05050102010706020507" pitchFamily="18" charset="2"/>
+                  </a:rPr>
+                  <a:t>  f. x. f (f x)</a:t>
+                </a:r>
+              </a:p>
+              <a:p>
+                <a:pPr lvl="1">
+                  <a:spcBef>
+                    <a:spcPts val="1200"/>
+                  </a:spcBef>
+                </a:pPr>
+                <a:r>
+                  <a:rPr lang="en-US" altLang="zh-CN" u="sng" dirty="0">
+                    <a:sym typeface="Symbol" panose="05050102010706020507" pitchFamily="18" charset="2"/>
+                  </a:rPr>
+                  <a:t>n</a:t>
+                </a:r>
+                <a:r>
+                  <a:rPr lang="en-US" altLang="zh-CN" dirty="0">
+                    <a:sym typeface="Symbol" panose="05050102010706020507" pitchFamily="18" charset="2"/>
+                  </a:rPr>
+                  <a:t> </a:t>
+                </a:r>
+                <a14:m>
+                  <m:oMath xmlns:m="http://schemas.openxmlformats.org/officeDocument/2006/math">
+                    <m:r>
+                      <a:rPr lang="en-US" altLang="zh-CN" i="1">
+                        <a:latin typeface="Cambria Math" panose="02040503050406030204" pitchFamily="18" charset="0"/>
+                        <a:sym typeface="Symbol" panose="05050102010706020507" pitchFamily="18" charset="2"/>
+                      </a:rPr>
+                      <m:t>≝</m:t>
+                    </m:r>
+                  </m:oMath>
+                </a14:m>
+                <a:r>
+                  <a:rPr lang="en-US" altLang="zh-CN" dirty="0">
+                    <a:sym typeface="Symbol" panose="05050102010706020507" pitchFamily="18" charset="2"/>
+                  </a:rPr>
+                  <a:t>  f. x. </a:t>
+                </a:r>
+                <a:r>
+                  <a:rPr lang="en-US" altLang="zh-CN" dirty="0" err="1">
+                    <a:sym typeface="Symbol" panose="05050102010706020507" pitchFamily="18" charset="2"/>
+                  </a:rPr>
+                  <a:t>f</a:t>
+                </a:r>
+                <a:r>
+                  <a:rPr lang="en-US" altLang="zh-CN" baseline="30000" dirty="0" err="1">
+                    <a:sym typeface="Symbol" panose="05050102010706020507" pitchFamily="18" charset="2"/>
+                  </a:rPr>
+                  <a:t>n</a:t>
+                </a:r>
+                <a:r>
+                  <a:rPr lang="en-US" altLang="zh-CN" baseline="30000" dirty="0">
+                    <a:sym typeface="Symbol" panose="05050102010706020507" pitchFamily="18" charset="2"/>
+                  </a:rPr>
+                  <a:t> </a:t>
+                </a:r>
+                <a:r>
+                  <a:rPr lang="en-US" altLang="zh-CN" dirty="0">
+                    <a:sym typeface="Symbol" panose="05050102010706020507" pitchFamily="18" charset="2"/>
+                  </a:rPr>
+                  <a:t>x</a:t>
+                </a:r>
+              </a:p>
+              <a:p>
+                <a:pPr lvl="1">
+                  <a:spcBef>
+                    <a:spcPts val="1200"/>
+                  </a:spcBef>
+                </a:pPr>
+                <a:r>
+                  <a:rPr lang="en-US" altLang="zh-CN" dirty="0" err="1">
+                    <a:sym typeface="Symbol" panose="05050102010706020507" pitchFamily="18" charset="2"/>
+                  </a:rPr>
+                  <a:t>succ</a:t>
+                </a:r>
+                <a:r>
+                  <a:rPr lang="en-US" altLang="zh-CN" dirty="0">
+                    <a:sym typeface="Symbol" panose="05050102010706020507" pitchFamily="18" charset="2"/>
+                  </a:rPr>
+                  <a:t> </a:t>
+                </a:r>
+                <a14:m>
+                  <m:oMath xmlns:m="http://schemas.openxmlformats.org/officeDocument/2006/math">
+                    <m:r>
+                      <a:rPr lang="en-US" altLang="zh-CN" i="1">
+                        <a:latin typeface="Cambria Math" panose="02040503050406030204" pitchFamily="18" charset="0"/>
+                        <a:sym typeface="Symbol" panose="05050102010706020507" pitchFamily="18" charset="2"/>
+                      </a:rPr>
+                      <m:t>≝</m:t>
+                    </m:r>
+                  </m:oMath>
+                </a14:m>
+                <a:r>
+                  <a:rPr lang="en-US" altLang="zh-CN" dirty="0">
+                    <a:sym typeface="Symbol" panose="05050102010706020507" pitchFamily="18" charset="2"/>
+                  </a:rPr>
+                  <a:t>  n. f. x. f (n f x) </a:t>
+                </a:r>
+              </a:p>
+              <a:p>
+                <a:pPr lvl="1">
+                  <a:spcBef>
+                    <a:spcPts val="1200"/>
+                  </a:spcBef>
+                </a:pPr>
+                <a:r>
+                  <a:rPr lang="en-US" altLang="zh-CN" dirty="0" err="1">
+                    <a:sym typeface="Symbol" panose="05050102010706020507" pitchFamily="18" charset="2"/>
+                  </a:rPr>
+                  <a:t>iszero</a:t>
+                </a:r>
+                <a:r>
+                  <a:rPr lang="en-US" altLang="zh-CN" dirty="0">
+                    <a:sym typeface="Symbol" panose="05050102010706020507" pitchFamily="18" charset="2"/>
+                  </a:rPr>
+                  <a:t> </a:t>
+                </a:r>
+                <a14:m>
+                  <m:oMath xmlns:m="http://schemas.openxmlformats.org/officeDocument/2006/math">
+                    <m:r>
+                      <a:rPr lang="en-US" altLang="zh-CN" i="1">
+                        <a:latin typeface="Cambria Math" panose="02040503050406030204" pitchFamily="18" charset="0"/>
+                        <a:sym typeface="Symbol" panose="05050102010706020507" pitchFamily="18" charset="2"/>
+                      </a:rPr>
+                      <m:t>≝</m:t>
+                    </m:r>
+                  </m:oMath>
+                </a14:m>
+                <a:r>
+                  <a:rPr lang="en-US" altLang="zh-CN" dirty="0">
+                    <a:sym typeface="Symbol" panose="05050102010706020507" pitchFamily="18" charset="2"/>
+                  </a:rPr>
+                  <a:t>  n. x. y. n (z. y) x</a:t>
+                </a:r>
+              </a:p>
+              <a:p>
+                <a:pPr lvl="1">
+                  <a:spcBef>
+                    <a:spcPts val="1200"/>
+                  </a:spcBef>
+                </a:pPr>
+                <a:endParaRPr lang="zh-CN" altLang="en-US" dirty="0"/>
+              </a:p>
+            </p:txBody>
+          </p:sp>
+        </mc:Choice>
+        <mc:Fallback>
+          <p:sp>
+            <p:nvSpPr>
+              <p:cNvPr id="3" name="内容占位符 2"/>
+              <p:cNvSpPr>
+                <a:spLocks noGrp="1" noRot="1" noChangeAspect="1" noMove="1" noResize="1" noEditPoints="1" noAdjustHandles="1" noChangeArrowheads="1" noChangeShapeType="1" noTextEdit="1"/>
+              </p:cNvSpPr>
+              <p:nvPr>
+                <p:ph idx="1"/>
+              </p:nvPr>
+            </p:nvSpPr>
+            <p:spPr>
+              <a:xfrm>
+                <a:off x="628650" y="1825624"/>
+                <a:ext cx="7886700" cy="4351338"/>
+              </a:xfrm>
+              <a:blipFill>
+                <a:blip r:embed="rId2"/>
+                <a:stretch>
+                  <a:fillRect l="-1391" t="-2241"/>
+                </a:stretch>
+              </a:blipFill>
+            </p:spPr>
+            <p:txBody>
+              <a:bodyPr/>
+              <a:lstStyle/>
+              <a:p>
+                <a:r>
+                  <a:rPr lang="zh-CN" altLang="en-US">
+                    <a:noFill/>
+                  </a:rPr>
+                  <a:t> </a:t>
+                </a:r>
+              </a:p>
+            </p:txBody>
+          </p:sp>
+        </mc:Fallback>
+      </mc:AlternateContent>
       <p:sp>
         <p:nvSpPr>
           <p:cNvPr id="4" name="圆角矩形标注 3"/>
@@ -36031,7 +37940,7 @@
         </p:nvSpPr>
         <p:spPr>
           <a:xfrm>
-            <a:off x="5378115" y="1629484"/>
+            <a:off x="5437937" y="1629484"/>
             <a:ext cx="3380874" cy="4743617"/>
           </a:xfrm>
           <a:prstGeom prst="wedgeRoundRectCallout">
@@ -36399,228 +38308,390 @@
           </a:p>
         </p:txBody>
       </p:sp>
-      <p:sp>
-        <p:nvSpPr>
-          <p:cNvPr id="3" name="内容占位符 2"/>
-          <p:cNvSpPr>
-            <a:spLocks noGrp="1"/>
-          </p:cNvSpPr>
-          <p:nvPr>
-            <p:ph idx="1"/>
-          </p:nvPr>
-        </p:nvSpPr>
-        <p:spPr>
-          <a:xfrm>
-            <a:off x="628650" y="1825623"/>
-            <a:ext cx="7886700" cy="4887997"/>
-          </a:xfrm>
-        </p:spPr>
-        <p:txBody>
-          <a:bodyPr/>
-          <a:lstStyle/>
-          <a:p>
-            <a:r>
-              <a:rPr lang="en-US" altLang="zh-CN" dirty="0"/>
-              <a:t>Church numerals </a:t>
-            </a:r>
-          </a:p>
-          <a:p>
-            <a:pPr lvl="1">
-              <a:spcBef>
-                <a:spcPts val="1200"/>
-              </a:spcBef>
-            </a:pPr>
-            <a:r>
-              <a:rPr lang="en-US" altLang="zh-CN" u="sng" dirty="0"/>
-              <a:t>0</a:t>
-            </a:r>
-            <a:r>
-              <a:rPr lang="en-US" altLang="zh-CN" dirty="0"/>
-              <a:t>  </a:t>
-            </a:r>
-            <a:r>
-              <a:rPr lang="en-US" altLang="zh-CN" dirty="0">
-                <a:sym typeface="Symbol" panose="05050102010706020507" pitchFamily="18" charset="2"/>
-              </a:rPr>
-              <a:t>  f. x. x</a:t>
-            </a:r>
-            <a:endParaRPr lang="en-US" altLang="zh-CN" i="1" dirty="0">
-              <a:solidFill>
-                <a:srgbClr val="FF0000"/>
-              </a:solidFill>
-              <a:sym typeface="Symbol" panose="05050102010706020507" pitchFamily="18" charset="2"/>
-            </a:endParaRPr>
-          </a:p>
-          <a:p>
-            <a:pPr lvl="1">
-              <a:spcBef>
-                <a:spcPts val="1200"/>
-              </a:spcBef>
-            </a:pPr>
-            <a:r>
-              <a:rPr lang="en-US" altLang="zh-CN" u="sng" dirty="0">
-                <a:sym typeface="Symbol" panose="05050102010706020507" pitchFamily="18" charset="2"/>
-              </a:rPr>
-              <a:t>1</a:t>
-            </a:r>
-            <a:r>
-              <a:rPr lang="en-US" altLang="zh-CN" dirty="0">
-                <a:sym typeface="Symbol" panose="05050102010706020507" pitchFamily="18" charset="2"/>
-              </a:rPr>
-              <a:t>    f. x. f x</a:t>
-            </a:r>
-          </a:p>
-          <a:p>
-            <a:pPr lvl="1">
-              <a:spcBef>
-                <a:spcPts val="1200"/>
-              </a:spcBef>
-            </a:pPr>
-            <a:r>
-              <a:rPr lang="en-US" altLang="zh-CN" u="sng" dirty="0">
-                <a:sym typeface="Symbol" panose="05050102010706020507" pitchFamily="18" charset="2"/>
-              </a:rPr>
-              <a:t>2</a:t>
-            </a:r>
-            <a:r>
-              <a:rPr lang="en-US" altLang="zh-CN" dirty="0">
-                <a:sym typeface="Symbol" panose="05050102010706020507" pitchFamily="18" charset="2"/>
-              </a:rPr>
-              <a:t>    f. x. f (f x)</a:t>
-            </a:r>
-          </a:p>
-          <a:p>
-            <a:pPr lvl="1">
-              <a:spcBef>
-                <a:spcPts val="1200"/>
-              </a:spcBef>
-            </a:pPr>
-            <a:r>
-              <a:rPr lang="en-US" altLang="zh-CN" u="sng" dirty="0">
-                <a:sym typeface="Symbol" panose="05050102010706020507" pitchFamily="18" charset="2"/>
-              </a:rPr>
-              <a:t>n</a:t>
-            </a:r>
-            <a:r>
-              <a:rPr lang="en-US" altLang="zh-CN" dirty="0">
-                <a:sym typeface="Symbol" panose="05050102010706020507" pitchFamily="18" charset="2"/>
-              </a:rPr>
-              <a:t>    f. x. </a:t>
-            </a:r>
-            <a:r>
-              <a:rPr lang="en-US" altLang="zh-CN" dirty="0" err="1">
-                <a:sym typeface="Symbol" panose="05050102010706020507" pitchFamily="18" charset="2"/>
-              </a:rPr>
-              <a:t>f</a:t>
-            </a:r>
-            <a:r>
-              <a:rPr lang="en-US" altLang="zh-CN" baseline="30000" dirty="0" err="1">
-                <a:sym typeface="Symbol" panose="05050102010706020507" pitchFamily="18" charset="2"/>
-              </a:rPr>
-              <a:t>n</a:t>
-            </a:r>
-            <a:r>
-              <a:rPr lang="en-US" altLang="zh-CN" baseline="30000" dirty="0">
-                <a:sym typeface="Symbol" panose="05050102010706020507" pitchFamily="18" charset="2"/>
-              </a:rPr>
-              <a:t> </a:t>
-            </a:r>
-            <a:r>
-              <a:rPr lang="en-US" altLang="zh-CN" dirty="0">
-                <a:sym typeface="Symbol" panose="05050102010706020507" pitchFamily="18" charset="2"/>
-              </a:rPr>
-              <a:t>x</a:t>
-            </a:r>
-          </a:p>
-          <a:p>
-            <a:pPr lvl="1">
-              <a:spcBef>
-                <a:spcPts val="1200"/>
-              </a:spcBef>
-            </a:pPr>
-            <a:r>
-              <a:rPr lang="en-US" altLang="zh-CN" dirty="0" err="1">
-                <a:sym typeface="Symbol" panose="05050102010706020507" pitchFamily="18" charset="2"/>
-              </a:rPr>
-              <a:t>succ</a:t>
-            </a:r>
-            <a:r>
-              <a:rPr lang="en-US" altLang="zh-CN" dirty="0">
-                <a:sym typeface="Symbol" panose="05050102010706020507" pitchFamily="18" charset="2"/>
-              </a:rPr>
-              <a:t>    n. f. x. f (n f x) </a:t>
-            </a:r>
-          </a:p>
-          <a:p>
-            <a:pPr lvl="1">
-              <a:spcBef>
-                <a:spcPts val="1200"/>
-              </a:spcBef>
-            </a:pPr>
-            <a:r>
-              <a:rPr lang="en-US" altLang="zh-CN" dirty="0" err="1">
-                <a:sym typeface="Symbol" panose="05050102010706020507" pitchFamily="18" charset="2"/>
-              </a:rPr>
-              <a:t>iszero</a:t>
-            </a:r>
-            <a:r>
-              <a:rPr lang="en-US" altLang="zh-CN" dirty="0">
-                <a:sym typeface="Symbol" panose="05050102010706020507" pitchFamily="18" charset="2"/>
-              </a:rPr>
-              <a:t>   n. x. y. n (z. y) x</a:t>
-            </a:r>
-          </a:p>
-          <a:p>
-            <a:pPr lvl="1">
-              <a:spcBef>
-                <a:spcPts val="1200"/>
-              </a:spcBef>
-            </a:pPr>
-            <a:r>
-              <a:rPr lang="en-US" altLang="zh-CN" dirty="0">
-                <a:sym typeface="Symbol" panose="05050102010706020507" pitchFamily="18" charset="2"/>
-              </a:rPr>
-              <a:t>add   n. m. f. x. n f (m f x)</a:t>
-            </a:r>
-          </a:p>
-          <a:p>
-            <a:pPr lvl="1">
-              <a:spcBef>
-                <a:spcPts val="1200"/>
-              </a:spcBef>
-            </a:pPr>
-            <a:r>
-              <a:rPr lang="en-US" altLang="zh-CN" dirty="0" err="1">
-                <a:sym typeface="Symbol" panose="05050102010706020507" pitchFamily="18" charset="2"/>
-              </a:rPr>
-              <a:t>mult</a:t>
-            </a:r>
-            <a:r>
-              <a:rPr lang="en-US" altLang="zh-CN" dirty="0">
-                <a:sym typeface="Symbol" panose="05050102010706020507" pitchFamily="18" charset="2"/>
-              </a:rPr>
-              <a:t>   n. m. f. </a:t>
-            </a:r>
-            <a:r>
-              <a:rPr lang="en-US" altLang="zh-CN">
-                <a:sym typeface="Symbol" panose="05050102010706020507" pitchFamily="18" charset="2"/>
-              </a:rPr>
-              <a:t>n (m f) </a:t>
-            </a:r>
-            <a:endParaRPr lang="en-US" altLang="zh-CN" dirty="0">
-              <a:sym typeface="Symbol" panose="05050102010706020507" pitchFamily="18" charset="2"/>
-            </a:endParaRPr>
-          </a:p>
-          <a:p>
-            <a:pPr lvl="1">
-              <a:spcBef>
-                <a:spcPts val="1200"/>
-              </a:spcBef>
-            </a:pPr>
-            <a:endParaRPr lang="zh-CN" altLang="en-US" dirty="0"/>
-          </a:p>
-        </p:txBody>
-      </p:sp>
+      <mc:AlternateContent xmlns:mc="http://schemas.openxmlformats.org/markup-compatibility/2006">
+        <mc:Choice xmlns:a14="http://schemas.microsoft.com/office/drawing/2010/main" Requires="a14">
+          <p:sp>
+            <p:nvSpPr>
+              <p:cNvPr id="3" name="内容占位符 2"/>
+              <p:cNvSpPr>
+                <a:spLocks noGrp="1"/>
+              </p:cNvSpPr>
+              <p:nvPr>
+                <p:ph idx="1"/>
+              </p:nvPr>
+            </p:nvSpPr>
+            <p:spPr>
+              <a:xfrm>
+                <a:off x="628650" y="1825623"/>
+                <a:ext cx="7886700" cy="4887997"/>
+              </a:xfrm>
+            </p:spPr>
+            <p:txBody>
+              <a:bodyPr/>
+              <a:lstStyle/>
+              <a:p>
+                <a:r>
+                  <a:rPr lang="en-US" altLang="zh-CN" dirty="0"/>
+                  <a:t>Church numerals </a:t>
+                </a:r>
+              </a:p>
+              <a:p>
+                <a:pPr lvl="1">
+                  <a:spcBef>
+                    <a:spcPts val="1200"/>
+                  </a:spcBef>
+                </a:pPr>
+                <a:r>
+                  <a:rPr lang="en-US" altLang="zh-CN" u="sng" dirty="0"/>
+                  <a:t>0</a:t>
+                </a:r>
+                <a:r>
+                  <a:rPr lang="en-US" altLang="zh-CN" dirty="0"/>
+                  <a:t> </a:t>
+                </a:r>
+                <a14:m>
+                  <m:oMath xmlns:m="http://schemas.openxmlformats.org/officeDocument/2006/math">
+                    <m:r>
+                      <a:rPr lang="en-US" altLang="zh-CN" i="1">
+                        <a:latin typeface="Cambria Math" panose="02040503050406030204" pitchFamily="18" charset="0"/>
+                        <a:sym typeface="Symbol" panose="05050102010706020507" pitchFamily="18" charset="2"/>
+                      </a:rPr>
+                      <m:t>≝</m:t>
+                    </m:r>
+                  </m:oMath>
+                </a14:m>
+                <a:r>
+                  <a:rPr lang="en-US" altLang="zh-CN" dirty="0">
+                    <a:sym typeface="Symbol" panose="05050102010706020507" pitchFamily="18" charset="2"/>
+                  </a:rPr>
+                  <a:t>  f. x. x</a:t>
+                </a:r>
+                <a:endParaRPr lang="en-US" altLang="zh-CN" i="1" dirty="0">
+                  <a:solidFill>
+                    <a:srgbClr val="FF0000"/>
+                  </a:solidFill>
+                  <a:sym typeface="Symbol" panose="05050102010706020507" pitchFamily="18" charset="2"/>
+                </a:endParaRPr>
+              </a:p>
+              <a:p>
+                <a:pPr lvl="1">
+                  <a:spcBef>
+                    <a:spcPts val="1200"/>
+                  </a:spcBef>
+                </a:pPr>
+                <a:r>
+                  <a:rPr lang="en-US" altLang="zh-CN" u="sng" dirty="0">
+                    <a:sym typeface="Symbol" panose="05050102010706020507" pitchFamily="18" charset="2"/>
+                  </a:rPr>
+                  <a:t>1</a:t>
+                </a:r>
+                <a:r>
+                  <a:rPr lang="en-US" altLang="zh-CN" dirty="0">
+                    <a:sym typeface="Symbol" panose="05050102010706020507" pitchFamily="18" charset="2"/>
+                  </a:rPr>
+                  <a:t> </a:t>
+                </a:r>
+                <a14:m>
+                  <m:oMath xmlns:m="http://schemas.openxmlformats.org/officeDocument/2006/math">
+                    <m:r>
+                      <a:rPr lang="en-US" altLang="zh-CN" i="1">
+                        <a:latin typeface="Cambria Math" panose="02040503050406030204" pitchFamily="18" charset="0"/>
+                        <a:sym typeface="Symbol" panose="05050102010706020507" pitchFamily="18" charset="2"/>
+                      </a:rPr>
+                      <m:t>≝</m:t>
+                    </m:r>
+                  </m:oMath>
+                </a14:m>
+                <a:r>
+                  <a:rPr lang="en-US" altLang="zh-CN" dirty="0">
+                    <a:sym typeface="Symbol" panose="05050102010706020507" pitchFamily="18" charset="2"/>
+                  </a:rPr>
+                  <a:t>  f. x. f x</a:t>
+                </a:r>
+              </a:p>
+              <a:p>
+                <a:pPr lvl="1">
+                  <a:spcBef>
+                    <a:spcPts val="1200"/>
+                  </a:spcBef>
+                </a:pPr>
+                <a:r>
+                  <a:rPr lang="en-US" altLang="zh-CN" u="sng" dirty="0">
+                    <a:sym typeface="Symbol" panose="05050102010706020507" pitchFamily="18" charset="2"/>
+                  </a:rPr>
+                  <a:t>2</a:t>
+                </a:r>
+                <a:r>
+                  <a:rPr lang="en-US" altLang="zh-CN" dirty="0">
+                    <a:sym typeface="Symbol" panose="05050102010706020507" pitchFamily="18" charset="2"/>
+                  </a:rPr>
+                  <a:t> </a:t>
+                </a:r>
+                <a14:m>
+                  <m:oMath xmlns:m="http://schemas.openxmlformats.org/officeDocument/2006/math">
+                    <m:r>
+                      <a:rPr lang="en-US" altLang="zh-CN" i="1">
+                        <a:latin typeface="Cambria Math" panose="02040503050406030204" pitchFamily="18" charset="0"/>
+                        <a:sym typeface="Symbol" panose="05050102010706020507" pitchFamily="18" charset="2"/>
+                      </a:rPr>
+                      <m:t>≝</m:t>
+                    </m:r>
+                  </m:oMath>
+                </a14:m>
+                <a:r>
+                  <a:rPr lang="en-US" altLang="zh-CN" dirty="0">
+                    <a:sym typeface="Symbol" panose="05050102010706020507" pitchFamily="18" charset="2"/>
+                  </a:rPr>
+                  <a:t>  f. x. f (f x)</a:t>
+                </a:r>
+              </a:p>
+              <a:p>
+                <a:pPr lvl="1">
+                  <a:spcBef>
+                    <a:spcPts val="1200"/>
+                  </a:spcBef>
+                </a:pPr>
+                <a:r>
+                  <a:rPr lang="en-US" altLang="zh-CN" u="sng" dirty="0">
+                    <a:sym typeface="Symbol" panose="05050102010706020507" pitchFamily="18" charset="2"/>
+                  </a:rPr>
+                  <a:t>n</a:t>
+                </a:r>
+                <a:r>
+                  <a:rPr lang="en-US" altLang="zh-CN" dirty="0">
+                    <a:sym typeface="Symbol" panose="05050102010706020507" pitchFamily="18" charset="2"/>
+                  </a:rPr>
+                  <a:t> </a:t>
+                </a:r>
+                <a14:m>
+                  <m:oMath xmlns:m="http://schemas.openxmlformats.org/officeDocument/2006/math">
+                    <m:r>
+                      <a:rPr lang="en-US" altLang="zh-CN" i="1">
+                        <a:latin typeface="Cambria Math" panose="02040503050406030204" pitchFamily="18" charset="0"/>
+                        <a:sym typeface="Symbol" panose="05050102010706020507" pitchFamily="18" charset="2"/>
+                      </a:rPr>
+                      <m:t>≝</m:t>
+                    </m:r>
+                  </m:oMath>
+                </a14:m>
+                <a:r>
+                  <a:rPr lang="en-US" altLang="zh-CN" dirty="0">
+                    <a:sym typeface="Symbol" panose="05050102010706020507" pitchFamily="18" charset="2"/>
+                  </a:rPr>
+                  <a:t>  f. x. </a:t>
+                </a:r>
+                <a:r>
+                  <a:rPr lang="en-US" altLang="zh-CN" dirty="0" err="1">
+                    <a:sym typeface="Symbol" panose="05050102010706020507" pitchFamily="18" charset="2"/>
+                  </a:rPr>
+                  <a:t>f</a:t>
+                </a:r>
+                <a:r>
+                  <a:rPr lang="en-US" altLang="zh-CN" baseline="30000" dirty="0" err="1">
+                    <a:sym typeface="Symbol" panose="05050102010706020507" pitchFamily="18" charset="2"/>
+                  </a:rPr>
+                  <a:t>n</a:t>
+                </a:r>
+                <a:r>
+                  <a:rPr lang="en-US" altLang="zh-CN" baseline="30000" dirty="0">
+                    <a:sym typeface="Symbol" panose="05050102010706020507" pitchFamily="18" charset="2"/>
+                  </a:rPr>
+                  <a:t> </a:t>
+                </a:r>
+                <a:r>
+                  <a:rPr lang="en-US" altLang="zh-CN" dirty="0">
+                    <a:sym typeface="Symbol" panose="05050102010706020507" pitchFamily="18" charset="2"/>
+                  </a:rPr>
+                  <a:t>x</a:t>
+                </a:r>
+              </a:p>
+              <a:p>
+                <a:pPr lvl="1">
+                  <a:spcBef>
+                    <a:spcPts val="1200"/>
+                  </a:spcBef>
+                </a:pPr>
+                <a:r>
+                  <a:rPr lang="en-US" altLang="zh-CN" dirty="0" err="1">
+                    <a:sym typeface="Symbol" panose="05050102010706020507" pitchFamily="18" charset="2"/>
+                  </a:rPr>
+                  <a:t>succ</a:t>
+                </a:r>
+                <a:r>
+                  <a:rPr lang="en-US" altLang="zh-CN" dirty="0">
+                    <a:sym typeface="Symbol" panose="05050102010706020507" pitchFamily="18" charset="2"/>
+                  </a:rPr>
+                  <a:t> </a:t>
+                </a:r>
+                <a14:m>
+                  <m:oMath xmlns:m="http://schemas.openxmlformats.org/officeDocument/2006/math">
+                    <m:r>
+                      <a:rPr lang="en-US" altLang="zh-CN" i="1">
+                        <a:latin typeface="Cambria Math" panose="02040503050406030204" pitchFamily="18" charset="0"/>
+                        <a:sym typeface="Symbol" panose="05050102010706020507" pitchFamily="18" charset="2"/>
+                      </a:rPr>
+                      <m:t>≝</m:t>
+                    </m:r>
+                  </m:oMath>
+                </a14:m>
+                <a:r>
+                  <a:rPr lang="en-US" altLang="zh-CN" dirty="0">
+                    <a:sym typeface="Symbol" panose="05050102010706020507" pitchFamily="18" charset="2"/>
+                  </a:rPr>
+                  <a:t>  n. f. x. f (n f x) </a:t>
+                </a:r>
+              </a:p>
+              <a:p>
+                <a:pPr lvl="1">
+                  <a:spcBef>
+                    <a:spcPts val="1200"/>
+                  </a:spcBef>
+                </a:pPr>
+                <a:r>
+                  <a:rPr lang="en-US" altLang="zh-CN" dirty="0" err="1">
+                    <a:sym typeface="Symbol" panose="05050102010706020507" pitchFamily="18" charset="2"/>
+                  </a:rPr>
+                  <a:t>iszero</a:t>
+                </a:r>
+                <a:r>
+                  <a:rPr lang="en-US" altLang="zh-CN" dirty="0">
+                    <a:sym typeface="Symbol" panose="05050102010706020507" pitchFamily="18" charset="2"/>
+                  </a:rPr>
+                  <a:t> </a:t>
+                </a:r>
+                <a14:m>
+                  <m:oMath xmlns:m="http://schemas.openxmlformats.org/officeDocument/2006/math">
+                    <m:r>
+                      <a:rPr lang="en-US" altLang="zh-CN" i="1">
+                        <a:latin typeface="Cambria Math" panose="02040503050406030204" pitchFamily="18" charset="0"/>
+                        <a:sym typeface="Symbol" panose="05050102010706020507" pitchFamily="18" charset="2"/>
+                      </a:rPr>
+                      <m:t>≝</m:t>
+                    </m:r>
+                  </m:oMath>
+                </a14:m>
+                <a:r>
+                  <a:rPr lang="en-US" altLang="zh-CN" dirty="0">
+                    <a:sym typeface="Symbol" panose="05050102010706020507" pitchFamily="18" charset="2"/>
+                  </a:rPr>
+                  <a:t>  n. x. y. n (z. y) x</a:t>
+                </a:r>
+              </a:p>
+              <a:p>
+                <a:pPr lvl="1">
+                  <a:spcBef>
+                    <a:spcPts val="1200"/>
+                  </a:spcBef>
+                </a:pPr>
+                <a:r>
+                  <a:rPr lang="en-US" altLang="zh-CN" dirty="0">
+                    <a:sym typeface="Symbol" panose="05050102010706020507" pitchFamily="18" charset="2"/>
+                  </a:rPr>
+                  <a:t>add </a:t>
+                </a:r>
+                <a14:m>
+                  <m:oMath xmlns:m="http://schemas.openxmlformats.org/officeDocument/2006/math">
+                    <m:r>
+                      <a:rPr lang="en-US" altLang="zh-CN" i="1">
+                        <a:latin typeface="Cambria Math" panose="02040503050406030204" pitchFamily="18" charset="0"/>
+                        <a:sym typeface="Symbol" panose="05050102010706020507" pitchFamily="18" charset="2"/>
+                      </a:rPr>
+                      <m:t>≝</m:t>
+                    </m:r>
+                  </m:oMath>
+                </a14:m>
+                <a:r>
+                  <a:rPr lang="en-US" altLang="zh-CN" dirty="0">
+                    <a:sym typeface="Symbol" panose="05050102010706020507" pitchFamily="18" charset="2"/>
+                  </a:rPr>
+                  <a:t>  n. m. f. x. n f (m f x)</a:t>
+                </a:r>
+              </a:p>
+              <a:p>
+                <a:pPr lvl="1">
+                  <a:spcBef>
+                    <a:spcPts val="1200"/>
+                  </a:spcBef>
+                </a:pPr>
+                <a:r>
+                  <a:rPr lang="en-US" altLang="zh-CN" dirty="0" err="1">
+                    <a:sym typeface="Symbol" panose="05050102010706020507" pitchFamily="18" charset="2"/>
+                  </a:rPr>
+                  <a:t>mult</a:t>
+                </a:r>
+                <a:r>
+                  <a:rPr lang="en-US" altLang="zh-CN" dirty="0">
+                    <a:sym typeface="Symbol" panose="05050102010706020507" pitchFamily="18" charset="2"/>
+                  </a:rPr>
+                  <a:t> </a:t>
+                </a:r>
+                <a14:m>
+                  <m:oMath xmlns:m="http://schemas.openxmlformats.org/officeDocument/2006/math">
+                    <m:r>
+                      <a:rPr lang="en-US" altLang="zh-CN" i="1">
+                        <a:latin typeface="Cambria Math" panose="02040503050406030204" pitchFamily="18" charset="0"/>
+                        <a:sym typeface="Symbol" panose="05050102010706020507" pitchFamily="18" charset="2"/>
+                      </a:rPr>
+                      <m:t>≝</m:t>
+                    </m:r>
+                  </m:oMath>
+                </a14:m>
+                <a:r>
+                  <a:rPr lang="en-US" altLang="zh-CN" dirty="0">
+                    <a:sym typeface="Symbol" panose="05050102010706020507" pitchFamily="18" charset="2"/>
+                  </a:rPr>
+                  <a:t>  n. m. f. n (m f) </a:t>
+                </a:r>
+              </a:p>
+              <a:p>
+                <a:pPr lvl="1">
+                  <a:spcBef>
+                    <a:spcPts val="1200"/>
+                  </a:spcBef>
+                </a:pPr>
+                <a:endParaRPr lang="zh-CN" altLang="en-US" dirty="0"/>
+              </a:p>
+            </p:txBody>
+          </p:sp>
+        </mc:Choice>
+        <mc:Fallback>
+          <p:sp>
+            <p:nvSpPr>
+              <p:cNvPr id="3" name="内容占位符 2"/>
+              <p:cNvSpPr>
+                <a:spLocks noGrp="1" noRot="1" noChangeAspect="1" noMove="1" noResize="1" noEditPoints="1" noAdjustHandles="1" noChangeArrowheads="1" noChangeShapeType="1" noTextEdit="1"/>
+              </p:cNvSpPr>
+              <p:nvPr>
+                <p:ph idx="1"/>
+              </p:nvPr>
+            </p:nvSpPr>
+            <p:spPr>
+              <a:xfrm>
+                <a:off x="628650" y="1825623"/>
+                <a:ext cx="7886700" cy="4887997"/>
+              </a:xfrm>
+              <a:blipFill>
+                <a:blip r:embed="rId2"/>
+                <a:stretch>
+                  <a:fillRect l="-1391" t="-1995"/>
+                </a:stretch>
+              </a:blipFill>
+            </p:spPr>
+            <p:txBody>
+              <a:bodyPr/>
+              <a:lstStyle/>
+              <a:p>
+                <a:r>
+                  <a:rPr lang="zh-CN" altLang="en-US">
+                    <a:noFill/>
+                  </a:rPr>
+                  <a:t> </a:t>
+                </a:r>
+              </a:p>
+            </p:txBody>
+          </p:sp>
+        </mc:Fallback>
+      </mc:AlternateContent>
     </p:spTree>
     <p:extLst>
       <p:ext uri="{BB962C8B-B14F-4D97-AF65-F5344CB8AC3E}">
@@ -38075,117 +40146,199 @@
           </a:p>
         </p:txBody>
       </p:sp>
-      <p:sp>
-        <p:nvSpPr>
-          <p:cNvPr id="3" name="内容占位符 2"/>
-          <p:cNvSpPr>
-            <a:spLocks noGrp="1"/>
-          </p:cNvSpPr>
-          <p:nvPr>
-            <p:ph idx="1"/>
-          </p:nvPr>
-        </p:nvSpPr>
-        <p:spPr/>
-        <p:txBody>
-          <a:bodyPr/>
-          <a:lstStyle/>
-          <a:p>
-            <a:r>
-              <a:rPr lang="en-US" altLang="zh-CN" dirty="0"/>
-              <a:t>Pairs</a:t>
-            </a:r>
-          </a:p>
-          <a:p>
-            <a:pPr lvl="1">
-              <a:spcBef>
-                <a:spcPts val="1200"/>
-              </a:spcBef>
-            </a:pPr>
-            <a:r>
-              <a:rPr lang="en-US" altLang="zh-CN" dirty="0"/>
-              <a:t>(M, N)  </a:t>
-            </a:r>
-            <a:r>
-              <a:rPr lang="en-US" altLang="zh-CN" dirty="0">
-                <a:sym typeface="Symbol" panose="05050102010706020507" pitchFamily="18" charset="2"/>
-              </a:rPr>
-              <a:t>  f. f M N</a:t>
-            </a:r>
-          </a:p>
-          <a:p>
-            <a:pPr lvl="1">
-              <a:spcBef>
-                <a:spcPts val="1200"/>
-              </a:spcBef>
-            </a:pPr>
-            <a:r>
-              <a:rPr lang="en-US" altLang="zh-CN" dirty="0">
-                <a:sym typeface="Symbol" panose="05050102010706020507" pitchFamily="18" charset="2"/>
-              </a:rPr>
-              <a:t></a:t>
-            </a:r>
-            <a:r>
-              <a:rPr lang="en-US" altLang="zh-CN" baseline="-25000" dirty="0">
-                <a:sym typeface="Symbol" panose="05050102010706020507" pitchFamily="18" charset="2"/>
-              </a:rPr>
-              <a:t>0</a:t>
-            </a:r>
-            <a:r>
-              <a:rPr lang="en-US" altLang="zh-CN" dirty="0">
-                <a:sym typeface="Symbol" panose="05050102010706020507" pitchFamily="18" charset="2"/>
-              </a:rPr>
-              <a:t>    p. p (x. y. x)</a:t>
-            </a:r>
-          </a:p>
-          <a:p>
-            <a:pPr lvl="1">
-              <a:spcBef>
-                <a:spcPts val="1200"/>
-              </a:spcBef>
-            </a:pPr>
-            <a:r>
-              <a:rPr lang="en-US" altLang="zh-CN" dirty="0">
-                <a:sym typeface="Symbol" panose="05050102010706020507" pitchFamily="18" charset="2"/>
-              </a:rPr>
-              <a:t></a:t>
-            </a:r>
-            <a:r>
-              <a:rPr lang="en-US" altLang="zh-CN" baseline="-25000" dirty="0">
-                <a:sym typeface="Symbol" panose="05050102010706020507" pitchFamily="18" charset="2"/>
-              </a:rPr>
-              <a:t>1</a:t>
-            </a:r>
-            <a:r>
-              <a:rPr lang="en-US" altLang="zh-CN" dirty="0">
-                <a:sym typeface="Symbol" panose="05050102010706020507" pitchFamily="18" charset="2"/>
-              </a:rPr>
-              <a:t>    p. p (x. y. y)</a:t>
-            </a:r>
-          </a:p>
-          <a:p>
-            <a:pPr lvl="1"/>
-            <a:endParaRPr lang="en-US" altLang="zh-CN" dirty="0">
-              <a:sym typeface="Symbol" panose="05050102010706020507" pitchFamily="18" charset="2"/>
-            </a:endParaRPr>
-          </a:p>
-          <a:p>
-            <a:pPr lvl="1"/>
-            <a:endParaRPr lang="en-US" altLang="zh-CN" dirty="0">
-              <a:sym typeface="Symbol" panose="05050102010706020507" pitchFamily="18" charset="2"/>
-            </a:endParaRPr>
-          </a:p>
-          <a:p>
-            <a:pPr lvl="1"/>
-            <a:endParaRPr lang="en-US" altLang="zh-CN" dirty="0">
-              <a:sym typeface="Symbol" panose="05050102010706020507" pitchFamily="18" charset="2"/>
-            </a:endParaRPr>
-          </a:p>
-          <a:p>
-            <a:pPr lvl="1"/>
-            <a:endParaRPr lang="zh-CN" altLang="en-US" dirty="0"/>
-          </a:p>
-        </p:txBody>
-      </p:sp>
+      <mc:AlternateContent xmlns:mc="http://schemas.openxmlformats.org/markup-compatibility/2006">
+        <mc:Choice xmlns:a14="http://schemas.microsoft.com/office/drawing/2010/main" Requires="a14">
+          <p:sp>
+            <p:nvSpPr>
+              <p:cNvPr id="3" name="内容占位符 2"/>
+              <p:cNvSpPr>
+                <a:spLocks noGrp="1"/>
+              </p:cNvSpPr>
+              <p:nvPr>
+                <p:ph idx="1"/>
+              </p:nvPr>
+            </p:nvSpPr>
+            <p:spPr/>
+            <p:txBody>
+              <a:bodyPr/>
+              <a:lstStyle/>
+              <a:p>
+                <a:r>
+                  <a:rPr lang="en-US" altLang="zh-CN" dirty="0"/>
+                  <a:t>Pairs</a:t>
+                </a:r>
+              </a:p>
+              <a:p>
+                <a:pPr lvl="1">
+                  <a:spcBef>
+                    <a:spcPts val="1200"/>
+                  </a:spcBef>
+                </a:pPr>
+                <a:r>
+                  <a:rPr lang="en-US" altLang="zh-CN" dirty="0"/>
+                  <a:t>(M, N) </a:t>
+                </a:r>
+                <a14:m>
+                  <m:oMath xmlns:m="http://schemas.openxmlformats.org/officeDocument/2006/math">
+                    <m:r>
+                      <a:rPr lang="en-US" altLang="zh-CN" i="1">
+                        <a:latin typeface="Cambria Math" panose="02040503050406030204" pitchFamily="18" charset="0"/>
+                        <a:sym typeface="Symbol" panose="05050102010706020507" pitchFamily="18" charset="2"/>
+                      </a:rPr>
+                      <m:t>≝</m:t>
+                    </m:r>
+                  </m:oMath>
+                </a14:m>
+                <a:r>
+                  <a:rPr lang="en-US" altLang="zh-CN" dirty="0">
+                    <a:sym typeface="Symbol" panose="05050102010706020507" pitchFamily="18" charset="2"/>
+                  </a:rPr>
+                  <a:t>  f. f M N</a:t>
+                </a:r>
+              </a:p>
+              <a:p>
+                <a:pPr lvl="1">
+                  <a:spcBef>
+                    <a:spcPts val="1200"/>
+                  </a:spcBef>
+                </a:pPr>
+                <a:r>
+                  <a:rPr lang="en-US" altLang="zh-CN" dirty="0">
+                    <a:sym typeface="Symbol" panose="05050102010706020507" pitchFamily="18" charset="2"/>
+                  </a:rPr>
+                  <a:t></a:t>
+                </a:r>
+                <a:r>
+                  <a:rPr lang="en-US" altLang="zh-CN" baseline="-25000" dirty="0">
+                    <a:sym typeface="Symbol" panose="05050102010706020507" pitchFamily="18" charset="2"/>
+                  </a:rPr>
+                  <a:t>0</a:t>
+                </a:r>
+                <a:r>
+                  <a:rPr lang="en-US" altLang="zh-CN" dirty="0">
+                    <a:sym typeface="Symbol" panose="05050102010706020507" pitchFamily="18" charset="2"/>
+                  </a:rPr>
+                  <a:t> </a:t>
+                </a:r>
+                <a14:m>
+                  <m:oMath xmlns:m="http://schemas.openxmlformats.org/officeDocument/2006/math">
+                    <m:r>
+                      <a:rPr lang="en-US" altLang="zh-CN" i="1">
+                        <a:latin typeface="Cambria Math" panose="02040503050406030204" pitchFamily="18" charset="0"/>
+                        <a:sym typeface="Symbol" panose="05050102010706020507" pitchFamily="18" charset="2"/>
+                      </a:rPr>
+                      <m:t>≝</m:t>
+                    </m:r>
+                  </m:oMath>
+                </a14:m>
+                <a:r>
+                  <a:rPr lang="en-US" altLang="zh-CN" dirty="0">
+                    <a:sym typeface="Symbol" panose="05050102010706020507" pitchFamily="18" charset="2"/>
+                  </a:rPr>
+                  <a:t>  p. p (x. y. x)</a:t>
+                </a:r>
+              </a:p>
+              <a:p>
+                <a:pPr lvl="1">
+                  <a:spcBef>
+                    <a:spcPts val="1200"/>
+                  </a:spcBef>
+                </a:pPr>
+                <a:r>
+                  <a:rPr lang="en-US" altLang="zh-CN" dirty="0">
+                    <a:sym typeface="Symbol" panose="05050102010706020507" pitchFamily="18" charset="2"/>
+                  </a:rPr>
+                  <a:t></a:t>
+                </a:r>
+                <a:r>
+                  <a:rPr lang="en-US" altLang="zh-CN" baseline="-25000" dirty="0">
+                    <a:sym typeface="Symbol" panose="05050102010706020507" pitchFamily="18" charset="2"/>
+                  </a:rPr>
+                  <a:t>1</a:t>
+                </a:r>
+                <a:r>
+                  <a:rPr lang="en-US" altLang="zh-CN" dirty="0">
+                    <a:sym typeface="Symbol" panose="05050102010706020507" pitchFamily="18" charset="2"/>
+                  </a:rPr>
+                  <a:t> </a:t>
+                </a:r>
+                <a14:m>
+                  <m:oMath xmlns:m="http://schemas.openxmlformats.org/officeDocument/2006/math">
+                    <m:r>
+                      <a:rPr lang="en-US" altLang="zh-CN" i="1">
+                        <a:latin typeface="Cambria Math" panose="02040503050406030204" pitchFamily="18" charset="0"/>
+                        <a:sym typeface="Symbol" panose="05050102010706020507" pitchFamily="18" charset="2"/>
+                      </a:rPr>
+                      <m:t>≝</m:t>
+                    </m:r>
+                  </m:oMath>
+                </a14:m>
+                <a:r>
+                  <a:rPr lang="en-US" altLang="zh-CN" dirty="0">
+                    <a:sym typeface="Symbol" panose="05050102010706020507" pitchFamily="18" charset="2"/>
+                  </a:rPr>
+                  <a:t>  p. p (x. y. y)</a:t>
+                </a:r>
+              </a:p>
+              <a:p>
+                <a:pPr lvl="1"/>
+                <a:endParaRPr lang="en-US" altLang="zh-CN" dirty="0">
+                  <a:sym typeface="Symbol" panose="05050102010706020507" pitchFamily="18" charset="2"/>
+                </a:endParaRPr>
+              </a:p>
+              <a:p>
+                <a:pPr lvl="1"/>
+                <a:endParaRPr lang="en-US" altLang="zh-CN" dirty="0">
+                  <a:sym typeface="Symbol" panose="05050102010706020507" pitchFamily="18" charset="2"/>
+                </a:endParaRPr>
+              </a:p>
+              <a:p>
+                <a:pPr lvl="1"/>
+                <a:endParaRPr lang="en-US" altLang="zh-CN" dirty="0">
+                  <a:sym typeface="Symbol" panose="05050102010706020507" pitchFamily="18" charset="2"/>
+                </a:endParaRPr>
+              </a:p>
+              <a:p>
+                <a:pPr lvl="1"/>
+                <a:endParaRPr lang="zh-CN" altLang="en-US" dirty="0"/>
+              </a:p>
+            </p:txBody>
+          </p:sp>
+        </mc:Choice>
+        <mc:Fallback>
+          <p:sp>
+            <p:nvSpPr>
+              <p:cNvPr id="3" name="内容占位符 2"/>
+              <p:cNvSpPr>
+                <a:spLocks noGrp="1" noRot="1" noChangeAspect="1" noMove="1" noResize="1" noEditPoints="1" noAdjustHandles="1" noChangeArrowheads="1" noChangeShapeType="1" noTextEdit="1"/>
+              </p:cNvSpPr>
+              <p:nvPr>
+                <p:ph idx="1"/>
+              </p:nvPr>
+            </p:nvSpPr>
+            <p:spPr>
+              <a:blipFill>
+                <a:blip r:embed="rId2"/>
+                <a:stretch>
+                  <a:fillRect l="-1391" t="-2241"/>
+                </a:stretch>
+              </a:blipFill>
+            </p:spPr>
+            <p:txBody>
+              <a:bodyPr/>
+              <a:lstStyle/>
+              <a:p>
+                <a:r>
+                  <a:rPr lang="zh-CN" altLang="en-US">
+                    <a:noFill/>
+                  </a:rPr>
+                  <a:t> </a:t>
+                </a:r>
+              </a:p>
+            </p:txBody>
+          </p:sp>
+        </mc:Fallback>
+      </mc:AlternateContent>
       <p:sp>
         <p:nvSpPr>
           <p:cNvPr id="4" name="圆角矩形标注 3"/>
@@ -38377,261 +40530,377 @@
           </a:p>
         </p:txBody>
       </p:sp>
-      <p:sp>
-        <p:nvSpPr>
-          <p:cNvPr id="3" name="内容占位符 2"/>
-          <p:cNvSpPr>
-            <a:spLocks noGrp="1"/>
-          </p:cNvSpPr>
-          <p:nvPr>
-            <p:ph idx="1"/>
-          </p:nvPr>
-        </p:nvSpPr>
-        <p:spPr/>
-        <p:txBody>
-          <a:bodyPr/>
-          <a:lstStyle/>
-          <a:p>
-            <a:r>
-              <a:rPr lang="en-US" altLang="zh-CN" dirty="0"/>
-              <a:t>Pairs</a:t>
-            </a:r>
-          </a:p>
-          <a:p>
-            <a:pPr lvl="1">
-              <a:spcBef>
-                <a:spcPts val="1200"/>
-              </a:spcBef>
-            </a:pPr>
-            <a:r>
-              <a:rPr lang="en-US" altLang="zh-CN" dirty="0"/>
-              <a:t>(M, N)  </a:t>
-            </a:r>
-            <a:r>
-              <a:rPr lang="en-US" altLang="zh-CN" dirty="0">
-                <a:sym typeface="Symbol" panose="05050102010706020507" pitchFamily="18" charset="2"/>
-              </a:rPr>
-              <a:t>  f. f M N</a:t>
-            </a:r>
-          </a:p>
-          <a:p>
-            <a:pPr lvl="1">
-              <a:spcBef>
-                <a:spcPts val="1200"/>
-              </a:spcBef>
-            </a:pPr>
-            <a:r>
-              <a:rPr lang="en-US" altLang="zh-CN" dirty="0">
-                <a:sym typeface="Symbol" panose="05050102010706020507" pitchFamily="18" charset="2"/>
-              </a:rPr>
-              <a:t></a:t>
-            </a:r>
-            <a:r>
-              <a:rPr lang="en-US" altLang="zh-CN" baseline="-25000" dirty="0">
-                <a:sym typeface="Symbol" panose="05050102010706020507" pitchFamily="18" charset="2"/>
-              </a:rPr>
-              <a:t>0</a:t>
-            </a:r>
-            <a:r>
-              <a:rPr lang="en-US" altLang="zh-CN" dirty="0">
-                <a:sym typeface="Symbol" panose="05050102010706020507" pitchFamily="18" charset="2"/>
-              </a:rPr>
-              <a:t>    p. p (x. y. x)</a:t>
-            </a:r>
-          </a:p>
-          <a:p>
-            <a:pPr lvl="1">
-              <a:spcBef>
-                <a:spcPts val="1200"/>
-              </a:spcBef>
-            </a:pPr>
-            <a:r>
-              <a:rPr lang="en-US" altLang="zh-CN" dirty="0">
-                <a:sym typeface="Symbol" panose="05050102010706020507" pitchFamily="18" charset="2"/>
-              </a:rPr>
-              <a:t></a:t>
-            </a:r>
-            <a:r>
-              <a:rPr lang="en-US" altLang="zh-CN" baseline="-25000" dirty="0">
-                <a:sym typeface="Symbol" panose="05050102010706020507" pitchFamily="18" charset="2"/>
-              </a:rPr>
-              <a:t>1</a:t>
-            </a:r>
-            <a:r>
-              <a:rPr lang="en-US" altLang="zh-CN" dirty="0">
-                <a:sym typeface="Symbol" panose="05050102010706020507" pitchFamily="18" charset="2"/>
-              </a:rPr>
-              <a:t>    p. p (x. y. y)</a:t>
-            </a:r>
-          </a:p>
-          <a:p>
-            <a:pPr>
-              <a:spcBef>
-                <a:spcPts val="2400"/>
-              </a:spcBef>
-            </a:pPr>
-            <a:r>
-              <a:rPr lang="en-US" altLang="zh-CN" dirty="0">
-                <a:sym typeface="Symbol" panose="05050102010706020507" pitchFamily="18" charset="2"/>
-              </a:rPr>
-              <a:t>Tuples</a:t>
-            </a:r>
-          </a:p>
-          <a:p>
-            <a:pPr lvl="1">
-              <a:spcBef>
-                <a:spcPts val="1200"/>
-              </a:spcBef>
-            </a:pPr>
-            <a:r>
-              <a:rPr lang="en-US" altLang="zh-CN" dirty="0">
-                <a:sym typeface="Symbol" panose="05050102010706020507" pitchFamily="18" charset="2"/>
-              </a:rPr>
-              <a:t>(M</a:t>
-            </a:r>
-            <a:r>
-              <a:rPr lang="en-US" altLang="zh-CN" baseline="-25000" dirty="0">
-                <a:sym typeface="Symbol" panose="05050102010706020507" pitchFamily="18" charset="2"/>
-              </a:rPr>
-              <a:t>1</a:t>
-            </a:r>
-            <a:r>
-              <a:rPr lang="en-US" altLang="zh-CN" dirty="0">
-                <a:sym typeface="Symbol" panose="05050102010706020507" pitchFamily="18" charset="2"/>
-              </a:rPr>
-              <a:t>, …, </a:t>
-            </a:r>
-            <a:r>
-              <a:rPr lang="en-US" altLang="zh-CN" dirty="0" err="1">
-                <a:sym typeface="Symbol" panose="05050102010706020507" pitchFamily="18" charset="2"/>
-              </a:rPr>
-              <a:t>M</a:t>
-            </a:r>
-            <a:r>
-              <a:rPr lang="en-US" altLang="zh-CN" baseline="-25000" dirty="0" err="1">
-                <a:sym typeface="Symbol" panose="05050102010706020507" pitchFamily="18" charset="2"/>
-              </a:rPr>
-              <a:t>n</a:t>
-            </a:r>
-            <a:r>
-              <a:rPr lang="en-US" altLang="zh-CN" dirty="0">
-                <a:sym typeface="Symbol" panose="05050102010706020507" pitchFamily="18" charset="2"/>
-              </a:rPr>
-              <a:t>)      f. f M</a:t>
-            </a:r>
-            <a:r>
-              <a:rPr lang="en-US" altLang="zh-CN" baseline="-25000" dirty="0">
-                <a:sym typeface="Symbol" panose="05050102010706020507" pitchFamily="18" charset="2"/>
-              </a:rPr>
-              <a:t>1</a:t>
-            </a:r>
-            <a:r>
-              <a:rPr lang="en-US" altLang="zh-CN" dirty="0">
-                <a:sym typeface="Symbol" panose="05050102010706020507" pitchFamily="18" charset="2"/>
-              </a:rPr>
-              <a:t> … </a:t>
-            </a:r>
-            <a:r>
-              <a:rPr lang="en-US" altLang="zh-CN" dirty="0" err="1">
-                <a:sym typeface="Symbol" panose="05050102010706020507" pitchFamily="18" charset="2"/>
-              </a:rPr>
-              <a:t>M</a:t>
-            </a:r>
-            <a:r>
-              <a:rPr lang="en-US" altLang="zh-CN" baseline="-25000" dirty="0" err="1">
-                <a:sym typeface="Symbol" panose="05050102010706020507" pitchFamily="18" charset="2"/>
-              </a:rPr>
-              <a:t>n</a:t>
-            </a:r>
-            <a:endParaRPr lang="en-US" altLang="zh-CN" baseline="-25000" dirty="0">
-              <a:sym typeface="Symbol" panose="05050102010706020507" pitchFamily="18" charset="2"/>
-            </a:endParaRPr>
-          </a:p>
-          <a:p>
-            <a:pPr lvl="1">
-              <a:spcBef>
-                <a:spcPts val="1200"/>
-              </a:spcBef>
-            </a:pPr>
-            <a:r>
-              <a:rPr lang="en-US" altLang="zh-CN" dirty="0">
-                <a:sym typeface="Symbol" panose="05050102010706020507" pitchFamily="18" charset="2"/>
-              </a:rPr>
-              <a:t></a:t>
-            </a:r>
-            <a:r>
-              <a:rPr lang="en-US" altLang="zh-CN" baseline="-25000" dirty="0" err="1">
-                <a:sym typeface="Symbol" panose="05050102010706020507" pitchFamily="18" charset="2"/>
-              </a:rPr>
-              <a:t>i</a:t>
-            </a:r>
-            <a:r>
-              <a:rPr lang="en-US" altLang="zh-CN" dirty="0">
-                <a:sym typeface="Symbol" panose="05050102010706020507" pitchFamily="18" charset="2"/>
-              </a:rPr>
-              <a:t>    p. p (x</a:t>
-            </a:r>
-            <a:r>
-              <a:rPr lang="en-US" altLang="zh-CN" baseline="-25000" dirty="0">
-                <a:sym typeface="Symbol" panose="05050102010706020507" pitchFamily="18" charset="2"/>
-              </a:rPr>
-              <a:t>1</a:t>
-            </a:r>
-            <a:r>
-              <a:rPr lang="en-US" altLang="zh-CN" dirty="0">
-                <a:sym typeface="Symbol" panose="05050102010706020507" pitchFamily="18" charset="2"/>
-              </a:rPr>
-              <a:t>. … </a:t>
-            </a:r>
-            <a:r>
-              <a:rPr lang="en-US" altLang="zh-CN" dirty="0" err="1">
-                <a:sym typeface="Symbol" panose="05050102010706020507" pitchFamily="18" charset="2"/>
-              </a:rPr>
-              <a:t>x</a:t>
-            </a:r>
-            <a:r>
-              <a:rPr lang="en-US" altLang="zh-CN" baseline="-25000" dirty="0" err="1">
-                <a:sym typeface="Symbol" panose="05050102010706020507" pitchFamily="18" charset="2"/>
-              </a:rPr>
-              <a:t>n</a:t>
-            </a:r>
-            <a:r>
-              <a:rPr lang="en-US" altLang="zh-CN" dirty="0">
-                <a:sym typeface="Symbol" panose="05050102010706020507" pitchFamily="18" charset="2"/>
-              </a:rPr>
-              <a:t>. x</a:t>
-            </a:r>
-            <a:r>
-              <a:rPr lang="en-US" altLang="zh-CN" baseline="-25000" dirty="0">
-                <a:sym typeface="Symbol" panose="05050102010706020507" pitchFamily="18" charset="2"/>
-              </a:rPr>
-              <a:t>i</a:t>
-            </a:r>
-            <a:r>
-              <a:rPr lang="en-US" altLang="zh-CN" dirty="0">
-                <a:sym typeface="Symbol" panose="05050102010706020507" pitchFamily="18" charset="2"/>
-              </a:rPr>
-              <a:t>)</a:t>
-            </a:r>
-          </a:p>
-          <a:p>
-            <a:pPr lvl="1"/>
-            <a:endParaRPr lang="en-US" altLang="zh-CN" dirty="0">
-              <a:sym typeface="Symbol" panose="05050102010706020507" pitchFamily="18" charset="2"/>
-            </a:endParaRPr>
-          </a:p>
-          <a:p>
-            <a:pPr lvl="1"/>
-            <a:endParaRPr lang="en-US" altLang="zh-CN" dirty="0">
-              <a:sym typeface="Symbol" panose="05050102010706020507" pitchFamily="18" charset="2"/>
-            </a:endParaRPr>
-          </a:p>
-          <a:p>
-            <a:pPr lvl="1"/>
-            <a:endParaRPr lang="zh-CN" altLang="en-US" dirty="0"/>
-          </a:p>
-        </p:txBody>
-      </p:sp>
+      <mc:AlternateContent xmlns:mc="http://schemas.openxmlformats.org/markup-compatibility/2006">
+        <mc:Choice xmlns:a14="http://schemas.microsoft.com/office/drawing/2010/main" Requires="a14">
+          <p:sp>
+            <p:nvSpPr>
+              <p:cNvPr id="3" name="内容占位符 2"/>
+              <p:cNvSpPr>
+                <a:spLocks noGrp="1"/>
+              </p:cNvSpPr>
+              <p:nvPr>
+                <p:ph idx="1"/>
+              </p:nvPr>
+            </p:nvSpPr>
+            <p:spPr/>
+            <p:txBody>
+              <a:bodyPr/>
+              <a:lstStyle/>
+              <a:p>
+                <a:r>
+                  <a:rPr lang="en-US" altLang="zh-CN" dirty="0"/>
+                  <a:t>Pairs</a:t>
+                </a:r>
+              </a:p>
+              <a:p>
+                <a:pPr lvl="1">
+                  <a:spcBef>
+                    <a:spcPts val="1200"/>
+                  </a:spcBef>
+                </a:pPr>
+                <a:r>
+                  <a:rPr lang="en-US" altLang="zh-CN" dirty="0"/>
+                  <a:t>(M, N) </a:t>
+                </a:r>
+                <a14:m>
+                  <m:oMath xmlns:m="http://schemas.openxmlformats.org/officeDocument/2006/math">
+                    <m:r>
+                      <a:rPr lang="en-US" altLang="zh-CN" i="1">
+                        <a:latin typeface="Cambria Math" panose="02040503050406030204" pitchFamily="18" charset="0"/>
+                        <a:sym typeface="Symbol" panose="05050102010706020507" pitchFamily="18" charset="2"/>
+                      </a:rPr>
+                      <m:t>≝</m:t>
+                    </m:r>
+                  </m:oMath>
+                </a14:m>
+                <a:r>
+                  <a:rPr lang="en-US" altLang="zh-CN" dirty="0">
+                    <a:sym typeface="Symbol" panose="05050102010706020507" pitchFamily="18" charset="2"/>
+                  </a:rPr>
+                  <a:t>  f. f M N</a:t>
+                </a:r>
+              </a:p>
+              <a:p>
+                <a:pPr lvl="1">
+                  <a:spcBef>
+                    <a:spcPts val="1200"/>
+                  </a:spcBef>
+                </a:pPr>
+                <a:r>
+                  <a:rPr lang="en-US" altLang="zh-CN" dirty="0">
+                    <a:sym typeface="Symbol" panose="05050102010706020507" pitchFamily="18" charset="2"/>
+                  </a:rPr>
+                  <a:t></a:t>
+                </a:r>
+                <a:r>
+                  <a:rPr lang="en-US" altLang="zh-CN" baseline="-25000" dirty="0">
+                    <a:sym typeface="Symbol" panose="05050102010706020507" pitchFamily="18" charset="2"/>
+                  </a:rPr>
+                  <a:t>0</a:t>
+                </a:r>
+                <a:r>
+                  <a:rPr lang="en-US" altLang="zh-CN" dirty="0">
+                    <a:sym typeface="Symbol" panose="05050102010706020507" pitchFamily="18" charset="2"/>
+                  </a:rPr>
+                  <a:t> </a:t>
+                </a:r>
+                <a14:m>
+                  <m:oMath xmlns:m="http://schemas.openxmlformats.org/officeDocument/2006/math">
+                    <m:r>
+                      <a:rPr lang="en-US" altLang="zh-CN" i="1">
+                        <a:latin typeface="Cambria Math" panose="02040503050406030204" pitchFamily="18" charset="0"/>
+                        <a:sym typeface="Symbol" panose="05050102010706020507" pitchFamily="18" charset="2"/>
+                      </a:rPr>
+                      <m:t>≝</m:t>
+                    </m:r>
+                  </m:oMath>
+                </a14:m>
+                <a:r>
+                  <a:rPr lang="en-US" altLang="zh-CN" dirty="0">
+                    <a:sym typeface="Symbol" panose="05050102010706020507" pitchFamily="18" charset="2"/>
+                  </a:rPr>
+                  <a:t>  p. p (x. y. x)</a:t>
+                </a:r>
+              </a:p>
+              <a:p>
+                <a:pPr lvl="1">
+                  <a:spcBef>
+                    <a:spcPts val="1200"/>
+                  </a:spcBef>
+                </a:pPr>
+                <a:r>
+                  <a:rPr lang="en-US" altLang="zh-CN" dirty="0">
+                    <a:sym typeface="Symbol" panose="05050102010706020507" pitchFamily="18" charset="2"/>
+                  </a:rPr>
+                  <a:t></a:t>
+                </a:r>
+                <a:r>
+                  <a:rPr lang="en-US" altLang="zh-CN" baseline="-25000" dirty="0">
+                    <a:sym typeface="Symbol" panose="05050102010706020507" pitchFamily="18" charset="2"/>
+                  </a:rPr>
+                  <a:t>1</a:t>
+                </a:r>
+                <a:r>
+                  <a:rPr lang="en-US" altLang="zh-CN" dirty="0">
+                    <a:sym typeface="Symbol" panose="05050102010706020507" pitchFamily="18" charset="2"/>
+                  </a:rPr>
+                  <a:t> </a:t>
+                </a:r>
+                <a14:m>
+                  <m:oMath xmlns:m="http://schemas.openxmlformats.org/officeDocument/2006/math">
+                    <m:r>
+                      <a:rPr lang="en-US" altLang="zh-CN" i="1">
+                        <a:latin typeface="Cambria Math" panose="02040503050406030204" pitchFamily="18" charset="0"/>
+                        <a:sym typeface="Symbol" panose="05050102010706020507" pitchFamily="18" charset="2"/>
+                      </a:rPr>
+                      <m:t>≝</m:t>
+                    </m:r>
+                  </m:oMath>
+                </a14:m>
+                <a:r>
+                  <a:rPr lang="en-US" altLang="zh-CN" dirty="0">
+                    <a:sym typeface="Symbol" panose="05050102010706020507" pitchFamily="18" charset="2"/>
+                  </a:rPr>
+                  <a:t>  p. p (x. y. y)</a:t>
+                </a:r>
+              </a:p>
+              <a:p>
+                <a:pPr>
+                  <a:spcBef>
+                    <a:spcPts val="2400"/>
+                  </a:spcBef>
+                </a:pPr>
+                <a:r>
+                  <a:rPr lang="en-US" altLang="zh-CN" dirty="0">
+                    <a:sym typeface="Symbol" panose="05050102010706020507" pitchFamily="18" charset="2"/>
+                  </a:rPr>
+                  <a:t>Tuples</a:t>
+                </a:r>
+              </a:p>
+              <a:p>
+                <a:pPr lvl="1">
+                  <a:spcBef>
+                    <a:spcPts val="1200"/>
+                  </a:spcBef>
+                </a:pPr>
+                <a:r>
+                  <a:rPr lang="en-US" altLang="zh-CN" dirty="0">
+                    <a:sym typeface="Symbol" panose="05050102010706020507" pitchFamily="18" charset="2"/>
+                  </a:rPr>
+                  <a:t>(M</a:t>
+                </a:r>
+                <a:r>
+                  <a:rPr lang="en-US" altLang="zh-CN" baseline="-25000" dirty="0">
+                    <a:sym typeface="Symbol" panose="05050102010706020507" pitchFamily="18" charset="2"/>
+                  </a:rPr>
+                  <a:t>1</a:t>
+                </a:r>
+                <a:r>
+                  <a:rPr lang="en-US" altLang="zh-CN" dirty="0">
+                    <a:sym typeface="Symbol" panose="05050102010706020507" pitchFamily="18" charset="2"/>
+                  </a:rPr>
+                  <a:t>, …, </a:t>
+                </a:r>
+                <a:r>
+                  <a:rPr lang="en-US" altLang="zh-CN" dirty="0" err="1">
+                    <a:sym typeface="Symbol" panose="05050102010706020507" pitchFamily="18" charset="2"/>
+                  </a:rPr>
+                  <a:t>M</a:t>
+                </a:r>
+                <a:r>
+                  <a:rPr lang="en-US" altLang="zh-CN" baseline="-25000" dirty="0" err="1">
+                    <a:sym typeface="Symbol" panose="05050102010706020507" pitchFamily="18" charset="2"/>
+                  </a:rPr>
+                  <a:t>n</a:t>
+                </a:r>
+                <a:r>
+                  <a:rPr lang="en-US" altLang="zh-CN" dirty="0">
+                    <a:sym typeface="Symbol" panose="05050102010706020507" pitchFamily="18" charset="2"/>
+                  </a:rPr>
+                  <a:t>) </a:t>
+                </a:r>
+                <a14:m>
+                  <m:oMath xmlns:m="http://schemas.openxmlformats.org/officeDocument/2006/math">
+                    <m:r>
+                      <a:rPr lang="en-US" altLang="zh-CN" i="1">
+                        <a:latin typeface="Cambria Math" panose="02040503050406030204" pitchFamily="18" charset="0"/>
+                        <a:sym typeface="Symbol" panose="05050102010706020507" pitchFamily="18" charset="2"/>
+                      </a:rPr>
+                      <m:t>≝</m:t>
+                    </m:r>
+                  </m:oMath>
+                </a14:m>
+                <a:r>
+                  <a:rPr lang="en-US" altLang="zh-CN" dirty="0">
+                    <a:sym typeface="Symbol" panose="05050102010706020507" pitchFamily="18" charset="2"/>
+                  </a:rPr>
+                  <a:t>   f. f M</a:t>
+                </a:r>
+                <a:r>
+                  <a:rPr lang="en-US" altLang="zh-CN" baseline="-25000" dirty="0">
+                    <a:sym typeface="Symbol" panose="05050102010706020507" pitchFamily="18" charset="2"/>
+                  </a:rPr>
+                  <a:t>1</a:t>
+                </a:r>
+                <a:r>
+                  <a:rPr lang="en-US" altLang="zh-CN" dirty="0">
+                    <a:sym typeface="Symbol" panose="05050102010706020507" pitchFamily="18" charset="2"/>
+                  </a:rPr>
+                  <a:t> … </a:t>
+                </a:r>
+                <a:r>
+                  <a:rPr lang="en-US" altLang="zh-CN" dirty="0" err="1">
+                    <a:sym typeface="Symbol" panose="05050102010706020507" pitchFamily="18" charset="2"/>
+                  </a:rPr>
+                  <a:t>M</a:t>
+                </a:r>
+                <a:r>
+                  <a:rPr lang="en-US" altLang="zh-CN" baseline="-25000" dirty="0" err="1">
+                    <a:sym typeface="Symbol" panose="05050102010706020507" pitchFamily="18" charset="2"/>
+                  </a:rPr>
+                  <a:t>n</a:t>
+                </a:r>
+                <a:endParaRPr lang="en-US" altLang="zh-CN" baseline="-25000" dirty="0">
+                  <a:sym typeface="Symbol" panose="05050102010706020507" pitchFamily="18" charset="2"/>
+                </a:endParaRPr>
+              </a:p>
+              <a:p>
+                <a:pPr lvl="1">
+                  <a:spcBef>
+                    <a:spcPts val="1200"/>
+                  </a:spcBef>
+                </a:pPr>
+                <a:r>
+                  <a:rPr lang="en-US" altLang="zh-CN" dirty="0">
+                    <a:sym typeface="Symbol" panose="05050102010706020507" pitchFamily="18" charset="2"/>
+                  </a:rPr>
+                  <a:t></a:t>
+                </a:r>
+                <a:r>
+                  <a:rPr lang="en-US" altLang="zh-CN" baseline="-25000" dirty="0" err="1">
+                    <a:sym typeface="Symbol" panose="05050102010706020507" pitchFamily="18" charset="2"/>
+                  </a:rPr>
+                  <a:t>i</a:t>
+                </a:r>
+                <a:r>
+                  <a:rPr lang="en-US" altLang="zh-CN" dirty="0">
+                    <a:sym typeface="Symbol" panose="05050102010706020507" pitchFamily="18" charset="2"/>
+                  </a:rPr>
+                  <a:t> </a:t>
+                </a:r>
+                <a14:m>
+                  <m:oMath xmlns:m="http://schemas.openxmlformats.org/officeDocument/2006/math">
+                    <m:r>
+                      <a:rPr lang="en-US" altLang="zh-CN" i="1">
+                        <a:latin typeface="Cambria Math" panose="02040503050406030204" pitchFamily="18" charset="0"/>
+                        <a:sym typeface="Symbol" panose="05050102010706020507" pitchFamily="18" charset="2"/>
+                      </a:rPr>
+                      <m:t>≝</m:t>
+                    </m:r>
+                  </m:oMath>
+                </a14:m>
+                <a:r>
+                  <a:rPr lang="en-US" altLang="zh-CN" dirty="0">
+                    <a:sym typeface="Symbol" panose="05050102010706020507" pitchFamily="18" charset="2"/>
+                  </a:rPr>
+                  <a:t>  p. p (x</a:t>
+                </a:r>
+                <a:r>
+                  <a:rPr lang="en-US" altLang="zh-CN" baseline="-25000" dirty="0">
+                    <a:sym typeface="Symbol" panose="05050102010706020507" pitchFamily="18" charset="2"/>
+                  </a:rPr>
+                  <a:t>1</a:t>
+                </a:r>
+                <a:r>
+                  <a:rPr lang="en-US" altLang="zh-CN" dirty="0">
+                    <a:sym typeface="Symbol" panose="05050102010706020507" pitchFamily="18" charset="2"/>
+                  </a:rPr>
+                  <a:t>. … </a:t>
+                </a:r>
+                <a:r>
+                  <a:rPr lang="en-US" altLang="zh-CN" dirty="0" err="1">
+                    <a:sym typeface="Symbol" panose="05050102010706020507" pitchFamily="18" charset="2"/>
+                  </a:rPr>
+                  <a:t>x</a:t>
+                </a:r>
+                <a:r>
+                  <a:rPr lang="en-US" altLang="zh-CN" baseline="-25000" dirty="0" err="1">
+                    <a:sym typeface="Symbol" panose="05050102010706020507" pitchFamily="18" charset="2"/>
+                  </a:rPr>
+                  <a:t>n</a:t>
+                </a:r>
+                <a:r>
+                  <a:rPr lang="en-US" altLang="zh-CN" dirty="0">
+                    <a:sym typeface="Symbol" panose="05050102010706020507" pitchFamily="18" charset="2"/>
+                  </a:rPr>
+                  <a:t>. x</a:t>
+                </a:r>
+                <a:r>
+                  <a:rPr lang="en-US" altLang="zh-CN" baseline="-25000" dirty="0">
+                    <a:sym typeface="Symbol" panose="05050102010706020507" pitchFamily="18" charset="2"/>
+                  </a:rPr>
+                  <a:t>i</a:t>
+                </a:r>
+                <a:r>
+                  <a:rPr lang="en-US" altLang="zh-CN" dirty="0">
+                    <a:sym typeface="Symbol" panose="05050102010706020507" pitchFamily="18" charset="2"/>
+                  </a:rPr>
+                  <a:t>)</a:t>
+                </a:r>
+              </a:p>
+              <a:p>
+                <a:pPr lvl="1"/>
+                <a:endParaRPr lang="en-US" altLang="zh-CN" dirty="0">
+                  <a:sym typeface="Symbol" panose="05050102010706020507" pitchFamily="18" charset="2"/>
+                </a:endParaRPr>
+              </a:p>
+              <a:p>
+                <a:pPr lvl="1"/>
+                <a:endParaRPr lang="en-US" altLang="zh-CN" dirty="0">
+                  <a:sym typeface="Symbol" panose="05050102010706020507" pitchFamily="18" charset="2"/>
+                </a:endParaRPr>
+              </a:p>
+              <a:p>
+                <a:pPr lvl="1"/>
+                <a:endParaRPr lang="zh-CN" altLang="en-US" dirty="0"/>
+              </a:p>
+            </p:txBody>
+          </p:sp>
+        </mc:Choice>
+        <mc:Fallback>
+          <p:sp>
+            <p:nvSpPr>
+              <p:cNvPr id="3" name="内容占位符 2"/>
+              <p:cNvSpPr>
+                <a:spLocks noGrp="1" noRot="1" noChangeAspect="1" noMove="1" noResize="1" noEditPoints="1" noAdjustHandles="1" noChangeArrowheads="1" noChangeShapeType="1" noTextEdit="1"/>
+              </p:cNvSpPr>
+              <p:nvPr>
+                <p:ph idx="1"/>
+              </p:nvPr>
+            </p:nvSpPr>
+            <p:spPr>
+              <a:blipFill>
+                <a:blip r:embed="rId2"/>
+                <a:stretch>
+                  <a:fillRect l="-1391" t="-2241"/>
+                </a:stretch>
+              </a:blipFill>
+            </p:spPr>
+            <p:txBody>
+              <a:bodyPr/>
+              <a:lstStyle/>
+              <a:p>
+                <a:r>
+                  <a:rPr lang="zh-CN" altLang="en-US">
+                    <a:noFill/>
+                  </a:rPr>
+                  <a:t> </a:t>
+                </a:r>
+              </a:p>
+            </p:txBody>
+          </p:sp>
+        </mc:Fallback>
+      </mc:AlternateContent>
     </p:spTree>
     <p:extLst>
       <p:ext uri="{BB962C8B-B14F-4D97-AF65-F5344CB8AC3E}">
